--- a/PPT/OOPAndGo.pptx
+++ b/PPT/OOPAndGo.pptx
@@ -2,21 +2,20 @@
 <file path=ppt/presentation.xml><?xml version="1.0" encoding="utf-8"?>
 <p:presentation xmlns:a="http://schemas.openxmlformats.org/drawingml/2006/main" xmlns:r="http://schemas.openxmlformats.org/officeDocument/2006/relationships" xmlns:p="http://schemas.openxmlformats.org/presentationml/2006/main" saveSubsetFonts="1">
   <p:sldMasterIdLst>
-    <p:sldMasterId id="2147483648" r:id="rId1"/>
+    <p:sldMasterId id="2147483660" r:id="rId1"/>
   </p:sldMasterIdLst>
   <p:sldIdLst>
     <p:sldId id="256" r:id="rId2"/>
     <p:sldId id="257" r:id="rId3"/>
-    <p:sldId id="258" r:id="rId4"/>
-    <p:sldId id="259" r:id="rId5"/>
-    <p:sldId id="260" r:id="rId6"/>
-    <p:sldId id="261" r:id="rId7"/>
-    <p:sldId id="262" r:id="rId8"/>
-    <p:sldId id="263" r:id="rId9"/>
-    <p:sldId id="264" r:id="rId10"/>
-    <p:sldId id="265" r:id="rId11"/>
-    <p:sldId id="266" r:id="rId12"/>
-    <p:sldId id="267" r:id="rId13"/>
+    <p:sldId id="259" r:id="rId4"/>
+    <p:sldId id="260" r:id="rId5"/>
+    <p:sldId id="261" r:id="rId6"/>
+    <p:sldId id="262" r:id="rId7"/>
+    <p:sldId id="263" r:id="rId8"/>
+    <p:sldId id="264" r:id="rId9"/>
+    <p:sldId id="265" r:id="rId10"/>
+    <p:sldId id="266" r:id="rId11"/>
+    <p:sldId id="267" r:id="rId12"/>
   </p:sldIdLst>
   <p:sldSz cx="12192000" cy="6858000"/>
   <p:notesSz cx="6858000" cy="9144000"/>
@@ -24,7 +23,7 @@
     <a:defPPr>
       <a:defRPr lang="en-US"/>
     </a:defPPr>
-    <a:lvl1pPr marL="0" algn="l" defTabSz="914400" rtl="0" eaLnBrk="1" latinLnBrk="0" hangingPunct="1">
+    <a:lvl1pPr marL="0" algn="l" defTabSz="457200" rtl="0" eaLnBrk="1" latinLnBrk="0" hangingPunct="1">
       <a:defRPr sz="1800" kern="1200">
         <a:solidFill>
           <a:schemeClr val="tx1"/>
@@ -34,7 +33,7 @@
         <a:cs typeface="+mn-cs"/>
       </a:defRPr>
     </a:lvl1pPr>
-    <a:lvl2pPr marL="457200" algn="l" defTabSz="914400" rtl="0" eaLnBrk="1" latinLnBrk="0" hangingPunct="1">
+    <a:lvl2pPr marL="457200" algn="l" defTabSz="457200" rtl="0" eaLnBrk="1" latinLnBrk="0" hangingPunct="1">
       <a:defRPr sz="1800" kern="1200">
         <a:solidFill>
           <a:schemeClr val="tx1"/>
@@ -44,7 +43,7 @@
         <a:cs typeface="+mn-cs"/>
       </a:defRPr>
     </a:lvl2pPr>
-    <a:lvl3pPr marL="914400" algn="l" defTabSz="914400" rtl="0" eaLnBrk="1" latinLnBrk="0" hangingPunct="1">
+    <a:lvl3pPr marL="914400" algn="l" defTabSz="457200" rtl="0" eaLnBrk="1" latinLnBrk="0" hangingPunct="1">
       <a:defRPr sz="1800" kern="1200">
         <a:solidFill>
           <a:schemeClr val="tx1"/>
@@ -54,7 +53,7 @@
         <a:cs typeface="+mn-cs"/>
       </a:defRPr>
     </a:lvl3pPr>
-    <a:lvl4pPr marL="1371600" algn="l" defTabSz="914400" rtl="0" eaLnBrk="1" latinLnBrk="0" hangingPunct="1">
+    <a:lvl4pPr marL="1371600" algn="l" defTabSz="457200" rtl="0" eaLnBrk="1" latinLnBrk="0" hangingPunct="1">
       <a:defRPr sz="1800" kern="1200">
         <a:solidFill>
           <a:schemeClr val="tx1"/>
@@ -64,7 +63,7 @@
         <a:cs typeface="+mn-cs"/>
       </a:defRPr>
     </a:lvl4pPr>
-    <a:lvl5pPr marL="1828800" algn="l" defTabSz="914400" rtl="0" eaLnBrk="1" latinLnBrk="0" hangingPunct="1">
+    <a:lvl5pPr marL="1828800" algn="l" defTabSz="457200" rtl="0" eaLnBrk="1" latinLnBrk="0" hangingPunct="1">
       <a:defRPr sz="1800" kern="1200">
         <a:solidFill>
           <a:schemeClr val="tx1"/>
@@ -74,7 +73,7 @@
         <a:cs typeface="+mn-cs"/>
       </a:defRPr>
     </a:lvl5pPr>
-    <a:lvl6pPr marL="2286000" algn="l" defTabSz="914400" rtl="0" eaLnBrk="1" latinLnBrk="0" hangingPunct="1">
+    <a:lvl6pPr marL="2286000" algn="l" defTabSz="457200" rtl="0" eaLnBrk="1" latinLnBrk="0" hangingPunct="1">
       <a:defRPr sz="1800" kern="1200">
         <a:solidFill>
           <a:schemeClr val="tx1"/>
@@ -84,7 +83,7 @@
         <a:cs typeface="+mn-cs"/>
       </a:defRPr>
     </a:lvl6pPr>
-    <a:lvl7pPr marL="2743200" algn="l" defTabSz="914400" rtl="0" eaLnBrk="1" latinLnBrk="0" hangingPunct="1">
+    <a:lvl7pPr marL="2743200" algn="l" defTabSz="457200" rtl="0" eaLnBrk="1" latinLnBrk="0" hangingPunct="1">
       <a:defRPr sz="1800" kern="1200">
         <a:solidFill>
           <a:schemeClr val="tx1"/>
@@ -94,7 +93,7 @@
         <a:cs typeface="+mn-cs"/>
       </a:defRPr>
     </a:lvl7pPr>
-    <a:lvl8pPr marL="3200400" algn="l" defTabSz="914400" rtl="0" eaLnBrk="1" latinLnBrk="0" hangingPunct="1">
+    <a:lvl8pPr marL="3200400" algn="l" defTabSz="457200" rtl="0" eaLnBrk="1" latinLnBrk="0" hangingPunct="1">
       <a:defRPr sz="1800" kern="1200">
         <a:solidFill>
           <a:schemeClr val="tx1"/>
@@ -104,7 +103,7 @@
         <a:cs typeface="+mn-cs"/>
       </a:defRPr>
     </a:lvl8pPr>
-    <a:lvl9pPr marL="3657600" algn="l" defTabSz="914400" rtl="0" eaLnBrk="1" latinLnBrk="0" hangingPunct="1">
+    <a:lvl9pPr marL="3657600" algn="l" defTabSz="457200" rtl="0" eaLnBrk="1" latinLnBrk="0" hangingPunct="1">
       <a:defRPr sz="1800" kern="1200">
         <a:solidFill>
           <a:schemeClr val="tx1"/>
@@ -115,11 +114,16 @@
       </a:defRPr>
     </a:lvl9pPr>
   </p:defaultTextStyle>
+  <p:extLst>
+    <p:ext uri="{EFAFB233-063F-42B5-8137-9DF3F51BA10A}">
+      <p15:sldGuideLst xmlns:p15="http://schemas.microsoft.com/office/powerpoint/2012/main"/>
+    </p:ext>
+  </p:extLst>
 </p:presentation>
 </file>
 
 <file path=ppt/slideLayouts/slideLayout1.xml><?xml version="1.0" encoding="utf-8"?>
-<p:sldLayout xmlns:a="http://schemas.openxmlformats.org/drawingml/2006/main" xmlns:r="http://schemas.openxmlformats.org/officeDocument/2006/relationships" xmlns:p="http://schemas.openxmlformats.org/presentationml/2006/main" type="title" preserve="1">
+<p:sldLayout xmlns:a="http://schemas.openxmlformats.org/drawingml/2006/main" xmlns:r="http://schemas.openxmlformats.org/officeDocument/2006/relationships" xmlns:p="http://schemas.openxmlformats.org/presentationml/2006/main" showMasterSp="0" type="title" preserve="1">
   <p:cSld name="Diapositive de titre">
     <p:spTree>
       <p:nvGrpSpPr>
@@ -135,15 +139,539 @@
           <a:chExt cx="0" cy="0"/>
         </a:xfrm>
       </p:grpSpPr>
-      <p:sp>
-        <p:nvSpPr>
-          <p:cNvPr id="2" name="Titre 1">
-            <a:extLst>
-              <a:ext uri="{FF2B5EF4-FFF2-40B4-BE49-F238E27FC236}">
-                <a16:creationId xmlns:a16="http://schemas.microsoft.com/office/drawing/2014/main" id="{D4567373-1D71-4F53-BF5F-BB2278254A05}"/>
-              </a:ext>
-            </a:extLst>
-          </p:cNvPr>
+      <p:grpSp>
+        <p:nvGrpSpPr>
+          <p:cNvPr id="7" name="Group 6"/>
+          <p:cNvGrpSpPr/>
+          <p:nvPr/>
+        </p:nvGrpSpPr>
+        <p:grpSpPr>
+          <a:xfrm>
+            <a:off x="0" y="-8467"/>
+            <a:ext cx="12192000" cy="6866467"/>
+            <a:chOff x="0" y="-8467"/>
+            <a:chExt cx="12192000" cy="6866467"/>
+          </a:xfrm>
+        </p:grpSpPr>
+        <p:cxnSp>
+          <p:nvCxnSpPr>
+            <p:cNvPr id="32" name="Straight Connector 31"/>
+            <p:cNvCxnSpPr/>
+            <p:nvPr/>
+          </p:nvCxnSpPr>
+          <p:spPr>
+            <a:xfrm>
+              <a:off x="9371012" y="0"/>
+              <a:ext cx="1219200" cy="6858000"/>
+            </a:xfrm>
+            <a:prstGeom prst="line">
+              <a:avLst/>
+            </a:prstGeom>
+            <a:ln w="9525">
+              <a:solidFill>
+                <a:schemeClr val="bg1">
+                  <a:lumMod val="75000"/>
+                </a:schemeClr>
+              </a:solidFill>
+            </a:ln>
+          </p:spPr>
+          <p:style>
+            <a:lnRef idx="2">
+              <a:schemeClr val="accent1"/>
+            </a:lnRef>
+            <a:fillRef idx="0">
+              <a:schemeClr val="accent1"/>
+            </a:fillRef>
+            <a:effectRef idx="1">
+              <a:schemeClr val="accent1"/>
+            </a:effectRef>
+            <a:fontRef idx="minor">
+              <a:schemeClr val="tx1"/>
+            </a:fontRef>
+          </p:style>
+        </p:cxnSp>
+        <p:cxnSp>
+          <p:nvCxnSpPr>
+            <p:cNvPr id="21" name="Straight Connector 20"/>
+            <p:cNvCxnSpPr/>
+            <p:nvPr/>
+          </p:nvCxnSpPr>
+          <p:spPr>
+            <a:xfrm flipH="1">
+              <a:off x="7425267" y="3681413"/>
+              <a:ext cx="4763558" cy="3176587"/>
+            </a:xfrm>
+            <a:prstGeom prst="line">
+              <a:avLst/>
+            </a:prstGeom>
+            <a:ln w="9525">
+              <a:solidFill>
+                <a:schemeClr val="bg1">
+                  <a:lumMod val="85000"/>
+                </a:schemeClr>
+              </a:solidFill>
+            </a:ln>
+          </p:spPr>
+          <p:style>
+            <a:lnRef idx="2">
+              <a:schemeClr val="accent1"/>
+            </a:lnRef>
+            <a:fillRef idx="0">
+              <a:schemeClr val="accent1"/>
+            </a:fillRef>
+            <a:effectRef idx="1">
+              <a:schemeClr val="accent1"/>
+            </a:effectRef>
+            <a:fontRef idx="minor">
+              <a:schemeClr val="tx1"/>
+            </a:fontRef>
+          </p:style>
+        </p:cxnSp>
+        <p:sp>
+          <p:nvSpPr>
+            <p:cNvPr id="24" name="Rectangle 23"/>
+            <p:cNvSpPr/>
+            <p:nvPr/>
+          </p:nvSpPr>
+          <p:spPr>
+            <a:xfrm>
+              <a:off x="9181476" y="-8467"/>
+              <a:ext cx="3007349" cy="6866467"/>
+            </a:xfrm>
+            <a:custGeom>
+              <a:avLst/>
+              <a:gdLst/>
+              <a:ahLst/>
+              <a:cxnLst/>
+              <a:rect l="l" t="t" r="r" b="b"/>
+              <a:pathLst>
+                <a:path w="3007349" h="6866467">
+                  <a:moveTo>
+                    <a:pt x="2045532" y="0"/>
+                  </a:moveTo>
+                  <a:lnTo>
+                    <a:pt x="3007349" y="0"/>
+                  </a:lnTo>
+                  <a:lnTo>
+                    <a:pt x="3007349" y="6866467"/>
+                  </a:lnTo>
+                  <a:lnTo>
+                    <a:pt x="0" y="6866467"/>
+                  </a:lnTo>
+                  <a:lnTo>
+                    <a:pt x="2045532" y="0"/>
+                  </a:lnTo>
+                  <a:close/>
+                </a:path>
+              </a:pathLst>
+            </a:custGeom>
+            <a:solidFill>
+              <a:schemeClr val="accent1">
+                <a:alpha val="30000"/>
+              </a:schemeClr>
+            </a:solidFill>
+            <a:ln>
+              <a:noFill/>
+            </a:ln>
+            <a:effectLst/>
+          </p:spPr>
+          <p:style>
+            <a:lnRef idx="1">
+              <a:schemeClr val="accent1"/>
+            </a:lnRef>
+            <a:fillRef idx="3">
+              <a:schemeClr val="accent1"/>
+            </a:fillRef>
+            <a:effectRef idx="2">
+              <a:schemeClr val="accent1"/>
+            </a:effectRef>
+            <a:fontRef idx="minor">
+              <a:schemeClr val="lt1"/>
+            </a:fontRef>
+          </p:style>
+        </p:sp>
+        <p:sp>
+          <p:nvSpPr>
+            <p:cNvPr id="26" name="Rectangle 25"/>
+            <p:cNvSpPr/>
+            <p:nvPr/>
+          </p:nvSpPr>
+          <p:spPr>
+            <a:xfrm>
+              <a:off x="9603442" y="-8467"/>
+              <a:ext cx="2588558" cy="6866467"/>
+            </a:xfrm>
+            <a:custGeom>
+              <a:avLst/>
+              <a:gdLst/>
+              <a:ahLst/>
+              <a:cxnLst/>
+              <a:rect l="l" t="t" r="r" b="b"/>
+              <a:pathLst>
+                <a:path w="2573311" h="6866467">
+                  <a:moveTo>
+                    <a:pt x="0" y="0"/>
+                  </a:moveTo>
+                  <a:lnTo>
+                    <a:pt x="2573311" y="0"/>
+                  </a:lnTo>
+                  <a:lnTo>
+                    <a:pt x="2573311" y="6866467"/>
+                  </a:lnTo>
+                  <a:lnTo>
+                    <a:pt x="1202336" y="6866467"/>
+                  </a:lnTo>
+                  <a:lnTo>
+                    <a:pt x="0" y="0"/>
+                  </a:lnTo>
+                  <a:close/>
+                </a:path>
+              </a:pathLst>
+            </a:custGeom>
+            <a:solidFill>
+              <a:schemeClr val="accent1">
+                <a:alpha val="20000"/>
+              </a:schemeClr>
+            </a:solidFill>
+            <a:ln>
+              <a:noFill/>
+            </a:ln>
+            <a:effectLst/>
+          </p:spPr>
+          <p:style>
+            <a:lnRef idx="1">
+              <a:schemeClr val="accent1"/>
+            </a:lnRef>
+            <a:fillRef idx="3">
+              <a:schemeClr val="accent1"/>
+            </a:fillRef>
+            <a:effectRef idx="2">
+              <a:schemeClr val="accent1"/>
+            </a:effectRef>
+            <a:fontRef idx="minor">
+              <a:schemeClr val="lt1"/>
+            </a:fontRef>
+          </p:style>
+        </p:sp>
+        <p:sp>
+          <p:nvSpPr>
+            <p:cNvPr id="27" name="Isosceles Triangle 26"/>
+            <p:cNvSpPr/>
+            <p:nvPr/>
+          </p:nvSpPr>
+          <p:spPr>
+            <a:xfrm>
+              <a:off x="8932333" y="3048000"/>
+              <a:ext cx="3259667" cy="3810000"/>
+            </a:xfrm>
+            <a:prstGeom prst="triangle">
+              <a:avLst>
+                <a:gd name="adj" fmla="val 100000"/>
+              </a:avLst>
+            </a:prstGeom>
+            <a:solidFill>
+              <a:schemeClr val="accent2">
+                <a:alpha val="72000"/>
+              </a:schemeClr>
+            </a:solidFill>
+            <a:ln>
+              <a:noFill/>
+            </a:ln>
+            <a:effectLst/>
+          </p:spPr>
+          <p:style>
+            <a:lnRef idx="1">
+              <a:schemeClr val="accent1"/>
+            </a:lnRef>
+            <a:fillRef idx="3">
+              <a:schemeClr val="accent1"/>
+            </a:fillRef>
+            <a:effectRef idx="2">
+              <a:schemeClr val="accent1"/>
+            </a:effectRef>
+            <a:fontRef idx="minor">
+              <a:schemeClr val="lt1"/>
+            </a:fontRef>
+          </p:style>
+        </p:sp>
+        <p:sp>
+          <p:nvSpPr>
+            <p:cNvPr id="28" name="Rectangle 27"/>
+            <p:cNvSpPr/>
+            <p:nvPr/>
+          </p:nvSpPr>
+          <p:spPr>
+            <a:xfrm>
+              <a:off x="9334500" y="-8467"/>
+              <a:ext cx="2854326" cy="6866467"/>
+            </a:xfrm>
+            <a:custGeom>
+              <a:avLst/>
+              <a:gdLst/>
+              <a:ahLst/>
+              <a:cxnLst/>
+              <a:rect l="l" t="t" r="r" b="b"/>
+              <a:pathLst>
+                <a:path w="2858013" h="6866467">
+                  <a:moveTo>
+                    <a:pt x="0" y="0"/>
+                  </a:moveTo>
+                  <a:lnTo>
+                    <a:pt x="2858013" y="0"/>
+                  </a:lnTo>
+                  <a:lnTo>
+                    <a:pt x="2858013" y="6866467"/>
+                  </a:lnTo>
+                  <a:lnTo>
+                    <a:pt x="2473942" y="6866467"/>
+                  </a:lnTo>
+                  <a:lnTo>
+                    <a:pt x="0" y="0"/>
+                  </a:lnTo>
+                  <a:close/>
+                </a:path>
+              </a:pathLst>
+            </a:custGeom>
+            <a:solidFill>
+              <a:schemeClr val="accent2">
+                <a:lumMod val="75000"/>
+                <a:alpha val="70000"/>
+              </a:schemeClr>
+            </a:solidFill>
+            <a:ln>
+              <a:noFill/>
+            </a:ln>
+            <a:effectLst/>
+          </p:spPr>
+          <p:style>
+            <a:lnRef idx="1">
+              <a:schemeClr val="accent1"/>
+            </a:lnRef>
+            <a:fillRef idx="3">
+              <a:schemeClr val="accent1"/>
+            </a:fillRef>
+            <a:effectRef idx="2">
+              <a:schemeClr val="accent1"/>
+            </a:effectRef>
+            <a:fontRef idx="minor">
+              <a:schemeClr val="lt1"/>
+            </a:fontRef>
+          </p:style>
+        </p:sp>
+        <p:sp>
+          <p:nvSpPr>
+            <p:cNvPr id="29" name="Rectangle 28"/>
+            <p:cNvSpPr/>
+            <p:nvPr/>
+          </p:nvSpPr>
+          <p:spPr>
+            <a:xfrm>
+              <a:off x="10898730" y="-8467"/>
+              <a:ext cx="1290094" cy="6866467"/>
+            </a:xfrm>
+            <a:custGeom>
+              <a:avLst/>
+              <a:gdLst/>
+              <a:ahLst/>
+              <a:cxnLst/>
+              <a:rect l="l" t="t" r="r" b="b"/>
+              <a:pathLst>
+                <a:path w="1290094" h="6858000">
+                  <a:moveTo>
+                    <a:pt x="1019735" y="0"/>
+                  </a:moveTo>
+                  <a:lnTo>
+                    <a:pt x="1290094" y="0"/>
+                  </a:lnTo>
+                  <a:lnTo>
+                    <a:pt x="1290094" y="6858000"/>
+                  </a:lnTo>
+                  <a:lnTo>
+                    <a:pt x="0" y="6858000"/>
+                  </a:lnTo>
+                  <a:lnTo>
+                    <a:pt x="1019735" y="0"/>
+                  </a:lnTo>
+                  <a:close/>
+                </a:path>
+              </a:pathLst>
+            </a:custGeom>
+            <a:solidFill>
+              <a:schemeClr val="accent1">
+                <a:lumMod val="60000"/>
+                <a:lumOff val="40000"/>
+                <a:alpha val="70000"/>
+              </a:schemeClr>
+            </a:solidFill>
+            <a:ln>
+              <a:noFill/>
+            </a:ln>
+            <a:effectLst/>
+          </p:spPr>
+          <p:style>
+            <a:lnRef idx="1">
+              <a:schemeClr val="accent1"/>
+            </a:lnRef>
+            <a:fillRef idx="3">
+              <a:schemeClr val="accent1"/>
+            </a:fillRef>
+            <a:effectRef idx="2">
+              <a:schemeClr val="accent1"/>
+            </a:effectRef>
+            <a:fontRef idx="minor">
+              <a:schemeClr val="lt1"/>
+            </a:fontRef>
+          </p:style>
+        </p:sp>
+        <p:sp>
+          <p:nvSpPr>
+            <p:cNvPr id="30" name="Rectangle 29"/>
+            <p:cNvSpPr/>
+            <p:nvPr/>
+          </p:nvSpPr>
+          <p:spPr>
+            <a:xfrm>
+              <a:off x="10938999" y="-8467"/>
+              <a:ext cx="1249825" cy="6866467"/>
+            </a:xfrm>
+            <a:custGeom>
+              <a:avLst/>
+              <a:gdLst/>
+              <a:ahLst/>
+              <a:cxnLst/>
+              <a:rect l="l" t="t" r="r" b="b"/>
+              <a:pathLst>
+                <a:path w="1249825" h="6858000">
+                  <a:moveTo>
+                    <a:pt x="0" y="0"/>
+                  </a:moveTo>
+                  <a:lnTo>
+                    <a:pt x="1249825" y="0"/>
+                  </a:lnTo>
+                  <a:lnTo>
+                    <a:pt x="1249825" y="6858000"/>
+                  </a:lnTo>
+                  <a:lnTo>
+                    <a:pt x="1109382" y="6858000"/>
+                  </a:lnTo>
+                  <a:lnTo>
+                    <a:pt x="0" y="0"/>
+                  </a:lnTo>
+                  <a:close/>
+                </a:path>
+              </a:pathLst>
+            </a:custGeom>
+            <a:solidFill>
+              <a:schemeClr val="accent1">
+                <a:alpha val="65000"/>
+              </a:schemeClr>
+            </a:solidFill>
+            <a:ln>
+              <a:noFill/>
+            </a:ln>
+            <a:effectLst/>
+          </p:spPr>
+          <p:style>
+            <a:lnRef idx="1">
+              <a:schemeClr val="accent1"/>
+            </a:lnRef>
+            <a:fillRef idx="3">
+              <a:schemeClr val="accent1"/>
+            </a:fillRef>
+            <a:effectRef idx="2">
+              <a:schemeClr val="accent1"/>
+            </a:effectRef>
+            <a:fontRef idx="minor">
+              <a:schemeClr val="lt1"/>
+            </a:fontRef>
+          </p:style>
+        </p:sp>
+        <p:sp>
+          <p:nvSpPr>
+            <p:cNvPr id="31" name="Isosceles Triangle 30"/>
+            <p:cNvSpPr/>
+            <p:nvPr/>
+          </p:nvSpPr>
+          <p:spPr>
+            <a:xfrm>
+              <a:off x="10371666" y="3589867"/>
+              <a:ext cx="1817159" cy="3268133"/>
+            </a:xfrm>
+            <a:prstGeom prst="triangle">
+              <a:avLst>
+                <a:gd name="adj" fmla="val 100000"/>
+              </a:avLst>
+            </a:prstGeom>
+            <a:solidFill>
+              <a:schemeClr val="accent1">
+                <a:alpha val="80000"/>
+              </a:schemeClr>
+            </a:solidFill>
+            <a:ln>
+              <a:noFill/>
+            </a:ln>
+            <a:effectLst/>
+          </p:spPr>
+          <p:style>
+            <a:lnRef idx="1">
+              <a:schemeClr val="accent1"/>
+            </a:lnRef>
+            <a:fillRef idx="3">
+              <a:schemeClr val="accent1"/>
+            </a:fillRef>
+            <a:effectRef idx="2">
+              <a:schemeClr val="accent1"/>
+            </a:effectRef>
+            <a:fontRef idx="minor">
+              <a:schemeClr val="lt1"/>
+            </a:fontRef>
+          </p:style>
+        </p:sp>
+        <p:sp>
+          <p:nvSpPr>
+            <p:cNvPr id="19" name="Isosceles Triangle 18"/>
+            <p:cNvSpPr/>
+            <p:nvPr/>
+          </p:nvSpPr>
+          <p:spPr>
+            <a:xfrm rot="10800000">
+              <a:off x="0" y="0"/>
+              <a:ext cx="842596" cy="5666154"/>
+            </a:xfrm>
+            <a:prstGeom prst="triangle">
+              <a:avLst>
+                <a:gd name="adj" fmla="val 100000"/>
+              </a:avLst>
+            </a:prstGeom>
+            <a:solidFill>
+              <a:schemeClr val="accent1">
+                <a:alpha val="85000"/>
+              </a:schemeClr>
+            </a:solidFill>
+            <a:ln>
+              <a:noFill/>
+            </a:ln>
+            <a:effectLst/>
+          </p:spPr>
+          <p:style>
+            <a:lnRef idx="1">
+              <a:schemeClr val="accent1"/>
+            </a:lnRef>
+            <a:fillRef idx="3">
+              <a:schemeClr val="accent1"/>
+            </a:fillRef>
+            <a:effectRef idx="2">
+              <a:schemeClr val="accent1"/>
+            </a:effectRef>
+            <a:fontRef idx="minor">
+              <a:schemeClr val="lt1"/>
+            </a:fontRef>
+          </p:style>
+        </p:sp>
+      </p:grpSp>
+      <p:sp>
+        <p:nvSpPr>
+          <p:cNvPr id="2" name="Title 1"/>
           <p:cNvSpPr>
             <a:spLocks noGrp="1"/>
           </p:cNvSpPr>
@@ -153,15 +681,21 @@
         </p:nvSpPr>
         <p:spPr>
           <a:xfrm>
-            <a:off x="1524000" y="1122363"/>
-            <a:ext cx="9144000" cy="2387600"/>
+            <a:off x="1507067" y="2404534"/>
+            <a:ext cx="7766936" cy="1646302"/>
           </a:xfrm>
         </p:spPr>
         <p:txBody>
-          <a:bodyPr anchor="b"/>
+          <a:bodyPr anchor="b">
+            <a:noAutofit/>
+          </a:bodyPr>
           <a:lstStyle>
-            <a:lvl1pPr algn="ctr">
-              <a:defRPr sz="6000"/>
+            <a:lvl1pPr algn="r">
+              <a:defRPr sz="5400">
+                <a:solidFill>
+                  <a:schemeClr val="accent1"/>
+                </a:solidFill>
+              </a:defRPr>
             </a:lvl1pPr>
           </a:lstStyle>
           <a:p>
@@ -169,19 +703,13 @@
               <a:rPr lang="fr-FR"/>
               <a:t>Modifiez le style du titre</a:t>
             </a:r>
-            <a:endParaRPr lang="en-GB"/>
-          </a:p>
-        </p:txBody>
-      </p:sp>
-      <p:sp>
-        <p:nvSpPr>
-          <p:cNvPr id="3" name="Sous-titre 2">
-            <a:extLst>
-              <a:ext uri="{FF2B5EF4-FFF2-40B4-BE49-F238E27FC236}">
-                <a16:creationId xmlns:a16="http://schemas.microsoft.com/office/drawing/2014/main" id="{4C1AE5BF-DAF9-467E-9004-31273E1258F1}"/>
-              </a:ext>
-            </a:extLst>
-          </p:cNvPr>
+            <a:endParaRPr lang="en-US" dirty="0"/>
+          </a:p>
+        </p:txBody>
+      </p:sp>
+      <p:sp>
+        <p:nvSpPr>
+          <p:cNvPr id="3" name="Subtitle 2"/>
           <p:cNvSpPr>
             <a:spLocks noGrp="1"/>
           </p:cNvSpPr>
@@ -191,48 +719,103 @@
         </p:nvSpPr>
         <p:spPr>
           <a:xfrm>
-            <a:off x="1524000" y="3602038"/>
-            <a:ext cx="9144000" cy="1655762"/>
+            <a:off x="1507067" y="4050833"/>
+            <a:ext cx="7766936" cy="1096899"/>
           </a:xfrm>
         </p:spPr>
         <p:txBody>
-          <a:bodyPr/>
+          <a:bodyPr anchor="t"/>
           <a:lstStyle>
-            <a:lvl1pPr marL="0" indent="0" algn="ctr">
-              <a:buNone/>
-              <a:defRPr sz="2400"/>
+            <a:lvl1pPr marL="0" indent="0" algn="r">
+              <a:buNone/>
+              <a:defRPr>
+                <a:solidFill>
+                  <a:schemeClr val="tx1">
+                    <a:lumMod val="50000"/>
+                    <a:lumOff val="50000"/>
+                  </a:schemeClr>
+                </a:solidFill>
+              </a:defRPr>
             </a:lvl1pPr>
             <a:lvl2pPr marL="457200" indent="0" algn="ctr">
               <a:buNone/>
-              <a:defRPr sz="2000"/>
+              <a:defRPr>
+                <a:solidFill>
+                  <a:schemeClr val="tx1">
+                    <a:tint val="75000"/>
+                  </a:schemeClr>
+                </a:solidFill>
+              </a:defRPr>
             </a:lvl2pPr>
             <a:lvl3pPr marL="914400" indent="0" algn="ctr">
               <a:buNone/>
-              <a:defRPr sz="1800"/>
+              <a:defRPr>
+                <a:solidFill>
+                  <a:schemeClr val="tx1">
+                    <a:tint val="75000"/>
+                  </a:schemeClr>
+                </a:solidFill>
+              </a:defRPr>
             </a:lvl3pPr>
             <a:lvl4pPr marL="1371600" indent="0" algn="ctr">
               <a:buNone/>
-              <a:defRPr sz="1600"/>
+              <a:defRPr>
+                <a:solidFill>
+                  <a:schemeClr val="tx1">
+                    <a:tint val="75000"/>
+                  </a:schemeClr>
+                </a:solidFill>
+              </a:defRPr>
             </a:lvl4pPr>
             <a:lvl5pPr marL="1828800" indent="0" algn="ctr">
               <a:buNone/>
-              <a:defRPr sz="1600"/>
+              <a:defRPr>
+                <a:solidFill>
+                  <a:schemeClr val="tx1">
+                    <a:tint val="75000"/>
+                  </a:schemeClr>
+                </a:solidFill>
+              </a:defRPr>
             </a:lvl5pPr>
             <a:lvl6pPr marL="2286000" indent="0" algn="ctr">
               <a:buNone/>
-              <a:defRPr sz="1600"/>
+              <a:defRPr>
+                <a:solidFill>
+                  <a:schemeClr val="tx1">
+                    <a:tint val="75000"/>
+                  </a:schemeClr>
+                </a:solidFill>
+              </a:defRPr>
             </a:lvl6pPr>
             <a:lvl7pPr marL="2743200" indent="0" algn="ctr">
               <a:buNone/>
-              <a:defRPr sz="1600"/>
+              <a:defRPr>
+                <a:solidFill>
+                  <a:schemeClr val="tx1">
+                    <a:tint val="75000"/>
+                  </a:schemeClr>
+                </a:solidFill>
+              </a:defRPr>
             </a:lvl7pPr>
             <a:lvl8pPr marL="3200400" indent="0" algn="ctr">
               <a:buNone/>
-              <a:defRPr sz="1600"/>
+              <a:defRPr>
+                <a:solidFill>
+                  <a:schemeClr val="tx1">
+                    <a:tint val="75000"/>
+                  </a:schemeClr>
+                </a:solidFill>
+              </a:defRPr>
             </a:lvl8pPr>
             <a:lvl9pPr marL="3657600" indent="0" algn="ctr">
               <a:buNone/>
-              <a:defRPr sz="1600"/>
+              <a:defRPr>
+                <a:solidFill>
+                  <a:schemeClr val="tx1">
+                    <a:tint val="75000"/>
+                  </a:schemeClr>
+                </a:solidFill>
+              </a:defRPr>
             </a:lvl9pPr>
           </a:lstStyle>
           <a:p>
@@ -240,19 +823,13 @@
               <a:rPr lang="fr-FR"/>
               <a:t>Modifiez le style des sous-titres du masque</a:t>
             </a:r>
-            <a:endParaRPr lang="en-GB"/>
-          </a:p>
-        </p:txBody>
-      </p:sp>
-      <p:sp>
-        <p:nvSpPr>
-          <p:cNvPr id="4" name="Espace réservé de la date 3">
-            <a:extLst>
-              <a:ext uri="{FF2B5EF4-FFF2-40B4-BE49-F238E27FC236}">
-                <a16:creationId xmlns:a16="http://schemas.microsoft.com/office/drawing/2014/main" id="{155D4AFB-4C7D-4666-9C17-CF293143D6D5}"/>
-              </a:ext>
-            </a:extLst>
-          </p:cNvPr>
+            <a:endParaRPr lang="en-US" dirty="0"/>
+          </a:p>
+        </p:txBody>
+      </p:sp>
+      <p:sp>
+        <p:nvSpPr>
+          <p:cNvPr id="4" name="Date Placeholder 3"/>
           <p:cNvSpPr>
             <a:spLocks noGrp="1"/>
           </p:cNvSpPr>
@@ -275,13 +852,7 @@
       </p:sp>
       <p:sp>
         <p:nvSpPr>
-          <p:cNvPr id="5" name="Espace réservé du pied de page 4">
-            <a:extLst>
-              <a:ext uri="{FF2B5EF4-FFF2-40B4-BE49-F238E27FC236}">
-                <a16:creationId xmlns:a16="http://schemas.microsoft.com/office/drawing/2014/main" id="{F5E0D3FE-CA00-4ACB-9BFC-8EE72EA03CD4}"/>
-              </a:ext>
-            </a:extLst>
-          </p:cNvPr>
+          <p:cNvPr id="5" name="Footer Placeholder 4"/>
           <p:cNvSpPr>
             <a:spLocks noGrp="1"/>
           </p:cNvSpPr>
@@ -300,13 +871,7 @@
       </p:sp>
       <p:sp>
         <p:nvSpPr>
-          <p:cNvPr id="6" name="Espace réservé du numéro de diapositive 5">
-            <a:extLst>
-              <a:ext uri="{FF2B5EF4-FFF2-40B4-BE49-F238E27FC236}">
-                <a16:creationId xmlns:a16="http://schemas.microsoft.com/office/drawing/2014/main" id="{5EACC27F-9E0A-4F87-B31D-AB04E0395201}"/>
-              </a:ext>
-            </a:extLst>
-          </p:cNvPr>
+          <p:cNvPr id="6" name="Slide Number Placeholder 5"/>
           <p:cNvSpPr>
             <a:spLocks noGrp="1"/>
           </p:cNvSpPr>
@@ -330,7 +895,7 @@
     </p:spTree>
     <p:extLst>
       <p:ext uri="{BB962C8B-B14F-4D97-AF65-F5344CB8AC3E}">
-        <p14:creationId xmlns:p14="http://schemas.microsoft.com/office/powerpoint/2010/main" val="3300116994"/>
+        <p14:creationId xmlns:p14="http://schemas.microsoft.com/office/powerpoint/2010/main" val="907728216"/>
       </p:ext>
     </p:extLst>
   </p:cSld>
@@ -341,6 +906,1619 @@
 </file>
 
 <file path=ppt/slideLayouts/slideLayout10.xml><?xml version="1.0" encoding="utf-8"?>
+<p:sldLayout xmlns:a="http://schemas.openxmlformats.org/drawingml/2006/main" xmlns:r="http://schemas.openxmlformats.org/officeDocument/2006/relationships" xmlns:p="http://schemas.openxmlformats.org/presentationml/2006/main" preserve="1">
+  <p:cSld name="Titre et légende">
+    <p:spTree>
+      <p:nvGrpSpPr>
+        <p:cNvPr id="1" name=""/>
+        <p:cNvGrpSpPr/>
+        <p:nvPr/>
+      </p:nvGrpSpPr>
+      <p:grpSpPr>
+        <a:xfrm>
+          <a:off x="0" y="0"/>
+          <a:ext cx="0" cy="0"/>
+          <a:chOff x="0" y="0"/>
+          <a:chExt cx="0" cy="0"/>
+        </a:xfrm>
+      </p:grpSpPr>
+      <p:sp>
+        <p:nvSpPr>
+          <p:cNvPr id="2" name="Title 1"/>
+          <p:cNvSpPr>
+            <a:spLocks noGrp="1"/>
+          </p:cNvSpPr>
+          <p:nvPr>
+            <p:ph type="title"/>
+          </p:nvPr>
+        </p:nvSpPr>
+        <p:spPr>
+          <a:xfrm>
+            <a:off x="677335" y="609600"/>
+            <a:ext cx="8596668" cy="3403600"/>
+          </a:xfrm>
+        </p:spPr>
+        <p:txBody>
+          <a:bodyPr anchor="ctr">
+            <a:normAutofit/>
+          </a:bodyPr>
+          <a:lstStyle>
+            <a:lvl1pPr algn="l">
+              <a:defRPr sz="4400" b="0" cap="none"/>
+            </a:lvl1pPr>
+          </a:lstStyle>
+          <a:p>
+            <a:r>
+              <a:rPr lang="fr-FR"/>
+              <a:t>Modifiez le style du titre</a:t>
+            </a:r>
+            <a:endParaRPr lang="en-US" dirty="0"/>
+          </a:p>
+        </p:txBody>
+      </p:sp>
+      <p:sp>
+        <p:nvSpPr>
+          <p:cNvPr id="3" name="Text Placeholder 2"/>
+          <p:cNvSpPr>
+            <a:spLocks noGrp="1"/>
+          </p:cNvSpPr>
+          <p:nvPr>
+            <p:ph type="body" idx="1"/>
+          </p:nvPr>
+        </p:nvSpPr>
+        <p:spPr>
+          <a:xfrm>
+            <a:off x="677335" y="4470400"/>
+            <a:ext cx="8596668" cy="1570962"/>
+          </a:xfrm>
+        </p:spPr>
+        <p:txBody>
+          <a:bodyPr anchor="ctr">
+            <a:normAutofit/>
+          </a:bodyPr>
+          <a:lstStyle>
+            <a:lvl1pPr marL="0" indent="0" algn="l">
+              <a:buNone/>
+              <a:defRPr sz="1800">
+                <a:solidFill>
+                  <a:schemeClr val="tx1">
+                    <a:lumMod val="75000"/>
+                    <a:lumOff val="25000"/>
+                  </a:schemeClr>
+                </a:solidFill>
+              </a:defRPr>
+            </a:lvl1pPr>
+            <a:lvl2pPr marL="457200" indent="0">
+              <a:buNone/>
+              <a:defRPr sz="1800">
+                <a:solidFill>
+                  <a:schemeClr val="tx1">
+                    <a:tint val="75000"/>
+                  </a:schemeClr>
+                </a:solidFill>
+              </a:defRPr>
+            </a:lvl2pPr>
+            <a:lvl3pPr marL="914400" indent="0">
+              <a:buNone/>
+              <a:defRPr sz="1600">
+                <a:solidFill>
+                  <a:schemeClr val="tx1">
+                    <a:tint val="75000"/>
+                  </a:schemeClr>
+                </a:solidFill>
+              </a:defRPr>
+            </a:lvl3pPr>
+            <a:lvl4pPr marL="1371600" indent="0">
+              <a:buNone/>
+              <a:defRPr sz="1400">
+                <a:solidFill>
+                  <a:schemeClr val="tx1">
+                    <a:tint val="75000"/>
+                  </a:schemeClr>
+                </a:solidFill>
+              </a:defRPr>
+            </a:lvl4pPr>
+            <a:lvl5pPr marL="1828800" indent="0">
+              <a:buNone/>
+              <a:defRPr sz="1400">
+                <a:solidFill>
+                  <a:schemeClr val="tx1">
+                    <a:tint val="75000"/>
+                  </a:schemeClr>
+                </a:solidFill>
+              </a:defRPr>
+            </a:lvl5pPr>
+            <a:lvl6pPr marL="2286000" indent="0">
+              <a:buNone/>
+              <a:defRPr sz="1400">
+                <a:solidFill>
+                  <a:schemeClr val="tx1">
+                    <a:tint val="75000"/>
+                  </a:schemeClr>
+                </a:solidFill>
+              </a:defRPr>
+            </a:lvl6pPr>
+            <a:lvl7pPr marL="2743200" indent="0">
+              <a:buNone/>
+              <a:defRPr sz="1400">
+                <a:solidFill>
+                  <a:schemeClr val="tx1">
+                    <a:tint val="75000"/>
+                  </a:schemeClr>
+                </a:solidFill>
+              </a:defRPr>
+            </a:lvl7pPr>
+            <a:lvl8pPr marL="3200400" indent="0">
+              <a:buNone/>
+              <a:defRPr sz="1400">
+                <a:solidFill>
+                  <a:schemeClr val="tx1">
+                    <a:tint val="75000"/>
+                  </a:schemeClr>
+                </a:solidFill>
+              </a:defRPr>
+            </a:lvl8pPr>
+            <a:lvl9pPr marL="3657600" indent="0">
+              <a:buNone/>
+              <a:defRPr sz="1400">
+                <a:solidFill>
+                  <a:schemeClr val="tx1">
+                    <a:tint val="75000"/>
+                  </a:schemeClr>
+                </a:solidFill>
+              </a:defRPr>
+            </a:lvl9pPr>
+          </a:lstStyle>
+          <a:p>
+            <a:pPr lvl="0"/>
+            <a:r>
+              <a:rPr lang="fr-FR"/>
+              <a:t>Cliquez pour modifier les styles du texte du masque</a:t>
+            </a:r>
+          </a:p>
+        </p:txBody>
+      </p:sp>
+      <p:sp>
+        <p:nvSpPr>
+          <p:cNvPr id="4" name="Date Placeholder 3"/>
+          <p:cNvSpPr>
+            <a:spLocks noGrp="1"/>
+          </p:cNvSpPr>
+          <p:nvPr>
+            <p:ph type="dt" sz="half" idx="10"/>
+          </p:nvPr>
+        </p:nvSpPr>
+        <p:spPr/>
+        <p:txBody>
+          <a:bodyPr/>
+          <a:lstStyle/>
+          <a:p>
+            <a:fld id="{C0C4FB13-012F-4037-81DA-501F3326904A}" type="datetimeFigureOut">
+              <a:rPr lang="en-GB" smtClean="0"/>
+              <a:t>05/11/2019</a:t>
+            </a:fld>
+            <a:endParaRPr lang="en-GB"/>
+          </a:p>
+        </p:txBody>
+      </p:sp>
+      <p:sp>
+        <p:nvSpPr>
+          <p:cNvPr id="5" name="Footer Placeholder 4"/>
+          <p:cNvSpPr>
+            <a:spLocks noGrp="1"/>
+          </p:cNvSpPr>
+          <p:nvPr>
+            <p:ph type="ftr" sz="quarter" idx="11"/>
+          </p:nvPr>
+        </p:nvSpPr>
+        <p:spPr/>
+        <p:txBody>
+          <a:bodyPr/>
+          <a:lstStyle/>
+          <a:p>
+            <a:endParaRPr lang="en-GB"/>
+          </a:p>
+        </p:txBody>
+      </p:sp>
+      <p:sp>
+        <p:nvSpPr>
+          <p:cNvPr id="6" name="Slide Number Placeholder 5"/>
+          <p:cNvSpPr>
+            <a:spLocks noGrp="1"/>
+          </p:cNvSpPr>
+          <p:nvPr>
+            <p:ph type="sldNum" sz="quarter" idx="12"/>
+          </p:nvPr>
+        </p:nvSpPr>
+        <p:spPr/>
+        <p:txBody>
+          <a:bodyPr/>
+          <a:lstStyle/>
+          <a:p>
+            <a:fld id="{61BAC7F5-5DA0-4867-8E57-12FE7D13F463}" type="slidenum">
+              <a:rPr lang="en-GB" smtClean="0"/>
+              <a:t>‹N°›</a:t>
+            </a:fld>
+            <a:endParaRPr lang="en-GB"/>
+          </a:p>
+        </p:txBody>
+      </p:sp>
+    </p:spTree>
+    <p:extLst>
+      <p:ext uri="{BB962C8B-B14F-4D97-AF65-F5344CB8AC3E}">
+        <p14:creationId xmlns:p14="http://schemas.microsoft.com/office/powerpoint/2010/main" val="1162882880"/>
+      </p:ext>
+    </p:extLst>
+  </p:cSld>
+  <p:clrMapOvr>
+    <a:masterClrMapping/>
+  </p:clrMapOvr>
+</p:sldLayout>
+</file>
+
+<file path=ppt/slideLayouts/slideLayout11.xml><?xml version="1.0" encoding="utf-8"?>
+<p:sldLayout xmlns:a="http://schemas.openxmlformats.org/drawingml/2006/main" xmlns:r="http://schemas.openxmlformats.org/officeDocument/2006/relationships" xmlns:p="http://schemas.openxmlformats.org/presentationml/2006/main" preserve="1">
+  <p:cSld name="Citation avec légende">
+    <p:spTree>
+      <p:nvGrpSpPr>
+        <p:cNvPr id="1" name=""/>
+        <p:cNvGrpSpPr/>
+        <p:nvPr/>
+      </p:nvGrpSpPr>
+      <p:grpSpPr>
+        <a:xfrm>
+          <a:off x="0" y="0"/>
+          <a:ext cx="0" cy="0"/>
+          <a:chOff x="0" y="0"/>
+          <a:chExt cx="0" cy="0"/>
+        </a:xfrm>
+      </p:grpSpPr>
+      <p:sp>
+        <p:nvSpPr>
+          <p:cNvPr id="2" name="Title 1"/>
+          <p:cNvSpPr>
+            <a:spLocks noGrp="1"/>
+          </p:cNvSpPr>
+          <p:nvPr>
+            <p:ph type="title"/>
+          </p:nvPr>
+        </p:nvSpPr>
+        <p:spPr>
+          <a:xfrm>
+            <a:off x="931334" y="609600"/>
+            <a:ext cx="8094134" cy="3022600"/>
+          </a:xfrm>
+        </p:spPr>
+        <p:txBody>
+          <a:bodyPr anchor="ctr">
+            <a:normAutofit/>
+          </a:bodyPr>
+          <a:lstStyle>
+            <a:lvl1pPr algn="l">
+              <a:defRPr sz="4400" b="0" cap="none"/>
+            </a:lvl1pPr>
+          </a:lstStyle>
+          <a:p>
+            <a:r>
+              <a:rPr lang="fr-FR"/>
+              <a:t>Modifiez le style du titre</a:t>
+            </a:r>
+            <a:endParaRPr lang="en-US" dirty="0"/>
+          </a:p>
+        </p:txBody>
+      </p:sp>
+      <p:sp>
+        <p:nvSpPr>
+          <p:cNvPr id="23" name="Text Placeholder 9"/>
+          <p:cNvSpPr>
+            <a:spLocks noGrp="1"/>
+          </p:cNvSpPr>
+          <p:nvPr>
+            <p:ph type="body" sz="quarter" idx="13"/>
+          </p:nvPr>
+        </p:nvSpPr>
+        <p:spPr>
+          <a:xfrm>
+            <a:off x="1366139" y="3632200"/>
+            <a:ext cx="7224524" cy="381000"/>
+          </a:xfrm>
+        </p:spPr>
+        <p:txBody>
+          <a:bodyPr anchor="ctr">
+            <a:noAutofit/>
+          </a:bodyPr>
+          <a:lstStyle>
+            <a:lvl1pPr marL="0" indent="0">
+              <a:buFontTx/>
+              <a:buNone/>
+              <a:defRPr sz="1600">
+                <a:solidFill>
+                  <a:schemeClr val="tx1">
+                    <a:lumMod val="50000"/>
+                    <a:lumOff val="50000"/>
+                  </a:schemeClr>
+                </a:solidFill>
+              </a:defRPr>
+            </a:lvl1pPr>
+            <a:lvl2pPr marL="457200" indent="0">
+              <a:buFontTx/>
+              <a:buNone/>
+              <a:defRPr/>
+            </a:lvl2pPr>
+            <a:lvl3pPr marL="914400" indent="0">
+              <a:buFontTx/>
+              <a:buNone/>
+              <a:defRPr/>
+            </a:lvl3pPr>
+            <a:lvl4pPr marL="1371600" indent="0">
+              <a:buFontTx/>
+              <a:buNone/>
+              <a:defRPr/>
+            </a:lvl4pPr>
+            <a:lvl5pPr marL="1828800" indent="0">
+              <a:buFontTx/>
+              <a:buNone/>
+              <a:defRPr/>
+            </a:lvl5pPr>
+          </a:lstStyle>
+          <a:p>
+            <a:pPr lvl="0"/>
+            <a:r>
+              <a:rPr lang="fr-FR"/>
+              <a:t>Cliquez pour modifier les styles du texte du masque</a:t>
+            </a:r>
+          </a:p>
+        </p:txBody>
+      </p:sp>
+      <p:sp>
+        <p:nvSpPr>
+          <p:cNvPr id="3" name="Text Placeholder 2"/>
+          <p:cNvSpPr>
+            <a:spLocks noGrp="1"/>
+          </p:cNvSpPr>
+          <p:nvPr>
+            <p:ph type="body" idx="1"/>
+          </p:nvPr>
+        </p:nvSpPr>
+        <p:spPr>
+          <a:xfrm>
+            <a:off x="677335" y="4470400"/>
+            <a:ext cx="8596668" cy="1570962"/>
+          </a:xfrm>
+        </p:spPr>
+        <p:txBody>
+          <a:bodyPr anchor="ctr">
+            <a:normAutofit/>
+          </a:bodyPr>
+          <a:lstStyle>
+            <a:lvl1pPr marL="0" indent="0" algn="l">
+              <a:buNone/>
+              <a:defRPr sz="1800">
+                <a:solidFill>
+                  <a:schemeClr val="tx1">
+                    <a:lumMod val="75000"/>
+                    <a:lumOff val="25000"/>
+                  </a:schemeClr>
+                </a:solidFill>
+              </a:defRPr>
+            </a:lvl1pPr>
+            <a:lvl2pPr marL="457200" indent="0">
+              <a:buNone/>
+              <a:defRPr sz="1800">
+                <a:solidFill>
+                  <a:schemeClr val="tx1">
+                    <a:tint val="75000"/>
+                  </a:schemeClr>
+                </a:solidFill>
+              </a:defRPr>
+            </a:lvl2pPr>
+            <a:lvl3pPr marL="914400" indent="0">
+              <a:buNone/>
+              <a:defRPr sz="1600">
+                <a:solidFill>
+                  <a:schemeClr val="tx1">
+                    <a:tint val="75000"/>
+                  </a:schemeClr>
+                </a:solidFill>
+              </a:defRPr>
+            </a:lvl3pPr>
+            <a:lvl4pPr marL="1371600" indent="0">
+              <a:buNone/>
+              <a:defRPr sz="1400">
+                <a:solidFill>
+                  <a:schemeClr val="tx1">
+                    <a:tint val="75000"/>
+                  </a:schemeClr>
+                </a:solidFill>
+              </a:defRPr>
+            </a:lvl4pPr>
+            <a:lvl5pPr marL="1828800" indent="0">
+              <a:buNone/>
+              <a:defRPr sz="1400">
+                <a:solidFill>
+                  <a:schemeClr val="tx1">
+                    <a:tint val="75000"/>
+                  </a:schemeClr>
+                </a:solidFill>
+              </a:defRPr>
+            </a:lvl5pPr>
+            <a:lvl6pPr marL="2286000" indent="0">
+              <a:buNone/>
+              <a:defRPr sz="1400">
+                <a:solidFill>
+                  <a:schemeClr val="tx1">
+                    <a:tint val="75000"/>
+                  </a:schemeClr>
+                </a:solidFill>
+              </a:defRPr>
+            </a:lvl6pPr>
+            <a:lvl7pPr marL="2743200" indent="0">
+              <a:buNone/>
+              <a:defRPr sz="1400">
+                <a:solidFill>
+                  <a:schemeClr val="tx1">
+                    <a:tint val="75000"/>
+                  </a:schemeClr>
+                </a:solidFill>
+              </a:defRPr>
+            </a:lvl7pPr>
+            <a:lvl8pPr marL="3200400" indent="0">
+              <a:buNone/>
+              <a:defRPr sz="1400">
+                <a:solidFill>
+                  <a:schemeClr val="tx1">
+                    <a:tint val="75000"/>
+                  </a:schemeClr>
+                </a:solidFill>
+              </a:defRPr>
+            </a:lvl8pPr>
+            <a:lvl9pPr marL="3657600" indent="0">
+              <a:buNone/>
+              <a:defRPr sz="1400">
+                <a:solidFill>
+                  <a:schemeClr val="tx1">
+                    <a:tint val="75000"/>
+                  </a:schemeClr>
+                </a:solidFill>
+              </a:defRPr>
+            </a:lvl9pPr>
+          </a:lstStyle>
+          <a:p>
+            <a:pPr lvl="0"/>
+            <a:r>
+              <a:rPr lang="fr-FR"/>
+              <a:t>Cliquez pour modifier les styles du texte du masque</a:t>
+            </a:r>
+          </a:p>
+        </p:txBody>
+      </p:sp>
+      <p:sp>
+        <p:nvSpPr>
+          <p:cNvPr id="4" name="Date Placeholder 3"/>
+          <p:cNvSpPr>
+            <a:spLocks noGrp="1"/>
+          </p:cNvSpPr>
+          <p:nvPr>
+            <p:ph type="dt" sz="half" idx="10"/>
+          </p:nvPr>
+        </p:nvSpPr>
+        <p:spPr/>
+        <p:txBody>
+          <a:bodyPr/>
+          <a:lstStyle/>
+          <a:p>
+            <a:fld id="{C0C4FB13-012F-4037-81DA-501F3326904A}" type="datetimeFigureOut">
+              <a:rPr lang="en-GB" smtClean="0"/>
+              <a:t>05/11/2019</a:t>
+            </a:fld>
+            <a:endParaRPr lang="en-GB"/>
+          </a:p>
+        </p:txBody>
+      </p:sp>
+      <p:sp>
+        <p:nvSpPr>
+          <p:cNvPr id="5" name="Footer Placeholder 4"/>
+          <p:cNvSpPr>
+            <a:spLocks noGrp="1"/>
+          </p:cNvSpPr>
+          <p:nvPr>
+            <p:ph type="ftr" sz="quarter" idx="11"/>
+          </p:nvPr>
+        </p:nvSpPr>
+        <p:spPr/>
+        <p:txBody>
+          <a:bodyPr/>
+          <a:lstStyle/>
+          <a:p>
+            <a:endParaRPr lang="en-GB"/>
+          </a:p>
+        </p:txBody>
+      </p:sp>
+      <p:sp>
+        <p:nvSpPr>
+          <p:cNvPr id="6" name="Slide Number Placeholder 5"/>
+          <p:cNvSpPr>
+            <a:spLocks noGrp="1"/>
+          </p:cNvSpPr>
+          <p:nvPr>
+            <p:ph type="sldNum" sz="quarter" idx="12"/>
+          </p:nvPr>
+        </p:nvSpPr>
+        <p:spPr/>
+        <p:txBody>
+          <a:bodyPr/>
+          <a:lstStyle/>
+          <a:p>
+            <a:fld id="{61BAC7F5-5DA0-4867-8E57-12FE7D13F463}" type="slidenum">
+              <a:rPr lang="en-GB" smtClean="0"/>
+              <a:t>‹N°›</a:t>
+            </a:fld>
+            <a:endParaRPr lang="en-GB"/>
+          </a:p>
+        </p:txBody>
+      </p:sp>
+      <p:sp>
+        <p:nvSpPr>
+          <p:cNvPr id="20" name="TextBox 19"/>
+          <p:cNvSpPr txBox="1"/>
+          <p:nvPr/>
+        </p:nvSpPr>
+        <p:spPr>
+          <a:xfrm>
+            <a:off x="541870" y="790378"/>
+            <a:ext cx="609600" cy="584776"/>
+          </a:xfrm>
+          <a:prstGeom prst="rect">
+            <a:avLst/>
+          </a:prstGeom>
+        </p:spPr>
+        <p:txBody>
+          <a:bodyPr vert="horz" lIns="91440" tIns="45720" rIns="91440" bIns="45720" rtlCol="0" anchor="ctr">
+            <a:noAutofit/>
+          </a:bodyPr>
+          <a:lstStyle/>
+          <a:p>
+            <a:pPr lvl="0"/>
+            <a:r>
+              <a:rPr lang="en-US" sz="8000" baseline="0" dirty="0">
+                <a:ln w="3175" cmpd="sng">
+                  <a:noFill/>
+                </a:ln>
+                <a:solidFill>
+                  <a:schemeClr val="accent1">
+                    <a:lumMod val="60000"/>
+                    <a:lumOff val="40000"/>
+                  </a:schemeClr>
+                </a:solidFill>
+                <a:effectLst/>
+                <a:latin typeface="Arial"/>
+              </a:rPr>
+              <a:t>“</a:t>
+            </a:r>
+          </a:p>
+        </p:txBody>
+      </p:sp>
+      <p:sp>
+        <p:nvSpPr>
+          <p:cNvPr id="22" name="TextBox 21"/>
+          <p:cNvSpPr txBox="1"/>
+          <p:nvPr/>
+        </p:nvSpPr>
+        <p:spPr>
+          <a:xfrm>
+            <a:off x="8893011" y="2886556"/>
+            <a:ext cx="609600" cy="584776"/>
+          </a:xfrm>
+          <a:prstGeom prst="rect">
+            <a:avLst/>
+          </a:prstGeom>
+        </p:spPr>
+        <p:txBody>
+          <a:bodyPr vert="horz" lIns="91440" tIns="45720" rIns="91440" bIns="45720" rtlCol="0" anchor="ctr">
+            <a:noAutofit/>
+          </a:bodyPr>
+          <a:lstStyle/>
+          <a:p>
+            <a:pPr lvl="0"/>
+            <a:r>
+              <a:rPr lang="en-US" sz="8000" baseline="0" dirty="0">
+                <a:ln w="3175" cmpd="sng">
+                  <a:noFill/>
+                </a:ln>
+                <a:solidFill>
+                  <a:schemeClr val="accent1">
+                    <a:lumMod val="60000"/>
+                    <a:lumOff val="40000"/>
+                  </a:schemeClr>
+                </a:solidFill>
+                <a:latin typeface="Arial"/>
+              </a:rPr>
+              <a:t>”</a:t>
+            </a:r>
+            <a:endParaRPr lang="en-US" dirty="0">
+              <a:solidFill>
+                <a:schemeClr val="accent1">
+                  <a:lumMod val="60000"/>
+                  <a:lumOff val="40000"/>
+                </a:schemeClr>
+              </a:solidFill>
+              <a:latin typeface="Arial"/>
+            </a:endParaRPr>
+          </a:p>
+        </p:txBody>
+      </p:sp>
+    </p:spTree>
+    <p:extLst>
+      <p:ext uri="{BB962C8B-B14F-4D97-AF65-F5344CB8AC3E}">
+        <p14:creationId xmlns:p14="http://schemas.microsoft.com/office/powerpoint/2010/main" val="2607030676"/>
+      </p:ext>
+    </p:extLst>
+  </p:cSld>
+  <p:clrMapOvr>
+    <a:masterClrMapping/>
+  </p:clrMapOvr>
+</p:sldLayout>
+</file>
+
+<file path=ppt/slideLayouts/slideLayout12.xml><?xml version="1.0" encoding="utf-8"?>
+<p:sldLayout xmlns:a="http://schemas.openxmlformats.org/drawingml/2006/main" xmlns:r="http://schemas.openxmlformats.org/officeDocument/2006/relationships" xmlns:p="http://schemas.openxmlformats.org/presentationml/2006/main" preserve="1">
+  <p:cSld name="Carte nom">
+    <p:spTree>
+      <p:nvGrpSpPr>
+        <p:cNvPr id="1" name=""/>
+        <p:cNvGrpSpPr/>
+        <p:nvPr/>
+      </p:nvGrpSpPr>
+      <p:grpSpPr>
+        <a:xfrm>
+          <a:off x="0" y="0"/>
+          <a:ext cx="0" cy="0"/>
+          <a:chOff x="0" y="0"/>
+          <a:chExt cx="0" cy="0"/>
+        </a:xfrm>
+      </p:grpSpPr>
+      <p:sp>
+        <p:nvSpPr>
+          <p:cNvPr id="2" name="Title 1"/>
+          <p:cNvSpPr>
+            <a:spLocks noGrp="1"/>
+          </p:cNvSpPr>
+          <p:nvPr>
+            <p:ph type="title"/>
+          </p:nvPr>
+        </p:nvSpPr>
+        <p:spPr>
+          <a:xfrm>
+            <a:off x="677335" y="1931988"/>
+            <a:ext cx="8596668" cy="2595460"/>
+          </a:xfrm>
+        </p:spPr>
+        <p:txBody>
+          <a:bodyPr anchor="b">
+            <a:normAutofit/>
+          </a:bodyPr>
+          <a:lstStyle>
+            <a:lvl1pPr algn="l">
+              <a:defRPr sz="4400" b="0" cap="none"/>
+            </a:lvl1pPr>
+          </a:lstStyle>
+          <a:p>
+            <a:r>
+              <a:rPr lang="fr-FR"/>
+              <a:t>Modifiez le style du titre</a:t>
+            </a:r>
+            <a:endParaRPr lang="en-US" dirty="0"/>
+          </a:p>
+        </p:txBody>
+      </p:sp>
+      <p:sp>
+        <p:nvSpPr>
+          <p:cNvPr id="3" name="Text Placeholder 2"/>
+          <p:cNvSpPr>
+            <a:spLocks noGrp="1"/>
+          </p:cNvSpPr>
+          <p:nvPr>
+            <p:ph type="body" idx="1"/>
+          </p:nvPr>
+        </p:nvSpPr>
+        <p:spPr>
+          <a:xfrm>
+            <a:off x="677335" y="4527448"/>
+            <a:ext cx="8596668" cy="1513914"/>
+          </a:xfrm>
+        </p:spPr>
+        <p:txBody>
+          <a:bodyPr anchor="t">
+            <a:normAutofit/>
+          </a:bodyPr>
+          <a:lstStyle>
+            <a:lvl1pPr marL="0" indent="0" algn="l">
+              <a:buNone/>
+              <a:defRPr sz="1800">
+                <a:solidFill>
+                  <a:schemeClr val="tx1">
+                    <a:lumMod val="75000"/>
+                    <a:lumOff val="25000"/>
+                  </a:schemeClr>
+                </a:solidFill>
+              </a:defRPr>
+            </a:lvl1pPr>
+            <a:lvl2pPr marL="457200" indent="0">
+              <a:buNone/>
+              <a:defRPr sz="1800">
+                <a:solidFill>
+                  <a:schemeClr val="tx1">
+                    <a:tint val="75000"/>
+                  </a:schemeClr>
+                </a:solidFill>
+              </a:defRPr>
+            </a:lvl2pPr>
+            <a:lvl3pPr marL="914400" indent="0">
+              <a:buNone/>
+              <a:defRPr sz="1600">
+                <a:solidFill>
+                  <a:schemeClr val="tx1">
+                    <a:tint val="75000"/>
+                  </a:schemeClr>
+                </a:solidFill>
+              </a:defRPr>
+            </a:lvl3pPr>
+            <a:lvl4pPr marL="1371600" indent="0">
+              <a:buNone/>
+              <a:defRPr sz="1400">
+                <a:solidFill>
+                  <a:schemeClr val="tx1">
+                    <a:tint val="75000"/>
+                  </a:schemeClr>
+                </a:solidFill>
+              </a:defRPr>
+            </a:lvl4pPr>
+            <a:lvl5pPr marL="1828800" indent="0">
+              <a:buNone/>
+              <a:defRPr sz="1400">
+                <a:solidFill>
+                  <a:schemeClr val="tx1">
+                    <a:tint val="75000"/>
+                  </a:schemeClr>
+                </a:solidFill>
+              </a:defRPr>
+            </a:lvl5pPr>
+            <a:lvl6pPr marL="2286000" indent="0">
+              <a:buNone/>
+              <a:defRPr sz="1400">
+                <a:solidFill>
+                  <a:schemeClr val="tx1">
+                    <a:tint val="75000"/>
+                  </a:schemeClr>
+                </a:solidFill>
+              </a:defRPr>
+            </a:lvl6pPr>
+            <a:lvl7pPr marL="2743200" indent="0">
+              <a:buNone/>
+              <a:defRPr sz="1400">
+                <a:solidFill>
+                  <a:schemeClr val="tx1">
+                    <a:tint val="75000"/>
+                  </a:schemeClr>
+                </a:solidFill>
+              </a:defRPr>
+            </a:lvl7pPr>
+            <a:lvl8pPr marL="3200400" indent="0">
+              <a:buNone/>
+              <a:defRPr sz="1400">
+                <a:solidFill>
+                  <a:schemeClr val="tx1">
+                    <a:tint val="75000"/>
+                  </a:schemeClr>
+                </a:solidFill>
+              </a:defRPr>
+            </a:lvl8pPr>
+            <a:lvl9pPr marL="3657600" indent="0">
+              <a:buNone/>
+              <a:defRPr sz="1400">
+                <a:solidFill>
+                  <a:schemeClr val="tx1">
+                    <a:tint val="75000"/>
+                  </a:schemeClr>
+                </a:solidFill>
+              </a:defRPr>
+            </a:lvl9pPr>
+          </a:lstStyle>
+          <a:p>
+            <a:pPr lvl="0"/>
+            <a:r>
+              <a:rPr lang="fr-FR"/>
+              <a:t>Cliquez pour modifier les styles du texte du masque</a:t>
+            </a:r>
+          </a:p>
+        </p:txBody>
+      </p:sp>
+      <p:sp>
+        <p:nvSpPr>
+          <p:cNvPr id="4" name="Date Placeholder 3"/>
+          <p:cNvSpPr>
+            <a:spLocks noGrp="1"/>
+          </p:cNvSpPr>
+          <p:nvPr>
+            <p:ph type="dt" sz="half" idx="10"/>
+          </p:nvPr>
+        </p:nvSpPr>
+        <p:spPr/>
+        <p:txBody>
+          <a:bodyPr/>
+          <a:lstStyle/>
+          <a:p>
+            <a:fld id="{C0C4FB13-012F-4037-81DA-501F3326904A}" type="datetimeFigureOut">
+              <a:rPr lang="en-GB" smtClean="0"/>
+              <a:t>05/11/2019</a:t>
+            </a:fld>
+            <a:endParaRPr lang="en-GB"/>
+          </a:p>
+        </p:txBody>
+      </p:sp>
+      <p:sp>
+        <p:nvSpPr>
+          <p:cNvPr id="5" name="Footer Placeholder 4"/>
+          <p:cNvSpPr>
+            <a:spLocks noGrp="1"/>
+          </p:cNvSpPr>
+          <p:nvPr>
+            <p:ph type="ftr" sz="quarter" idx="11"/>
+          </p:nvPr>
+        </p:nvSpPr>
+        <p:spPr/>
+        <p:txBody>
+          <a:bodyPr/>
+          <a:lstStyle/>
+          <a:p>
+            <a:endParaRPr lang="en-GB"/>
+          </a:p>
+        </p:txBody>
+      </p:sp>
+      <p:sp>
+        <p:nvSpPr>
+          <p:cNvPr id="6" name="Slide Number Placeholder 5"/>
+          <p:cNvSpPr>
+            <a:spLocks noGrp="1"/>
+          </p:cNvSpPr>
+          <p:nvPr>
+            <p:ph type="sldNum" sz="quarter" idx="12"/>
+          </p:nvPr>
+        </p:nvSpPr>
+        <p:spPr/>
+        <p:txBody>
+          <a:bodyPr/>
+          <a:lstStyle/>
+          <a:p>
+            <a:fld id="{61BAC7F5-5DA0-4867-8E57-12FE7D13F463}" type="slidenum">
+              <a:rPr lang="en-GB" smtClean="0"/>
+              <a:t>‹N°›</a:t>
+            </a:fld>
+            <a:endParaRPr lang="en-GB"/>
+          </a:p>
+        </p:txBody>
+      </p:sp>
+    </p:spTree>
+    <p:extLst>
+      <p:ext uri="{BB962C8B-B14F-4D97-AF65-F5344CB8AC3E}">
+        <p14:creationId xmlns:p14="http://schemas.microsoft.com/office/powerpoint/2010/main" val="3589006452"/>
+      </p:ext>
+    </p:extLst>
+  </p:cSld>
+  <p:clrMapOvr>
+    <a:masterClrMapping/>
+  </p:clrMapOvr>
+</p:sldLayout>
+</file>
+
+<file path=ppt/slideLayouts/slideLayout13.xml><?xml version="1.0" encoding="utf-8"?>
+<p:sldLayout xmlns:a="http://schemas.openxmlformats.org/drawingml/2006/main" xmlns:r="http://schemas.openxmlformats.org/officeDocument/2006/relationships" xmlns:p="http://schemas.openxmlformats.org/presentationml/2006/main" preserve="1">
+  <p:cSld name="Carte nom citation">
+    <p:spTree>
+      <p:nvGrpSpPr>
+        <p:cNvPr id="1" name=""/>
+        <p:cNvGrpSpPr/>
+        <p:nvPr/>
+      </p:nvGrpSpPr>
+      <p:grpSpPr>
+        <a:xfrm>
+          <a:off x="0" y="0"/>
+          <a:ext cx="0" cy="0"/>
+          <a:chOff x="0" y="0"/>
+          <a:chExt cx="0" cy="0"/>
+        </a:xfrm>
+      </p:grpSpPr>
+      <p:sp>
+        <p:nvSpPr>
+          <p:cNvPr id="2" name="Title 1"/>
+          <p:cNvSpPr>
+            <a:spLocks noGrp="1"/>
+          </p:cNvSpPr>
+          <p:nvPr>
+            <p:ph type="title"/>
+          </p:nvPr>
+        </p:nvSpPr>
+        <p:spPr>
+          <a:xfrm>
+            <a:off x="931334" y="609600"/>
+            <a:ext cx="8094134" cy="3022600"/>
+          </a:xfrm>
+        </p:spPr>
+        <p:txBody>
+          <a:bodyPr anchor="ctr">
+            <a:normAutofit/>
+          </a:bodyPr>
+          <a:lstStyle>
+            <a:lvl1pPr algn="l">
+              <a:defRPr sz="4400" b="0" cap="none"/>
+            </a:lvl1pPr>
+          </a:lstStyle>
+          <a:p>
+            <a:r>
+              <a:rPr lang="fr-FR"/>
+              <a:t>Modifiez le style du titre</a:t>
+            </a:r>
+            <a:endParaRPr lang="en-US" dirty="0"/>
+          </a:p>
+        </p:txBody>
+      </p:sp>
+      <p:sp>
+        <p:nvSpPr>
+          <p:cNvPr id="23" name="Text Placeholder 9"/>
+          <p:cNvSpPr>
+            <a:spLocks noGrp="1"/>
+          </p:cNvSpPr>
+          <p:nvPr>
+            <p:ph type="body" sz="quarter" idx="13"/>
+          </p:nvPr>
+        </p:nvSpPr>
+        <p:spPr>
+          <a:xfrm>
+            <a:off x="677332" y="4013200"/>
+            <a:ext cx="8596669" cy="514248"/>
+          </a:xfrm>
+        </p:spPr>
+        <p:txBody>
+          <a:bodyPr anchor="b">
+            <a:noAutofit/>
+          </a:bodyPr>
+          <a:lstStyle>
+            <a:lvl1pPr marL="0" indent="0">
+              <a:buFontTx/>
+              <a:buNone/>
+              <a:defRPr sz="2400">
+                <a:solidFill>
+                  <a:schemeClr val="tx1">
+                    <a:lumMod val="75000"/>
+                    <a:lumOff val="25000"/>
+                  </a:schemeClr>
+                </a:solidFill>
+              </a:defRPr>
+            </a:lvl1pPr>
+            <a:lvl2pPr marL="457200" indent="0">
+              <a:buFontTx/>
+              <a:buNone/>
+              <a:defRPr/>
+            </a:lvl2pPr>
+            <a:lvl3pPr marL="914400" indent="0">
+              <a:buFontTx/>
+              <a:buNone/>
+              <a:defRPr/>
+            </a:lvl3pPr>
+            <a:lvl4pPr marL="1371600" indent="0">
+              <a:buFontTx/>
+              <a:buNone/>
+              <a:defRPr/>
+            </a:lvl4pPr>
+            <a:lvl5pPr marL="1828800" indent="0">
+              <a:buFontTx/>
+              <a:buNone/>
+              <a:defRPr/>
+            </a:lvl5pPr>
+          </a:lstStyle>
+          <a:p>
+            <a:pPr lvl="0"/>
+            <a:r>
+              <a:rPr lang="fr-FR"/>
+              <a:t>Cliquez pour modifier les styles du texte du masque</a:t>
+            </a:r>
+          </a:p>
+        </p:txBody>
+      </p:sp>
+      <p:sp>
+        <p:nvSpPr>
+          <p:cNvPr id="3" name="Text Placeholder 2"/>
+          <p:cNvSpPr>
+            <a:spLocks noGrp="1"/>
+          </p:cNvSpPr>
+          <p:nvPr>
+            <p:ph type="body" idx="1"/>
+          </p:nvPr>
+        </p:nvSpPr>
+        <p:spPr>
+          <a:xfrm>
+            <a:off x="677335" y="4527448"/>
+            <a:ext cx="8596668" cy="1513914"/>
+          </a:xfrm>
+        </p:spPr>
+        <p:txBody>
+          <a:bodyPr anchor="t">
+            <a:normAutofit/>
+          </a:bodyPr>
+          <a:lstStyle>
+            <a:lvl1pPr marL="0" indent="0" algn="l">
+              <a:buNone/>
+              <a:defRPr sz="1800">
+                <a:solidFill>
+                  <a:schemeClr val="tx1">
+                    <a:lumMod val="50000"/>
+                    <a:lumOff val="50000"/>
+                  </a:schemeClr>
+                </a:solidFill>
+              </a:defRPr>
+            </a:lvl1pPr>
+            <a:lvl2pPr marL="457200" indent="0">
+              <a:buNone/>
+              <a:defRPr sz="1800">
+                <a:solidFill>
+                  <a:schemeClr val="tx1">
+                    <a:tint val="75000"/>
+                  </a:schemeClr>
+                </a:solidFill>
+              </a:defRPr>
+            </a:lvl2pPr>
+            <a:lvl3pPr marL="914400" indent="0">
+              <a:buNone/>
+              <a:defRPr sz="1600">
+                <a:solidFill>
+                  <a:schemeClr val="tx1">
+                    <a:tint val="75000"/>
+                  </a:schemeClr>
+                </a:solidFill>
+              </a:defRPr>
+            </a:lvl3pPr>
+            <a:lvl4pPr marL="1371600" indent="0">
+              <a:buNone/>
+              <a:defRPr sz="1400">
+                <a:solidFill>
+                  <a:schemeClr val="tx1">
+                    <a:tint val="75000"/>
+                  </a:schemeClr>
+                </a:solidFill>
+              </a:defRPr>
+            </a:lvl4pPr>
+            <a:lvl5pPr marL="1828800" indent="0">
+              <a:buNone/>
+              <a:defRPr sz="1400">
+                <a:solidFill>
+                  <a:schemeClr val="tx1">
+                    <a:tint val="75000"/>
+                  </a:schemeClr>
+                </a:solidFill>
+              </a:defRPr>
+            </a:lvl5pPr>
+            <a:lvl6pPr marL="2286000" indent="0">
+              <a:buNone/>
+              <a:defRPr sz="1400">
+                <a:solidFill>
+                  <a:schemeClr val="tx1">
+                    <a:tint val="75000"/>
+                  </a:schemeClr>
+                </a:solidFill>
+              </a:defRPr>
+            </a:lvl6pPr>
+            <a:lvl7pPr marL="2743200" indent="0">
+              <a:buNone/>
+              <a:defRPr sz="1400">
+                <a:solidFill>
+                  <a:schemeClr val="tx1">
+                    <a:tint val="75000"/>
+                  </a:schemeClr>
+                </a:solidFill>
+              </a:defRPr>
+            </a:lvl7pPr>
+            <a:lvl8pPr marL="3200400" indent="0">
+              <a:buNone/>
+              <a:defRPr sz="1400">
+                <a:solidFill>
+                  <a:schemeClr val="tx1">
+                    <a:tint val="75000"/>
+                  </a:schemeClr>
+                </a:solidFill>
+              </a:defRPr>
+            </a:lvl8pPr>
+            <a:lvl9pPr marL="3657600" indent="0">
+              <a:buNone/>
+              <a:defRPr sz="1400">
+                <a:solidFill>
+                  <a:schemeClr val="tx1">
+                    <a:tint val="75000"/>
+                  </a:schemeClr>
+                </a:solidFill>
+              </a:defRPr>
+            </a:lvl9pPr>
+          </a:lstStyle>
+          <a:p>
+            <a:pPr lvl="0"/>
+            <a:r>
+              <a:rPr lang="fr-FR"/>
+              <a:t>Cliquez pour modifier les styles du texte du masque</a:t>
+            </a:r>
+          </a:p>
+        </p:txBody>
+      </p:sp>
+      <p:sp>
+        <p:nvSpPr>
+          <p:cNvPr id="4" name="Date Placeholder 3"/>
+          <p:cNvSpPr>
+            <a:spLocks noGrp="1"/>
+          </p:cNvSpPr>
+          <p:nvPr>
+            <p:ph type="dt" sz="half" idx="10"/>
+          </p:nvPr>
+        </p:nvSpPr>
+        <p:spPr/>
+        <p:txBody>
+          <a:bodyPr/>
+          <a:lstStyle/>
+          <a:p>
+            <a:fld id="{C0C4FB13-012F-4037-81DA-501F3326904A}" type="datetimeFigureOut">
+              <a:rPr lang="en-GB" smtClean="0"/>
+              <a:t>05/11/2019</a:t>
+            </a:fld>
+            <a:endParaRPr lang="en-GB"/>
+          </a:p>
+        </p:txBody>
+      </p:sp>
+      <p:sp>
+        <p:nvSpPr>
+          <p:cNvPr id="5" name="Footer Placeholder 4"/>
+          <p:cNvSpPr>
+            <a:spLocks noGrp="1"/>
+          </p:cNvSpPr>
+          <p:nvPr>
+            <p:ph type="ftr" sz="quarter" idx="11"/>
+          </p:nvPr>
+        </p:nvSpPr>
+        <p:spPr/>
+        <p:txBody>
+          <a:bodyPr/>
+          <a:lstStyle/>
+          <a:p>
+            <a:endParaRPr lang="en-GB"/>
+          </a:p>
+        </p:txBody>
+      </p:sp>
+      <p:sp>
+        <p:nvSpPr>
+          <p:cNvPr id="6" name="Slide Number Placeholder 5"/>
+          <p:cNvSpPr>
+            <a:spLocks noGrp="1"/>
+          </p:cNvSpPr>
+          <p:nvPr>
+            <p:ph type="sldNum" sz="quarter" idx="12"/>
+          </p:nvPr>
+        </p:nvSpPr>
+        <p:spPr/>
+        <p:txBody>
+          <a:bodyPr/>
+          <a:lstStyle/>
+          <a:p>
+            <a:fld id="{61BAC7F5-5DA0-4867-8E57-12FE7D13F463}" type="slidenum">
+              <a:rPr lang="en-GB" smtClean="0"/>
+              <a:t>‹N°›</a:t>
+            </a:fld>
+            <a:endParaRPr lang="en-GB"/>
+          </a:p>
+        </p:txBody>
+      </p:sp>
+      <p:sp>
+        <p:nvSpPr>
+          <p:cNvPr id="24" name="TextBox 23"/>
+          <p:cNvSpPr txBox="1"/>
+          <p:nvPr/>
+        </p:nvSpPr>
+        <p:spPr>
+          <a:xfrm>
+            <a:off x="541870" y="790378"/>
+            <a:ext cx="609600" cy="584776"/>
+          </a:xfrm>
+          <a:prstGeom prst="rect">
+            <a:avLst/>
+          </a:prstGeom>
+        </p:spPr>
+        <p:txBody>
+          <a:bodyPr vert="horz" lIns="91440" tIns="45720" rIns="91440" bIns="45720" rtlCol="0" anchor="ctr">
+            <a:noAutofit/>
+          </a:bodyPr>
+          <a:lstStyle/>
+          <a:p>
+            <a:pPr lvl="0"/>
+            <a:r>
+              <a:rPr lang="en-US" sz="8000" baseline="0" dirty="0">
+                <a:ln w="3175" cmpd="sng">
+                  <a:noFill/>
+                </a:ln>
+                <a:solidFill>
+                  <a:schemeClr val="accent1">
+                    <a:lumMod val="60000"/>
+                    <a:lumOff val="40000"/>
+                  </a:schemeClr>
+                </a:solidFill>
+                <a:effectLst/>
+                <a:latin typeface="Arial"/>
+              </a:rPr>
+              <a:t>“</a:t>
+            </a:r>
+          </a:p>
+        </p:txBody>
+      </p:sp>
+      <p:sp>
+        <p:nvSpPr>
+          <p:cNvPr id="25" name="TextBox 24"/>
+          <p:cNvSpPr txBox="1"/>
+          <p:nvPr/>
+        </p:nvSpPr>
+        <p:spPr>
+          <a:xfrm>
+            <a:off x="8893011" y="2886556"/>
+            <a:ext cx="609600" cy="584776"/>
+          </a:xfrm>
+          <a:prstGeom prst="rect">
+            <a:avLst/>
+          </a:prstGeom>
+        </p:spPr>
+        <p:txBody>
+          <a:bodyPr vert="horz" lIns="91440" tIns="45720" rIns="91440" bIns="45720" rtlCol="0" anchor="ctr">
+            <a:noAutofit/>
+          </a:bodyPr>
+          <a:lstStyle/>
+          <a:p>
+            <a:pPr lvl="0"/>
+            <a:r>
+              <a:rPr lang="en-US" sz="8000" baseline="0" dirty="0">
+                <a:ln w="3175" cmpd="sng">
+                  <a:noFill/>
+                </a:ln>
+                <a:solidFill>
+                  <a:schemeClr val="accent1">
+                    <a:lumMod val="60000"/>
+                    <a:lumOff val="40000"/>
+                  </a:schemeClr>
+                </a:solidFill>
+                <a:effectLst/>
+                <a:latin typeface="Arial"/>
+              </a:rPr>
+              <a:t>”</a:t>
+            </a:r>
+          </a:p>
+        </p:txBody>
+      </p:sp>
+    </p:spTree>
+    <p:extLst>
+      <p:ext uri="{BB962C8B-B14F-4D97-AF65-F5344CB8AC3E}">
+        <p14:creationId xmlns:p14="http://schemas.microsoft.com/office/powerpoint/2010/main" val="2207909343"/>
+      </p:ext>
+    </p:extLst>
+  </p:cSld>
+  <p:clrMapOvr>
+    <a:masterClrMapping/>
+  </p:clrMapOvr>
+</p:sldLayout>
+</file>
+
+<file path=ppt/slideLayouts/slideLayout14.xml><?xml version="1.0" encoding="utf-8"?>
+<p:sldLayout xmlns:a="http://schemas.openxmlformats.org/drawingml/2006/main" xmlns:r="http://schemas.openxmlformats.org/officeDocument/2006/relationships" xmlns:p="http://schemas.openxmlformats.org/presentationml/2006/main" preserve="1">
+  <p:cSld name="Vrai ou faux">
+    <p:spTree>
+      <p:nvGrpSpPr>
+        <p:cNvPr id="1" name=""/>
+        <p:cNvGrpSpPr/>
+        <p:nvPr/>
+      </p:nvGrpSpPr>
+      <p:grpSpPr>
+        <a:xfrm>
+          <a:off x="0" y="0"/>
+          <a:ext cx="0" cy="0"/>
+          <a:chOff x="0" y="0"/>
+          <a:chExt cx="0" cy="0"/>
+        </a:xfrm>
+      </p:grpSpPr>
+      <p:sp>
+        <p:nvSpPr>
+          <p:cNvPr id="2" name="Title 1"/>
+          <p:cNvSpPr>
+            <a:spLocks noGrp="1"/>
+          </p:cNvSpPr>
+          <p:nvPr>
+            <p:ph type="title"/>
+          </p:nvPr>
+        </p:nvSpPr>
+        <p:spPr>
+          <a:xfrm>
+            <a:off x="685799" y="609600"/>
+            <a:ext cx="8588203" cy="3022600"/>
+          </a:xfrm>
+        </p:spPr>
+        <p:txBody>
+          <a:bodyPr anchor="ctr">
+            <a:normAutofit/>
+          </a:bodyPr>
+          <a:lstStyle>
+            <a:lvl1pPr algn="l">
+              <a:defRPr sz="4400" b="0" cap="none"/>
+            </a:lvl1pPr>
+          </a:lstStyle>
+          <a:p>
+            <a:r>
+              <a:rPr lang="fr-FR"/>
+              <a:t>Modifiez le style du titre</a:t>
+            </a:r>
+            <a:endParaRPr lang="en-US" dirty="0"/>
+          </a:p>
+        </p:txBody>
+      </p:sp>
+      <p:sp>
+        <p:nvSpPr>
+          <p:cNvPr id="23" name="Text Placeholder 9"/>
+          <p:cNvSpPr>
+            <a:spLocks noGrp="1"/>
+          </p:cNvSpPr>
+          <p:nvPr>
+            <p:ph type="body" sz="quarter" idx="13"/>
+          </p:nvPr>
+        </p:nvSpPr>
+        <p:spPr>
+          <a:xfrm>
+            <a:off x="677332" y="4013200"/>
+            <a:ext cx="8596669" cy="514248"/>
+          </a:xfrm>
+        </p:spPr>
+        <p:txBody>
+          <a:bodyPr anchor="b">
+            <a:noAutofit/>
+          </a:bodyPr>
+          <a:lstStyle>
+            <a:lvl1pPr marL="0" indent="0">
+              <a:buFontTx/>
+              <a:buNone/>
+              <a:defRPr sz="2400">
+                <a:solidFill>
+                  <a:schemeClr val="accent1"/>
+                </a:solidFill>
+              </a:defRPr>
+            </a:lvl1pPr>
+            <a:lvl2pPr marL="457200" indent="0">
+              <a:buFontTx/>
+              <a:buNone/>
+              <a:defRPr/>
+            </a:lvl2pPr>
+            <a:lvl3pPr marL="914400" indent="0">
+              <a:buFontTx/>
+              <a:buNone/>
+              <a:defRPr/>
+            </a:lvl3pPr>
+            <a:lvl4pPr marL="1371600" indent="0">
+              <a:buFontTx/>
+              <a:buNone/>
+              <a:defRPr/>
+            </a:lvl4pPr>
+            <a:lvl5pPr marL="1828800" indent="0">
+              <a:buFontTx/>
+              <a:buNone/>
+              <a:defRPr/>
+            </a:lvl5pPr>
+          </a:lstStyle>
+          <a:p>
+            <a:pPr lvl="0"/>
+            <a:r>
+              <a:rPr lang="fr-FR"/>
+              <a:t>Cliquez pour modifier les styles du texte du masque</a:t>
+            </a:r>
+          </a:p>
+        </p:txBody>
+      </p:sp>
+      <p:sp>
+        <p:nvSpPr>
+          <p:cNvPr id="3" name="Text Placeholder 2"/>
+          <p:cNvSpPr>
+            <a:spLocks noGrp="1"/>
+          </p:cNvSpPr>
+          <p:nvPr>
+            <p:ph type="body" idx="1"/>
+          </p:nvPr>
+        </p:nvSpPr>
+        <p:spPr>
+          <a:xfrm>
+            <a:off x="677335" y="4527448"/>
+            <a:ext cx="8596668" cy="1513914"/>
+          </a:xfrm>
+        </p:spPr>
+        <p:txBody>
+          <a:bodyPr anchor="t">
+            <a:normAutofit/>
+          </a:bodyPr>
+          <a:lstStyle>
+            <a:lvl1pPr marL="0" indent="0" algn="l">
+              <a:buNone/>
+              <a:defRPr sz="1800">
+                <a:solidFill>
+                  <a:schemeClr val="tx1">
+                    <a:lumMod val="50000"/>
+                    <a:lumOff val="50000"/>
+                  </a:schemeClr>
+                </a:solidFill>
+              </a:defRPr>
+            </a:lvl1pPr>
+            <a:lvl2pPr marL="457200" indent="0">
+              <a:buNone/>
+              <a:defRPr sz="1800">
+                <a:solidFill>
+                  <a:schemeClr val="tx1">
+                    <a:tint val="75000"/>
+                  </a:schemeClr>
+                </a:solidFill>
+              </a:defRPr>
+            </a:lvl2pPr>
+            <a:lvl3pPr marL="914400" indent="0">
+              <a:buNone/>
+              <a:defRPr sz="1600">
+                <a:solidFill>
+                  <a:schemeClr val="tx1">
+                    <a:tint val="75000"/>
+                  </a:schemeClr>
+                </a:solidFill>
+              </a:defRPr>
+            </a:lvl3pPr>
+            <a:lvl4pPr marL="1371600" indent="0">
+              <a:buNone/>
+              <a:defRPr sz="1400">
+                <a:solidFill>
+                  <a:schemeClr val="tx1">
+                    <a:tint val="75000"/>
+                  </a:schemeClr>
+                </a:solidFill>
+              </a:defRPr>
+            </a:lvl4pPr>
+            <a:lvl5pPr marL="1828800" indent="0">
+              <a:buNone/>
+              <a:defRPr sz="1400">
+                <a:solidFill>
+                  <a:schemeClr val="tx1">
+                    <a:tint val="75000"/>
+                  </a:schemeClr>
+                </a:solidFill>
+              </a:defRPr>
+            </a:lvl5pPr>
+            <a:lvl6pPr marL="2286000" indent="0">
+              <a:buNone/>
+              <a:defRPr sz="1400">
+                <a:solidFill>
+                  <a:schemeClr val="tx1">
+                    <a:tint val="75000"/>
+                  </a:schemeClr>
+                </a:solidFill>
+              </a:defRPr>
+            </a:lvl6pPr>
+            <a:lvl7pPr marL="2743200" indent="0">
+              <a:buNone/>
+              <a:defRPr sz="1400">
+                <a:solidFill>
+                  <a:schemeClr val="tx1">
+                    <a:tint val="75000"/>
+                  </a:schemeClr>
+                </a:solidFill>
+              </a:defRPr>
+            </a:lvl7pPr>
+            <a:lvl8pPr marL="3200400" indent="0">
+              <a:buNone/>
+              <a:defRPr sz="1400">
+                <a:solidFill>
+                  <a:schemeClr val="tx1">
+                    <a:tint val="75000"/>
+                  </a:schemeClr>
+                </a:solidFill>
+              </a:defRPr>
+            </a:lvl8pPr>
+            <a:lvl9pPr marL="3657600" indent="0">
+              <a:buNone/>
+              <a:defRPr sz="1400">
+                <a:solidFill>
+                  <a:schemeClr val="tx1">
+                    <a:tint val="75000"/>
+                  </a:schemeClr>
+                </a:solidFill>
+              </a:defRPr>
+            </a:lvl9pPr>
+          </a:lstStyle>
+          <a:p>
+            <a:pPr lvl="0"/>
+            <a:r>
+              <a:rPr lang="fr-FR"/>
+              <a:t>Cliquez pour modifier les styles du texte du masque</a:t>
+            </a:r>
+          </a:p>
+        </p:txBody>
+      </p:sp>
+      <p:sp>
+        <p:nvSpPr>
+          <p:cNvPr id="4" name="Date Placeholder 3"/>
+          <p:cNvSpPr>
+            <a:spLocks noGrp="1"/>
+          </p:cNvSpPr>
+          <p:nvPr>
+            <p:ph type="dt" sz="half" idx="10"/>
+          </p:nvPr>
+        </p:nvSpPr>
+        <p:spPr/>
+        <p:txBody>
+          <a:bodyPr/>
+          <a:lstStyle/>
+          <a:p>
+            <a:fld id="{C0C4FB13-012F-4037-81DA-501F3326904A}" type="datetimeFigureOut">
+              <a:rPr lang="en-GB" smtClean="0"/>
+              <a:t>05/11/2019</a:t>
+            </a:fld>
+            <a:endParaRPr lang="en-GB"/>
+          </a:p>
+        </p:txBody>
+      </p:sp>
+      <p:sp>
+        <p:nvSpPr>
+          <p:cNvPr id="5" name="Footer Placeholder 4"/>
+          <p:cNvSpPr>
+            <a:spLocks noGrp="1"/>
+          </p:cNvSpPr>
+          <p:nvPr>
+            <p:ph type="ftr" sz="quarter" idx="11"/>
+          </p:nvPr>
+        </p:nvSpPr>
+        <p:spPr/>
+        <p:txBody>
+          <a:bodyPr/>
+          <a:lstStyle/>
+          <a:p>
+            <a:endParaRPr lang="en-GB"/>
+          </a:p>
+        </p:txBody>
+      </p:sp>
+      <p:sp>
+        <p:nvSpPr>
+          <p:cNvPr id="6" name="Slide Number Placeholder 5"/>
+          <p:cNvSpPr>
+            <a:spLocks noGrp="1"/>
+          </p:cNvSpPr>
+          <p:nvPr>
+            <p:ph type="sldNum" sz="quarter" idx="12"/>
+          </p:nvPr>
+        </p:nvSpPr>
+        <p:spPr/>
+        <p:txBody>
+          <a:bodyPr/>
+          <a:lstStyle/>
+          <a:p>
+            <a:fld id="{61BAC7F5-5DA0-4867-8E57-12FE7D13F463}" type="slidenum">
+              <a:rPr lang="en-GB" smtClean="0"/>
+              <a:t>‹N°›</a:t>
+            </a:fld>
+            <a:endParaRPr lang="en-GB"/>
+          </a:p>
+        </p:txBody>
+      </p:sp>
+    </p:spTree>
+    <p:extLst>
+      <p:ext uri="{BB962C8B-B14F-4D97-AF65-F5344CB8AC3E}">
+        <p14:creationId xmlns:p14="http://schemas.microsoft.com/office/powerpoint/2010/main" val="936076110"/>
+      </p:ext>
+    </p:extLst>
+  </p:cSld>
+  <p:clrMapOvr>
+    <a:masterClrMapping/>
+  </p:clrMapOvr>
+</p:sldLayout>
+</file>
+
+<file path=ppt/slideLayouts/slideLayout15.xml><?xml version="1.0" encoding="utf-8"?>
 <p:sldLayout xmlns:a="http://schemas.openxmlformats.org/drawingml/2006/main" xmlns:r="http://schemas.openxmlformats.org/officeDocument/2006/relationships" xmlns:p="http://schemas.openxmlformats.org/presentationml/2006/main" type="vertTx" preserve="1">
   <p:cSld name="Titre et texte vertical">
     <p:spTree>
@@ -359,13 +2537,7 @@
       </p:grpSpPr>
       <p:sp>
         <p:nvSpPr>
-          <p:cNvPr id="2" name="Titre 1">
-            <a:extLst>
-              <a:ext uri="{FF2B5EF4-FFF2-40B4-BE49-F238E27FC236}">
-                <a16:creationId xmlns:a16="http://schemas.microsoft.com/office/drawing/2014/main" id="{297545B7-A111-4AAC-A90D-26409F1A6223}"/>
-              </a:ext>
-            </a:extLst>
-          </p:cNvPr>
+          <p:cNvPr id="2" name="Title 1"/>
           <p:cNvSpPr>
             <a:spLocks noGrp="1"/>
           </p:cNvSpPr>
@@ -382,19 +2554,13 @@
               <a:rPr lang="fr-FR"/>
               <a:t>Modifiez le style du titre</a:t>
             </a:r>
-            <a:endParaRPr lang="en-GB"/>
-          </a:p>
-        </p:txBody>
-      </p:sp>
-      <p:sp>
-        <p:nvSpPr>
-          <p:cNvPr id="3" name="Espace réservé du texte vertical 2">
-            <a:extLst>
-              <a:ext uri="{FF2B5EF4-FFF2-40B4-BE49-F238E27FC236}">
-                <a16:creationId xmlns:a16="http://schemas.microsoft.com/office/drawing/2014/main" id="{99D40628-1389-482A-A92F-1BF6A795D0A1}"/>
-              </a:ext>
-            </a:extLst>
-          </p:cNvPr>
+            <a:endParaRPr lang="en-US" dirty="0"/>
+          </a:p>
+        </p:txBody>
+      </p:sp>
+      <p:sp>
+        <p:nvSpPr>
+          <p:cNvPr id="3" name="Vertical Text Placeholder 2"/>
           <p:cNvSpPr>
             <a:spLocks noGrp="1"/>
           </p:cNvSpPr>
@@ -440,19 +2606,13 @@
               <a:rPr lang="fr-FR"/>
               <a:t>Cinquième niveau</a:t>
             </a:r>
-            <a:endParaRPr lang="en-GB"/>
-          </a:p>
-        </p:txBody>
-      </p:sp>
-      <p:sp>
-        <p:nvSpPr>
-          <p:cNvPr id="4" name="Espace réservé de la date 3">
-            <a:extLst>
-              <a:ext uri="{FF2B5EF4-FFF2-40B4-BE49-F238E27FC236}">
-                <a16:creationId xmlns:a16="http://schemas.microsoft.com/office/drawing/2014/main" id="{647B70CF-0FB9-46FE-9225-11703B58451C}"/>
-              </a:ext>
-            </a:extLst>
-          </p:cNvPr>
+            <a:endParaRPr lang="en-US" dirty="0"/>
+          </a:p>
+        </p:txBody>
+      </p:sp>
+      <p:sp>
+        <p:nvSpPr>
+          <p:cNvPr id="4" name="Date Placeholder 3"/>
           <p:cNvSpPr>
             <a:spLocks noGrp="1"/>
           </p:cNvSpPr>
@@ -475,13 +2635,7 @@
       </p:sp>
       <p:sp>
         <p:nvSpPr>
-          <p:cNvPr id="5" name="Espace réservé du pied de page 4">
-            <a:extLst>
-              <a:ext uri="{FF2B5EF4-FFF2-40B4-BE49-F238E27FC236}">
-                <a16:creationId xmlns:a16="http://schemas.microsoft.com/office/drawing/2014/main" id="{F30FDAF2-C3CB-4935-8778-9BAD523B9C85}"/>
-              </a:ext>
-            </a:extLst>
-          </p:cNvPr>
+          <p:cNvPr id="5" name="Footer Placeholder 4"/>
           <p:cNvSpPr>
             <a:spLocks noGrp="1"/>
           </p:cNvSpPr>
@@ -500,13 +2654,7 @@
       </p:sp>
       <p:sp>
         <p:nvSpPr>
-          <p:cNvPr id="6" name="Espace réservé du numéro de diapositive 5">
-            <a:extLst>
-              <a:ext uri="{FF2B5EF4-FFF2-40B4-BE49-F238E27FC236}">
-                <a16:creationId xmlns:a16="http://schemas.microsoft.com/office/drawing/2014/main" id="{5F5DD5C0-D331-474C-B162-1082ADBBC46D}"/>
-              </a:ext>
-            </a:extLst>
-          </p:cNvPr>
+          <p:cNvPr id="6" name="Slide Number Placeholder 5"/>
           <p:cNvSpPr>
             <a:spLocks noGrp="1"/>
           </p:cNvSpPr>
@@ -530,7 +2678,7 @@
     </p:spTree>
     <p:extLst>
       <p:ext uri="{BB962C8B-B14F-4D97-AF65-F5344CB8AC3E}">
-        <p14:creationId xmlns:p14="http://schemas.microsoft.com/office/powerpoint/2010/main" val="4257744857"/>
+        <p14:creationId xmlns:p14="http://schemas.microsoft.com/office/powerpoint/2010/main" val="2149379239"/>
       </p:ext>
     </p:extLst>
   </p:cSld>
@@ -540,7 +2688,7 @@
 </p:sldLayout>
 </file>
 
-<file path=ppt/slideLayouts/slideLayout11.xml><?xml version="1.0" encoding="utf-8"?>
+<file path=ppt/slideLayouts/slideLayout16.xml><?xml version="1.0" encoding="utf-8"?>
 <p:sldLayout xmlns:a="http://schemas.openxmlformats.org/drawingml/2006/main" xmlns:r="http://schemas.openxmlformats.org/officeDocument/2006/relationships" xmlns:p="http://schemas.openxmlformats.org/presentationml/2006/main" type="vertTitleAndTx" preserve="1">
   <p:cSld name="Titre vertical et texte">
     <p:spTree>
@@ -559,13 +2707,7 @@
       </p:grpSpPr>
       <p:sp>
         <p:nvSpPr>
-          <p:cNvPr id="2" name="Titre vertical 1">
-            <a:extLst>
-              <a:ext uri="{FF2B5EF4-FFF2-40B4-BE49-F238E27FC236}">
-                <a16:creationId xmlns:a16="http://schemas.microsoft.com/office/drawing/2014/main" id="{7A5B0AB5-7B25-485C-AF5B-99E57E1999B4}"/>
-              </a:ext>
-            </a:extLst>
-          </p:cNvPr>
+          <p:cNvPr id="2" name="Vertical Title 1"/>
           <p:cNvSpPr>
             <a:spLocks noGrp="1"/>
           </p:cNvSpPr>
@@ -575,31 +2717,25 @@
         </p:nvSpPr>
         <p:spPr>
           <a:xfrm>
-            <a:off x="8724900" y="365125"/>
-            <a:ext cx="2628900" cy="5811838"/>
+            <a:off x="7967673" y="609599"/>
+            <a:ext cx="1304743" cy="5251451"/>
           </a:xfrm>
         </p:spPr>
         <p:txBody>
-          <a:bodyPr vert="eaVert"/>
+          <a:bodyPr vert="eaVert" anchor="ctr"/>
           <a:lstStyle/>
           <a:p>
             <a:r>
               <a:rPr lang="fr-FR"/>
               <a:t>Modifiez le style du titre</a:t>
             </a:r>
-            <a:endParaRPr lang="en-GB"/>
-          </a:p>
-        </p:txBody>
-      </p:sp>
-      <p:sp>
-        <p:nvSpPr>
-          <p:cNvPr id="3" name="Espace réservé du texte vertical 2">
-            <a:extLst>
-              <a:ext uri="{FF2B5EF4-FFF2-40B4-BE49-F238E27FC236}">
-                <a16:creationId xmlns:a16="http://schemas.microsoft.com/office/drawing/2014/main" id="{6DA05885-51B2-4D11-82FD-25AAB4E2DFDA}"/>
-              </a:ext>
-            </a:extLst>
-          </p:cNvPr>
+            <a:endParaRPr lang="en-US" dirty="0"/>
+          </a:p>
+        </p:txBody>
+      </p:sp>
+      <p:sp>
+        <p:nvSpPr>
+          <p:cNvPr id="3" name="Vertical Text Placeholder 2"/>
           <p:cNvSpPr>
             <a:spLocks noGrp="1"/>
           </p:cNvSpPr>
@@ -609,8 +2745,8 @@
         </p:nvSpPr>
         <p:spPr>
           <a:xfrm>
-            <a:off x="838200" y="365125"/>
-            <a:ext cx="7734300" cy="5811838"/>
+            <a:off x="677335" y="609600"/>
+            <a:ext cx="7060150" cy="5251450"/>
           </a:xfrm>
         </p:spPr>
         <p:txBody>
@@ -650,19 +2786,13 @@
               <a:rPr lang="fr-FR"/>
               <a:t>Cinquième niveau</a:t>
             </a:r>
-            <a:endParaRPr lang="en-GB"/>
-          </a:p>
-        </p:txBody>
-      </p:sp>
-      <p:sp>
-        <p:nvSpPr>
-          <p:cNvPr id="4" name="Espace réservé de la date 3">
-            <a:extLst>
-              <a:ext uri="{FF2B5EF4-FFF2-40B4-BE49-F238E27FC236}">
-                <a16:creationId xmlns:a16="http://schemas.microsoft.com/office/drawing/2014/main" id="{A00B9621-3AB1-4B64-AB09-20338500D79F}"/>
-              </a:ext>
-            </a:extLst>
-          </p:cNvPr>
+            <a:endParaRPr lang="en-US" dirty="0"/>
+          </a:p>
+        </p:txBody>
+      </p:sp>
+      <p:sp>
+        <p:nvSpPr>
+          <p:cNvPr id="4" name="Date Placeholder 3"/>
           <p:cNvSpPr>
             <a:spLocks noGrp="1"/>
           </p:cNvSpPr>
@@ -685,13 +2815,7 @@
       </p:sp>
       <p:sp>
         <p:nvSpPr>
-          <p:cNvPr id="5" name="Espace réservé du pied de page 4">
-            <a:extLst>
-              <a:ext uri="{FF2B5EF4-FFF2-40B4-BE49-F238E27FC236}">
-                <a16:creationId xmlns:a16="http://schemas.microsoft.com/office/drawing/2014/main" id="{9B03B3AF-45CA-49B1-93A3-A969530A47DF}"/>
-              </a:ext>
-            </a:extLst>
-          </p:cNvPr>
+          <p:cNvPr id="5" name="Footer Placeholder 4"/>
           <p:cNvSpPr>
             <a:spLocks noGrp="1"/>
           </p:cNvSpPr>
@@ -710,13 +2834,7 @@
       </p:sp>
       <p:sp>
         <p:nvSpPr>
-          <p:cNvPr id="6" name="Espace réservé du numéro de diapositive 5">
-            <a:extLst>
-              <a:ext uri="{FF2B5EF4-FFF2-40B4-BE49-F238E27FC236}">
-                <a16:creationId xmlns:a16="http://schemas.microsoft.com/office/drawing/2014/main" id="{5C327560-1479-4D22-8017-F1CE98ABA0A4}"/>
-              </a:ext>
-            </a:extLst>
-          </p:cNvPr>
+          <p:cNvPr id="6" name="Slide Number Placeholder 5"/>
           <p:cNvSpPr>
             <a:spLocks noGrp="1"/>
           </p:cNvSpPr>
@@ -740,7 +2858,7 @@
     </p:spTree>
     <p:extLst>
       <p:ext uri="{BB962C8B-B14F-4D97-AF65-F5344CB8AC3E}">
-        <p14:creationId xmlns:p14="http://schemas.microsoft.com/office/powerpoint/2010/main" val="4175199037"/>
+        <p14:creationId xmlns:p14="http://schemas.microsoft.com/office/powerpoint/2010/main" val="694704147"/>
       </p:ext>
     </p:extLst>
   </p:cSld>
@@ -769,13 +2887,7 @@
       </p:grpSpPr>
       <p:sp>
         <p:nvSpPr>
-          <p:cNvPr id="2" name="Titre 1">
-            <a:extLst>
-              <a:ext uri="{FF2B5EF4-FFF2-40B4-BE49-F238E27FC236}">
-                <a16:creationId xmlns:a16="http://schemas.microsoft.com/office/drawing/2014/main" id="{3247FC09-C9F5-429E-9F0F-48D6F17BFC80}"/>
-              </a:ext>
-            </a:extLst>
-          </p:cNvPr>
+          <p:cNvPr id="2" name="Title 1"/>
           <p:cNvSpPr>
             <a:spLocks noGrp="1"/>
           </p:cNvSpPr>
@@ -785,26 +2897,26 @@
         </p:nvSpPr>
         <p:spPr/>
         <p:txBody>
-          <a:bodyPr/>
-          <a:lstStyle/>
+          <a:bodyPr>
+            <a:normAutofit/>
+          </a:bodyPr>
+          <a:lstStyle>
+            <a:lvl1pPr>
+              <a:defRPr sz="3600"/>
+            </a:lvl1pPr>
+          </a:lstStyle>
           <a:p>
             <a:r>
               <a:rPr lang="fr-FR"/>
               <a:t>Modifiez le style du titre</a:t>
             </a:r>
-            <a:endParaRPr lang="en-GB"/>
-          </a:p>
-        </p:txBody>
-      </p:sp>
-      <p:sp>
-        <p:nvSpPr>
-          <p:cNvPr id="3" name="Espace réservé du contenu 2">
-            <a:extLst>
-              <a:ext uri="{FF2B5EF4-FFF2-40B4-BE49-F238E27FC236}">
-                <a16:creationId xmlns:a16="http://schemas.microsoft.com/office/drawing/2014/main" id="{0DFC13B0-5D12-4970-BB57-D64A9049CE47}"/>
-              </a:ext>
-            </a:extLst>
-          </p:cNvPr>
+            <a:endParaRPr lang="en-US" dirty="0"/>
+          </a:p>
+        </p:txBody>
+      </p:sp>
+      <p:sp>
+        <p:nvSpPr>
+          <p:cNvPr id="3" name="Content Placeholder 2"/>
           <p:cNvSpPr>
             <a:spLocks noGrp="1"/>
           </p:cNvSpPr>
@@ -850,19 +2962,13 @@
               <a:rPr lang="fr-FR"/>
               <a:t>Cinquième niveau</a:t>
             </a:r>
-            <a:endParaRPr lang="en-GB"/>
-          </a:p>
-        </p:txBody>
-      </p:sp>
-      <p:sp>
-        <p:nvSpPr>
-          <p:cNvPr id="4" name="Espace réservé de la date 3">
-            <a:extLst>
-              <a:ext uri="{FF2B5EF4-FFF2-40B4-BE49-F238E27FC236}">
-                <a16:creationId xmlns:a16="http://schemas.microsoft.com/office/drawing/2014/main" id="{FC3B1570-191B-4E18-84FD-CACC6DB23D95}"/>
-              </a:ext>
-            </a:extLst>
-          </p:cNvPr>
+            <a:endParaRPr lang="en-US" dirty="0"/>
+          </a:p>
+        </p:txBody>
+      </p:sp>
+      <p:sp>
+        <p:nvSpPr>
+          <p:cNvPr id="4" name="Date Placeholder 3"/>
           <p:cNvSpPr>
             <a:spLocks noGrp="1"/>
           </p:cNvSpPr>
@@ -885,13 +2991,7 @@
       </p:sp>
       <p:sp>
         <p:nvSpPr>
-          <p:cNvPr id="5" name="Espace réservé du pied de page 4">
-            <a:extLst>
-              <a:ext uri="{FF2B5EF4-FFF2-40B4-BE49-F238E27FC236}">
-                <a16:creationId xmlns:a16="http://schemas.microsoft.com/office/drawing/2014/main" id="{4F8531C8-43A5-4434-B4B4-7AF632C7591E}"/>
-              </a:ext>
-            </a:extLst>
-          </p:cNvPr>
+          <p:cNvPr id="5" name="Footer Placeholder 4"/>
           <p:cNvSpPr>
             <a:spLocks noGrp="1"/>
           </p:cNvSpPr>
@@ -910,13 +3010,7 @@
       </p:sp>
       <p:sp>
         <p:nvSpPr>
-          <p:cNvPr id="6" name="Espace réservé du numéro de diapositive 5">
-            <a:extLst>
-              <a:ext uri="{FF2B5EF4-FFF2-40B4-BE49-F238E27FC236}">
-                <a16:creationId xmlns:a16="http://schemas.microsoft.com/office/drawing/2014/main" id="{6175ACD7-6231-439D-BE53-16D66BA61CC7}"/>
-              </a:ext>
-            </a:extLst>
-          </p:cNvPr>
+          <p:cNvPr id="6" name="Slide Number Placeholder 5"/>
           <p:cNvSpPr>
             <a:spLocks noGrp="1"/>
           </p:cNvSpPr>
@@ -940,7 +3034,7 @@
     </p:spTree>
     <p:extLst>
       <p:ext uri="{BB962C8B-B14F-4D97-AF65-F5344CB8AC3E}">
-        <p14:creationId xmlns:p14="http://schemas.microsoft.com/office/powerpoint/2010/main" val="545875065"/>
+        <p14:creationId xmlns:p14="http://schemas.microsoft.com/office/powerpoint/2010/main" val="891869584"/>
       </p:ext>
     </p:extLst>
   </p:cSld>
@@ -969,13 +3063,7 @@
       </p:grpSpPr>
       <p:sp>
         <p:nvSpPr>
-          <p:cNvPr id="2" name="Titre 1">
-            <a:extLst>
-              <a:ext uri="{FF2B5EF4-FFF2-40B4-BE49-F238E27FC236}">
-                <a16:creationId xmlns:a16="http://schemas.microsoft.com/office/drawing/2014/main" id="{FB777920-7B75-4347-AE23-B6958673D88C}"/>
-              </a:ext>
-            </a:extLst>
-          </p:cNvPr>
+          <p:cNvPr id="2" name="Title 1"/>
           <p:cNvSpPr>
             <a:spLocks noGrp="1"/>
           </p:cNvSpPr>
@@ -985,15 +3073,15 @@
         </p:nvSpPr>
         <p:spPr>
           <a:xfrm>
-            <a:off x="831850" y="1709738"/>
-            <a:ext cx="10515600" cy="2852737"/>
+            <a:off x="677335" y="2700867"/>
+            <a:ext cx="8596668" cy="1826581"/>
           </a:xfrm>
         </p:spPr>
         <p:txBody>
           <a:bodyPr anchor="b"/>
           <a:lstStyle>
-            <a:lvl1pPr>
-              <a:defRPr sz="6000"/>
+            <a:lvl1pPr algn="l">
+              <a:defRPr sz="4000" b="0" cap="none"/>
             </a:lvl1pPr>
           </a:lstStyle>
           <a:p>
@@ -1001,19 +3089,13 @@
               <a:rPr lang="fr-FR"/>
               <a:t>Modifiez le style du titre</a:t>
             </a:r>
-            <a:endParaRPr lang="en-GB"/>
-          </a:p>
-        </p:txBody>
-      </p:sp>
-      <p:sp>
-        <p:nvSpPr>
-          <p:cNvPr id="3" name="Espace réservé du texte 2">
-            <a:extLst>
-              <a:ext uri="{FF2B5EF4-FFF2-40B4-BE49-F238E27FC236}">
-                <a16:creationId xmlns:a16="http://schemas.microsoft.com/office/drawing/2014/main" id="{EDD1BD57-780E-4E04-866A-1C690F3E7F40}"/>
-              </a:ext>
-            </a:extLst>
-          </p:cNvPr>
+            <a:endParaRPr lang="en-US" dirty="0"/>
+          </a:p>
+        </p:txBody>
+      </p:sp>
+      <p:sp>
+        <p:nvSpPr>
+          <p:cNvPr id="3" name="Text Placeholder 2"/>
           <p:cNvSpPr>
             <a:spLocks noGrp="1"/>
           </p:cNvSpPr>
@@ -1023,102 +3105,103 @@
         </p:nvSpPr>
         <p:spPr>
           <a:xfrm>
-            <a:off x="831850" y="4589463"/>
-            <a:ext cx="10515600" cy="1500187"/>
+            <a:off x="677335" y="4527448"/>
+            <a:ext cx="8596668" cy="860400"/>
           </a:xfrm>
         </p:spPr>
         <p:txBody>
-          <a:bodyPr/>
+          <a:bodyPr anchor="t"/>
           <a:lstStyle>
-            <a:lvl1pPr marL="0" indent="0">
-              <a:buNone/>
-              <a:defRPr sz="2400">
+            <a:lvl1pPr marL="0" indent="0" algn="l">
+              <a:buNone/>
+              <a:defRPr sz="2000">
+                <a:solidFill>
+                  <a:schemeClr val="tx1">
+                    <a:lumMod val="50000"/>
+                    <a:lumOff val="50000"/>
+                  </a:schemeClr>
+                </a:solidFill>
+              </a:defRPr>
+            </a:lvl1pPr>
+            <a:lvl2pPr marL="457200" indent="0">
+              <a:buNone/>
+              <a:defRPr sz="1800">
                 <a:solidFill>
                   <a:schemeClr val="tx1">
                     <a:tint val="75000"/>
                   </a:schemeClr>
                 </a:solidFill>
               </a:defRPr>
-            </a:lvl1pPr>
-            <a:lvl2pPr marL="457200" indent="0">
-              <a:buNone/>
-              <a:defRPr sz="2000">
+            </a:lvl2pPr>
+            <a:lvl3pPr marL="914400" indent="0">
+              <a:buNone/>
+              <a:defRPr sz="1600">
                 <a:solidFill>
                   <a:schemeClr val="tx1">
                     <a:tint val="75000"/>
                   </a:schemeClr>
                 </a:solidFill>
               </a:defRPr>
-            </a:lvl2pPr>
-            <a:lvl3pPr marL="914400" indent="0">
-              <a:buNone/>
-              <a:defRPr sz="1800">
+            </a:lvl3pPr>
+            <a:lvl4pPr marL="1371600" indent="0">
+              <a:buNone/>
+              <a:defRPr sz="1400">
                 <a:solidFill>
                   <a:schemeClr val="tx1">
                     <a:tint val="75000"/>
                   </a:schemeClr>
                 </a:solidFill>
               </a:defRPr>
-            </a:lvl3pPr>
-            <a:lvl4pPr marL="1371600" indent="0">
-              <a:buNone/>
-              <a:defRPr sz="1600">
+            </a:lvl4pPr>
+            <a:lvl5pPr marL="1828800" indent="0">
+              <a:buNone/>
+              <a:defRPr sz="1400">
                 <a:solidFill>
                   <a:schemeClr val="tx1">
                     <a:tint val="75000"/>
                   </a:schemeClr>
                 </a:solidFill>
               </a:defRPr>
-            </a:lvl4pPr>
-            <a:lvl5pPr marL="1828800" indent="0">
-              <a:buNone/>
-              <a:defRPr sz="1600">
+            </a:lvl5pPr>
+            <a:lvl6pPr marL="2286000" indent="0">
+              <a:buNone/>
+              <a:defRPr sz="1400">
                 <a:solidFill>
                   <a:schemeClr val="tx1">
                     <a:tint val="75000"/>
                   </a:schemeClr>
                 </a:solidFill>
               </a:defRPr>
-            </a:lvl5pPr>
-            <a:lvl6pPr marL="2286000" indent="0">
-              <a:buNone/>
-              <a:defRPr sz="1600">
+            </a:lvl6pPr>
+            <a:lvl7pPr marL="2743200" indent="0">
+              <a:buNone/>
+              <a:defRPr sz="1400">
                 <a:solidFill>
                   <a:schemeClr val="tx1">
                     <a:tint val="75000"/>
                   </a:schemeClr>
                 </a:solidFill>
               </a:defRPr>
-            </a:lvl6pPr>
-            <a:lvl7pPr marL="2743200" indent="0">
-              <a:buNone/>
-              <a:defRPr sz="1600">
+            </a:lvl7pPr>
+            <a:lvl8pPr marL="3200400" indent="0">
+              <a:buNone/>
+              <a:defRPr sz="1400">
                 <a:solidFill>
                   <a:schemeClr val="tx1">
                     <a:tint val="75000"/>
                   </a:schemeClr>
                 </a:solidFill>
               </a:defRPr>
-            </a:lvl7pPr>
-            <a:lvl8pPr marL="3200400" indent="0">
-              <a:buNone/>
-              <a:defRPr sz="1600">
+            </a:lvl8pPr>
+            <a:lvl9pPr marL="3657600" indent="0">
+              <a:buNone/>
+              <a:defRPr sz="1400">
                 <a:solidFill>
                   <a:schemeClr val="tx1">
                     <a:tint val="75000"/>
                   </a:schemeClr>
                 </a:solidFill>
               </a:defRPr>
-            </a:lvl8pPr>
-            <a:lvl9pPr marL="3657600" indent="0">
-              <a:buNone/>
-              <a:defRPr sz="1600">
-                <a:solidFill>
-                  <a:schemeClr val="tx1">
-                    <a:tint val="75000"/>
-                  </a:schemeClr>
-                </a:solidFill>
-              </a:defRPr>
             </a:lvl9pPr>
           </a:lstStyle>
           <a:p>
@@ -1132,13 +3215,7 @@
       </p:sp>
       <p:sp>
         <p:nvSpPr>
-          <p:cNvPr id="4" name="Espace réservé de la date 3">
-            <a:extLst>
-              <a:ext uri="{FF2B5EF4-FFF2-40B4-BE49-F238E27FC236}">
-                <a16:creationId xmlns:a16="http://schemas.microsoft.com/office/drawing/2014/main" id="{C334962D-C6CC-49D7-AD2F-C3C759597D06}"/>
-              </a:ext>
-            </a:extLst>
-          </p:cNvPr>
+          <p:cNvPr id="4" name="Date Placeholder 3"/>
           <p:cNvSpPr>
             <a:spLocks noGrp="1"/>
           </p:cNvSpPr>
@@ -1161,13 +3238,7 @@
       </p:sp>
       <p:sp>
         <p:nvSpPr>
-          <p:cNvPr id="5" name="Espace réservé du pied de page 4">
-            <a:extLst>
-              <a:ext uri="{FF2B5EF4-FFF2-40B4-BE49-F238E27FC236}">
-                <a16:creationId xmlns:a16="http://schemas.microsoft.com/office/drawing/2014/main" id="{B4C2C602-1741-407E-A4E1-0726816027DB}"/>
-              </a:ext>
-            </a:extLst>
-          </p:cNvPr>
+          <p:cNvPr id="5" name="Footer Placeholder 4"/>
           <p:cNvSpPr>
             <a:spLocks noGrp="1"/>
           </p:cNvSpPr>
@@ -1186,13 +3257,7 @@
       </p:sp>
       <p:sp>
         <p:nvSpPr>
-          <p:cNvPr id="6" name="Espace réservé du numéro de diapositive 5">
-            <a:extLst>
-              <a:ext uri="{FF2B5EF4-FFF2-40B4-BE49-F238E27FC236}">
-                <a16:creationId xmlns:a16="http://schemas.microsoft.com/office/drawing/2014/main" id="{332AAF43-E7B0-4A80-9BC7-430720FE8DE4}"/>
-              </a:ext>
-            </a:extLst>
-          </p:cNvPr>
+          <p:cNvPr id="6" name="Slide Number Placeholder 5"/>
           <p:cNvSpPr>
             <a:spLocks noGrp="1"/>
           </p:cNvSpPr>
@@ -1216,7 +3281,7 @@
     </p:spTree>
     <p:extLst>
       <p:ext uri="{BB962C8B-B14F-4D97-AF65-F5344CB8AC3E}">
-        <p14:creationId xmlns:p14="http://schemas.microsoft.com/office/powerpoint/2010/main" val="3212048401"/>
+        <p14:creationId xmlns:p14="http://schemas.microsoft.com/office/powerpoint/2010/main" val="1627195533"/>
       </p:ext>
     </p:extLst>
   </p:cSld>
@@ -1245,13 +3310,7 @@
       </p:grpSpPr>
       <p:sp>
         <p:nvSpPr>
-          <p:cNvPr id="2" name="Titre 1">
-            <a:extLst>
-              <a:ext uri="{FF2B5EF4-FFF2-40B4-BE49-F238E27FC236}">
-                <a16:creationId xmlns:a16="http://schemas.microsoft.com/office/drawing/2014/main" id="{3EBECFD9-5657-4054-A831-36F5494A1844}"/>
-              </a:ext>
-            </a:extLst>
-          </p:cNvPr>
+          <p:cNvPr id="2" name="Title 1"/>
           <p:cNvSpPr>
             <a:spLocks noGrp="1"/>
           </p:cNvSpPr>
@@ -1268,19 +3327,13 @@
               <a:rPr lang="fr-FR"/>
               <a:t>Modifiez le style du titre</a:t>
             </a:r>
-            <a:endParaRPr lang="en-GB"/>
-          </a:p>
-        </p:txBody>
-      </p:sp>
-      <p:sp>
-        <p:nvSpPr>
-          <p:cNvPr id="3" name="Espace réservé du contenu 2">
-            <a:extLst>
-              <a:ext uri="{FF2B5EF4-FFF2-40B4-BE49-F238E27FC236}">
-                <a16:creationId xmlns:a16="http://schemas.microsoft.com/office/drawing/2014/main" id="{44C75AF1-2F9B-4F35-A1FC-6C93E1BCB36C}"/>
-              </a:ext>
-            </a:extLst>
-          </p:cNvPr>
+            <a:endParaRPr lang="en-US" dirty="0"/>
+          </a:p>
+        </p:txBody>
+      </p:sp>
+      <p:sp>
+        <p:nvSpPr>
+          <p:cNvPr id="3" name="Content Placeholder 2"/>
           <p:cNvSpPr>
             <a:spLocks noGrp="1"/>
           </p:cNvSpPr>
@@ -1290,8 +3343,8 @@
         </p:nvSpPr>
         <p:spPr>
           <a:xfrm>
-            <a:off x="838200" y="1825625"/>
-            <a:ext cx="5181600" cy="4351338"/>
+            <a:off x="677334" y="2160589"/>
+            <a:ext cx="4184035" cy="3880772"/>
           </a:xfrm>
         </p:spPr>
         <p:txBody>
@@ -1331,19 +3384,13 @@
               <a:rPr lang="fr-FR"/>
               <a:t>Cinquième niveau</a:t>
             </a:r>
-            <a:endParaRPr lang="en-GB"/>
-          </a:p>
-        </p:txBody>
-      </p:sp>
-      <p:sp>
-        <p:nvSpPr>
-          <p:cNvPr id="4" name="Espace réservé du contenu 3">
-            <a:extLst>
-              <a:ext uri="{FF2B5EF4-FFF2-40B4-BE49-F238E27FC236}">
-                <a16:creationId xmlns:a16="http://schemas.microsoft.com/office/drawing/2014/main" id="{AD5A4ACB-043D-407C-925F-173B6F5FF6A4}"/>
-              </a:ext>
-            </a:extLst>
-          </p:cNvPr>
+            <a:endParaRPr lang="en-US" dirty="0"/>
+          </a:p>
+        </p:txBody>
+      </p:sp>
+      <p:sp>
+        <p:nvSpPr>
+          <p:cNvPr id="4" name="Content Placeholder 3"/>
           <p:cNvSpPr>
             <a:spLocks noGrp="1"/>
           </p:cNvSpPr>
@@ -1353,8 +3400,8 @@
         </p:nvSpPr>
         <p:spPr>
           <a:xfrm>
-            <a:off x="6172200" y="1825625"/>
-            <a:ext cx="5181600" cy="4351338"/>
+            <a:off x="5089970" y="2160589"/>
+            <a:ext cx="4184034" cy="3880773"/>
           </a:xfrm>
         </p:spPr>
         <p:txBody>
@@ -1394,19 +3441,13 @@
               <a:rPr lang="fr-FR"/>
               <a:t>Cinquième niveau</a:t>
             </a:r>
-            <a:endParaRPr lang="en-GB"/>
-          </a:p>
-        </p:txBody>
-      </p:sp>
-      <p:sp>
-        <p:nvSpPr>
-          <p:cNvPr id="5" name="Espace réservé de la date 4">
-            <a:extLst>
-              <a:ext uri="{FF2B5EF4-FFF2-40B4-BE49-F238E27FC236}">
-                <a16:creationId xmlns:a16="http://schemas.microsoft.com/office/drawing/2014/main" id="{D1B9AA8B-F603-4716-80FD-B0ADC63A61B4}"/>
-              </a:ext>
-            </a:extLst>
-          </p:cNvPr>
+            <a:endParaRPr lang="en-US" dirty="0"/>
+          </a:p>
+        </p:txBody>
+      </p:sp>
+      <p:sp>
+        <p:nvSpPr>
+          <p:cNvPr id="5" name="Date Placeholder 4"/>
           <p:cNvSpPr>
             <a:spLocks noGrp="1"/>
           </p:cNvSpPr>
@@ -1429,13 +3470,7 @@
       </p:sp>
       <p:sp>
         <p:nvSpPr>
-          <p:cNvPr id="6" name="Espace réservé du pied de page 5">
-            <a:extLst>
-              <a:ext uri="{FF2B5EF4-FFF2-40B4-BE49-F238E27FC236}">
-                <a16:creationId xmlns:a16="http://schemas.microsoft.com/office/drawing/2014/main" id="{E7E3ED7B-59ED-4C4E-9197-ED360223E7DD}"/>
-              </a:ext>
-            </a:extLst>
-          </p:cNvPr>
+          <p:cNvPr id="6" name="Footer Placeholder 5"/>
           <p:cNvSpPr>
             <a:spLocks noGrp="1"/>
           </p:cNvSpPr>
@@ -1454,13 +3489,7 @@
       </p:sp>
       <p:sp>
         <p:nvSpPr>
-          <p:cNvPr id="7" name="Espace réservé du numéro de diapositive 6">
-            <a:extLst>
-              <a:ext uri="{FF2B5EF4-FFF2-40B4-BE49-F238E27FC236}">
-                <a16:creationId xmlns:a16="http://schemas.microsoft.com/office/drawing/2014/main" id="{65954C6C-B2E2-429A-9829-C48191B07604}"/>
-              </a:ext>
-            </a:extLst>
-          </p:cNvPr>
+          <p:cNvPr id="7" name="Slide Number Placeholder 6"/>
           <p:cNvSpPr>
             <a:spLocks noGrp="1"/>
           </p:cNvSpPr>
@@ -1484,7 +3513,7 @@
     </p:spTree>
     <p:extLst>
       <p:ext uri="{BB962C8B-B14F-4D97-AF65-F5344CB8AC3E}">
-        <p14:creationId xmlns:p14="http://schemas.microsoft.com/office/powerpoint/2010/main" val="1579397617"/>
+        <p14:creationId xmlns:p14="http://schemas.microsoft.com/office/powerpoint/2010/main" val="2809027059"/>
       </p:ext>
     </p:extLst>
   </p:cSld>
@@ -1513,66 +3542,55 @@
       </p:grpSpPr>
       <p:sp>
         <p:nvSpPr>
-          <p:cNvPr id="2" name="Titre 1">
-            <a:extLst>
-              <a:ext uri="{FF2B5EF4-FFF2-40B4-BE49-F238E27FC236}">
-                <a16:creationId xmlns:a16="http://schemas.microsoft.com/office/drawing/2014/main" id="{45B89F69-B359-4D07-A160-F59D474399A0}"/>
-              </a:ext>
-            </a:extLst>
-          </p:cNvPr>
+          <p:cNvPr id="2" name="Title 1"/>
           <p:cNvSpPr>
             <a:spLocks noGrp="1"/>
           </p:cNvSpPr>
           <p:nvPr>
             <p:ph type="title"/>
+          </p:nvPr>
+        </p:nvSpPr>
+        <p:spPr/>
+        <p:txBody>
+          <a:bodyPr/>
+          <a:lstStyle>
+            <a:lvl1pPr>
+              <a:defRPr/>
+            </a:lvl1pPr>
+          </a:lstStyle>
+          <a:p>
+            <a:r>
+              <a:rPr lang="fr-FR"/>
+              <a:t>Modifiez le style du titre</a:t>
+            </a:r>
+            <a:endParaRPr lang="en-US" dirty="0"/>
+          </a:p>
+        </p:txBody>
+      </p:sp>
+      <p:sp>
+        <p:nvSpPr>
+          <p:cNvPr id="3" name="Text Placeholder 2"/>
+          <p:cNvSpPr>
+            <a:spLocks noGrp="1"/>
+          </p:cNvSpPr>
+          <p:nvPr>
+            <p:ph type="body" idx="1"/>
           </p:nvPr>
         </p:nvSpPr>
         <p:spPr>
           <a:xfrm>
-            <a:off x="839788" y="365125"/>
-            <a:ext cx="10515600" cy="1325563"/>
+            <a:off x="675745" y="2160983"/>
+            <a:ext cx="4185623" cy="576262"/>
           </a:xfrm>
         </p:spPr>
         <p:txBody>
-          <a:bodyPr/>
-          <a:lstStyle/>
-          <a:p>
-            <a:r>
-              <a:rPr lang="fr-FR"/>
-              <a:t>Modifiez le style du titre</a:t>
-            </a:r>
-            <a:endParaRPr lang="en-GB"/>
-          </a:p>
-        </p:txBody>
-      </p:sp>
-      <p:sp>
-        <p:nvSpPr>
-          <p:cNvPr id="3" name="Espace réservé du texte 2">
-            <a:extLst>
-              <a:ext uri="{FF2B5EF4-FFF2-40B4-BE49-F238E27FC236}">
-                <a16:creationId xmlns:a16="http://schemas.microsoft.com/office/drawing/2014/main" id="{EF29E5F0-9AA0-4ADF-B1B8-BA40CE59D144}"/>
-              </a:ext>
-            </a:extLst>
-          </p:cNvPr>
-          <p:cNvSpPr>
-            <a:spLocks noGrp="1"/>
-          </p:cNvSpPr>
-          <p:nvPr>
-            <p:ph type="body" idx="1"/>
-          </p:nvPr>
-        </p:nvSpPr>
-        <p:spPr>
-          <a:xfrm>
-            <a:off x="839788" y="1681163"/>
-            <a:ext cx="5157787" cy="823912"/>
-          </a:xfrm>
-        </p:spPr>
-        <p:txBody>
-          <a:bodyPr anchor="b"/>
+          <a:bodyPr anchor="b">
+            <a:noAutofit/>
+          </a:bodyPr>
           <a:lstStyle>
             <a:lvl1pPr marL="0" indent="0">
               <a:buNone/>
-              <a:defRPr sz="2400" b="1"/>
+              <a:defRPr sz="2400" b="0"/>
             </a:lvl1pPr>
             <a:lvl2pPr marL="457200" indent="0">
               <a:buNone/>
@@ -1618,13 +3636,7 @@
       </p:sp>
       <p:sp>
         <p:nvSpPr>
-          <p:cNvPr id="4" name="Espace réservé du contenu 3">
-            <a:extLst>
-              <a:ext uri="{FF2B5EF4-FFF2-40B4-BE49-F238E27FC236}">
-                <a16:creationId xmlns:a16="http://schemas.microsoft.com/office/drawing/2014/main" id="{E0EAD8DA-F64B-4B8F-8A74-EF7C89E991DA}"/>
-              </a:ext>
-            </a:extLst>
-          </p:cNvPr>
+          <p:cNvPr id="4" name="Content Placeholder 3"/>
           <p:cNvSpPr>
             <a:spLocks noGrp="1"/>
           </p:cNvSpPr>
@@ -1634,12 +3646,14 @@
         </p:nvSpPr>
         <p:spPr>
           <a:xfrm>
-            <a:off x="839788" y="2505075"/>
-            <a:ext cx="5157787" cy="3684588"/>
+            <a:off x="675745" y="2737245"/>
+            <a:ext cx="4185623" cy="3304117"/>
           </a:xfrm>
         </p:spPr>
         <p:txBody>
-          <a:bodyPr/>
+          <a:bodyPr>
+            <a:normAutofit/>
+          </a:bodyPr>
           <a:lstStyle/>
           <a:p>
             <a:pPr lvl="0"/>
@@ -1675,19 +3689,13 @@
               <a:rPr lang="fr-FR"/>
               <a:t>Cinquième niveau</a:t>
             </a:r>
-            <a:endParaRPr lang="en-GB"/>
-          </a:p>
-        </p:txBody>
-      </p:sp>
-      <p:sp>
-        <p:nvSpPr>
-          <p:cNvPr id="5" name="Espace réservé du texte 4">
-            <a:extLst>
-              <a:ext uri="{FF2B5EF4-FFF2-40B4-BE49-F238E27FC236}">
-                <a16:creationId xmlns:a16="http://schemas.microsoft.com/office/drawing/2014/main" id="{9B3D2C74-AA55-479B-8108-D23E399C7898}"/>
-              </a:ext>
-            </a:extLst>
-          </p:cNvPr>
+            <a:endParaRPr lang="en-US" dirty="0"/>
+          </a:p>
+        </p:txBody>
+      </p:sp>
+      <p:sp>
+        <p:nvSpPr>
+          <p:cNvPr id="5" name="Text Placeholder 4"/>
           <p:cNvSpPr>
             <a:spLocks noGrp="1"/>
           </p:cNvSpPr>
@@ -1697,16 +3705,18 @@
         </p:nvSpPr>
         <p:spPr>
           <a:xfrm>
-            <a:off x="6172200" y="1681163"/>
-            <a:ext cx="5183188" cy="823912"/>
+            <a:off x="5088383" y="2160983"/>
+            <a:ext cx="4185618" cy="576262"/>
           </a:xfrm>
         </p:spPr>
         <p:txBody>
-          <a:bodyPr anchor="b"/>
+          <a:bodyPr anchor="b">
+            <a:noAutofit/>
+          </a:bodyPr>
           <a:lstStyle>
             <a:lvl1pPr marL="0" indent="0">
               <a:buNone/>
-              <a:defRPr sz="2400" b="1"/>
+              <a:defRPr sz="2400" b="0"/>
             </a:lvl1pPr>
             <a:lvl2pPr marL="457200" indent="0">
               <a:buNone/>
@@ -1752,13 +3762,7 @@
       </p:sp>
       <p:sp>
         <p:nvSpPr>
-          <p:cNvPr id="6" name="Espace réservé du contenu 5">
-            <a:extLst>
-              <a:ext uri="{FF2B5EF4-FFF2-40B4-BE49-F238E27FC236}">
-                <a16:creationId xmlns:a16="http://schemas.microsoft.com/office/drawing/2014/main" id="{563F3F8A-6EA8-45C7-93F7-3133E3C88116}"/>
-              </a:ext>
-            </a:extLst>
-          </p:cNvPr>
+          <p:cNvPr id="6" name="Content Placeholder 5"/>
           <p:cNvSpPr>
             <a:spLocks noGrp="1"/>
           </p:cNvSpPr>
@@ -1768,12 +3772,14 @@
         </p:nvSpPr>
         <p:spPr>
           <a:xfrm>
-            <a:off x="6172200" y="2505075"/>
-            <a:ext cx="5183188" cy="3684588"/>
+            <a:off x="5088384" y="2737245"/>
+            <a:ext cx="4185617" cy="3304117"/>
           </a:xfrm>
         </p:spPr>
         <p:txBody>
-          <a:bodyPr/>
+          <a:bodyPr>
+            <a:normAutofit/>
+          </a:bodyPr>
           <a:lstStyle/>
           <a:p>
             <a:pPr lvl="0"/>
@@ -1809,19 +3815,13 @@
               <a:rPr lang="fr-FR"/>
               <a:t>Cinquième niveau</a:t>
             </a:r>
-            <a:endParaRPr lang="en-GB"/>
-          </a:p>
-        </p:txBody>
-      </p:sp>
-      <p:sp>
-        <p:nvSpPr>
-          <p:cNvPr id="7" name="Espace réservé de la date 6">
-            <a:extLst>
-              <a:ext uri="{FF2B5EF4-FFF2-40B4-BE49-F238E27FC236}">
-                <a16:creationId xmlns:a16="http://schemas.microsoft.com/office/drawing/2014/main" id="{6020CAEE-48C6-4941-89E4-51BBC3260B66}"/>
-              </a:ext>
-            </a:extLst>
-          </p:cNvPr>
+            <a:endParaRPr lang="en-US" dirty="0"/>
+          </a:p>
+        </p:txBody>
+      </p:sp>
+      <p:sp>
+        <p:nvSpPr>
+          <p:cNvPr id="7" name="Date Placeholder 6"/>
           <p:cNvSpPr>
             <a:spLocks noGrp="1"/>
           </p:cNvSpPr>
@@ -1844,13 +3844,7 @@
       </p:sp>
       <p:sp>
         <p:nvSpPr>
-          <p:cNvPr id="8" name="Espace réservé du pied de page 7">
-            <a:extLst>
-              <a:ext uri="{FF2B5EF4-FFF2-40B4-BE49-F238E27FC236}">
-                <a16:creationId xmlns:a16="http://schemas.microsoft.com/office/drawing/2014/main" id="{41411F99-B256-44C8-9E68-3E874EF42E08}"/>
-              </a:ext>
-            </a:extLst>
-          </p:cNvPr>
+          <p:cNvPr id="8" name="Footer Placeholder 7"/>
           <p:cNvSpPr>
             <a:spLocks noGrp="1"/>
           </p:cNvSpPr>
@@ -1869,13 +3863,7 @@
       </p:sp>
       <p:sp>
         <p:nvSpPr>
-          <p:cNvPr id="9" name="Espace réservé du numéro de diapositive 8">
-            <a:extLst>
-              <a:ext uri="{FF2B5EF4-FFF2-40B4-BE49-F238E27FC236}">
-                <a16:creationId xmlns:a16="http://schemas.microsoft.com/office/drawing/2014/main" id="{754363E9-BC1B-4ED1-9EE0-CCE1930C84CD}"/>
-              </a:ext>
-            </a:extLst>
-          </p:cNvPr>
+          <p:cNvPr id="9" name="Slide Number Placeholder 8"/>
           <p:cNvSpPr>
             <a:spLocks noGrp="1"/>
           </p:cNvSpPr>
@@ -1899,7 +3887,7 @@
     </p:spTree>
     <p:extLst>
       <p:ext uri="{BB962C8B-B14F-4D97-AF65-F5344CB8AC3E}">
-        <p14:creationId xmlns:p14="http://schemas.microsoft.com/office/powerpoint/2010/main" val="693337193"/>
+        <p14:creationId xmlns:p14="http://schemas.microsoft.com/office/powerpoint/2010/main" val="2910635178"/>
       </p:ext>
     </p:extLst>
   </p:cSld>
@@ -1928,13 +3916,7 @@
       </p:grpSpPr>
       <p:sp>
         <p:nvSpPr>
-          <p:cNvPr id="2" name="Titre 1">
-            <a:extLst>
-              <a:ext uri="{FF2B5EF4-FFF2-40B4-BE49-F238E27FC236}">
-                <a16:creationId xmlns:a16="http://schemas.microsoft.com/office/drawing/2014/main" id="{364723A3-B411-4207-A77D-880733150464}"/>
-              </a:ext>
-            </a:extLst>
-          </p:cNvPr>
+          <p:cNvPr id="2" name="Title 1"/>
           <p:cNvSpPr>
             <a:spLocks noGrp="1"/>
           </p:cNvSpPr>
@@ -1942,7 +3924,12 @@
             <p:ph type="title"/>
           </p:nvPr>
         </p:nvSpPr>
-        <p:spPr/>
+        <p:spPr>
+          <a:xfrm>
+            <a:off x="677334" y="609600"/>
+            <a:ext cx="8596668" cy="1320800"/>
+          </a:xfrm>
+        </p:spPr>
         <p:txBody>
           <a:bodyPr/>
           <a:lstStyle/>
@@ -1951,19 +3938,13 @@
               <a:rPr lang="fr-FR"/>
               <a:t>Modifiez le style du titre</a:t>
             </a:r>
-            <a:endParaRPr lang="en-GB"/>
-          </a:p>
-        </p:txBody>
-      </p:sp>
-      <p:sp>
-        <p:nvSpPr>
-          <p:cNvPr id="3" name="Espace réservé de la date 2">
-            <a:extLst>
-              <a:ext uri="{FF2B5EF4-FFF2-40B4-BE49-F238E27FC236}">
-                <a16:creationId xmlns:a16="http://schemas.microsoft.com/office/drawing/2014/main" id="{92AA0868-503E-46FA-A6E1-11B11B9C600C}"/>
-              </a:ext>
-            </a:extLst>
-          </p:cNvPr>
+            <a:endParaRPr lang="en-US" dirty="0"/>
+          </a:p>
+        </p:txBody>
+      </p:sp>
+      <p:sp>
+        <p:nvSpPr>
+          <p:cNvPr id="3" name="Date Placeholder 2"/>
           <p:cNvSpPr>
             <a:spLocks noGrp="1"/>
           </p:cNvSpPr>
@@ -1986,13 +3967,7 @@
       </p:sp>
       <p:sp>
         <p:nvSpPr>
-          <p:cNvPr id="4" name="Espace réservé du pied de page 3">
-            <a:extLst>
-              <a:ext uri="{FF2B5EF4-FFF2-40B4-BE49-F238E27FC236}">
-                <a16:creationId xmlns:a16="http://schemas.microsoft.com/office/drawing/2014/main" id="{99DF1559-CD7D-4B46-9C79-B0882031EC9D}"/>
-              </a:ext>
-            </a:extLst>
-          </p:cNvPr>
+          <p:cNvPr id="4" name="Footer Placeholder 3"/>
           <p:cNvSpPr>
             <a:spLocks noGrp="1"/>
           </p:cNvSpPr>
@@ -2011,13 +3986,7 @@
       </p:sp>
       <p:sp>
         <p:nvSpPr>
-          <p:cNvPr id="5" name="Espace réservé du numéro de diapositive 4">
-            <a:extLst>
-              <a:ext uri="{FF2B5EF4-FFF2-40B4-BE49-F238E27FC236}">
-                <a16:creationId xmlns:a16="http://schemas.microsoft.com/office/drawing/2014/main" id="{A6E25D89-DEC8-4E61-947E-A0E48FF05E53}"/>
-              </a:ext>
-            </a:extLst>
-          </p:cNvPr>
+          <p:cNvPr id="5" name="Slide Number Placeholder 4"/>
           <p:cNvSpPr>
             <a:spLocks noGrp="1"/>
           </p:cNvSpPr>
@@ -2041,7 +4010,7 @@
     </p:spTree>
     <p:extLst>
       <p:ext uri="{BB962C8B-B14F-4D97-AF65-F5344CB8AC3E}">
-        <p14:creationId xmlns:p14="http://schemas.microsoft.com/office/powerpoint/2010/main" val="567121403"/>
+        <p14:creationId xmlns:p14="http://schemas.microsoft.com/office/powerpoint/2010/main" val="1931643127"/>
       </p:ext>
     </p:extLst>
   </p:cSld>
@@ -2070,13 +4039,7 @@
       </p:grpSpPr>
       <p:sp>
         <p:nvSpPr>
-          <p:cNvPr id="2" name="Espace réservé de la date 1">
-            <a:extLst>
-              <a:ext uri="{FF2B5EF4-FFF2-40B4-BE49-F238E27FC236}">
-                <a16:creationId xmlns:a16="http://schemas.microsoft.com/office/drawing/2014/main" id="{322DBB6C-529E-4A43-9FCE-7EEE97FE5C8E}"/>
-              </a:ext>
-            </a:extLst>
-          </p:cNvPr>
+          <p:cNvPr id="2" name="Date Placeholder 1"/>
           <p:cNvSpPr>
             <a:spLocks noGrp="1"/>
           </p:cNvSpPr>
@@ -2099,13 +4062,7 @@
       </p:sp>
       <p:sp>
         <p:nvSpPr>
-          <p:cNvPr id="3" name="Espace réservé du pied de page 2">
-            <a:extLst>
-              <a:ext uri="{FF2B5EF4-FFF2-40B4-BE49-F238E27FC236}">
-                <a16:creationId xmlns:a16="http://schemas.microsoft.com/office/drawing/2014/main" id="{768F540F-3439-46E6-92DB-4B0ABD7BAE66}"/>
-              </a:ext>
-            </a:extLst>
-          </p:cNvPr>
+          <p:cNvPr id="3" name="Footer Placeholder 2"/>
           <p:cNvSpPr>
             <a:spLocks noGrp="1"/>
           </p:cNvSpPr>
@@ -2124,13 +4081,7 @@
       </p:sp>
       <p:sp>
         <p:nvSpPr>
-          <p:cNvPr id="4" name="Espace réservé du numéro de diapositive 3">
-            <a:extLst>
-              <a:ext uri="{FF2B5EF4-FFF2-40B4-BE49-F238E27FC236}">
-                <a16:creationId xmlns:a16="http://schemas.microsoft.com/office/drawing/2014/main" id="{BE443EF0-2A78-4F50-B90F-F8873FD3BD92}"/>
-              </a:ext>
-            </a:extLst>
-          </p:cNvPr>
+          <p:cNvPr id="4" name="Slide Number Placeholder 3"/>
           <p:cNvSpPr>
             <a:spLocks noGrp="1"/>
           </p:cNvSpPr>
@@ -2154,7 +4105,7 @@
     </p:spTree>
     <p:extLst>
       <p:ext uri="{BB962C8B-B14F-4D97-AF65-F5344CB8AC3E}">
-        <p14:creationId xmlns:p14="http://schemas.microsoft.com/office/powerpoint/2010/main" val="2365901101"/>
+        <p14:creationId xmlns:p14="http://schemas.microsoft.com/office/powerpoint/2010/main" val="2008634094"/>
       </p:ext>
     </p:extLst>
   </p:cSld>
@@ -2183,13 +4134,7 @@
       </p:grpSpPr>
       <p:sp>
         <p:nvSpPr>
-          <p:cNvPr id="2" name="Titre 1">
-            <a:extLst>
-              <a:ext uri="{FF2B5EF4-FFF2-40B4-BE49-F238E27FC236}">
-                <a16:creationId xmlns:a16="http://schemas.microsoft.com/office/drawing/2014/main" id="{77929066-C548-43D7-B702-81B6BB108F98}"/>
-              </a:ext>
-            </a:extLst>
-          </p:cNvPr>
+          <p:cNvPr id="2" name="Title 1"/>
           <p:cNvSpPr>
             <a:spLocks noGrp="1"/>
           </p:cNvSpPr>
@@ -2199,15 +4144,17 @@
         </p:nvSpPr>
         <p:spPr>
           <a:xfrm>
-            <a:off x="839788" y="457200"/>
-            <a:ext cx="3932237" cy="1600200"/>
+            <a:off x="677334" y="1498604"/>
+            <a:ext cx="3854528" cy="1278466"/>
           </a:xfrm>
         </p:spPr>
         <p:txBody>
-          <a:bodyPr anchor="b"/>
+          <a:bodyPr anchor="b">
+            <a:normAutofit/>
+          </a:bodyPr>
           <a:lstStyle>
             <a:lvl1pPr>
-              <a:defRPr sz="3200"/>
+              <a:defRPr sz="2000"/>
             </a:lvl1pPr>
           </a:lstStyle>
           <a:p>
@@ -2215,19 +4162,13 @@
               <a:rPr lang="fr-FR"/>
               <a:t>Modifiez le style du titre</a:t>
             </a:r>
-            <a:endParaRPr lang="en-GB"/>
-          </a:p>
-        </p:txBody>
-      </p:sp>
-      <p:sp>
-        <p:nvSpPr>
-          <p:cNvPr id="3" name="Espace réservé du contenu 2">
-            <a:extLst>
-              <a:ext uri="{FF2B5EF4-FFF2-40B4-BE49-F238E27FC236}">
-                <a16:creationId xmlns:a16="http://schemas.microsoft.com/office/drawing/2014/main" id="{1A283E65-3DB7-46A3-91A8-FC605F8506E0}"/>
-              </a:ext>
-            </a:extLst>
-          </p:cNvPr>
+            <a:endParaRPr lang="en-US" dirty="0"/>
+          </a:p>
+        </p:txBody>
+      </p:sp>
+      <p:sp>
+        <p:nvSpPr>
+          <p:cNvPr id="3" name="Content Placeholder 2"/>
           <p:cNvSpPr>
             <a:spLocks noGrp="1"/>
           </p:cNvSpPr>
@@ -2237,41 +4178,15 @@
         </p:nvSpPr>
         <p:spPr>
           <a:xfrm>
-            <a:off x="5183188" y="987425"/>
-            <a:ext cx="6172200" cy="4873625"/>
+            <a:off x="4760461" y="514924"/>
+            <a:ext cx="4513541" cy="5526437"/>
           </a:xfrm>
         </p:spPr>
         <p:txBody>
-          <a:bodyPr/>
-          <a:lstStyle>
-            <a:lvl1pPr>
-              <a:defRPr sz="3200"/>
-            </a:lvl1pPr>
-            <a:lvl2pPr>
-              <a:defRPr sz="2800"/>
-            </a:lvl2pPr>
-            <a:lvl3pPr>
-              <a:defRPr sz="2400"/>
-            </a:lvl3pPr>
-            <a:lvl4pPr>
-              <a:defRPr sz="2000"/>
-            </a:lvl4pPr>
-            <a:lvl5pPr>
-              <a:defRPr sz="2000"/>
-            </a:lvl5pPr>
-            <a:lvl6pPr>
-              <a:defRPr sz="2000"/>
-            </a:lvl6pPr>
-            <a:lvl7pPr>
-              <a:defRPr sz="2000"/>
-            </a:lvl7pPr>
-            <a:lvl8pPr>
-              <a:defRPr sz="2000"/>
-            </a:lvl8pPr>
-            <a:lvl9pPr>
-              <a:defRPr sz="2000"/>
-            </a:lvl9pPr>
-          </a:lstStyle>
+          <a:bodyPr>
+            <a:normAutofit/>
+          </a:bodyPr>
+          <a:lstStyle/>
           <a:p>
             <a:pPr lvl="0"/>
             <a:r>
@@ -2306,19 +4221,13 @@
               <a:rPr lang="fr-FR"/>
               <a:t>Cinquième niveau</a:t>
             </a:r>
-            <a:endParaRPr lang="en-GB"/>
-          </a:p>
-        </p:txBody>
-      </p:sp>
-      <p:sp>
-        <p:nvSpPr>
-          <p:cNvPr id="4" name="Espace réservé du texte 3">
-            <a:extLst>
-              <a:ext uri="{FF2B5EF4-FFF2-40B4-BE49-F238E27FC236}">
-                <a16:creationId xmlns:a16="http://schemas.microsoft.com/office/drawing/2014/main" id="{8D02262A-807E-4405-AE3C-B0287C190602}"/>
-              </a:ext>
-            </a:extLst>
-          </p:cNvPr>
+            <a:endParaRPr lang="en-US" dirty="0"/>
+          </a:p>
+        </p:txBody>
+      </p:sp>
+      <p:sp>
+        <p:nvSpPr>
+          <p:cNvPr id="4" name="Text Placeholder 3"/>
           <p:cNvSpPr>
             <a:spLocks noGrp="1"/>
           </p:cNvSpPr>
@@ -2328,46 +4237,48 @@
         </p:nvSpPr>
         <p:spPr>
           <a:xfrm>
-            <a:off x="839788" y="2057400"/>
-            <a:ext cx="3932237" cy="3811588"/>
+            <a:off x="677334" y="2777069"/>
+            <a:ext cx="3854528" cy="2584449"/>
           </a:xfrm>
         </p:spPr>
         <p:txBody>
-          <a:bodyPr/>
+          <a:bodyPr>
+            <a:normAutofit/>
+          </a:bodyPr>
           <a:lstStyle>
             <a:lvl1pPr marL="0" indent="0">
               <a:buNone/>
-              <a:defRPr sz="1600"/>
+              <a:defRPr sz="1400"/>
             </a:lvl1pPr>
-            <a:lvl2pPr marL="457200" indent="0">
+            <a:lvl2pPr marL="457063" indent="0">
               <a:buNone/>
               <a:defRPr sz="1400"/>
             </a:lvl2pPr>
-            <a:lvl3pPr marL="914400" indent="0">
+            <a:lvl3pPr marL="914126" indent="0">
               <a:buNone/>
               <a:defRPr sz="1200"/>
             </a:lvl3pPr>
-            <a:lvl4pPr marL="1371600" indent="0">
+            <a:lvl4pPr marL="1371189" indent="0">
               <a:buNone/>
               <a:defRPr sz="1000"/>
             </a:lvl4pPr>
-            <a:lvl5pPr marL="1828800" indent="0">
+            <a:lvl5pPr marL="1828251" indent="0">
               <a:buNone/>
               <a:defRPr sz="1000"/>
             </a:lvl5pPr>
-            <a:lvl6pPr marL="2286000" indent="0">
+            <a:lvl6pPr marL="2285314" indent="0">
               <a:buNone/>
               <a:defRPr sz="1000"/>
             </a:lvl6pPr>
-            <a:lvl7pPr marL="2743200" indent="0">
+            <a:lvl7pPr marL="2742377" indent="0">
               <a:buNone/>
               <a:defRPr sz="1000"/>
             </a:lvl7pPr>
-            <a:lvl8pPr marL="3200400" indent="0">
+            <a:lvl8pPr marL="3199440" indent="0">
               <a:buNone/>
               <a:defRPr sz="1000"/>
             </a:lvl8pPr>
-            <a:lvl9pPr marL="3657600" indent="0">
+            <a:lvl9pPr marL="3656503" indent="0">
               <a:buNone/>
               <a:defRPr sz="1000"/>
             </a:lvl9pPr>
@@ -2383,13 +4294,7 @@
       </p:sp>
       <p:sp>
         <p:nvSpPr>
-          <p:cNvPr id="5" name="Espace réservé de la date 4">
-            <a:extLst>
-              <a:ext uri="{FF2B5EF4-FFF2-40B4-BE49-F238E27FC236}">
-                <a16:creationId xmlns:a16="http://schemas.microsoft.com/office/drawing/2014/main" id="{6042FC8F-252D-4B47-BD84-9CAB5A5D0464}"/>
-              </a:ext>
-            </a:extLst>
-          </p:cNvPr>
+          <p:cNvPr id="5" name="Date Placeholder 4"/>
           <p:cNvSpPr>
             <a:spLocks noGrp="1"/>
           </p:cNvSpPr>
@@ -2412,13 +4317,7 @@
       </p:sp>
       <p:sp>
         <p:nvSpPr>
-          <p:cNvPr id="6" name="Espace réservé du pied de page 5">
-            <a:extLst>
-              <a:ext uri="{FF2B5EF4-FFF2-40B4-BE49-F238E27FC236}">
-                <a16:creationId xmlns:a16="http://schemas.microsoft.com/office/drawing/2014/main" id="{D1B1EB56-37A3-4529-8176-6196E206CBF8}"/>
-              </a:ext>
-            </a:extLst>
-          </p:cNvPr>
+          <p:cNvPr id="6" name="Footer Placeholder 5"/>
           <p:cNvSpPr>
             <a:spLocks noGrp="1"/>
           </p:cNvSpPr>
@@ -2437,13 +4336,7 @@
       </p:sp>
       <p:sp>
         <p:nvSpPr>
-          <p:cNvPr id="7" name="Espace réservé du numéro de diapositive 6">
-            <a:extLst>
-              <a:ext uri="{FF2B5EF4-FFF2-40B4-BE49-F238E27FC236}">
-                <a16:creationId xmlns:a16="http://schemas.microsoft.com/office/drawing/2014/main" id="{6FF42EE0-23B7-463D-877E-5FE8291CDE7C}"/>
-              </a:ext>
-            </a:extLst>
-          </p:cNvPr>
+          <p:cNvPr id="7" name="Slide Number Placeholder 6"/>
           <p:cNvSpPr>
             <a:spLocks noGrp="1"/>
           </p:cNvSpPr>
@@ -2467,7 +4360,7 @@
     </p:spTree>
     <p:extLst>
       <p:ext uri="{BB962C8B-B14F-4D97-AF65-F5344CB8AC3E}">
-        <p14:creationId xmlns:p14="http://schemas.microsoft.com/office/powerpoint/2010/main" val="1423340335"/>
+        <p14:creationId xmlns:p14="http://schemas.microsoft.com/office/powerpoint/2010/main" val="3122603510"/>
       </p:ext>
     </p:extLst>
   </p:cSld>
@@ -2496,13 +4389,7 @@
       </p:grpSpPr>
       <p:sp>
         <p:nvSpPr>
-          <p:cNvPr id="2" name="Titre 1">
-            <a:extLst>
-              <a:ext uri="{FF2B5EF4-FFF2-40B4-BE49-F238E27FC236}">
-                <a16:creationId xmlns:a16="http://schemas.microsoft.com/office/drawing/2014/main" id="{19A69A05-4C64-473A-8DE2-214485090B11}"/>
-              </a:ext>
-            </a:extLst>
-          </p:cNvPr>
+          <p:cNvPr id="2" name="Title 1"/>
           <p:cNvSpPr>
             <a:spLocks noGrp="1"/>
           </p:cNvSpPr>
@@ -2512,15 +4399,17 @@
         </p:nvSpPr>
         <p:spPr>
           <a:xfrm>
-            <a:off x="839788" y="457200"/>
-            <a:ext cx="3932237" cy="1600200"/>
+            <a:off x="677334" y="4800600"/>
+            <a:ext cx="8596667" cy="566738"/>
           </a:xfrm>
         </p:spPr>
         <p:txBody>
-          <a:bodyPr anchor="b"/>
+          <a:bodyPr anchor="b">
+            <a:normAutofit/>
+          </a:bodyPr>
           <a:lstStyle>
-            <a:lvl1pPr>
-              <a:defRPr sz="3200"/>
+            <a:lvl1pPr algn="l">
+              <a:defRPr sz="2400" b="0"/>
             </a:lvl1pPr>
           </a:lstStyle>
           <a:p>
@@ -2528,21 +4417,15 @@
               <a:rPr lang="fr-FR"/>
               <a:t>Modifiez le style du titre</a:t>
             </a:r>
-            <a:endParaRPr lang="en-GB"/>
-          </a:p>
-        </p:txBody>
-      </p:sp>
-      <p:sp>
-        <p:nvSpPr>
-          <p:cNvPr id="3" name="Espace réservé pour une image  2">
-            <a:extLst>
-              <a:ext uri="{FF2B5EF4-FFF2-40B4-BE49-F238E27FC236}">
-                <a16:creationId xmlns:a16="http://schemas.microsoft.com/office/drawing/2014/main" id="{68CD481F-2782-4C06-9F4E-79A3A60794B5}"/>
-              </a:ext>
-            </a:extLst>
-          </p:cNvPr>
-          <p:cNvSpPr>
-            <a:spLocks noGrp="1"/>
+            <a:endParaRPr lang="en-US" dirty="0"/>
+          </a:p>
+        </p:txBody>
+      </p:sp>
+      <p:sp>
+        <p:nvSpPr>
+          <p:cNvPr id="3" name="Picture Placeholder 2"/>
+          <p:cNvSpPr>
+            <a:spLocks noGrp="1" noChangeAspect="1"/>
           </p:cNvSpPr>
           <p:nvPr>
             <p:ph type="pic" idx="1"/>
@@ -2550,118 +4433,120 @@
         </p:nvSpPr>
         <p:spPr>
           <a:xfrm>
-            <a:off x="5183188" y="987425"/>
-            <a:ext cx="6172200" cy="4873625"/>
+            <a:off x="677334" y="609600"/>
+            <a:ext cx="8596668" cy="3845718"/>
           </a:xfrm>
         </p:spPr>
         <p:txBody>
-          <a:bodyPr/>
+          <a:bodyPr anchor="t">
+            <a:normAutofit/>
+          </a:bodyPr>
           <a:lstStyle>
-            <a:lvl1pPr marL="0" indent="0">
-              <a:buNone/>
-              <a:defRPr sz="3200"/>
-            </a:lvl1pPr>
-            <a:lvl2pPr marL="457200" indent="0">
-              <a:buNone/>
-              <a:defRPr sz="2800"/>
-            </a:lvl2pPr>
-            <a:lvl3pPr marL="914400" indent="0">
-              <a:buNone/>
-              <a:defRPr sz="2400"/>
-            </a:lvl3pPr>
-            <a:lvl4pPr marL="1371600" indent="0">
-              <a:buNone/>
-              <a:defRPr sz="2000"/>
-            </a:lvl4pPr>
-            <a:lvl5pPr marL="1828800" indent="0">
-              <a:buNone/>
-              <a:defRPr sz="2000"/>
-            </a:lvl5pPr>
-            <a:lvl6pPr marL="2286000" indent="0">
-              <a:buNone/>
-              <a:defRPr sz="2000"/>
-            </a:lvl6pPr>
-            <a:lvl7pPr marL="2743200" indent="0">
-              <a:buNone/>
-              <a:defRPr sz="2000"/>
-            </a:lvl7pPr>
-            <a:lvl8pPr marL="3200400" indent="0">
-              <a:buNone/>
-              <a:defRPr sz="2000"/>
-            </a:lvl8pPr>
-            <a:lvl9pPr marL="3657600" indent="0">
-              <a:buNone/>
-              <a:defRPr sz="2000"/>
-            </a:lvl9pPr>
-          </a:lstStyle>
-          <a:p>
-            <a:endParaRPr lang="en-GB"/>
-          </a:p>
-        </p:txBody>
-      </p:sp>
-      <p:sp>
-        <p:nvSpPr>
-          <p:cNvPr id="4" name="Espace réservé du texte 3">
-            <a:extLst>
-              <a:ext uri="{FF2B5EF4-FFF2-40B4-BE49-F238E27FC236}">
-                <a16:creationId xmlns:a16="http://schemas.microsoft.com/office/drawing/2014/main" id="{DD6F00A9-B2BD-4D96-B605-2118A3317ECE}"/>
-              </a:ext>
-            </a:extLst>
-          </p:cNvPr>
-          <p:cNvSpPr>
-            <a:spLocks noGrp="1"/>
-          </p:cNvSpPr>
-          <p:nvPr>
-            <p:ph type="body" sz="half" idx="2"/>
-          </p:nvPr>
-        </p:nvSpPr>
-        <p:spPr>
-          <a:xfrm>
-            <a:off x="839788" y="2057400"/>
-            <a:ext cx="3932237" cy="3811588"/>
-          </a:xfrm>
-        </p:spPr>
-        <p:txBody>
-          <a:bodyPr/>
-          <a:lstStyle>
-            <a:lvl1pPr marL="0" indent="0">
+            <a:lvl1pPr marL="0" indent="0" algn="ctr">
               <a:buNone/>
               <a:defRPr sz="1600"/>
             </a:lvl1pPr>
             <a:lvl2pPr marL="457200" indent="0">
               <a:buNone/>
-              <a:defRPr sz="1400"/>
+              <a:defRPr sz="1600"/>
             </a:lvl2pPr>
             <a:lvl3pPr marL="914400" indent="0">
               <a:buNone/>
-              <a:defRPr sz="1200"/>
+              <a:defRPr sz="1600"/>
             </a:lvl3pPr>
             <a:lvl4pPr marL="1371600" indent="0">
               <a:buNone/>
-              <a:defRPr sz="1000"/>
+              <a:defRPr sz="1600"/>
             </a:lvl4pPr>
             <a:lvl5pPr marL="1828800" indent="0">
               <a:buNone/>
-              <a:defRPr sz="1000"/>
+              <a:defRPr sz="1600"/>
             </a:lvl5pPr>
             <a:lvl6pPr marL="2286000" indent="0">
               <a:buNone/>
-              <a:defRPr sz="1000"/>
+              <a:defRPr sz="1600"/>
             </a:lvl6pPr>
             <a:lvl7pPr marL="2743200" indent="0">
               <a:buNone/>
-              <a:defRPr sz="1000"/>
+              <a:defRPr sz="1600"/>
             </a:lvl7pPr>
             <a:lvl8pPr marL="3200400" indent="0">
               <a:buNone/>
-              <a:defRPr sz="1000"/>
+              <a:defRPr sz="1600"/>
             </a:lvl8pPr>
             <a:lvl9pPr marL="3657600" indent="0">
               <a:buNone/>
-              <a:defRPr sz="1000"/>
+              <a:defRPr sz="1600"/>
             </a:lvl9pPr>
           </a:lstStyle>
           <a:p>
+            <a:r>
+              <a:rPr lang="fr-FR"/>
+              <a:t>Cliquez sur l'icône pour ajouter une image</a:t>
+            </a:r>
+            <a:endParaRPr lang="en-US" dirty="0"/>
+          </a:p>
+        </p:txBody>
+      </p:sp>
+      <p:sp>
+        <p:nvSpPr>
+          <p:cNvPr id="4" name="Text Placeholder 3"/>
+          <p:cNvSpPr>
+            <a:spLocks noGrp="1"/>
+          </p:cNvSpPr>
+          <p:nvPr>
+            <p:ph type="body" sz="half" idx="2"/>
+          </p:nvPr>
+        </p:nvSpPr>
+        <p:spPr>
+          <a:xfrm>
+            <a:off x="677334" y="5367338"/>
+            <a:ext cx="8596667" cy="674024"/>
+          </a:xfrm>
+        </p:spPr>
+        <p:txBody>
+          <a:bodyPr>
+            <a:normAutofit/>
+          </a:bodyPr>
+          <a:lstStyle>
+            <a:lvl1pPr marL="0" indent="0">
+              <a:buNone/>
+              <a:defRPr sz="1200"/>
+            </a:lvl1pPr>
+            <a:lvl2pPr marL="457200" indent="0">
+              <a:buNone/>
+              <a:defRPr sz="1200"/>
+            </a:lvl2pPr>
+            <a:lvl3pPr marL="914400" indent="0">
+              <a:buNone/>
+              <a:defRPr sz="1000"/>
+            </a:lvl3pPr>
+            <a:lvl4pPr marL="1371600" indent="0">
+              <a:buNone/>
+              <a:defRPr sz="900"/>
+            </a:lvl4pPr>
+            <a:lvl5pPr marL="1828800" indent="0">
+              <a:buNone/>
+              <a:defRPr sz="900"/>
+            </a:lvl5pPr>
+            <a:lvl6pPr marL="2286000" indent="0">
+              <a:buNone/>
+              <a:defRPr sz="900"/>
+            </a:lvl6pPr>
+            <a:lvl7pPr marL="2743200" indent="0">
+              <a:buNone/>
+              <a:defRPr sz="900"/>
+            </a:lvl7pPr>
+            <a:lvl8pPr marL="3200400" indent="0">
+              <a:buNone/>
+              <a:defRPr sz="900"/>
+            </a:lvl8pPr>
+            <a:lvl9pPr marL="3657600" indent="0">
+              <a:buNone/>
+              <a:defRPr sz="900"/>
+            </a:lvl9pPr>
+          </a:lstStyle>
+          <a:p>
             <a:pPr lvl="0"/>
             <a:r>
               <a:rPr lang="fr-FR"/>
@@ -2672,13 +4557,7 @@
       </p:sp>
       <p:sp>
         <p:nvSpPr>
-          <p:cNvPr id="5" name="Espace réservé de la date 4">
-            <a:extLst>
-              <a:ext uri="{FF2B5EF4-FFF2-40B4-BE49-F238E27FC236}">
-                <a16:creationId xmlns:a16="http://schemas.microsoft.com/office/drawing/2014/main" id="{E699424B-9CAE-47E2-B3BD-A3E21787D3C7}"/>
-              </a:ext>
-            </a:extLst>
-          </p:cNvPr>
+          <p:cNvPr id="5" name="Date Placeholder 4"/>
           <p:cNvSpPr>
             <a:spLocks noGrp="1"/>
           </p:cNvSpPr>
@@ -2701,13 +4580,7 @@
       </p:sp>
       <p:sp>
         <p:nvSpPr>
-          <p:cNvPr id="6" name="Espace réservé du pied de page 5">
-            <a:extLst>
-              <a:ext uri="{FF2B5EF4-FFF2-40B4-BE49-F238E27FC236}">
-                <a16:creationId xmlns:a16="http://schemas.microsoft.com/office/drawing/2014/main" id="{B5F52379-5875-466B-B9B9-2CC6E5DAA4B6}"/>
-              </a:ext>
-            </a:extLst>
-          </p:cNvPr>
+          <p:cNvPr id="6" name="Footer Placeholder 5"/>
           <p:cNvSpPr>
             <a:spLocks noGrp="1"/>
           </p:cNvSpPr>
@@ -2726,13 +4599,7 @@
       </p:sp>
       <p:sp>
         <p:nvSpPr>
-          <p:cNvPr id="7" name="Espace réservé du numéro de diapositive 6">
-            <a:extLst>
-              <a:ext uri="{FF2B5EF4-FFF2-40B4-BE49-F238E27FC236}">
-                <a16:creationId xmlns:a16="http://schemas.microsoft.com/office/drawing/2014/main" id="{F2871DC6-98B3-4904-AE76-3B1923CA61D3}"/>
-              </a:ext>
-            </a:extLst>
-          </p:cNvPr>
+          <p:cNvPr id="7" name="Slide Number Placeholder 6"/>
           <p:cNvSpPr>
             <a:spLocks noGrp="1"/>
           </p:cNvSpPr>
@@ -2756,7 +4623,7 @@
     </p:spTree>
     <p:extLst>
       <p:ext uri="{BB962C8B-B14F-4D97-AF65-F5344CB8AC3E}">
-        <p14:creationId xmlns:p14="http://schemas.microsoft.com/office/powerpoint/2010/main" val="4111700247"/>
+        <p14:creationId xmlns:p14="http://schemas.microsoft.com/office/powerpoint/2010/main" val="72297211"/>
       </p:ext>
     </p:extLst>
   </p:cSld>
@@ -2788,15 +4655,539 @@
           <a:chExt cx="0" cy="0"/>
         </a:xfrm>
       </p:grpSpPr>
-      <p:sp>
-        <p:nvSpPr>
-          <p:cNvPr id="2" name="Espace réservé du titre 1">
-            <a:extLst>
-              <a:ext uri="{FF2B5EF4-FFF2-40B4-BE49-F238E27FC236}">
-                <a16:creationId xmlns:a16="http://schemas.microsoft.com/office/drawing/2014/main" id="{7543237A-D93F-4914-A404-AEA6BB06290C}"/>
-              </a:ext>
-            </a:extLst>
-          </p:cNvPr>
+      <p:grpSp>
+        <p:nvGrpSpPr>
+          <p:cNvPr id="7" name="Group 6"/>
+          <p:cNvGrpSpPr/>
+          <p:nvPr/>
+        </p:nvGrpSpPr>
+        <p:grpSpPr>
+          <a:xfrm>
+            <a:off x="0" y="-8467"/>
+            <a:ext cx="12192000" cy="6866467"/>
+            <a:chOff x="0" y="-8467"/>
+            <a:chExt cx="12192000" cy="6866467"/>
+          </a:xfrm>
+        </p:grpSpPr>
+        <p:cxnSp>
+          <p:nvCxnSpPr>
+            <p:cNvPr id="20" name="Straight Connector 19"/>
+            <p:cNvCxnSpPr/>
+            <p:nvPr/>
+          </p:nvCxnSpPr>
+          <p:spPr>
+            <a:xfrm>
+              <a:off x="9371012" y="0"/>
+              <a:ext cx="1219200" cy="6858000"/>
+            </a:xfrm>
+            <a:prstGeom prst="line">
+              <a:avLst/>
+            </a:prstGeom>
+            <a:ln w="9525">
+              <a:solidFill>
+                <a:schemeClr val="bg1">
+                  <a:lumMod val="75000"/>
+                </a:schemeClr>
+              </a:solidFill>
+            </a:ln>
+          </p:spPr>
+          <p:style>
+            <a:lnRef idx="2">
+              <a:schemeClr val="accent1"/>
+            </a:lnRef>
+            <a:fillRef idx="0">
+              <a:schemeClr val="accent1"/>
+            </a:fillRef>
+            <a:effectRef idx="1">
+              <a:schemeClr val="accent1"/>
+            </a:effectRef>
+            <a:fontRef idx="minor">
+              <a:schemeClr val="tx1"/>
+            </a:fontRef>
+          </p:style>
+        </p:cxnSp>
+        <p:cxnSp>
+          <p:nvCxnSpPr>
+            <p:cNvPr id="21" name="Straight Connector 20"/>
+            <p:cNvCxnSpPr/>
+            <p:nvPr/>
+          </p:nvCxnSpPr>
+          <p:spPr>
+            <a:xfrm flipH="1">
+              <a:off x="7425267" y="3681413"/>
+              <a:ext cx="4763558" cy="3176587"/>
+            </a:xfrm>
+            <a:prstGeom prst="line">
+              <a:avLst/>
+            </a:prstGeom>
+            <a:ln w="9525">
+              <a:solidFill>
+                <a:schemeClr val="bg1">
+                  <a:lumMod val="85000"/>
+                </a:schemeClr>
+              </a:solidFill>
+            </a:ln>
+          </p:spPr>
+          <p:style>
+            <a:lnRef idx="2">
+              <a:schemeClr val="accent1"/>
+            </a:lnRef>
+            <a:fillRef idx="0">
+              <a:schemeClr val="accent1"/>
+            </a:fillRef>
+            <a:effectRef idx="1">
+              <a:schemeClr val="accent1"/>
+            </a:effectRef>
+            <a:fontRef idx="minor">
+              <a:schemeClr val="tx1"/>
+            </a:fontRef>
+          </p:style>
+        </p:cxnSp>
+        <p:sp>
+          <p:nvSpPr>
+            <p:cNvPr id="22" name="Rectangle 23"/>
+            <p:cNvSpPr/>
+            <p:nvPr/>
+          </p:nvSpPr>
+          <p:spPr>
+            <a:xfrm>
+              <a:off x="9181476" y="-8467"/>
+              <a:ext cx="3007349" cy="6866467"/>
+            </a:xfrm>
+            <a:custGeom>
+              <a:avLst/>
+              <a:gdLst/>
+              <a:ahLst/>
+              <a:cxnLst/>
+              <a:rect l="l" t="t" r="r" b="b"/>
+              <a:pathLst>
+                <a:path w="3007349" h="6866467">
+                  <a:moveTo>
+                    <a:pt x="2045532" y="0"/>
+                  </a:moveTo>
+                  <a:lnTo>
+                    <a:pt x="3007349" y="0"/>
+                  </a:lnTo>
+                  <a:lnTo>
+                    <a:pt x="3007349" y="6866467"/>
+                  </a:lnTo>
+                  <a:lnTo>
+                    <a:pt x="0" y="6866467"/>
+                  </a:lnTo>
+                  <a:lnTo>
+                    <a:pt x="2045532" y="0"/>
+                  </a:lnTo>
+                  <a:close/>
+                </a:path>
+              </a:pathLst>
+            </a:custGeom>
+            <a:solidFill>
+              <a:schemeClr val="accent1">
+                <a:alpha val="30000"/>
+              </a:schemeClr>
+            </a:solidFill>
+            <a:ln>
+              <a:noFill/>
+            </a:ln>
+            <a:effectLst/>
+          </p:spPr>
+          <p:style>
+            <a:lnRef idx="1">
+              <a:schemeClr val="accent1"/>
+            </a:lnRef>
+            <a:fillRef idx="3">
+              <a:schemeClr val="accent1"/>
+            </a:fillRef>
+            <a:effectRef idx="2">
+              <a:schemeClr val="accent1"/>
+            </a:effectRef>
+            <a:fontRef idx="minor">
+              <a:schemeClr val="lt1"/>
+            </a:fontRef>
+          </p:style>
+        </p:sp>
+        <p:sp>
+          <p:nvSpPr>
+            <p:cNvPr id="23" name="Rectangle 25"/>
+            <p:cNvSpPr/>
+            <p:nvPr/>
+          </p:nvSpPr>
+          <p:spPr>
+            <a:xfrm>
+              <a:off x="9603442" y="-8467"/>
+              <a:ext cx="2588558" cy="6866467"/>
+            </a:xfrm>
+            <a:custGeom>
+              <a:avLst/>
+              <a:gdLst/>
+              <a:ahLst/>
+              <a:cxnLst/>
+              <a:rect l="l" t="t" r="r" b="b"/>
+              <a:pathLst>
+                <a:path w="2573311" h="6866467">
+                  <a:moveTo>
+                    <a:pt x="0" y="0"/>
+                  </a:moveTo>
+                  <a:lnTo>
+                    <a:pt x="2573311" y="0"/>
+                  </a:lnTo>
+                  <a:lnTo>
+                    <a:pt x="2573311" y="6866467"/>
+                  </a:lnTo>
+                  <a:lnTo>
+                    <a:pt x="1202336" y="6866467"/>
+                  </a:lnTo>
+                  <a:lnTo>
+                    <a:pt x="0" y="0"/>
+                  </a:lnTo>
+                  <a:close/>
+                </a:path>
+              </a:pathLst>
+            </a:custGeom>
+            <a:solidFill>
+              <a:schemeClr val="accent1">
+                <a:alpha val="20000"/>
+              </a:schemeClr>
+            </a:solidFill>
+            <a:ln>
+              <a:noFill/>
+            </a:ln>
+            <a:effectLst/>
+          </p:spPr>
+          <p:style>
+            <a:lnRef idx="1">
+              <a:schemeClr val="accent1"/>
+            </a:lnRef>
+            <a:fillRef idx="3">
+              <a:schemeClr val="accent1"/>
+            </a:fillRef>
+            <a:effectRef idx="2">
+              <a:schemeClr val="accent1"/>
+            </a:effectRef>
+            <a:fontRef idx="minor">
+              <a:schemeClr val="lt1"/>
+            </a:fontRef>
+          </p:style>
+        </p:sp>
+        <p:sp>
+          <p:nvSpPr>
+            <p:cNvPr id="24" name="Isosceles Triangle 23"/>
+            <p:cNvSpPr/>
+            <p:nvPr/>
+          </p:nvSpPr>
+          <p:spPr>
+            <a:xfrm>
+              <a:off x="8932333" y="3048000"/>
+              <a:ext cx="3259667" cy="3810000"/>
+            </a:xfrm>
+            <a:prstGeom prst="triangle">
+              <a:avLst>
+                <a:gd name="adj" fmla="val 100000"/>
+              </a:avLst>
+            </a:prstGeom>
+            <a:solidFill>
+              <a:schemeClr val="accent2">
+                <a:alpha val="72000"/>
+              </a:schemeClr>
+            </a:solidFill>
+            <a:ln>
+              <a:noFill/>
+            </a:ln>
+            <a:effectLst/>
+          </p:spPr>
+          <p:style>
+            <a:lnRef idx="1">
+              <a:schemeClr val="accent1"/>
+            </a:lnRef>
+            <a:fillRef idx="3">
+              <a:schemeClr val="accent1"/>
+            </a:fillRef>
+            <a:effectRef idx="2">
+              <a:schemeClr val="accent1"/>
+            </a:effectRef>
+            <a:fontRef idx="minor">
+              <a:schemeClr val="lt1"/>
+            </a:fontRef>
+          </p:style>
+        </p:sp>
+        <p:sp>
+          <p:nvSpPr>
+            <p:cNvPr id="25" name="Rectangle 27"/>
+            <p:cNvSpPr/>
+            <p:nvPr/>
+          </p:nvSpPr>
+          <p:spPr>
+            <a:xfrm>
+              <a:off x="9334500" y="-8467"/>
+              <a:ext cx="2854326" cy="6866467"/>
+            </a:xfrm>
+            <a:custGeom>
+              <a:avLst/>
+              <a:gdLst/>
+              <a:ahLst/>
+              <a:cxnLst/>
+              <a:rect l="l" t="t" r="r" b="b"/>
+              <a:pathLst>
+                <a:path w="2858013" h="6866467">
+                  <a:moveTo>
+                    <a:pt x="0" y="0"/>
+                  </a:moveTo>
+                  <a:lnTo>
+                    <a:pt x="2858013" y="0"/>
+                  </a:lnTo>
+                  <a:lnTo>
+                    <a:pt x="2858013" y="6866467"/>
+                  </a:lnTo>
+                  <a:lnTo>
+                    <a:pt x="2473942" y="6866467"/>
+                  </a:lnTo>
+                  <a:lnTo>
+                    <a:pt x="0" y="0"/>
+                  </a:lnTo>
+                  <a:close/>
+                </a:path>
+              </a:pathLst>
+            </a:custGeom>
+            <a:solidFill>
+              <a:schemeClr val="accent2">
+                <a:lumMod val="75000"/>
+                <a:alpha val="70000"/>
+              </a:schemeClr>
+            </a:solidFill>
+            <a:ln>
+              <a:noFill/>
+            </a:ln>
+            <a:effectLst/>
+          </p:spPr>
+          <p:style>
+            <a:lnRef idx="1">
+              <a:schemeClr val="accent1"/>
+            </a:lnRef>
+            <a:fillRef idx="3">
+              <a:schemeClr val="accent1"/>
+            </a:fillRef>
+            <a:effectRef idx="2">
+              <a:schemeClr val="accent1"/>
+            </a:effectRef>
+            <a:fontRef idx="minor">
+              <a:schemeClr val="lt1"/>
+            </a:fontRef>
+          </p:style>
+        </p:sp>
+        <p:sp>
+          <p:nvSpPr>
+            <p:cNvPr id="26" name="Rectangle 28"/>
+            <p:cNvSpPr/>
+            <p:nvPr/>
+          </p:nvSpPr>
+          <p:spPr>
+            <a:xfrm>
+              <a:off x="10898730" y="-8467"/>
+              <a:ext cx="1290094" cy="6866467"/>
+            </a:xfrm>
+            <a:custGeom>
+              <a:avLst/>
+              <a:gdLst/>
+              <a:ahLst/>
+              <a:cxnLst/>
+              <a:rect l="l" t="t" r="r" b="b"/>
+              <a:pathLst>
+                <a:path w="1290094" h="6858000">
+                  <a:moveTo>
+                    <a:pt x="1019735" y="0"/>
+                  </a:moveTo>
+                  <a:lnTo>
+                    <a:pt x="1290094" y="0"/>
+                  </a:lnTo>
+                  <a:lnTo>
+                    <a:pt x="1290094" y="6858000"/>
+                  </a:lnTo>
+                  <a:lnTo>
+                    <a:pt x="0" y="6858000"/>
+                  </a:lnTo>
+                  <a:lnTo>
+                    <a:pt x="1019735" y="0"/>
+                  </a:lnTo>
+                  <a:close/>
+                </a:path>
+              </a:pathLst>
+            </a:custGeom>
+            <a:solidFill>
+              <a:schemeClr val="accent1">
+                <a:lumMod val="60000"/>
+                <a:lumOff val="40000"/>
+                <a:alpha val="70000"/>
+              </a:schemeClr>
+            </a:solidFill>
+            <a:ln>
+              <a:noFill/>
+            </a:ln>
+            <a:effectLst/>
+          </p:spPr>
+          <p:style>
+            <a:lnRef idx="1">
+              <a:schemeClr val="accent1"/>
+            </a:lnRef>
+            <a:fillRef idx="3">
+              <a:schemeClr val="accent1"/>
+            </a:fillRef>
+            <a:effectRef idx="2">
+              <a:schemeClr val="accent1"/>
+            </a:effectRef>
+            <a:fontRef idx="minor">
+              <a:schemeClr val="lt1"/>
+            </a:fontRef>
+          </p:style>
+        </p:sp>
+        <p:sp>
+          <p:nvSpPr>
+            <p:cNvPr id="27" name="Rectangle 29"/>
+            <p:cNvSpPr/>
+            <p:nvPr/>
+          </p:nvSpPr>
+          <p:spPr>
+            <a:xfrm>
+              <a:off x="10938999" y="-8467"/>
+              <a:ext cx="1249825" cy="6866467"/>
+            </a:xfrm>
+            <a:custGeom>
+              <a:avLst/>
+              <a:gdLst/>
+              <a:ahLst/>
+              <a:cxnLst/>
+              <a:rect l="l" t="t" r="r" b="b"/>
+              <a:pathLst>
+                <a:path w="1249825" h="6858000">
+                  <a:moveTo>
+                    <a:pt x="0" y="0"/>
+                  </a:moveTo>
+                  <a:lnTo>
+                    <a:pt x="1249825" y="0"/>
+                  </a:lnTo>
+                  <a:lnTo>
+                    <a:pt x="1249825" y="6858000"/>
+                  </a:lnTo>
+                  <a:lnTo>
+                    <a:pt x="1109382" y="6858000"/>
+                  </a:lnTo>
+                  <a:lnTo>
+                    <a:pt x="0" y="0"/>
+                  </a:lnTo>
+                  <a:close/>
+                </a:path>
+              </a:pathLst>
+            </a:custGeom>
+            <a:solidFill>
+              <a:schemeClr val="accent1">
+                <a:alpha val="65000"/>
+              </a:schemeClr>
+            </a:solidFill>
+            <a:ln>
+              <a:noFill/>
+            </a:ln>
+            <a:effectLst/>
+          </p:spPr>
+          <p:style>
+            <a:lnRef idx="1">
+              <a:schemeClr val="accent1"/>
+            </a:lnRef>
+            <a:fillRef idx="3">
+              <a:schemeClr val="accent1"/>
+            </a:fillRef>
+            <a:effectRef idx="2">
+              <a:schemeClr val="accent1"/>
+            </a:effectRef>
+            <a:fontRef idx="minor">
+              <a:schemeClr val="lt1"/>
+            </a:fontRef>
+          </p:style>
+        </p:sp>
+        <p:sp>
+          <p:nvSpPr>
+            <p:cNvPr id="28" name="Isosceles Triangle 27"/>
+            <p:cNvSpPr/>
+            <p:nvPr/>
+          </p:nvSpPr>
+          <p:spPr>
+            <a:xfrm>
+              <a:off x="10371666" y="3589867"/>
+              <a:ext cx="1817159" cy="3268133"/>
+            </a:xfrm>
+            <a:prstGeom prst="triangle">
+              <a:avLst>
+                <a:gd name="adj" fmla="val 100000"/>
+              </a:avLst>
+            </a:prstGeom>
+            <a:solidFill>
+              <a:schemeClr val="accent1">
+                <a:alpha val="80000"/>
+              </a:schemeClr>
+            </a:solidFill>
+            <a:ln>
+              <a:noFill/>
+            </a:ln>
+            <a:effectLst/>
+          </p:spPr>
+          <p:style>
+            <a:lnRef idx="1">
+              <a:schemeClr val="accent1"/>
+            </a:lnRef>
+            <a:fillRef idx="3">
+              <a:schemeClr val="accent1"/>
+            </a:fillRef>
+            <a:effectRef idx="2">
+              <a:schemeClr val="accent1"/>
+            </a:effectRef>
+            <a:fontRef idx="minor">
+              <a:schemeClr val="lt1"/>
+            </a:fontRef>
+          </p:style>
+        </p:sp>
+        <p:sp>
+          <p:nvSpPr>
+            <p:cNvPr id="29" name="Isosceles Triangle 28"/>
+            <p:cNvSpPr/>
+            <p:nvPr/>
+          </p:nvSpPr>
+          <p:spPr>
+            <a:xfrm>
+              <a:off x="0" y="4013200"/>
+              <a:ext cx="448733" cy="2844800"/>
+            </a:xfrm>
+            <a:prstGeom prst="triangle">
+              <a:avLst>
+                <a:gd name="adj" fmla="val 0"/>
+              </a:avLst>
+            </a:prstGeom>
+            <a:solidFill>
+              <a:schemeClr val="accent1">
+                <a:alpha val="85000"/>
+              </a:schemeClr>
+            </a:solidFill>
+            <a:ln>
+              <a:noFill/>
+            </a:ln>
+            <a:effectLst/>
+          </p:spPr>
+          <p:style>
+            <a:lnRef idx="1">
+              <a:schemeClr val="accent1"/>
+            </a:lnRef>
+            <a:fillRef idx="3">
+              <a:schemeClr val="accent1"/>
+            </a:fillRef>
+            <a:effectRef idx="2">
+              <a:schemeClr val="accent1"/>
+            </a:effectRef>
+            <a:fontRef idx="minor">
+              <a:schemeClr val="lt1"/>
+            </a:fontRef>
+          </p:style>
+        </p:sp>
+      </p:grpSp>
+      <p:sp>
+        <p:nvSpPr>
+          <p:cNvPr id="2" name="Title Placeholder 1"/>
           <p:cNvSpPr>
             <a:spLocks noGrp="1"/>
           </p:cNvSpPr>
@@ -2806,15 +5197,15 @@
         </p:nvSpPr>
         <p:spPr>
           <a:xfrm>
-            <a:off x="838200" y="365125"/>
-            <a:ext cx="10515600" cy="1325563"/>
+            <a:off x="677334" y="609600"/>
+            <a:ext cx="8596668" cy="1320800"/>
           </a:xfrm>
           <a:prstGeom prst="rect">
             <a:avLst/>
           </a:prstGeom>
         </p:spPr>
         <p:txBody>
-          <a:bodyPr vert="horz" lIns="91440" tIns="45720" rIns="91440" bIns="45720" rtlCol="0" anchor="ctr">
+          <a:bodyPr vert="horz" lIns="91440" tIns="45720" rIns="91440" bIns="45720" rtlCol="0" anchor="t">
             <a:normAutofit/>
           </a:bodyPr>
           <a:lstStyle/>
@@ -2823,19 +5214,13 @@
               <a:rPr lang="fr-FR"/>
               <a:t>Modifiez le style du titre</a:t>
             </a:r>
-            <a:endParaRPr lang="en-GB"/>
-          </a:p>
-        </p:txBody>
-      </p:sp>
-      <p:sp>
-        <p:nvSpPr>
-          <p:cNvPr id="3" name="Espace réservé du texte 2">
-            <a:extLst>
-              <a:ext uri="{FF2B5EF4-FFF2-40B4-BE49-F238E27FC236}">
-                <a16:creationId xmlns:a16="http://schemas.microsoft.com/office/drawing/2014/main" id="{A10A956A-0349-4A57-B821-E92083BA55F4}"/>
-              </a:ext>
-            </a:extLst>
-          </p:cNvPr>
+            <a:endParaRPr lang="en-US" dirty="0"/>
+          </a:p>
+        </p:txBody>
+      </p:sp>
+      <p:sp>
+        <p:nvSpPr>
+          <p:cNvPr id="3" name="Text Placeholder 2"/>
           <p:cNvSpPr>
             <a:spLocks noGrp="1"/>
           </p:cNvSpPr>
@@ -2845,8 +5230,8 @@
         </p:nvSpPr>
         <p:spPr>
           <a:xfrm>
-            <a:off x="838200" y="1825625"/>
-            <a:ext cx="10515600" cy="4351338"/>
+            <a:off x="677334" y="2160589"/>
+            <a:ext cx="8596668" cy="3880773"/>
           </a:xfrm>
           <a:prstGeom prst="rect">
             <a:avLst/>
@@ -2891,19 +5276,13 @@
               <a:rPr lang="fr-FR"/>
               <a:t>Cinquième niveau</a:t>
             </a:r>
-            <a:endParaRPr lang="en-GB"/>
-          </a:p>
-        </p:txBody>
-      </p:sp>
-      <p:sp>
-        <p:nvSpPr>
-          <p:cNvPr id="4" name="Espace réservé de la date 3">
-            <a:extLst>
-              <a:ext uri="{FF2B5EF4-FFF2-40B4-BE49-F238E27FC236}">
-                <a16:creationId xmlns:a16="http://schemas.microsoft.com/office/drawing/2014/main" id="{B58214BD-C149-4679-9045-477728DC5DBF}"/>
-              </a:ext>
-            </a:extLst>
-          </p:cNvPr>
+            <a:endParaRPr lang="en-US" dirty="0"/>
+          </a:p>
+        </p:txBody>
+      </p:sp>
+      <p:sp>
+        <p:nvSpPr>
+          <p:cNvPr id="4" name="Date Placeholder 3"/>
           <p:cNvSpPr>
             <a:spLocks noGrp="1"/>
           </p:cNvSpPr>
@@ -2913,8 +5292,8 @@
         </p:nvSpPr>
         <p:spPr>
           <a:xfrm>
-            <a:off x="838200" y="6356350"/>
-            <a:ext cx="2743200" cy="365125"/>
+            <a:off x="7205133" y="6041362"/>
+            <a:ext cx="911939" cy="365125"/>
           </a:xfrm>
           <a:prstGeom prst="rect">
             <a:avLst/>
@@ -2923,8 +5302,8 @@
         <p:txBody>
           <a:bodyPr vert="horz" lIns="91440" tIns="45720" rIns="91440" bIns="45720" rtlCol="0" anchor="ctr"/>
           <a:lstStyle>
-            <a:lvl1pPr algn="l">
-              <a:defRPr sz="1200">
+            <a:lvl1pPr algn="r">
+              <a:defRPr sz="900">
                 <a:solidFill>
                   <a:schemeClr val="tx1">
                     <a:tint val="75000"/>
@@ -2944,13 +5323,7 @@
       </p:sp>
       <p:sp>
         <p:nvSpPr>
-          <p:cNvPr id="5" name="Espace réservé du pied de page 4">
-            <a:extLst>
-              <a:ext uri="{FF2B5EF4-FFF2-40B4-BE49-F238E27FC236}">
-                <a16:creationId xmlns:a16="http://schemas.microsoft.com/office/drawing/2014/main" id="{402DC175-1210-46AD-BA30-DFF3395C1831}"/>
-              </a:ext>
-            </a:extLst>
-          </p:cNvPr>
+          <p:cNvPr id="5" name="Footer Placeholder 4"/>
           <p:cNvSpPr>
             <a:spLocks noGrp="1"/>
           </p:cNvSpPr>
@@ -2960,8 +5333,8 @@
         </p:nvSpPr>
         <p:spPr>
           <a:xfrm>
-            <a:off x="4038600" y="6356350"/>
-            <a:ext cx="4114800" cy="365125"/>
+            <a:off x="677334" y="6041362"/>
+            <a:ext cx="6297612" cy="365125"/>
           </a:xfrm>
           <a:prstGeom prst="rect">
             <a:avLst/>
@@ -2970,8 +5343,8 @@
         <p:txBody>
           <a:bodyPr vert="horz" lIns="91440" tIns="45720" rIns="91440" bIns="45720" rtlCol="0" anchor="ctr"/>
           <a:lstStyle>
-            <a:lvl1pPr algn="ctr">
-              <a:defRPr sz="1200">
+            <a:lvl1pPr algn="l">
+              <a:defRPr sz="900">
                 <a:solidFill>
                   <a:schemeClr val="tx1">
                     <a:tint val="75000"/>
@@ -2987,13 +5360,7 @@
       </p:sp>
       <p:sp>
         <p:nvSpPr>
-          <p:cNvPr id="6" name="Espace réservé du numéro de diapositive 5">
-            <a:extLst>
-              <a:ext uri="{FF2B5EF4-FFF2-40B4-BE49-F238E27FC236}">
-                <a16:creationId xmlns:a16="http://schemas.microsoft.com/office/drawing/2014/main" id="{441A0A11-610C-4EE1-8439-E15E7270E234}"/>
-              </a:ext>
-            </a:extLst>
-          </p:cNvPr>
+          <p:cNvPr id="6" name="Slide Number Placeholder 5"/>
           <p:cNvSpPr>
             <a:spLocks noGrp="1"/>
           </p:cNvSpPr>
@@ -3003,8 +5370,8 @@
         </p:nvSpPr>
         <p:spPr>
           <a:xfrm>
-            <a:off x="8610600" y="6356350"/>
-            <a:ext cx="2743200" cy="365125"/>
+            <a:off x="8590663" y="6041362"/>
+            <a:ext cx="683339" cy="365125"/>
           </a:xfrm>
           <a:prstGeom prst="rect">
             <a:avLst/>
@@ -3014,11 +5381,9 @@
           <a:bodyPr vert="horz" lIns="91440" tIns="45720" rIns="91440" bIns="45720" rtlCol="0" anchor="ctr"/>
           <a:lstStyle>
             <a:lvl1pPr algn="r">
-              <a:defRPr sz="1200">
-                <a:solidFill>
-                  <a:schemeClr val="tx1">
-                    <a:tint val="75000"/>
-                  </a:schemeClr>
+              <a:defRPr sz="900">
+                <a:solidFill>
+                  <a:schemeClr val="accent1"/>
                 </a:solidFill>
               </a:defRPr>
             </a:lvl1pPr>
@@ -3035,201 +5400,322 @@
     </p:spTree>
     <p:extLst>
       <p:ext uri="{BB962C8B-B14F-4D97-AF65-F5344CB8AC3E}">
-        <p14:creationId xmlns:p14="http://schemas.microsoft.com/office/powerpoint/2010/main" val="1109762870"/>
+        <p14:creationId xmlns:p14="http://schemas.microsoft.com/office/powerpoint/2010/main" val="2685494323"/>
       </p:ext>
     </p:extLst>
   </p:cSld>
   <p:clrMap bg1="lt1" tx1="dk1" bg2="lt2" tx2="dk2" accent1="accent1" accent2="accent2" accent3="accent3" accent4="accent4" accent5="accent5" accent6="accent6" hlink="hlink" folHlink="folHlink"/>
   <p:sldLayoutIdLst>
-    <p:sldLayoutId id="2147483649" r:id="rId1"/>
-    <p:sldLayoutId id="2147483650" r:id="rId2"/>
-    <p:sldLayoutId id="2147483651" r:id="rId3"/>
-    <p:sldLayoutId id="2147483652" r:id="rId4"/>
-    <p:sldLayoutId id="2147483653" r:id="rId5"/>
-    <p:sldLayoutId id="2147483654" r:id="rId6"/>
-    <p:sldLayoutId id="2147483655" r:id="rId7"/>
-    <p:sldLayoutId id="2147483656" r:id="rId8"/>
-    <p:sldLayoutId id="2147483657" r:id="rId9"/>
-    <p:sldLayoutId id="2147483658" r:id="rId10"/>
-    <p:sldLayoutId id="2147483659" r:id="rId11"/>
+    <p:sldLayoutId id="2147483661" r:id="rId1"/>
+    <p:sldLayoutId id="2147483662" r:id="rId2"/>
+    <p:sldLayoutId id="2147483663" r:id="rId3"/>
+    <p:sldLayoutId id="2147483664" r:id="rId4"/>
+    <p:sldLayoutId id="2147483665" r:id="rId5"/>
+    <p:sldLayoutId id="2147483666" r:id="rId6"/>
+    <p:sldLayoutId id="2147483667" r:id="rId7"/>
+    <p:sldLayoutId id="2147483668" r:id="rId8"/>
+    <p:sldLayoutId id="2147483669" r:id="rId9"/>
+    <p:sldLayoutId id="2147483670" r:id="rId10"/>
+    <p:sldLayoutId id="2147483671" r:id="rId11"/>
+    <p:sldLayoutId id="2147483672" r:id="rId12"/>
+    <p:sldLayoutId id="2147483673" r:id="rId13"/>
+    <p:sldLayoutId id="2147483674" r:id="rId14"/>
+    <p:sldLayoutId id="2147483675" r:id="rId15"/>
+    <p:sldLayoutId id="2147483676" r:id="rId16"/>
   </p:sldLayoutIdLst>
   <p:txStyles>
     <p:titleStyle>
-      <a:lvl1pPr algn="l" defTabSz="914400" rtl="0" eaLnBrk="1" latinLnBrk="0" hangingPunct="1">
-        <a:lnSpc>
-          <a:spcPct val="90000"/>
-        </a:lnSpc>
+      <a:lvl1pPr algn="l" defTabSz="457200" rtl="0" eaLnBrk="1" latinLnBrk="0" hangingPunct="1">
         <a:spcBef>
           <a:spcPct val="0"/>
         </a:spcBef>
         <a:buNone/>
-        <a:defRPr sz="4400" kern="1200">
+        <a:defRPr sz="3600" kern="1200">
           <a:solidFill>
-            <a:schemeClr val="tx1"/>
+            <a:schemeClr val="accent1"/>
           </a:solidFill>
           <a:latin typeface="+mj-lt"/>
           <a:ea typeface="+mj-ea"/>
           <a:cs typeface="+mj-cs"/>
         </a:defRPr>
       </a:lvl1pPr>
+      <a:lvl2pPr eaLnBrk="1" hangingPunct="1">
+        <a:defRPr>
+          <a:solidFill>
+            <a:schemeClr val="tx2"/>
+          </a:solidFill>
+        </a:defRPr>
+      </a:lvl2pPr>
+      <a:lvl3pPr eaLnBrk="1" hangingPunct="1">
+        <a:defRPr>
+          <a:solidFill>
+            <a:schemeClr val="tx2"/>
+          </a:solidFill>
+        </a:defRPr>
+      </a:lvl3pPr>
+      <a:lvl4pPr eaLnBrk="1" hangingPunct="1">
+        <a:defRPr>
+          <a:solidFill>
+            <a:schemeClr val="tx2"/>
+          </a:solidFill>
+        </a:defRPr>
+      </a:lvl4pPr>
+      <a:lvl5pPr eaLnBrk="1" hangingPunct="1">
+        <a:defRPr>
+          <a:solidFill>
+            <a:schemeClr val="tx2"/>
+          </a:solidFill>
+        </a:defRPr>
+      </a:lvl5pPr>
+      <a:lvl6pPr eaLnBrk="1" hangingPunct="1">
+        <a:defRPr>
+          <a:solidFill>
+            <a:schemeClr val="tx2"/>
+          </a:solidFill>
+        </a:defRPr>
+      </a:lvl6pPr>
+      <a:lvl7pPr eaLnBrk="1" hangingPunct="1">
+        <a:defRPr>
+          <a:solidFill>
+            <a:schemeClr val="tx2"/>
+          </a:solidFill>
+        </a:defRPr>
+      </a:lvl7pPr>
+      <a:lvl8pPr eaLnBrk="1" hangingPunct="1">
+        <a:defRPr>
+          <a:solidFill>
+            <a:schemeClr val="tx2"/>
+          </a:solidFill>
+        </a:defRPr>
+      </a:lvl8pPr>
+      <a:lvl9pPr eaLnBrk="1" hangingPunct="1">
+        <a:defRPr>
+          <a:solidFill>
+            <a:schemeClr val="tx2"/>
+          </a:solidFill>
+        </a:defRPr>
+      </a:lvl9pPr>
     </p:titleStyle>
     <p:bodyStyle>
-      <a:lvl1pPr marL="228600" indent="-228600" algn="l" defTabSz="914400" rtl="0" eaLnBrk="1" latinLnBrk="0" hangingPunct="1">
-        <a:lnSpc>
-          <a:spcPct val="90000"/>
-        </a:lnSpc>
+      <a:lvl1pPr marL="342900" indent="-342900" algn="l" defTabSz="457200" rtl="0" eaLnBrk="1" latinLnBrk="0" hangingPunct="1">
         <a:spcBef>
           <a:spcPts val="1000"/>
         </a:spcBef>
-        <a:buFont typeface="Arial" panose="020B0604020202020204" pitchFamily="34" charset="0"/>
-        <a:buChar char="•"/>
-        <a:defRPr sz="2800" kern="1200">
+        <a:spcAft>
+          <a:spcPts val="0"/>
+        </a:spcAft>
+        <a:buClr>
+          <a:schemeClr val="accent1"/>
+        </a:buClr>
+        <a:buSzPct val="80000"/>
+        <a:buFont typeface="Wingdings 3" charset="2"/>
+        <a:buChar char=""/>
+        <a:defRPr sz="1800" kern="1200">
           <a:solidFill>
-            <a:schemeClr val="tx1"/>
+            <a:schemeClr val="tx1">
+              <a:lumMod val="75000"/>
+              <a:lumOff val="25000"/>
+            </a:schemeClr>
           </a:solidFill>
           <a:latin typeface="+mn-lt"/>
           <a:ea typeface="+mn-ea"/>
           <a:cs typeface="+mn-cs"/>
         </a:defRPr>
       </a:lvl1pPr>
-      <a:lvl2pPr marL="685800" indent="-228600" algn="l" defTabSz="914400" rtl="0" eaLnBrk="1" latinLnBrk="0" hangingPunct="1">
-        <a:lnSpc>
-          <a:spcPct val="90000"/>
-        </a:lnSpc>
+      <a:lvl2pPr marL="742950" indent="-285750" algn="l" defTabSz="457200" rtl="0" eaLnBrk="1" latinLnBrk="0" hangingPunct="1">
         <a:spcBef>
-          <a:spcPts val="500"/>
+          <a:spcPts val="1000"/>
         </a:spcBef>
-        <a:buFont typeface="Arial" panose="020B0604020202020204" pitchFamily="34" charset="0"/>
-        <a:buChar char="•"/>
-        <a:defRPr sz="2400" kern="1200">
+        <a:spcAft>
+          <a:spcPts val="0"/>
+        </a:spcAft>
+        <a:buClr>
+          <a:schemeClr val="accent1"/>
+        </a:buClr>
+        <a:buSzPct val="80000"/>
+        <a:buFont typeface="Wingdings 3" charset="2"/>
+        <a:buChar char=""/>
+        <a:defRPr sz="1600" kern="1200">
           <a:solidFill>
-            <a:schemeClr val="tx1"/>
+            <a:schemeClr val="tx1">
+              <a:lumMod val="75000"/>
+              <a:lumOff val="25000"/>
+            </a:schemeClr>
           </a:solidFill>
           <a:latin typeface="+mn-lt"/>
           <a:ea typeface="+mn-ea"/>
           <a:cs typeface="+mn-cs"/>
         </a:defRPr>
       </a:lvl2pPr>
-      <a:lvl3pPr marL="1143000" indent="-228600" algn="l" defTabSz="914400" rtl="0" eaLnBrk="1" latinLnBrk="0" hangingPunct="1">
-        <a:lnSpc>
-          <a:spcPct val="90000"/>
-        </a:lnSpc>
+      <a:lvl3pPr marL="1143000" indent="-228600" algn="l" defTabSz="457200" rtl="0" eaLnBrk="1" latinLnBrk="0" hangingPunct="1">
         <a:spcBef>
-          <a:spcPts val="500"/>
+          <a:spcPts val="1000"/>
         </a:spcBef>
-        <a:buFont typeface="Arial" panose="020B0604020202020204" pitchFamily="34" charset="0"/>
-        <a:buChar char="•"/>
-        <a:defRPr sz="2000" kern="1200">
+        <a:spcAft>
+          <a:spcPts val="0"/>
+        </a:spcAft>
+        <a:buClr>
+          <a:schemeClr val="accent1"/>
+        </a:buClr>
+        <a:buSzPct val="80000"/>
+        <a:buFont typeface="Wingdings 3" charset="2"/>
+        <a:buChar char=""/>
+        <a:defRPr sz="1400" kern="1200">
           <a:solidFill>
-            <a:schemeClr val="tx1"/>
+            <a:schemeClr val="tx1">
+              <a:lumMod val="75000"/>
+              <a:lumOff val="25000"/>
+            </a:schemeClr>
           </a:solidFill>
           <a:latin typeface="+mn-lt"/>
           <a:ea typeface="+mn-ea"/>
           <a:cs typeface="+mn-cs"/>
         </a:defRPr>
       </a:lvl3pPr>
-      <a:lvl4pPr marL="1600200" indent="-228600" algn="l" defTabSz="914400" rtl="0" eaLnBrk="1" latinLnBrk="0" hangingPunct="1">
-        <a:lnSpc>
-          <a:spcPct val="90000"/>
-        </a:lnSpc>
+      <a:lvl4pPr marL="1600200" indent="-228600" algn="l" defTabSz="457200" rtl="0" eaLnBrk="1" latinLnBrk="0" hangingPunct="1">
         <a:spcBef>
-          <a:spcPts val="500"/>
+          <a:spcPts val="1000"/>
         </a:spcBef>
-        <a:buFont typeface="Arial" panose="020B0604020202020204" pitchFamily="34" charset="0"/>
-        <a:buChar char="•"/>
-        <a:defRPr sz="1800" kern="1200">
+        <a:spcAft>
+          <a:spcPts val="0"/>
+        </a:spcAft>
+        <a:buClr>
+          <a:schemeClr val="accent1"/>
+        </a:buClr>
+        <a:buSzPct val="80000"/>
+        <a:buFont typeface="Wingdings 3" charset="2"/>
+        <a:buChar char=""/>
+        <a:defRPr sz="1200" kern="1200">
           <a:solidFill>
-            <a:schemeClr val="tx1"/>
+            <a:schemeClr val="tx1">
+              <a:lumMod val="75000"/>
+              <a:lumOff val="25000"/>
+            </a:schemeClr>
           </a:solidFill>
           <a:latin typeface="+mn-lt"/>
           <a:ea typeface="+mn-ea"/>
           <a:cs typeface="+mn-cs"/>
         </a:defRPr>
       </a:lvl4pPr>
-      <a:lvl5pPr marL="2057400" indent="-228600" algn="l" defTabSz="914400" rtl="0" eaLnBrk="1" latinLnBrk="0" hangingPunct="1">
-        <a:lnSpc>
-          <a:spcPct val="90000"/>
-        </a:lnSpc>
+      <a:lvl5pPr marL="2057400" indent="-228600" algn="l" defTabSz="457200" rtl="0" eaLnBrk="1" latinLnBrk="0" hangingPunct="1">
         <a:spcBef>
-          <a:spcPts val="500"/>
+          <a:spcPts val="1000"/>
         </a:spcBef>
-        <a:buFont typeface="Arial" panose="020B0604020202020204" pitchFamily="34" charset="0"/>
-        <a:buChar char="•"/>
-        <a:defRPr sz="1800" kern="1200">
+        <a:spcAft>
+          <a:spcPts val="0"/>
+        </a:spcAft>
+        <a:buClr>
+          <a:schemeClr val="accent1"/>
+        </a:buClr>
+        <a:buSzPct val="80000"/>
+        <a:buFont typeface="Wingdings 3" charset="2"/>
+        <a:buChar char=""/>
+        <a:defRPr sz="1200" kern="1200">
           <a:solidFill>
-            <a:schemeClr val="tx1"/>
+            <a:schemeClr val="tx1">
+              <a:lumMod val="75000"/>
+              <a:lumOff val="25000"/>
+            </a:schemeClr>
           </a:solidFill>
           <a:latin typeface="+mn-lt"/>
           <a:ea typeface="+mn-ea"/>
           <a:cs typeface="+mn-cs"/>
         </a:defRPr>
       </a:lvl5pPr>
-      <a:lvl6pPr marL="2514600" indent="-228600" algn="l" defTabSz="914400" rtl="0" eaLnBrk="1" latinLnBrk="0" hangingPunct="1">
-        <a:lnSpc>
-          <a:spcPct val="90000"/>
-        </a:lnSpc>
+      <a:lvl6pPr marL="2514600" indent="-228600" algn="l" defTabSz="457200" rtl="0" eaLnBrk="1" latinLnBrk="0" hangingPunct="1">
         <a:spcBef>
-          <a:spcPts val="500"/>
+          <a:spcPts val="1000"/>
         </a:spcBef>
-        <a:buFont typeface="Arial" panose="020B0604020202020204" pitchFamily="34" charset="0"/>
-        <a:buChar char="•"/>
-        <a:defRPr sz="1800" kern="1200">
+        <a:spcAft>
+          <a:spcPts val="0"/>
+        </a:spcAft>
+        <a:buClr>
+          <a:schemeClr val="accent1"/>
+        </a:buClr>
+        <a:buSzPct val="80000"/>
+        <a:buFont typeface="Wingdings 3" charset="2"/>
+        <a:buChar char=""/>
+        <a:defRPr sz="1200" kern="1200">
           <a:solidFill>
-            <a:schemeClr val="tx1"/>
+            <a:schemeClr val="tx1">
+              <a:lumMod val="75000"/>
+              <a:lumOff val="25000"/>
+            </a:schemeClr>
           </a:solidFill>
           <a:latin typeface="+mn-lt"/>
           <a:ea typeface="+mn-ea"/>
           <a:cs typeface="+mn-cs"/>
         </a:defRPr>
       </a:lvl6pPr>
-      <a:lvl7pPr marL="2971800" indent="-228600" algn="l" defTabSz="914400" rtl="0" eaLnBrk="1" latinLnBrk="0" hangingPunct="1">
-        <a:lnSpc>
-          <a:spcPct val="90000"/>
-        </a:lnSpc>
+      <a:lvl7pPr marL="2971800" indent="-228600" algn="l" defTabSz="457200" rtl="0" eaLnBrk="1" latinLnBrk="0" hangingPunct="1">
         <a:spcBef>
-          <a:spcPts val="500"/>
+          <a:spcPts val="1000"/>
         </a:spcBef>
-        <a:buFont typeface="Arial" panose="020B0604020202020204" pitchFamily="34" charset="0"/>
-        <a:buChar char="•"/>
-        <a:defRPr sz="1800" kern="1200">
+        <a:spcAft>
+          <a:spcPts val="0"/>
+        </a:spcAft>
+        <a:buClr>
+          <a:schemeClr val="accent1"/>
+        </a:buClr>
+        <a:buSzPct val="80000"/>
+        <a:buFont typeface="Wingdings 3" charset="2"/>
+        <a:buChar char=""/>
+        <a:defRPr sz="1200" kern="1200">
           <a:solidFill>
-            <a:schemeClr val="tx1"/>
+            <a:schemeClr val="tx1">
+              <a:lumMod val="75000"/>
+              <a:lumOff val="25000"/>
+            </a:schemeClr>
           </a:solidFill>
           <a:latin typeface="+mn-lt"/>
           <a:ea typeface="+mn-ea"/>
           <a:cs typeface="+mn-cs"/>
         </a:defRPr>
       </a:lvl7pPr>
-      <a:lvl8pPr marL="3429000" indent="-228600" algn="l" defTabSz="914400" rtl="0" eaLnBrk="1" latinLnBrk="0" hangingPunct="1">
-        <a:lnSpc>
-          <a:spcPct val="90000"/>
-        </a:lnSpc>
+      <a:lvl8pPr marL="3429000" indent="-228600" algn="l" defTabSz="457200" rtl="0" eaLnBrk="1" latinLnBrk="0" hangingPunct="1">
         <a:spcBef>
-          <a:spcPts val="500"/>
+          <a:spcPts val="1000"/>
         </a:spcBef>
-        <a:buFont typeface="Arial" panose="020B0604020202020204" pitchFamily="34" charset="0"/>
-        <a:buChar char="•"/>
-        <a:defRPr sz="1800" kern="1200">
+        <a:spcAft>
+          <a:spcPts val="0"/>
+        </a:spcAft>
+        <a:buClr>
+          <a:schemeClr val="accent1"/>
+        </a:buClr>
+        <a:buSzPct val="80000"/>
+        <a:buFont typeface="Wingdings 3" charset="2"/>
+        <a:buChar char=""/>
+        <a:defRPr sz="1200" kern="1200">
           <a:solidFill>
-            <a:schemeClr val="tx1"/>
+            <a:schemeClr val="tx1">
+              <a:lumMod val="75000"/>
+              <a:lumOff val="25000"/>
+            </a:schemeClr>
           </a:solidFill>
           <a:latin typeface="+mn-lt"/>
           <a:ea typeface="+mn-ea"/>
           <a:cs typeface="+mn-cs"/>
         </a:defRPr>
       </a:lvl8pPr>
-      <a:lvl9pPr marL="3886200" indent="-228600" algn="l" defTabSz="914400" rtl="0" eaLnBrk="1" latinLnBrk="0" hangingPunct="1">
-        <a:lnSpc>
-          <a:spcPct val="90000"/>
-        </a:lnSpc>
+      <a:lvl9pPr marL="3886200" indent="-228600" algn="l" defTabSz="457200" rtl="0" eaLnBrk="1" latinLnBrk="0" hangingPunct="1">
         <a:spcBef>
-          <a:spcPts val="500"/>
+          <a:spcPts val="1000"/>
         </a:spcBef>
-        <a:buFont typeface="Arial" panose="020B0604020202020204" pitchFamily="34" charset="0"/>
-        <a:buChar char="•"/>
-        <a:defRPr sz="1800" kern="1200">
+        <a:spcAft>
+          <a:spcPts val="0"/>
+        </a:spcAft>
+        <a:buClr>
+          <a:schemeClr val="accent1"/>
+        </a:buClr>
+        <a:buSzPct val="80000"/>
+        <a:buFont typeface="Wingdings 3" charset="2"/>
+        <a:buChar char=""/>
+        <a:defRPr sz="1200" kern="1200">
           <a:solidFill>
-            <a:schemeClr val="tx1"/>
+            <a:schemeClr val="tx1">
+              <a:lumMod val="75000"/>
+              <a:lumOff val="25000"/>
+            </a:schemeClr>
           </a:solidFill>
           <a:latin typeface="+mn-lt"/>
           <a:ea typeface="+mn-ea"/>
@@ -3241,7 +5727,7 @@
       <a:defPPr>
         <a:defRPr lang="en-US"/>
       </a:defPPr>
-      <a:lvl1pPr marL="0" algn="l" defTabSz="914400" rtl="0" eaLnBrk="1" latinLnBrk="0" hangingPunct="1">
+      <a:lvl1pPr marL="0" algn="l" defTabSz="457200" rtl="0" eaLnBrk="1" latinLnBrk="0" hangingPunct="1">
         <a:defRPr sz="1800" kern="1200">
           <a:solidFill>
             <a:schemeClr val="tx1"/>
@@ -3251,7 +5737,7 @@
           <a:cs typeface="+mn-cs"/>
         </a:defRPr>
       </a:lvl1pPr>
-      <a:lvl2pPr marL="457200" algn="l" defTabSz="914400" rtl="0" eaLnBrk="1" latinLnBrk="0" hangingPunct="1">
+      <a:lvl2pPr marL="457200" algn="l" defTabSz="457200" rtl="0" eaLnBrk="1" latinLnBrk="0" hangingPunct="1">
         <a:defRPr sz="1800" kern="1200">
           <a:solidFill>
             <a:schemeClr val="tx1"/>
@@ -3261,7 +5747,7 @@
           <a:cs typeface="+mn-cs"/>
         </a:defRPr>
       </a:lvl2pPr>
-      <a:lvl3pPr marL="914400" algn="l" defTabSz="914400" rtl="0" eaLnBrk="1" latinLnBrk="0" hangingPunct="1">
+      <a:lvl3pPr marL="914400" algn="l" defTabSz="457200" rtl="0" eaLnBrk="1" latinLnBrk="0" hangingPunct="1">
         <a:defRPr sz="1800" kern="1200">
           <a:solidFill>
             <a:schemeClr val="tx1"/>
@@ -3271,7 +5757,7 @@
           <a:cs typeface="+mn-cs"/>
         </a:defRPr>
       </a:lvl3pPr>
-      <a:lvl4pPr marL="1371600" algn="l" defTabSz="914400" rtl="0" eaLnBrk="1" latinLnBrk="0" hangingPunct="1">
+      <a:lvl4pPr marL="1371600" algn="l" defTabSz="457200" rtl="0" eaLnBrk="1" latinLnBrk="0" hangingPunct="1">
         <a:defRPr sz="1800" kern="1200">
           <a:solidFill>
             <a:schemeClr val="tx1"/>
@@ -3281,7 +5767,7 @@
           <a:cs typeface="+mn-cs"/>
         </a:defRPr>
       </a:lvl4pPr>
-      <a:lvl5pPr marL="1828800" algn="l" defTabSz="914400" rtl="0" eaLnBrk="1" latinLnBrk="0" hangingPunct="1">
+      <a:lvl5pPr marL="1828800" algn="l" defTabSz="457200" rtl="0" eaLnBrk="1" latinLnBrk="0" hangingPunct="1">
         <a:defRPr sz="1800" kern="1200">
           <a:solidFill>
             <a:schemeClr val="tx1"/>
@@ -3291,7 +5777,7 @@
           <a:cs typeface="+mn-cs"/>
         </a:defRPr>
       </a:lvl5pPr>
-      <a:lvl6pPr marL="2286000" algn="l" defTabSz="914400" rtl="0" eaLnBrk="1" latinLnBrk="0" hangingPunct="1">
+      <a:lvl6pPr marL="2286000" algn="l" defTabSz="457200" rtl="0" eaLnBrk="1" latinLnBrk="0" hangingPunct="1">
         <a:defRPr sz="1800" kern="1200">
           <a:solidFill>
             <a:schemeClr val="tx1"/>
@@ -3301,7 +5787,7 @@
           <a:cs typeface="+mn-cs"/>
         </a:defRPr>
       </a:lvl6pPr>
-      <a:lvl7pPr marL="2743200" algn="l" defTabSz="914400" rtl="0" eaLnBrk="1" latinLnBrk="0" hangingPunct="1">
+      <a:lvl7pPr marL="2743200" algn="l" defTabSz="457200" rtl="0" eaLnBrk="1" latinLnBrk="0" hangingPunct="1">
         <a:defRPr sz="1800" kern="1200">
           <a:solidFill>
             <a:schemeClr val="tx1"/>
@@ -3311,7 +5797,7 @@
           <a:cs typeface="+mn-cs"/>
         </a:defRPr>
       </a:lvl7pPr>
-      <a:lvl8pPr marL="3200400" algn="l" defTabSz="914400" rtl="0" eaLnBrk="1" latinLnBrk="0" hangingPunct="1">
+      <a:lvl8pPr marL="3200400" algn="l" defTabSz="457200" rtl="0" eaLnBrk="1" latinLnBrk="0" hangingPunct="1">
         <a:defRPr sz="1800" kern="1200">
           <a:solidFill>
             <a:schemeClr val="tx1"/>
@@ -3321,7 +5807,7 @@
           <a:cs typeface="+mn-cs"/>
         </a:defRPr>
       </a:lvl8pPr>
-      <a:lvl9pPr marL="3657600" algn="l" defTabSz="914400" rtl="0" eaLnBrk="1" latinLnBrk="0" hangingPunct="1">
+      <a:lvl9pPr marL="3657600" algn="l" defTabSz="457200" rtl="0" eaLnBrk="1" latinLnBrk="0" hangingPunct="1">
         <a:defRPr sz="1800" kern="1200">
           <a:solidFill>
             <a:schemeClr val="tx1"/>
@@ -3446,90 +5932,6 @@
           <p:cNvPr id="2" name="Titre 1">
             <a:extLst>
               <a:ext uri="{FF2B5EF4-FFF2-40B4-BE49-F238E27FC236}">
-                <a16:creationId xmlns:a16="http://schemas.microsoft.com/office/drawing/2014/main" id="{4ABD6729-ABA2-4010-8B86-1533EC7DA94B}"/>
-              </a:ext>
-            </a:extLst>
-          </p:cNvPr>
-          <p:cNvSpPr>
-            <a:spLocks noGrp="1"/>
-          </p:cNvSpPr>
-          <p:nvPr>
-            <p:ph type="title"/>
-          </p:nvPr>
-        </p:nvSpPr>
-        <p:spPr/>
-        <p:txBody>
-          <a:bodyPr/>
-          <a:lstStyle/>
-          <a:p>
-            <a:r>
-              <a:rPr lang="fr-BE" dirty="0"/>
-              <a:t>L’héritage polymorphique</a:t>
-            </a:r>
-            <a:endParaRPr lang="en-GB" dirty="0"/>
-          </a:p>
-        </p:txBody>
-      </p:sp>
-      <p:sp>
-        <p:nvSpPr>
-          <p:cNvPr id="3" name="Espace réservé du contenu 2">
-            <a:extLst>
-              <a:ext uri="{FF2B5EF4-FFF2-40B4-BE49-F238E27FC236}">
-                <a16:creationId xmlns:a16="http://schemas.microsoft.com/office/drawing/2014/main" id="{C9E3E511-720F-4FAC-9D46-A1F45F57DCF2}"/>
-              </a:ext>
-            </a:extLst>
-          </p:cNvPr>
-          <p:cNvSpPr>
-            <a:spLocks noGrp="1"/>
-          </p:cNvSpPr>
-          <p:nvPr>
-            <p:ph idx="1"/>
-          </p:nvPr>
-        </p:nvSpPr>
-        <p:spPr/>
-        <p:txBody>
-          <a:bodyPr/>
-          <a:lstStyle/>
-          <a:p>
-            <a:endParaRPr lang="en-GB"/>
-          </a:p>
-        </p:txBody>
-      </p:sp>
-    </p:spTree>
-    <p:extLst>
-      <p:ext uri="{BB962C8B-B14F-4D97-AF65-F5344CB8AC3E}">
-        <p14:creationId xmlns:p14="http://schemas.microsoft.com/office/powerpoint/2010/main" val="1154800508"/>
-      </p:ext>
-    </p:extLst>
-  </p:cSld>
-  <p:clrMapOvr>
-    <a:masterClrMapping/>
-  </p:clrMapOvr>
-</p:sld>
-</file>
-
-<file path=ppt/slides/slide11.xml><?xml version="1.0" encoding="utf-8"?>
-<p:sld xmlns:a="http://schemas.openxmlformats.org/drawingml/2006/main" xmlns:r="http://schemas.openxmlformats.org/officeDocument/2006/relationships" xmlns:p="http://schemas.openxmlformats.org/presentationml/2006/main">
-  <p:cSld>
-    <p:spTree>
-      <p:nvGrpSpPr>
-        <p:cNvPr id="1" name=""/>
-        <p:cNvGrpSpPr/>
-        <p:nvPr/>
-      </p:nvGrpSpPr>
-      <p:grpSpPr>
-        <a:xfrm>
-          <a:off x="0" y="0"/>
-          <a:ext cx="0" cy="0"/>
-          <a:chOff x="0" y="0"/>
-          <a:chExt cx="0" cy="0"/>
-        </a:xfrm>
-      </p:grpSpPr>
-      <p:sp>
-        <p:nvSpPr>
-          <p:cNvPr id="2" name="Titre 1">
-            <a:extLst>
-              <a:ext uri="{FF2B5EF4-FFF2-40B4-BE49-F238E27FC236}">
                 <a16:creationId xmlns:a16="http://schemas.microsoft.com/office/drawing/2014/main" id="{80D7D2F9-5224-4FE9-A77B-1B3A763426CF}"/>
               </a:ext>
             </a:extLst>
@@ -3596,7 +5998,7 @@
 </p:sld>
 </file>
 
-<file path=ppt/slides/slide12.xml><?xml version="1.0" encoding="utf-8"?>
+<file path=ppt/slides/slide11.xml><?xml version="1.0" encoding="utf-8"?>
 <p:sld xmlns:a="http://schemas.openxmlformats.org/drawingml/2006/main" xmlns:r="http://schemas.openxmlformats.org/officeDocument/2006/relationships" xmlns:p="http://schemas.openxmlformats.org/presentationml/2006/main">
   <p:cSld>
     <p:spTree>
@@ -3722,31 +6124,149 @@
           </a:p>
         </p:txBody>
       </p:sp>
-      <p:sp>
-        <p:nvSpPr>
-          <p:cNvPr id="3" name="Espace réservé du contenu 2">
+      <p:pic>
+        <p:nvPicPr>
+          <p:cNvPr id="9" name="Espace réservé du contenu 8" descr="Une image contenant dessin&#10;&#10;Description générée automatiquement">
             <a:extLst>
               <a:ext uri="{FF2B5EF4-FFF2-40B4-BE49-F238E27FC236}">
-                <a16:creationId xmlns:a16="http://schemas.microsoft.com/office/drawing/2014/main" id="{83DF90E6-BFB1-4E8E-A14A-FA41A45F49E6}"/>
+                <a16:creationId xmlns:a16="http://schemas.microsoft.com/office/drawing/2014/main" id="{3D93D220-2E6C-4646-91AE-AD13EB751A26}"/>
               </a:ext>
             </a:extLst>
           </p:cNvPr>
-          <p:cNvSpPr>
-            <a:spLocks noGrp="1"/>
-          </p:cNvSpPr>
+          <p:cNvPicPr>
+            <a:picLocks noGrp="1" noChangeAspect="1"/>
+          </p:cNvPicPr>
           <p:nvPr>
             <p:ph idx="1"/>
           </p:nvPr>
-        </p:nvSpPr>
-        <p:spPr/>
-        <p:txBody>
-          <a:bodyPr/>
-          <a:lstStyle/>
-          <a:p>
-            <a:endParaRPr lang="en-GB"/>
-          </a:p>
-        </p:txBody>
-      </p:sp>
+        </p:nvPicPr>
+        <p:blipFill>
+          <a:blip r:embed="rId2">
+            <a:extLst>
+              <a:ext uri="{28A0092B-C50C-407E-A947-70E740481C1C}">
+                <a14:useLocalDpi xmlns:a14="http://schemas.microsoft.com/office/drawing/2010/main" val="0"/>
+              </a:ext>
+            </a:extLst>
+          </a:blip>
+          <a:stretch>
+            <a:fillRect/>
+          </a:stretch>
+        </p:blipFill>
+        <p:spPr>
+          <a:xfrm>
+            <a:off x="677334" y="1317381"/>
+            <a:ext cx="1943831" cy="1804078"/>
+          </a:xfrm>
+        </p:spPr>
+      </p:pic>
+      <p:pic>
+        <p:nvPicPr>
+          <p:cNvPr id="11" name="Image 10" descr="Une image contenant dessin&#10;&#10;Description générée automatiquement">
+            <a:extLst>
+              <a:ext uri="{FF2B5EF4-FFF2-40B4-BE49-F238E27FC236}">
+                <a16:creationId xmlns:a16="http://schemas.microsoft.com/office/drawing/2014/main" id="{B1047668-3264-4F0F-94CE-EF66910C36C2}"/>
+              </a:ext>
+            </a:extLst>
+          </p:cNvPr>
+          <p:cNvPicPr>
+            <a:picLocks noChangeAspect="1"/>
+          </p:cNvPicPr>
+          <p:nvPr/>
+        </p:nvPicPr>
+        <p:blipFill>
+          <a:blip r:embed="rId3">
+            <a:extLst>
+              <a:ext uri="{28A0092B-C50C-407E-A947-70E740481C1C}">
+                <a14:useLocalDpi xmlns:a14="http://schemas.microsoft.com/office/drawing/2010/main" val="0"/>
+              </a:ext>
+            </a:extLst>
+          </a:blip>
+          <a:stretch>
+            <a:fillRect/>
+          </a:stretch>
+        </p:blipFill>
+        <p:spPr>
+          <a:xfrm>
+            <a:off x="677334" y="4025855"/>
+            <a:ext cx="5394764" cy="2032028"/>
+          </a:xfrm>
+          <a:prstGeom prst="rect">
+            <a:avLst/>
+          </a:prstGeom>
+        </p:spPr>
+      </p:pic>
+      <p:pic>
+        <p:nvPicPr>
+          <p:cNvPr id="13" name="Image 12" descr="Une image contenant personne, homme, intérieur, table&#10;&#10;Description générée automatiquement">
+            <a:extLst>
+              <a:ext uri="{FF2B5EF4-FFF2-40B4-BE49-F238E27FC236}">
+                <a16:creationId xmlns:a16="http://schemas.microsoft.com/office/drawing/2014/main" id="{78916E7A-3FDD-4D9E-912A-5D9B0A83042F}"/>
+              </a:ext>
+            </a:extLst>
+          </p:cNvPr>
+          <p:cNvPicPr>
+            <a:picLocks noChangeAspect="1"/>
+          </p:cNvPicPr>
+          <p:nvPr/>
+        </p:nvPicPr>
+        <p:blipFill>
+          <a:blip r:embed="rId4">
+            <a:extLst>
+              <a:ext uri="{28A0092B-C50C-407E-A947-70E740481C1C}">
+                <a14:useLocalDpi xmlns:a14="http://schemas.microsoft.com/office/drawing/2010/main" val="0"/>
+              </a:ext>
+            </a:extLst>
+          </a:blip>
+          <a:stretch>
+            <a:fillRect/>
+          </a:stretch>
+        </p:blipFill>
+        <p:spPr>
+          <a:xfrm>
+            <a:off x="7178502" y="533400"/>
+            <a:ext cx="4191000" cy="2794000"/>
+          </a:xfrm>
+          <a:prstGeom prst="rect">
+            <a:avLst/>
+          </a:prstGeom>
+        </p:spPr>
+      </p:pic>
+      <p:pic>
+        <p:nvPicPr>
+          <p:cNvPr id="15" name="Image 14" descr="Une image contenant dessin&#10;&#10;Description générée automatiquement">
+            <a:extLst>
+              <a:ext uri="{FF2B5EF4-FFF2-40B4-BE49-F238E27FC236}">
+                <a16:creationId xmlns:a16="http://schemas.microsoft.com/office/drawing/2014/main" id="{199CBA45-BCD7-4A93-9AFB-7CAEACDD68D3}"/>
+              </a:ext>
+            </a:extLst>
+          </p:cNvPr>
+          <p:cNvPicPr>
+            <a:picLocks noChangeAspect="1"/>
+          </p:cNvPicPr>
+          <p:nvPr/>
+        </p:nvPicPr>
+        <p:blipFill>
+          <a:blip r:embed="rId5">
+            <a:extLst>
+              <a:ext uri="{28A0092B-C50C-407E-A947-70E740481C1C}">
+                <a14:useLocalDpi xmlns:a14="http://schemas.microsoft.com/office/drawing/2010/main" val="0"/>
+              </a:ext>
+            </a:extLst>
+          </a:blip>
+          <a:stretch>
+            <a:fillRect/>
+          </a:stretch>
+        </p:blipFill>
+        <p:spPr>
+          <a:xfrm>
+            <a:off x="8261234" y="3772746"/>
+            <a:ext cx="2025535" cy="2475654"/>
+          </a:xfrm>
+          <a:prstGeom prst="rect">
+            <a:avLst/>
+          </a:prstGeom>
+        </p:spPr>
+      </p:pic>
     </p:spTree>
     <p:extLst>
       <p:ext uri="{BB962C8B-B14F-4D97-AF65-F5344CB8AC3E}">
@@ -3782,7 +6302,7 @@
           <p:cNvPr id="2" name="Titre 1">
             <a:extLst>
               <a:ext uri="{FF2B5EF4-FFF2-40B4-BE49-F238E27FC236}">
-                <a16:creationId xmlns:a16="http://schemas.microsoft.com/office/drawing/2014/main" id="{D7D9CCBB-A8A9-48A9-AB9D-39894390CFD9}"/>
+                <a16:creationId xmlns:a16="http://schemas.microsoft.com/office/drawing/2014/main" id="{71F4C137-583C-449D-9135-EC99183218A4}"/>
               </a:ext>
             </a:extLst>
           </p:cNvPr>
@@ -3800,33 +6320,131 @@
           <a:p>
             <a:r>
               <a:rPr lang="fr-BE" dirty="0"/>
-              <a:t>Popularité de Go</a:t>
+              <a:t>A quoi ressemble le Go</a:t>
             </a:r>
             <a:endParaRPr lang="en-GB" dirty="0"/>
           </a:p>
         </p:txBody>
       </p:sp>
-      <p:sp>
-        <p:nvSpPr>
-          <p:cNvPr id="3" name="Espace réservé du contenu 2">
+      <p:pic>
+        <p:nvPicPr>
+          <p:cNvPr id="5" name="Espace réservé du contenu 4" descr="Une image contenant dessin&#10;&#10;Description générée automatiquement">
             <a:extLst>
               <a:ext uri="{FF2B5EF4-FFF2-40B4-BE49-F238E27FC236}">
-                <a16:creationId xmlns:a16="http://schemas.microsoft.com/office/drawing/2014/main" id="{FF051112-7FDD-4127-B77C-55E127F5D8C4}"/>
+                <a16:creationId xmlns:a16="http://schemas.microsoft.com/office/drawing/2014/main" id="{EA0EF37E-75D9-4EC2-B318-29710F5CB525}"/>
               </a:ext>
             </a:extLst>
           </p:cNvPr>
-          <p:cNvSpPr>
-            <a:spLocks noGrp="1"/>
-          </p:cNvSpPr>
+          <p:cNvPicPr>
+            <a:picLocks noGrp="1" noChangeAspect="1"/>
+          </p:cNvPicPr>
           <p:nvPr>
             <p:ph idx="1"/>
           </p:nvPr>
-        </p:nvSpPr>
-        <p:spPr/>
-        <p:txBody>
-          <a:bodyPr/>
-          <a:lstStyle/>
-          <a:p>
+        </p:nvPicPr>
+        <p:blipFill>
+          <a:blip r:embed="rId2">
+            <a:extLst>
+              <a:ext uri="{28A0092B-C50C-407E-A947-70E740481C1C}">
+                <a14:useLocalDpi xmlns:a14="http://schemas.microsoft.com/office/drawing/2010/main" val="0"/>
+              </a:ext>
+            </a:extLst>
+          </a:blip>
+          <a:stretch>
+            <a:fillRect/>
+          </a:stretch>
+        </p:blipFill>
+        <p:spPr>
+          <a:xfrm>
+            <a:off x="1123211" y="1930400"/>
+            <a:ext cx="3028406" cy="1087120"/>
+          </a:xfrm>
+        </p:spPr>
+      </p:pic>
+      <p:pic>
+        <p:nvPicPr>
+          <p:cNvPr id="7" name="Image 6" descr="Une image contenant dessin, assiette&#10;&#10;Description générée automatiquement">
+            <a:extLst>
+              <a:ext uri="{FF2B5EF4-FFF2-40B4-BE49-F238E27FC236}">
+                <a16:creationId xmlns:a16="http://schemas.microsoft.com/office/drawing/2014/main" id="{B8EFA77B-1782-4F1D-90A9-E9515A734621}"/>
+              </a:ext>
+            </a:extLst>
+          </p:cNvPr>
+          <p:cNvPicPr>
+            <a:picLocks noChangeAspect="1"/>
+          </p:cNvPicPr>
+          <p:nvPr/>
+        </p:nvPicPr>
+        <p:blipFill>
+          <a:blip r:embed="rId3">
+            <a:extLst>
+              <a:ext uri="{28A0092B-C50C-407E-A947-70E740481C1C}">
+                <a14:useLocalDpi xmlns:a14="http://schemas.microsoft.com/office/drawing/2010/main" val="0"/>
+              </a:ext>
+            </a:extLst>
+          </a:blip>
+          <a:stretch>
+            <a:fillRect/>
+          </a:stretch>
+        </p:blipFill>
+        <p:spPr>
+          <a:xfrm>
+            <a:off x="6918960" y="1823949"/>
+            <a:ext cx="2557549" cy="1131225"/>
+          </a:xfrm>
+          <a:prstGeom prst="rect">
+            <a:avLst/>
+          </a:prstGeom>
+        </p:spPr>
+      </p:pic>
+      <p:sp>
+        <p:nvSpPr>
+          <p:cNvPr id="8" name="ZoneTexte 7">
+            <a:extLst>
+              <a:ext uri="{FF2B5EF4-FFF2-40B4-BE49-F238E27FC236}">
+                <a16:creationId xmlns:a16="http://schemas.microsoft.com/office/drawing/2014/main" id="{6BC8D4C3-E4C7-4D8F-8271-89ADC6FF620A}"/>
+              </a:ext>
+            </a:extLst>
+          </p:cNvPr>
+          <p:cNvSpPr txBox="1"/>
+          <p:nvPr/>
+        </p:nvSpPr>
+        <p:spPr>
+          <a:xfrm>
+            <a:off x="1123211" y="3251200"/>
+            <a:ext cx="1779654" cy="2862322"/>
+          </a:xfrm>
+          <a:prstGeom prst="rect">
+            <a:avLst/>
+          </a:prstGeom>
+          <a:noFill/>
+        </p:spPr>
+        <p:txBody>
+          <a:bodyPr wrap="none" rtlCol="0">
+            <a:spAutoFit/>
+          </a:bodyPr>
+          <a:lstStyle/>
+          <a:p>
+            <a:r>
+              <a:rPr lang="fr-BE" sz="6000" dirty="0"/>
+              <a:t>	{</a:t>
+            </a:r>
+          </a:p>
+          <a:p>
+            <a:r>
+              <a:rPr lang="fr-BE" sz="6000" dirty="0"/>
+              <a:t>[…]  </a:t>
+            </a:r>
+          </a:p>
+          <a:p>
+            <a:r>
+              <a:rPr lang="fr-BE" sz="6000" dirty="0"/>
+              <a:t>}</a:t>
+            </a:r>
+            <a:r>
+              <a:rPr lang="fr-BE" dirty="0"/>
+              <a:t> </a:t>
+            </a:r>
             <a:endParaRPr lang="en-GB" dirty="0"/>
           </a:p>
         </p:txBody>
@@ -3834,7 +6452,7 @@
     </p:spTree>
     <p:extLst>
       <p:ext uri="{BB962C8B-B14F-4D97-AF65-F5344CB8AC3E}">
-        <p14:creationId xmlns:p14="http://schemas.microsoft.com/office/powerpoint/2010/main" val="2836883696"/>
+        <p14:creationId xmlns:p14="http://schemas.microsoft.com/office/powerpoint/2010/main" val="3979007870"/>
       </p:ext>
     </p:extLst>
   </p:cSld>
@@ -3866,7 +6484,7 @@
           <p:cNvPr id="2" name="Titre 1">
             <a:extLst>
               <a:ext uri="{FF2B5EF4-FFF2-40B4-BE49-F238E27FC236}">
-                <a16:creationId xmlns:a16="http://schemas.microsoft.com/office/drawing/2014/main" id="{71F4C137-583C-449D-9135-EC99183218A4}"/>
+                <a16:creationId xmlns:a16="http://schemas.microsoft.com/office/drawing/2014/main" id="{95B16E25-C0EB-495D-BBD3-35E721FFDA88}"/>
               </a:ext>
             </a:extLst>
           </p:cNvPr>
@@ -3884,7 +6502,7 @@
           <a:p>
             <a:r>
               <a:rPr lang="fr-BE" dirty="0"/>
-              <a:t>A quoi ressemble le Go</a:t>
+              <a:t>Présentation des méthode de Go</a:t>
             </a:r>
             <a:endParaRPr lang="en-GB" dirty="0"/>
           </a:p>
@@ -3895,7 +6513,7 @@
           <p:cNvPr id="3" name="Espace réservé du contenu 2">
             <a:extLst>
               <a:ext uri="{FF2B5EF4-FFF2-40B4-BE49-F238E27FC236}">
-                <a16:creationId xmlns:a16="http://schemas.microsoft.com/office/drawing/2014/main" id="{51F9FFA5-6FFC-4A87-AFB9-C0B0AFF1FD54}"/>
+                <a16:creationId xmlns:a16="http://schemas.microsoft.com/office/drawing/2014/main" id="{F27CE61F-A01C-4C71-A30B-C8BA1CF27FA2}"/>
               </a:ext>
             </a:extLst>
           </p:cNvPr>
@@ -3911,14 +6529,17 @@
           <a:bodyPr/>
           <a:lstStyle/>
           <a:p>
-            <a:endParaRPr lang="en-GB"/>
+            <a:pPr marL="0" indent="0">
+              <a:buNone/>
+            </a:pPr>
+            <a:endParaRPr lang="en-GB" dirty="0"/>
           </a:p>
         </p:txBody>
       </p:sp>
     </p:spTree>
     <p:extLst>
       <p:ext uri="{BB962C8B-B14F-4D97-AF65-F5344CB8AC3E}">
-        <p14:creationId xmlns:p14="http://schemas.microsoft.com/office/powerpoint/2010/main" val="3979007870"/>
+        <p14:creationId xmlns:p14="http://schemas.microsoft.com/office/powerpoint/2010/main" val="1121502650"/>
       </p:ext>
     </p:extLst>
   </p:cSld>
@@ -3950,7 +6571,7 @@
           <p:cNvPr id="2" name="Titre 1">
             <a:extLst>
               <a:ext uri="{FF2B5EF4-FFF2-40B4-BE49-F238E27FC236}">
-                <a16:creationId xmlns:a16="http://schemas.microsoft.com/office/drawing/2014/main" id="{95B16E25-C0EB-495D-BBD3-35E721FFDA88}"/>
+                <a16:creationId xmlns:a16="http://schemas.microsoft.com/office/drawing/2014/main" id="{5978B74E-A0A2-4C0B-B747-45DD717F3329}"/>
               </a:ext>
             </a:extLst>
           </p:cNvPr>
@@ -3968,7 +6589,7 @@
           <a:p>
             <a:r>
               <a:rPr lang="fr-BE" dirty="0"/>
-              <a:t>Présentation des méthode de Go</a:t>
+              <a:t>Les pointeurs</a:t>
             </a:r>
             <a:endParaRPr lang="en-GB" dirty="0"/>
           </a:p>
@@ -3979,7 +6600,7 @@
           <p:cNvPr id="3" name="Espace réservé du contenu 2">
             <a:extLst>
               <a:ext uri="{FF2B5EF4-FFF2-40B4-BE49-F238E27FC236}">
-                <a16:creationId xmlns:a16="http://schemas.microsoft.com/office/drawing/2014/main" id="{F27CE61F-A01C-4C71-A30B-C8BA1CF27FA2}"/>
+                <a16:creationId xmlns:a16="http://schemas.microsoft.com/office/drawing/2014/main" id="{593BE356-8E6C-4999-A34A-A6E8ABE3E79E}"/>
               </a:ext>
             </a:extLst>
           </p:cNvPr>
@@ -3995,9 +6616,6 @@
           <a:bodyPr/>
           <a:lstStyle/>
           <a:p>
-            <a:pPr marL="0" indent="0">
-              <a:buNone/>
-            </a:pPr>
             <a:endParaRPr lang="en-GB" dirty="0"/>
           </a:p>
         </p:txBody>
@@ -4005,7 +6623,7 @@
     </p:spTree>
     <p:extLst>
       <p:ext uri="{BB962C8B-B14F-4D97-AF65-F5344CB8AC3E}">
-        <p14:creationId xmlns:p14="http://schemas.microsoft.com/office/powerpoint/2010/main" val="1121502650"/>
+        <p14:creationId xmlns:p14="http://schemas.microsoft.com/office/powerpoint/2010/main" val="3572310076"/>
       </p:ext>
     </p:extLst>
   </p:cSld>
@@ -4037,7 +6655,7 @@
           <p:cNvPr id="2" name="Titre 1">
             <a:extLst>
               <a:ext uri="{FF2B5EF4-FFF2-40B4-BE49-F238E27FC236}">
-                <a16:creationId xmlns:a16="http://schemas.microsoft.com/office/drawing/2014/main" id="{5978B74E-A0A2-4C0B-B747-45DD717F3329}"/>
+                <a16:creationId xmlns:a16="http://schemas.microsoft.com/office/drawing/2014/main" id="{3314784D-93FF-4F82-BD30-D98E7B615DC2}"/>
               </a:ext>
             </a:extLst>
           </p:cNvPr>
@@ -4055,7 +6673,7 @@
           <a:p>
             <a:r>
               <a:rPr lang="fr-BE" dirty="0"/>
-              <a:t>Les pointeurs</a:t>
+              <a:t>Interfaces</a:t>
             </a:r>
             <a:endParaRPr lang="en-GB" dirty="0"/>
           </a:p>
@@ -4066,7 +6684,7 @@
           <p:cNvPr id="3" name="Espace réservé du contenu 2">
             <a:extLst>
               <a:ext uri="{FF2B5EF4-FFF2-40B4-BE49-F238E27FC236}">
-                <a16:creationId xmlns:a16="http://schemas.microsoft.com/office/drawing/2014/main" id="{593BE356-8E6C-4999-A34A-A6E8ABE3E79E}"/>
+                <a16:creationId xmlns:a16="http://schemas.microsoft.com/office/drawing/2014/main" id="{F22A988F-7192-44E1-A77C-168BCE84EB9E}"/>
               </a:ext>
             </a:extLst>
           </p:cNvPr>
@@ -4089,7 +6707,7 @@
     </p:spTree>
     <p:extLst>
       <p:ext uri="{BB962C8B-B14F-4D97-AF65-F5344CB8AC3E}">
-        <p14:creationId xmlns:p14="http://schemas.microsoft.com/office/powerpoint/2010/main" val="3572310076"/>
+        <p14:creationId xmlns:p14="http://schemas.microsoft.com/office/powerpoint/2010/main" val="2760514093"/>
       </p:ext>
     </p:extLst>
   </p:cSld>
@@ -4121,7 +6739,7 @@
           <p:cNvPr id="2" name="Titre 1">
             <a:extLst>
               <a:ext uri="{FF2B5EF4-FFF2-40B4-BE49-F238E27FC236}">
-                <a16:creationId xmlns:a16="http://schemas.microsoft.com/office/drawing/2014/main" id="{3314784D-93FF-4F82-BD30-D98E7B615DC2}"/>
+                <a16:creationId xmlns:a16="http://schemas.microsoft.com/office/drawing/2014/main" id="{9AF73BF0-0057-42CB-8970-ED1DD7B6ABCD}"/>
               </a:ext>
             </a:extLst>
           </p:cNvPr>
@@ -4139,7 +6757,7 @@
           <a:p>
             <a:r>
               <a:rPr lang="fr-BE" dirty="0"/>
-              <a:t>Interfaces</a:t>
+              <a:t>Rappel principe fondamentaux de l’orienté objet</a:t>
             </a:r>
             <a:endParaRPr lang="en-GB" dirty="0"/>
           </a:p>
@@ -4150,7 +6768,7 @@
           <p:cNvPr id="3" name="Espace réservé du contenu 2">
             <a:extLst>
               <a:ext uri="{FF2B5EF4-FFF2-40B4-BE49-F238E27FC236}">
-                <a16:creationId xmlns:a16="http://schemas.microsoft.com/office/drawing/2014/main" id="{F22A988F-7192-44E1-A77C-168BCE84EB9E}"/>
+                <a16:creationId xmlns:a16="http://schemas.microsoft.com/office/drawing/2014/main" id="{232F5410-CC02-4A25-8206-87C63996CD31}"/>
               </a:ext>
             </a:extLst>
           </p:cNvPr>
@@ -4173,7 +6791,7 @@
     </p:spTree>
     <p:extLst>
       <p:ext uri="{BB962C8B-B14F-4D97-AF65-F5344CB8AC3E}">
-        <p14:creationId xmlns:p14="http://schemas.microsoft.com/office/powerpoint/2010/main" val="2760514093"/>
+        <p14:creationId xmlns:p14="http://schemas.microsoft.com/office/powerpoint/2010/main" val="2737349872"/>
       </p:ext>
     </p:extLst>
   </p:cSld>
@@ -4205,7 +6823,7 @@
           <p:cNvPr id="2" name="Titre 1">
             <a:extLst>
               <a:ext uri="{FF2B5EF4-FFF2-40B4-BE49-F238E27FC236}">
-                <a16:creationId xmlns:a16="http://schemas.microsoft.com/office/drawing/2014/main" id="{9AF73BF0-0057-42CB-8970-ED1DD7B6ABCD}"/>
+                <a16:creationId xmlns:a16="http://schemas.microsoft.com/office/drawing/2014/main" id="{66EBE6C8-9DB4-4E67-B346-558031BB06E7}"/>
               </a:ext>
             </a:extLst>
           </p:cNvPr>
@@ -4223,7 +6841,7 @@
           <a:p>
             <a:r>
               <a:rPr lang="fr-BE" dirty="0"/>
-              <a:t>Rappel principe fondamentaux de l’orienté objet</a:t>
+              <a:t>L’héritage technique</a:t>
             </a:r>
             <a:endParaRPr lang="en-GB" dirty="0"/>
           </a:p>
@@ -4234,7 +6852,7 @@
           <p:cNvPr id="3" name="Espace réservé du contenu 2">
             <a:extLst>
               <a:ext uri="{FF2B5EF4-FFF2-40B4-BE49-F238E27FC236}">
-                <a16:creationId xmlns:a16="http://schemas.microsoft.com/office/drawing/2014/main" id="{232F5410-CC02-4A25-8206-87C63996CD31}"/>
+                <a16:creationId xmlns:a16="http://schemas.microsoft.com/office/drawing/2014/main" id="{BB2066F6-54E7-4135-BB5E-C4FD1F8FDFB9}"/>
               </a:ext>
             </a:extLst>
           </p:cNvPr>
@@ -4250,14 +6868,14 @@
           <a:bodyPr/>
           <a:lstStyle/>
           <a:p>
-            <a:endParaRPr lang="en-GB" dirty="0"/>
+            <a:endParaRPr lang="en-GB"/>
           </a:p>
         </p:txBody>
       </p:sp>
     </p:spTree>
     <p:extLst>
       <p:ext uri="{BB962C8B-B14F-4D97-AF65-F5344CB8AC3E}">
-        <p14:creationId xmlns:p14="http://schemas.microsoft.com/office/powerpoint/2010/main" val="2737349872"/>
+        <p14:creationId xmlns:p14="http://schemas.microsoft.com/office/powerpoint/2010/main" val="2669434403"/>
       </p:ext>
     </p:extLst>
   </p:cSld>
@@ -4289,7 +6907,7 @@
           <p:cNvPr id="2" name="Titre 1">
             <a:extLst>
               <a:ext uri="{FF2B5EF4-FFF2-40B4-BE49-F238E27FC236}">
-                <a16:creationId xmlns:a16="http://schemas.microsoft.com/office/drawing/2014/main" id="{66EBE6C8-9DB4-4E67-B346-558031BB06E7}"/>
+                <a16:creationId xmlns:a16="http://schemas.microsoft.com/office/drawing/2014/main" id="{4ABD6729-ABA2-4010-8B86-1533EC7DA94B}"/>
               </a:ext>
             </a:extLst>
           </p:cNvPr>
@@ -4307,7 +6925,7 @@
           <a:p>
             <a:r>
               <a:rPr lang="fr-BE" dirty="0"/>
-              <a:t>L’héritage technique</a:t>
+              <a:t>L’héritage polymorphique</a:t>
             </a:r>
             <a:endParaRPr lang="en-GB" dirty="0"/>
           </a:p>
@@ -4318,7 +6936,7 @@
           <p:cNvPr id="3" name="Espace réservé du contenu 2">
             <a:extLst>
               <a:ext uri="{FF2B5EF4-FFF2-40B4-BE49-F238E27FC236}">
-                <a16:creationId xmlns:a16="http://schemas.microsoft.com/office/drawing/2014/main" id="{BB2066F6-54E7-4135-BB5E-C4FD1F8FDFB9}"/>
+                <a16:creationId xmlns:a16="http://schemas.microsoft.com/office/drawing/2014/main" id="{C9E3E511-720F-4FAC-9D46-A1F45F57DCF2}"/>
               </a:ext>
             </a:extLst>
           </p:cNvPr>
@@ -4341,7 +6959,7 @@
     </p:spTree>
     <p:extLst>
       <p:ext uri="{BB962C8B-B14F-4D97-AF65-F5344CB8AC3E}">
-        <p14:creationId xmlns:p14="http://schemas.microsoft.com/office/powerpoint/2010/main" val="2669434403"/>
+        <p14:creationId xmlns:p14="http://schemas.microsoft.com/office/powerpoint/2010/main" val="1154800508"/>
       </p:ext>
     </p:extLst>
   </p:cSld>
@@ -4352,9 +6970,9 @@
 </file>
 
 <file path=ppt/theme/theme1.xml><?xml version="1.0" encoding="utf-8"?>
-<a:theme xmlns:a="http://schemas.openxmlformats.org/drawingml/2006/main" name="Thème Office">
+<a:theme xmlns:a="http://schemas.openxmlformats.org/drawingml/2006/main" name="Facette">
   <a:themeElements>
-    <a:clrScheme name="Office">
+    <a:clrScheme name="Facette">
       <a:dk1>
         <a:sysClr val="windowText" lastClr="000000"/>
       </a:dk1>
@@ -4362,52 +6980,52 @@
         <a:sysClr val="window" lastClr="FFFFFF"/>
       </a:lt1>
       <a:dk2>
-        <a:srgbClr val="44546A"/>
+        <a:srgbClr val="2C3C43"/>
       </a:dk2>
       <a:lt2>
-        <a:srgbClr val="E7E6E6"/>
+        <a:srgbClr val="EBEBEB"/>
       </a:lt2>
       <a:accent1>
-        <a:srgbClr val="4472C4"/>
+        <a:srgbClr val="90C226"/>
       </a:accent1>
       <a:accent2>
-        <a:srgbClr val="ED7D31"/>
+        <a:srgbClr val="54A021"/>
       </a:accent2>
       <a:accent3>
-        <a:srgbClr val="A5A5A5"/>
+        <a:srgbClr val="E6B91E"/>
       </a:accent3>
       <a:accent4>
-        <a:srgbClr val="FFC000"/>
+        <a:srgbClr val="E76618"/>
       </a:accent4>
       <a:accent5>
-        <a:srgbClr val="5B9BD5"/>
+        <a:srgbClr val="C42F1A"/>
       </a:accent5>
       <a:accent6>
-        <a:srgbClr val="70AD47"/>
+        <a:srgbClr val="918655"/>
       </a:accent6>
       <a:hlink>
-        <a:srgbClr val="0563C1"/>
+        <a:srgbClr val="99CA3C"/>
       </a:hlink>
       <a:folHlink>
-        <a:srgbClr val="954F72"/>
+        <a:srgbClr val="B9D181"/>
       </a:folHlink>
     </a:clrScheme>
-    <a:fontScheme name="Office">
+    <a:fontScheme name="Facette">
       <a:majorFont>
-        <a:latin typeface="Calibri Light" panose="020F0302020204030204"/>
+        <a:latin typeface="Trebuchet MS" panose="020B0603020202020204"/>
         <a:ea typeface=""/>
         <a:cs typeface=""/>
-        <a:font script="Jpan" typeface="游ゴシック Light"/>
+        <a:font script="Jpan" typeface="メイリオ"/>
         <a:font script="Hang" typeface="맑은 고딕"/>
-        <a:font script="Hans" typeface="等线 Light"/>
-        <a:font script="Hant" typeface="新細明體"/>
-        <a:font script="Arab" typeface="Times New Roman"/>
-        <a:font script="Hebr" typeface="Times New Roman"/>
-        <a:font script="Thai" typeface="Angsana New"/>
+        <a:font script="Hans" typeface="方正姚体"/>
+        <a:font script="Hant" typeface="微軟正黑體"/>
+        <a:font script="Arab" typeface="Tahoma"/>
+        <a:font script="Hebr" typeface="Arial"/>
+        <a:font script="Thai" typeface="Cordia New"/>
         <a:font script="Ethi" typeface="Nyala"/>
         <a:font script="Beng" typeface="Vrinda"/>
         <a:font script="Gujr" typeface="Shruti"/>
-        <a:font script="Khmr" typeface="MoolBoran"/>
+        <a:font script="Khmr" typeface="DaunPenh"/>
         <a:font script="Knda" typeface="Tunga"/>
         <a:font script="Guru" typeface="Raavi"/>
         <a:font script="Cans" typeface="Euphemia"/>
@@ -4424,38 +7042,21 @@
         <a:font script="Laoo" typeface="DokChampa"/>
         <a:font script="Sinh" typeface="Iskoola Pota"/>
         <a:font script="Mong" typeface="Mongolian Baiti"/>
-        <a:font script="Viet" typeface="Times New Roman"/>
+        <a:font script="Viet" typeface="Tahoma"/>
         <a:font script="Uigh" typeface="Microsoft Uighur"/>
         <a:font script="Geor" typeface="Sylfaen"/>
-        <a:font script="Armn" typeface="Arial"/>
-        <a:font script="Bugi" typeface="Leelawadee UI"/>
-        <a:font script="Bopo" typeface="Microsoft JhengHei"/>
-        <a:font script="Java" typeface="Javanese Text"/>
-        <a:font script="Lisu" typeface="Segoe UI"/>
-        <a:font script="Mymr" typeface="Myanmar Text"/>
-        <a:font script="Nkoo" typeface="Ebrima"/>
-        <a:font script="Olck" typeface="Nirmala UI"/>
-        <a:font script="Osma" typeface="Ebrima"/>
-        <a:font script="Phag" typeface="Phagspa"/>
-        <a:font script="Syrn" typeface="Estrangelo Edessa"/>
-        <a:font script="Syrj" typeface="Estrangelo Edessa"/>
-        <a:font script="Syre" typeface="Estrangelo Edessa"/>
-        <a:font script="Sora" typeface="Nirmala UI"/>
-        <a:font script="Tale" typeface="Microsoft Tai Le"/>
-        <a:font script="Talu" typeface="Microsoft New Tai Lue"/>
-        <a:font script="Tfng" typeface="Ebrima"/>
       </a:majorFont>
       <a:minorFont>
-        <a:latin typeface="Calibri" panose="020F0502020204030204"/>
+        <a:latin typeface="Trebuchet MS" panose="020B0603020202020204"/>
         <a:ea typeface=""/>
         <a:cs typeface=""/>
-        <a:font script="Jpan" typeface="游ゴシック"/>
-        <a:font script="Hang" typeface="맑은 고딕"/>
-        <a:font script="Hans" typeface="等线"/>
-        <a:font script="Hant" typeface="新細明體"/>
-        <a:font script="Arab" typeface="Arial"/>
-        <a:font script="Hebr" typeface="Arial"/>
-        <a:font script="Thai" typeface="Cordia New"/>
+        <a:font script="Jpan" typeface="メイリオ"/>
+        <a:font script="Hang" typeface="HY그래픽M"/>
+        <a:font script="Hans" typeface="华文新魏"/>
+        <a:font script="Hant" typeface="微軟正黑體"/>
+        <a:font script="Arab" typeface="Tahoma"/>
+        <a:font script="Hebr" typeface="Gisha"/>
+        <a:font script="Thai" typeface="IrisUPC"/>
         <a:font script="Ethi" typeface="Nyala"/>
         <a:font script="Beng" typeface="Vrinda"/>
         <a:font script="Gujr" typeface="Shruti"/>
@@ -4479,26 +7080,9 @@
         <a:font script="Viet" typeface="Arial"/>
         <a:font script="Uigh" typeface="Microsoft Uighur"/>
         <a:font script="Geor" typeface="Sylfaen"/>
-        <a:font script="Armn" typeface="Arial"/>
-        <a:font script="Bugi" typeface="Leelawadee UI"/>
-        <a:font script="Bopo" typeface="Microsoft JhengHei"/>
-        <a:font script="Java" typeface="Javanese Text"/>
-        <a:font script="Lisu" typeface="Segoe UI"/>
-        <a:font script="Mymr" typeface="Myanmar Text"/>
-        <a:font script="Nkoo" typeface="Ebrima"/>
-        <a:font script="Olck" typeface="Nirmala UI"/>
-        <a:font script="Osma" typeface="Ebrima"/>
-        <a:font script="Phag" typeface="Phagspa"/>
-        <a:font script="Syrn" typeface="Estrangelo Edessa"/>
-        <a:font script="Syrj" typeface="Estrangelo Edessa"/>
-        <a:font script="Syre" typeface="Estrangelo Edessa"/>
-        <a:font script="Sora" typeface="Nirmala UI"/>
-        <a:font script="Tale" typeface="Microsoft Tai Le"/>
-        <a:font script="Talu" typeface="Microsoft New Tai Lue"/>
-        <a:font script="Tfng" typeface="Ebrima"/>
       </a:minorFont>
     </a:fontScheme>
-    <a:fmtScheme name="Office">
+    <a:fmtScheme name="Facette">
       <a:fillStyleLst>
         <a:solidFill>
           <a:schemeClr val="phClr"/>
@@ -4507,23 +7091,13 @@
           <a:gsLst>
             <a:gs pos="0">
               <a:schemeClr val="phClr">
+                <a:tint val="65000"/>
                 <a:lumMod val="110000"/>
-                <a:satMod val="105000"/>
-                <a:tint val="67000"/>
               </a:schemeClr>
             </a:gs>
-            <a:gs pos="50000">
+            <a:gs pos="88000">
               <a:schemeClr val="phClr">
-                <a:lumMod val="105000"/>
-                <a:satMod val="103000"/>
-                <a:tint val="73000"/>
-              </a:schemeClr>
-            </a:gs>
-            <a:gs pos="100000">
-              <a:schemeClr val="phClr">
-                <a:lumMod val="105000"/>
-                <a:satMod val="109000"/>
-                <a:tint val="81000"/>
+                <a:tint val="90000"/>
               </a:schemeClr>
             </a:gs>
           </a:gsLst>
@@ -4533,23 +7107,14 @@
           <a:gsLst>
             <a:gs pos="0">
               <a:schemeClr val="phClr">
-                <a:satMod val="103000"/>
-                <a:lumMod val="102000"/>
-                <a:tint val="94000"/>
+                <a:tint val="96000"/>
+                <a:lumMod val="100000"/>
               </a:schemeClr>
             </a:gs>
-            <a:gs pos="50000">
+            <a:gs pos="78000">
               <a:schemeClr val="phClr">
-                <a:satMod val="110000"/>
-                <a:lumMod val="100000"/>
-                <a:shade val="100000"/>
-              </a:schemeClr>
-            </a:gs>
-            <a:gs pos="100000">
-              <a:schemeClr val="phClr">
-                <a:lumMod val="99000"/>
-                <a:satMod val="120000"/>
-                <a:shade val="78000"/>
+                <a:shade val="94000"/>
+                <a:lumMod val="94000"/>
               </a:schemeClr>
             </a:gs>
           </a:gsLst>
@@ -4557,26 +7122,23 @@
         </a:gradFill>
       </a:fillStyleLst>
       <a:lnStyleLst>
-        <a:ln w="6350" cap="flat" cmpd="sng" algn="ctr">
+        <a:ln w="12700" cap="rnd" cmpd="sng" algn="ctr">
           <a:solidFill>
             <a:schemeClr val="phClr"/>
           </a:solidFill>
           <a:prstDash val="solid"/>
-          <a:miter lim="800000"/>
         </a:ln>
-        <a:ln w="12700" cap="flat" cmpd="sng" algn="ctr">
+        <a:ln w="19050" cap="rnd" cmpd="sng" algn="ctr">
           <a:solidFill>
             <a:schemeClr val="phClr"/>
           </a:solidFill>
           <a:prstDash val="solid"/>
-          <a:miter lim="800000"/>
         </a:ln>
-        <a:ln w="19050" cap="flat" cmpd="sng" algn="ctr">
+        <a:ln w="25400" cap="rnd" cmpd="sng" algn="ctr">
           <a:solidFill>
             <a:schemeClr val="phClr"/>
           </a:solidFill>
           <a:prstDash val="solid"/>
-          <a:miter lim="800000"/>
         </a:ln>
       </a:lnStyleLst>
       <a:effectStyleLst>
@@ -4584,54 +7146,72 @@
           <a:effectLst/>
         </a:effectStyle>
         <a:effectStyle>
-          <a:effectLst/>
+          <a:effectLst>
+            <a:outerShdw blurRad="38100" dist="25400" dir="5400000" rotWithShape="0">
+              <a:srgbClr val="000000">
+                <a:alpha val="35000"/>
+              </a:srgbClr>
+            </a:outerShdw>
+          </a:effectLst>
         </a:effectStyle>
         <a:effectStyle>
           <a:effectLst>
-            <a:outerShdw blurRad="57150" dist="19050" dir="5400000" algn="ctr" rotWithShape="0">
+            <a:outerShdw blurRad="50800" dist="38100" dir="5400000" rotWithShape="0">
               <a:srgbClr val="000000">
-                <a:alpha val="63000"/>
+                <a:alpha val="35000"/>
               </a:srgbClr>
             </a:outerShdw>
           </a:effectLst>
+          <a:scene3d>
+            <a:camera prst="orthographicFront">
+              <a:rot lat="0" lon="0" rev="0"/>
+            </a:camera>
+            <a:lightRig rig="threePt" dir="tl"/>
+          </a:scene3d>
+          <a:sp3d prstMaterial="plastic">
+            <a:bevelT w="0" h="0"/>
+          </a:sp3d>
         </a:effectStyle>
       </a:effectStyleLst>
       <a:bgFillStyleLst>
         <a:solidFill>
           <a:schemeClr val="phClr"/>
         </a:solidFill>
-        <a:solidFill>
-          <a:schemeClr val="phClr">
-            <a:tint val="95000"/>
-            <a:satMod val="170000"/>
-          </a:schemeClr>
-        </a:solidFill>
         <a:gradFill rotWithShape="1">
           <a:gsLst>
             <a:gs pos="0">
               <a:schemeClr val="phClr">
-                <a:tint val="93000"/>
-                <a:satMod val="150000"/>
-                <a:shade val="98000"/>
-                <a:lumMod val="102000"/>
+                <a:tint val="90000"/>
+                <a:lumMod val="104000"/>
               </a:schemeClr>
             </a:gs>
-            <a:gs pos="50000">
+            <a:gs pos="94000">
               <a:schemeClr val="phClr">
-                <a:tint val="98000"/>
-                <a:satMod val="130000"/>
-                <a:shade val="90000"/>
-                <a:lumMod val="103000"/>
+                <a:shade val="96000"/>
+                <a:lumMod val="82000"/>
+              </a:schemeClr>
+            </a:gs>
+          </a:gsLst>
+          <a:lin ang="5400000" scaled="0"/>
+        </a:gradFill>
+        <a:gradFill rotWithShape="1">
+          <a:gsLst>
+            <a:gs pos="0">
+              <a:schemeClr val="phClr">
+                <a:tint val="90000"/>
+                <a:lumMod val="110000"/>
               </a:schemeClr>
             </a:gs>
             <a:gs pos="100000">
               <a:schemeClr val="phClr">
-                <a:shade val="63000"/>
-                <a:satMod val="120000"/>
+                <a:shade val="94000"/>
+                <a:lumMod val="96000"/>
               </a:schemeClr>
             </a:gs>
           </a:gsLst>
-          <a:lin ang="5400000" scaled="0"/>
+          <a:path path="circle">
+            <a:fillToRect l="50000" t="50000" r="100000" b="100000"/>
+          </a:path>
         </a:gradFill>
       </a:bgFillStyleLst>
     </a:fmtScheme>
@@ -4640,7 +7220,7 @@
   <a:extraClrSchemeLst/>
   <a:extLst>
     <a:ext uri="{05A4C25C-085E-4340-85A3-A5531E510DB2}">
-      <thm15:themeFamily xmlns:thm15="http://schemas.microsoft.com/office/thememl/2012/main" name="Office Theme" id="{62F939B6-93AF-4DB8-9C6B-D6C7DFDC589F}" vid="{4A3C46E8-61CC-4603-A589-7422A47A8E4A}"/>
+      <thm15:themeFamily xmlns:thm15="http://schemas.microsoft.com/office/thememl/2012/main" name="Facet" id="{C0C680CD-088A-49FC-A102-D699147F32B2}" vid="{CFBC31BA-B70F-4F30-BCAA-4F3011E16C4D}"/>
     </a:ext>
   </a:extLst>
 </a:theme>

--- a/PPT/OOPAndGo.pptx
+++ b/PPT/OOPAndGo.pptx
@@ -8,14 +8,16 @@
     <p:sldId id="256" r:id="rId2"/>
     <p:sldId id="257" r:id="rId3"/>
     <p:sldId id="259" r:id="rId4"/>
-    <p:sldId id="260" r:id="rId5"/>
-    <p:sldId id="261" r:id="rId6"/>
-    <p:sldId id="262" r:id="rId7"/>
-    <p:sldId id="263" r:id="rId8"/>
-    <p:sldId id="264" r:id="rId9"/>
-    <p:sldId id="265" r:id="rId10"/>
-    <p:sldId id="266" r:id="rId11"/>
-    <p:sldId id="267" r:id="rId12"/>
+    <p:sldId id="268" r:id="rId5"/>
+    <p:sldId id="269" r:id="rId6"/>
+    <p:sldId id="260" r:id="rId7"/>
+    <p:sldId id="261" r:id="rId8"/>
+    <p:sldId id="262" r:id="rId9"/>
+    <p:sldId id="263" r:id="rId10"/>
+    <p:sldId id="264" r:id="rId11"/>
+    <p:sldId id="265" r:id="rId12"/>
+    <p:sldId id="266" r:id="rId13"/>
+    <p:sldId id="267" r:id="rId14"/>
   </p:sldIdLst>
   <p:sldSz cx="12192000" cy="6858000"/>
   <p:notesSz cx="6858000" cy="9144000"/>
@@ -844,7 +846,7 @@
           <a:p>
             <a:fld id="{C0C4FB13-012F-4037-81DA-501F3326904A}" type="datetimeFigureOut">
               <a:rPr lang="en-GB" smtClean="0"/>
-              <a:t>05/11/2019</a:t>
+              <a:t>06/11/2019</a:t>
             </a:fld>
             <a:endParaRPr lang="en-GB"/>
           </a:p>
@@ -1095,7 +1097,7 @@
           <a:p>
             <a:fld id="{C0C4FB13-012F-4037-81DA-501F3326904A}" type="datetimeFigureOut">
               <a:rPr lang="en-GB" smtClean="0"/>
-              <a:t>05/11/2019</a:t>
+              <a:t>06/11/2019</a:t>
             </a:fld>
             <a:endParaRPr lang="en-GB"/>
           </a:p>
@@ -1409,7 +1411,7 @@
           <a:p>
             <a:fld id="{C0C4FB13-012F-4037-81DA-501F3326904A}" type="datetimeFigureOut">
               <a:rPr lang="en-GB" smtClean="0"/>
-              <a:t>05/11/2019</a:t>
+              <a:t>06/11/2019</a:t>
             </a:fld>
             <a:endParaRPr lang="en-GB"/>
           </a:p>
@@ -1750,7 +1752,7 @@
           <a:p>
             <a:fld id="{C0C4FB13-012F-4037-81DA-501F3326904A}" type="datetimeFigureOut">
               <a:rPr lang="en-GB" smtClean="0"/>
-              <a:t>05/11/2019</a:t>
+              <a:t>06/11/2019</a:t>
             </a:fld>
             <a:endParaRPr lang="en-GB"/>
           </a:p>
@@ -2064,7 +2066,7 @@
           <a:p>
             <a:fld id="{C0C4FB13-012F-4037-81DA-501F3326904A}" type="datetimeFigureOut">
               <a:rPr lang="en-GB" smtClean="0"/>
-              <a:t>05/11/2019</a:t>
+              <a:t>06/11/2019</a:t>
             </a:fld>
             <a:endParaRPr lang="en-GB"/>
           </a:p>
@@ -2457,7 +2459,7 @@
           <a:p>
             <a:fld id="{C0C4FB13-012F-4037-81DA-501F3326904A}" type="datetimeFigureOut">
               <a:rPr lang="en-GB" smtClean="0"/>
-              <a:t>05/11/2019</a:t>
+              <a:t>06/11/2019</a:t>
             </a:fld>
             <a:endParaRPr lang="en-GB"/>
           </a:p>
@@ -2627,7 +2629,7 @@
           <a:p>
             <a:fld id="{C0C4FB13-012F-4037-81DA-501F3326904A}" type="datetimeFigureOut">
               <a:rPr lang="en-GB" smtClean="0"/>
-              <a:t>05/11/2019</a:t>
+              <a:t>06/11/2019</a:t>
             </a:fld>
             <a:endParaRPr lang="en-GB"/>
           </a:p>
@@ -2807,7 +2809,7 @@
           <a:p>
             <a:fld id="{C0C4FB13-012F-4037-81DA-501F3326904A}" type="datetimeFigureOut">
               <a:rPr lang="en-GB" smtClean="0"/>
-              <a:t>05/11/2019</a:t>
+              <a:t>06/11/2019</a:t>
             </a:fld>
             <a:endParaRPr lang="en-GB"/>
           </a:p>
@@ -2983,7 +2985,7 @@
           <a:p>
             <a:fld id="{C0C4FB13-012F-4037-81DA-501F3326904A}" type="datetimeFigureOut">
               <a:rPr lang="en-GB" smtClean="0"/>
-              <a:t>05/11/2019</a:t>
+              <a:t>06/11/2019</a:t>
             </a:fld>
             <a:endParaRPr lang="en-GB"/>
           </a:p>
@@ -3230,7 +3232,7 @@
           <a:p>
             <a:fld id="{C0C4FB13-012F-4037-81DA-501F3326904A}" type="datetimeFigureOut">
               <a:rPr lang="en-GB" smtClean="0"/>
-              <a:t>05/11/2019</a:t>
+              <a:t>06/11/2019</a:t>
             </a:fld>
             <a:endParaRPr lang="en-GB"/>
           </a:p>
@@ -3462,7 +3464,7 @@
           <a:p>
             <a:fld id="{C0C4FB13-012F-4037-81DA-501F3326904A}" type="datetimeFigureOut">
               <a:rPr lang="en-GB" smtClean="0"/>
-              <a:t>05/11/2019</a:t>
+              <a:t>06/11/2019</a:t>
             </a:fld>
             <a:endParaRPr lang="en-GB"/>
           </a:p>
@@ -3836,7 +3838,7 @@
           <a:p>
             <a:fld id="{C0C4FB13-012F-4037-81DA-501F3326904A}" type="datetimeFigureOut">
               <a:rPr lang="en-GB" smtClean="0"/>
-              <a:t>05/11/2019</a:t>
+              <a:t>06/11/2019</a:t>
             </a:fld>
             <a:endParaRPr lang="en-GB"/>
           </a:p>
@@ -3959,7 +3961,7 @@
           <a:p>
             <a:fld id="{C0C4FB13-012F-4037-81DA-501F3326904A}" type="datetimeFigureOut">
               <a:rPr lang="en-GB" smtClean="0"/>
-              <a:t>05/11/2019</a:t>
+              <a:t>06/11/2019</a:t>
             </a:fld>
             <a:endParaRPr lang="en-GB"/>
           </a:p>
@@ -4054,7 +4056,7 @@
           <a:p>
             <a:fld id="{C0C4FB13-012F-4037-81DA-501F3326904A}" type="datetimeFigureOut">
               <a:rPr lang="en-GB" smtClean="0"/>
-              <a:t>05/11/2019</a:t>
+              <a:t>06/11/2019</a:t>
             </a:fld>
             <a:endParaRPr lang="en-GB"/>
           </a:p>
@@ -4309,7 +4311,7 @@
           <a:p>
             <a:fld id="{C0C4FB13-012F-4037-81DA-501F3326904A}" type="datetimeFigureOut">
               <a:rPr lang="en-GB" smtClean="0"/>
-              <a:t>05/11/2019</a:t>
+              <a:t>06/11/2019</a:t>
             </a:fld>
             <a:endParaRPr lang="en-GB"/>
           </a:p>
@@ -4572,7 +4574,7 @@
           <a:p>
             <a:fld id="{C0C4FB13-012F-4037-81DA-501F3326904A}" type="datetimeFigureOut">
               <a:rPr lang="en-GB" smtClean="0"/>
-              <a:t>05/11/2019</a:t>
+              <a:t>06/11/2019</a:t>
             </a:fld>
             <a:endParaRPr lang="en-GB"/>
           </a:p>
@@ -5315,7 +5317,7 @@
           <a:p>
             <a:fld id="{C0C4FB13-012F-4037-81DA-501F3326904A}" type="datetimeFigureOut">
               <a:rPr lang="en-GB" smtClean="0"/>
-              <a:t>05/11/2019</a:t>
+              <a:t>06/11/2019</a:t>
             </a:fld>
             <a:endParaRPr lang="en-GB"/>
           </a:p>
@@ -5932,6 +5934,174 @@
           <p:cNvPr id="2" name="Titre 1">
             <a:extLst>
               <a:ext uri="{FF2B5EF4-FFF2-40B4-BE49-F238E27FC236}">
+                <a16:creationId xmlns:a16="http://schemas.microsoft.com/office/drawing/2014/main" id="{66EBE6C8-9DB4-4E67-B346-558031BB06E7}"/>
+              </a:ext>
+            </a:extLst>
+          </p:cNvPr>
+          <p:cNvSpPr>
+            <a:spLocks noGrp="1"/>
+          </p:cNvSpPr>
+          <p:nvPr>
+            <p:ph type="title"/>
+          </p:nvPr>
+        </p:nvSpPr>
+        <p:spPr/>
+        <p:txBody>
+          <a:bodyPr/>
+          <a:lstStyle/>
+          <a:p>
+            <a:r>
+              <a:rPr lang="fr-BE" dirty="0"/>
+              <a:t>L’héritage technique</a:t>
+            </a:r>
+            <a:endParaRPr lang="en-GB" dirty="0"/>
+          </a:p>
+        </p:txBody>
+      </p:sp>
+      <p:sp>
+        <p:nvSpPr>
+          <p:cNvPr id="3" name="Espace réservé du contenu 2">
+            <a:extLst>
+              <a:ext uri="{FF2B5EF4-FFF2-40B4-BE49-F238E27FC236}">
+                <a16:creationId xmlns:a16="http://schemas.microsoft.com/office/drawing/2014/main" id="{BB2066F6-54E7-4135-BB5E-C4FD1F8FDFB9}"/>
+              </a:ext>
+            </a:extLst>
+          </p:cNvPr>
+          <p:cNvSpPr>
+            <a:spLocks noGrp="1"/>
+          </p:cNvSpPr>
+          <p:nvPr>
+            <p:ph idx="1"/>
+          </p:nvPr>
+        </p:nvSpPr>
+        <p:spPr/>
+        <p:txBody>
+          <a:bodyPr/>
+          <a:lstStyle/>
+          <a:p>
+            <a:endParaRPr lang="en-GB"/>
+          </a:p>
+        </p:txBody>
+      </p:sp>
+    </p:spTree>
+    <p:extLst>
+      <p:ext uri="{BB962C8B-B14F-4D97-AF65-F5344CB8AC3E}">
+        <p14:creationId xmlns:p14="http://schemas.microsoft.com/office/powerpoint/2010/main" val="2669434403"/>
+      </p:ext>
+    </p:extLst>
+  </p:cSld>
+  <p:clrMapOvr>
+    <a:masterClrMapping/>
+  </p:clrMapOvr>
+</p:sld>
+</file>
+
+<file path=ppt/slides/slide11.xml><?xml version="1.0" encoding="utf-8"?>
+<p:sld xmlns:a="http://schemas.openxmlformats.org/drawingml/2006/main" xmlns:r="http://schemas.openxmlformats.org/officeDocument/2006/relationships" xmlns:p="http://schemas.openxmlformats.org/presentationml/2006/main">
+  <p:cSld>
+    <p:spTree>
+      <p:nvGrpSpPr>
+        <p:cNvPr id="1" name=""/>
+        <p:cNvGrpSpPr/>
+        <p:nvPr/>
+      </p:nvGrpSpPr>
+      <p:grpSpPr>
+        <a:xfrm>
+          <a:off x="0" y="0"/>
+          <a:ext cx="0" cy="0"/>
+          <a:chOff x="0" y="0"/>
+          <a:chExt cx="0" cy="0"/>
+        </a:xfrm>
+      </p:grpSpPr>
+      <p:sp>
+        <p:nvSpPr>
+          <p:cNvPr id="2" name="Titre 1">
+            <a:extLst>
+              <a:ext uri="{FF2B5EF4-FFF2-40B4-BE49-F238E27FC236}">
+                <a16:creationId xmlns:a16="http://schemas.microsoft.com/office/drawing/2014/main" id="{4ABD6729-ABA2-4010-8B86-1533EC7DA94B}"/>
+              </a:ext>
+            </a:extLst>
+          </p:cNvPr>
+          <p:cNvSpPr>
+            <a:spLocks noGrp="1"/>
+          </p:cNvSpPr>
+          <p:nvPr>
+            <p:ph type="title"/>
+          </p:nvPr>
+        </p:nvSpPr>
+        <p:spPr/>
+        <p:txBody>
+          <a:bodyPr/>
+          <a:lstStyle/>
+          <a:p>
+            <a:r>
+              <a:rPr lang="fr-BE" dirty="0"/>
+              <a:t>L’héritage polymorphique</a:t>
+            </a:r>
+            <a:endParaRPr lang="en-GB" dirty="0"/>
+          </a:p>
+        </p:txBody>
+      </p:sp>
+      <p:sp>
+        <p:nvSpPr>
+          <p:cNvPr id="3" name="Espace réservé du contenu 2">
+            <a:extLst>
+              <a:ext uri="{FF2B5EF4-FFF2-40B4-BE49-F238E27FC236}">
+                <a16:creationId xmlns:a16="http://schemas.microsoft.com/office/drawing/2014/main" id="{C9E3E511-720F-4FAC-9D46-A1F45F57DCF2}"/>
+              </a:ext>
+            </a:extLst>
+          </p:cNvPr>
+          <p:cNvSpPr>
+            <a:spLocks noGrp="1"/>
+          </p:cNvSpPr>
+          <p:nvPr>
+            <p:ph idx="1"/>
+          </p:nvPr>
+        </p:nvSpPr>
+        <p:spPr/>
+        <p:txBody>
+          <a:bodyPr/>
+          <a:lstStyle/>
+          <a:p>
+            <a:endParaRPr lang="en-GB"/>
+          </a:p>
+        </p:txBody>
+      </p:sp>
+    </p:spTree>
+    <p:extLst>
+      <p:ext uri="{BB962C8B-B14F-4D97-AF65-F5344CB8AC3E}">
+        <p14:creationId xmlns:p14="http://schemas.microsoft.com/office/powerpoint/2010/main" val="1154800508"/>
+      </p:ext>
+    </p:extLst>
+  </p:cSld>
+  <p:clrMapOvr>
+    <a:masterClrMapping/>
+  </p:clrMapOvr>
+</p:sld>
+</file>
+
+<file path=ppt/slides/slide12.xml><?xml version="1.0" encoding="utf-8"?>
+<p:sld xmlns:a="http://schemas.openxmlformats.org/drawingml/2006/main" xmlns:r="http://schemas.openxmlformats.org/officeDocument/2006/relationships" xmlns:p="http://schemas.openxmlformats.org/presentationml/2006/main">
+  <p:cSld>
+    <p:spTree>
+      <p:nvGrpSpPr>
+        <p:cNvPr id="1" name=""/>
+        <p:cNvGrpSpPr/>
+        <p:nvPr/>
+      </p:nvGrpSpPr>
+      <p:grpSpPr>
+        <a:xfrm>
+          <a:off x="0" y="0"/>
+          <a:ext cx="0" cy="0"/>
+          <a:chOff x="0" y="0"/>
+          <a:chExt cx="0" cy="0"/>
+        </a:xfrm>
+      </p:grpSpPr>
+      <p:sp>
+        <p:nvSpPr>
+          <p:cNvPr id="2" name="Titre 1">
+            <a:extLst>
+              <a:ext uri="{FF2B5EF4-FFF2-40B4-BE49-F238E27FC236}">
                 <a16:creationId xmlns:a16="http://schemas.microsoft.com/office/drawing/2014/main" id="{80D7D2F9-5224-4FE9-A77B-1B3A763426CF}"/>
               </a:ext>
             </a:extLst>
@@ -5998,7 +6168,7 @@
 </p:sld>
 </file>
 
-<file path=ppt/slides/slide11.xml><?xml version="1.0" encoding="utf-8"?>
+<file path=ppt/slides/slide13.xml><?xml version="1.0" encoding="utf-8"?>
 <p:sld xmlns:a="http://schemas.openxmlformats.org/drawingml/2006/main" xmlns:r="http://schemas.openxmlformats.org/officeDocument/2006/relationships" xmlns:p="http://schemas.openxmlformats.org/presentationml/2006/main">
   <p:cSld>
     <p:spTree>
@@ -6411,7 +6581,7 @@
         </p:nvSpPr>
         <p:spPr>
           <a:xfrm>
-            <a:off x="1123211" y="3251200"/>
+            <a:off x="4316346" y="3211443"/>
             <a:ext cx="1779654" cy="2862322"/>
           </a:xfrm>
           <a:prstGeom prst="rect">
@@ -6484,7 +6654,7 @@
           <p:cNvPr id="2" name="Titre 1">
             <a:extLst>
               <a:ext uri="{FF2B5EF4-FFF2-40B4-BE49-F238E27FC236}">
-                <a16:creationId xmlns:a16="http://schemas.microsoft.com/office/drawing/2014/main" id="{95B16E25-C0EB-495D-BBD3-35E721FFDA88}"/>
+                <a16:creationId xmlns:a16="http://schemas.microsoft.com/office/drawing/2014/main" id="{3D7AAB52-8373-4924-A36A-B3AB822AD7DD}"/>
               </a:ext>
             </a:extLst>
           </p:cNvPr>
@@ -6502,44 +6672,48 @@
           <a:p>
             <a:r>
               <a:rPr lang="fr-BE" dirty="0"/>
-              <a:t>Présentation des méthode de Go</a:t>
+              <a:t>A quoi ressemble le Go</a:t>
             </a:r>
             <a:endParaRPr lang="en-GB" dirty="0"/>
           </a:p>
         </p:txBody>
       </p:sp>
-      <p:sp>
-        <p:nvSpPr>
-          <p:cNvPr id="3" name="Espace réservé du contenu 2">
+      <p:pic>
+        <p:nvPicPr>
+          <p:cNvPr id="4" name="Espace réservé du contenu 3">
             <a:extLst>
               <a:ext uri="{FF2B5EF4-FFF2-40B4-BE49-F238E27FC236}">
-                <a16:creationId xmlns:a16="http://schemas.microsoft.com/office/drawing/2014/main" id="{F27CE61F-A01C-4C71-A30B-C8BA1CF27FA2}"/>
+                <a16:creationId xmlns:a16="http://schemas.microsoft.com/office/drawing/2014/main" id="{C3578F35-8D4E-4404-B511-027C6871B66B}"/>
               </a:ext>
             </a:extLst>
           </p:cNvPr>
-          <p:cNvSpPr>
-            <a:spLocks noGrp="1"/>
-          </p:cNvSpPr>
+          <p:cNvPicPr>
+            <a:picLocks noGrp="1" noChangeAspect="1"/>
+          </p:cNvPicPr>
           <p:nvPr>
             <p:ph idx="1"/>
           </p:nvPr>
-        </p:nvSpPr>
-        <p:spPr/>
-        <p:txBody>
-          <a:bodyPr/>
-          <a:lstStyle/>
-          <a:p>
-            <a:pPr marL="0" indent="0">
-              <a:buNone/>
-            </a:pPr>
-            <a:endParaRPr lang="en-GB" dirty="0"/>
-          </a:p>
-        </p:txBody>
-      </p:sp>
+        </p:nvPicPr>
+        <p:blipFill>
+          <a:blip r:embed="rId2"/>
+          <a:stretch>
+            <a:fillRect/>
+          </a:stretch>
+        </p:blipFill>
+        <p:spPr>
+          <a:xfrm>
+            <a:off x="2041967" y="1930399"/>
+            <a:ext cx="6902527" cy="3652961"/>
+          </a:xfrm>
+          <a:prstGeom prst="rect">
+            <a:avLst/>
+          </a:prstGeom>
+        </p:spPr>
+      </p:pic>
     </p:spTree>
     <p:extLst>
       <p:ext uri="{BB962C8B-B14F-4D97-AF65-F5344CB8AC3E}">
-        <p14:creationId xmlns:p14="http://schemas.microsoft.com/office/powerpoint/2010/main" val="1121502650"/>
+        <p14:creationId xmlns:p14="http://schemas.microsoft.com/office/powerpoint/2010/main" val="90311343"/>
       </p:ext>
     </p:extLst>
   </p:cSld>
@@ -6571,7 +6745,7 @@
           <p:cNvPr id="2" name="Titre 1">
             <a:extLst>
               <a:ext uri="{FF2B5EF4-FFF2-40B4-BE49-F238E27FC236}">
-                <a16:creationId xmlns:a16="http://schemas.microsoft.com/office/drawing/2014/main" id="{5978B74E-A0A2-4C0B-B747-45DD717F3329}"/>
+                <a16:creationId xmlns:a16="http://schemas.microsoft.com/office/drawing/2014/main" id="{1033897A-7CC2-444E-9046-254EB4140B3A}"/>
               </a:ext>
             </a:extLst>
           </p:cNvPr>
@@ -6589,7 +6763,7 @@
           <a:p>
             <a:r>
               <a:rPr lang="fr-BE" dirty="0"/>
-              <a:t>Les pointeurs</a:t>
+              <a:t>Les types</a:t>
             </a:r>
             <a:endParaRPr lang="en-GB" dirty="0"/>
           </a:p>
@@ -6600,7 +6774,7 @@
           <p:cNvPr id="3" name="Espace réservé du contenu 2">
             <a:extLst>
               <a:ext uri="{FF2B5EF4-FFF2-40B4-BE49-F238E27FC236}">
-                <a16:creationId xmlns:a16="http://schemas.microsoft.com/office/drawing/2014/main" id="{593BE356-8E6C-4999-A34A-A6E8ABE3E79E}"/>
+                <a16:creationId xmlns:a16="http://schemas.microsoft.com/office/drawing/2014/main" id="{211B47A5-E969-48A9-ACA7-CF4EE83476FF}"/>
               </a:ext>
             </a:extLst>
           </p:cNvPr>
@@ -6623,7 +6797,7 @@
     </p:spTree>
     <p:extLst>
       <p:ext uri="{BB962C8B-B14F-4D97-AF65-F5344CB8AC3E}">
-        <p14:creationId xmlns:p14="http://schemas.microsoft.com/office/powerpoint/2010/main" val="3572310076"/>
+        <p14:creationId xmlns:p14="http://schemas.microsoft.com/office/powerpoint/2010/main" val="1770267541"/>
       </p:ext>
     </p:extLst>
   </p:cSld>
@@ -6655,7 +6829,7 @@
           <p:cNvPr id="2" name="Titre 1">
             <a:extLst>
               <a:ext uri="{FF2B5EF4-FFF2-40B4-BE49-F238E27FC236}">
-                <a16:creationId xmlns:a16="http://schemas.microsoft.com/office/drawing/2014/main" id="{3314784D-93FF-4F82-BD30-D98E7B615DC2}"/>
+                <a16:creationId xmlns:a16="http://schemas.microsoft.com/office/drawing/2014/main" id="{95B16E25-C0EB-495D-BBD3-35E721FFDA88}"/>
               </a:ext>
             </a:extLst>
           </p:cNvPr>
@@ -6673,7 +6847,7 @@
           <a:p>
             <a:r>
               <a:rPr lang="fr-BE" dirty="0"/>
-              <a:t>Interfaces</a:t>
+              <a:t>Présentation des méthode de Go</a:t>
             </a:r>
             <a:endParaRPr lang="en-GB" dirty="0"/>
           </a:p>
@@ -6684,7 +6858,7 @@
           <p:cNvPr id="3" name="Espace réservé du contenu 2">
             <a:extLst>
               <a:ext uri="{FF2B5EF4-FFF2-40B4-BE49-F238E27FC236}">
-                <a16:creationId xmlns:a16="http://schemas.microsoft.com/office/drawing/2014/main" id="{F22A988F-7192-44E1-A77C-168BCE84EB9E}"/>
+                <a16:creationId xmlns:a16="http://schemas.microsoft.com/office/drawing/2014/main" id="{F27CE61F-A01C-4C71-A30B-C8BA1CF27FA2}"/>
               </a:ext>
             </a:extLst>
           </p:cNvPr>
@@ -6700,6 +6874,9 @@
           <a:bodyPr/>
           <a:lstStyle/>
           <a:p>
+            <a:pPr marL="0" indent="0">
+              <a:buNone/>
+            </a:pPr>
             <a:endParaRPr lang="en-GB" dirty="0"/>
           </a:p>
         </p:txBody>
@@ -6707,7 +6884,7 @@
     </p:spTree>
     <p:extLst>
       <p:ext uri="{BB962C8B-B14F-4D97-AF65-F5344CB8AC3E}">
-        <p14:creationId xmlns:p14="http://schemas.microsoft.com/office/powerpoint/2010/main" val="2760514093"/>
+        <p14:creationId xmlns:p14="http://schemas.microsoft.com/office/powerpoint/2010/main" val="1121502650"/>
       </p:ext>
     </p:extLst>
   </p:cSld>
@@ -6739,7 +6916,7 @@
           <p:cNvPr id="2" name="Titre 1">
             <a:extLst>
               <a:ext uri="{FF2B5EF4-FFF2-40B4-BE49-F238E27FC236}">
-                <a16:creationId xmlns:a16="http://schemas.microsoft.com/office/drawing/2014/main" id="{9AF73BF0-0057-42CB-8970-ED1DD7B6ABCD}"/>
+                <a16:creationId xmlns:a16="http://schemas.microsoft.com/office/drawing/2014/main" id="{5978B74E-A0A2-4C0B-B747-45DD717F3329}"/>
               </a:ext>
             </a:extLst>
           </p:cNvPr>
@@ -6757,7 +6934,7 @@
           <a:p>
             <a:r>
               <a:rPr lang="fr-BE" dirty="0"/>
-              <a:t>Rappel principe fondamentaux de l’orienté objet</a:t>
+              <a:t>Les pointeurs</a:t>
             </a:r>
             <a:endParaRPr lang="en-GB" dirty="0"/>
           </a:p>
@@ -6768,7 +6945,7 @@
           <p:cNvPr id="3" name="Espace réservé du contenu 2">
             <a:extLst>
               <a:ext uri="{FF2B5EF4-FFF2-40B4-BE49-F238E27FC236}">
-                <a16:creationId xmlns:a16="http://schemas.microsoft.com/office/drawing/2014/main" id="{232F5410-CC02-4A25-8206-87C63996CD31}"/>
+                <a16:creationId xmlns:a16="http://schemas.microsoft.com/office/drawing/2014/main" id="{593BE356-8E6C-4999-A34A-A6E8ABE3E79E}"/>
               </a:ext>
             </a:extLst>
           </p:cNvPr>
@@ -6791,7 +6968,7 @@
     </p:spTree>
     <p:extLst>
       <p:ext uri="{BB962C8B-B14F-4D97-AF65-F5344CB8AC3E}">
-        <p14:creationId xmlns:p14="http://schemas.microsoft.com/office/powerpoint/2010/main" val="2737349872"/>
+        <p14:creationId xmlns:p14="http://schemas.microsoft.com/office/powerpoint/2010/main" val="3572310076"/>
       </p:ext>
     </p:extLst>
   </p:cSld>
@@ -6823,7 +7000,7 @@
           <p:cNvPr id="2" name="Titre 1">
             <a:extLst>
               <a:ext uri="{FF2B5EF4-FFF2-40B4-BE49-F238E27FC236}">
-                <a16:creationId xmlns:a16="http://schemas.microsoft.com/office/drawing/2014/main" id="{66EBE6C8-9DB4-4E67-B346-558031BB06E7}"/>
+                <a16:creationId xmlns:a16="http://schemas.microsoft.com/office/drawing/2014/main" id="{3314784D-93FF-4F82-BD30-D98E7B615DC2}"/>
               </a:ext>
             </a:extLst>
           </p:cNvPr>
@@ -6841,7 +7018,7 @@
           <a:p>
             <a:r>
               <a:rPr lang="fr-BE" dirty="0"/>
-              <a:t>L’héritage technique</a:t>
+              <a:t>Interfaces</a:t>
             </a:r>
             <a:endParaRPr lang="en-GB" dirty="0"/>
           </a:p>
@@ -6852,7 +7029,7 @@
           <p:cNvPr id="3" name="Espace réservé du contenu 2">
             <a:extLst>
               <a:ext uri="{FF2B5EF4-FFF2-40B4-BE49-F238E27FC236}">
-                <a16:creationId xmlns:a16="http://schemas.microsoft.com/office/drawing/2014/main" id="{BB2066F6-54E7-4135-BB5E-C4FD1F8FDFB9}"/>
+                <a16:creationId xmlns:a16="http://schemas.microsoft.com/office/drawing/2014/main" id="{F22A988F-7192-44E1-A77C-168BCE84EB9E}"/>
               </a:ext>
             </a:extLst>
           </p:cNvPr>
@@ -6868,14 +7045,14 @@
           <a:bodyPr/>
           <a:lstStyle/>
           <a:p>
-            <a:endParaRPr lang="en-GB"/>
+            <a:endParaRPr lang="en-GB" dirty="0"/>
           </a:p>
         </p:txBody>
       </p:sp>
     </p:spTree>
     <p:extLst>
       <p:ext uri="{BB962C8B-B14F-4D97-AF65-F5344CB8AC3E}">
-        <p14:creationId xmlns:p14="http://schemas.microsoft.com/office/powerpoint/2010/main" val="2669434403"/>
+        <p14:creationId xmlns:p14="http://schemas.microsoft.com/office/powerpoint/2010/main" val="2760514093"/>
       </p:ext>
     </p:extLst>
   </p:cSld>
@@ -6907,7 +7084,7 @@
           <p:cNvPr id="2" name="Titre 1">
             <a:extLst>
               <a:ext uri="{FF2B5EF4-FFF2-40B4-BE49-F238E27FC236}">
-                <a16:creationId xmlns:a16="http://schemas.microsoft.com/office/drawing/2014/main" id="{4ABD6729-ABA2-4010-8B86-1533EC7DA94B}"/>
+                <a16:creationId xmlns:a16="http://schemas.microsoft.com/office/drawing/2014/main" id="{9AF73BF0-0057-42CB-8970-ED1DD7B6ABCD}"/>
               </a:ext>
             </a:extLst>
           </p:cNvPr>
@@ -6925,7 +7102,7 @@
           <a:p>
             <a:r>
               <a:rPr lang="fr-BE" dirty="0"/>
-              <a:t>L’héritage polymorphique</a:t>
+              <a:t>Rappel principe fondamentaux de l’orienté objet</a:t>
             </a:r>
             <a:endParaRPr lang="en-GB" dirty="0"/>
           </a:p>
@@ -6936,7 +7113,7 @@
           <p:cNvPr id="3" name="Espace réservé du contenu 2">
             <a:extLst>
               <a:ext uri="{FF2B5EF4-FFF2-40B4-BE49-F238E27FC236}">
-                <a16:creationId xmlns:a16="http://schemas.microsoft.com/office/drawing/2014/main" id="{C9E3E511-720F-4FAC-9D46-A1F45F57DCF2}"/>
+                <a16:creationId xmlns:a16="http://schemas.microsoft.com/office/drawing/2014/main" id="{232F5410-CC02-4A25-8206-87C63996CD31}"/>
               </a:ext>
             </a:extLst>
           </p:cNvPr>
@@ -6952,14 +7129,14 @@
           <a:bodyPr/>
           <a:lstStyle/>
           <a:p>
-            <a:endParaRPr lang="en-GB"/>
+            <a:endParaRPr lang="en-GB" dirty="0"/>
           </a:p>
         </p:txBody>
       </p:sp>
     </p:spTree>
     <p:extLst>
       <p:ext uri="{BB962C8B-B14F-4D97-AF65-F5344CB8AC3E}">
-        <p14:creationId xmlns:p14="http://schemas.microsoft.com/office/powerpoint/2010/main" val="1154800508"/>
+        <p14:creationId xmlns:p14="http://schemas.microsoft.com/office/powerpoint/2010/main" val="2737349872"/>
       </p:ext>
     </p:extLst>
   </p:cSld>

--- a/PPT/OOPAndGo.pptx
+++ b/PPT/OOPAndGo.pptx
@@ -10,8 +10,8 @@
     <p:sldId id="259" r:id="rId4"/>
     <p:sldId id="268" r:id="rId5"/>
     <p:sldId id="269" r:id="rId6"/>
-    <p:sldId id="260" r:id="rId7"/>
-    <p:sldId id="261" r:id="rId8"/>
+    <p:sldId id="261" r:id="rId7"/>
+    <p:sldId id="260" r:id="rId8"/>
     <p:sldId id="262" r:id="rId9"/>
     <p:sldId id="263" r:id="rId10"/>
     <p:sldId id="264" r:id="rId11"/>
@@ -6769,31 +6769,38 @@
           </a:p>
         </p:txBody>
       </p:sp>
-      <p:sp>
-        <p:nvSpPr>
-          <p:cNvPr id="3" name="Espace réservé du contenu 2">
+      <p:pic>
+        <p:nvPicPr>
+          <p:cNvPr id="6" name="Espace réservé du contenu 5">
             <a:extLst>
               <a:ext uri="{FF2B5EF4-FFF2-40B4-BE49-F238E27FC236}">
-                <a16:creationId xmlns:a16="http://schemas.microsoft.com/office/drawing/2014/main" id="{211B47A5-E969-48A9-ACA7-CF4EE83476FF}"/>
+                <a16:creationId xmlns:a16="http://schemas.microsoft.com/office/drawing/2014/main" id="{405E9C2F-C3C5-4C60-8F27-2086E85C7052}"/>
               </a:ext>
             </a:extLst>
           </p:cNvPr>
-          <p:cNvSpPr>
-            <a:spLocks noGrp="1"/>
-          </p:cNvSpPr>
+          <p:cNvPicPr>
+            <a:picLocks noGrp="1" noChangeAspect="1"/>
+          </p:cNvPicPr>
           <p:nvPr>
             <p:ph idx="1"/>
           </p:nvPr>
-        </p:nvSpPr>
-        <p:spPr/>
-        <p:txBody>
-          <a:bodyPr/>
-          <a:lstStyle/>
-          <a:p>
-            <a:endParaRPr lang="en-GB" dirty="0"/>
-          </a:p>
-        </p:txBody>
-      </p:sp>
+        </p:nvPicPr>
+        <p:blipFill>
+          <a:blip r:embed="rId2"/>
+          <a:stretch>
+            <a:fillRect/>
+          </a:stretch>
+        </p:blipFill>
+        <p:spPr>
+          <a:xfrm>
+            <a:off x="1414708" y="1586288"/>
+            <a:ext cx="7859294" cy="4662112"/>
+          </a:xfrm>
+          <a:prstGeom prst="rect">
+            <a:avLst/>
+          </a:prstGeom>
+        </p:spPr>
+      </p:pic>
     </p:spTree>
     <p:extLst>
       <p:ext uri="{BB962C8B-B14F-4D97-AF65-F5344CB8AC3E}">
@@ -6829,7 +6836,7 @@
           <p:cNvPr id="2" name="Titre 1">
             <a:extLst>
               <a:ext uri="{FF2B5EF4-FFF2-40B4-BE49-F238E27FC236}">
-                <a16:creationId xmlns:a16="http://schemas.microsoft.com/office/drawing/2014/main" id="{95B16E25-C0EB-495D-BBD3-35E721FFDA88}"/>
+                <a16:creationId xmlns:a16="http://schemas.microsoft.com/office/drawing/2014/main" id="{5978B74E-A0A2-4C0B-B747-45DD717F3329}"/>
               </a:ext>
             </a:extLst>
           </p:cNvPr>
@@ -6847,44 +6854,48 @@
           <a:p>
             <a:r>
               <a:rPr lang="fr-BE" dirty="0"/>
-              <a:t>Présentation des méthode de Go</a:t>
+              <a:t>Les pointeurs</a:t>
             </a:r>
             <a:endParaRPr lang="en-GB" dirty="0"/>
           </a:p>
         </p:txBody>
       </p:sp>
-      <p:sp>
-        <p:nvSpPr>
-          <p:cNvPr id="3" name="Espace réservé du contenu 2">
+      <p:pic>
+        <p:nvPicPr>
+          <p:cNvPr id="4" name="Espace réservé du contenu 3">
             <a:extLst>
               <a:ext uri="{FF2B5EF4-FFF2-40B4-BE49-F238E27FC236}">
-                <a16:creationId xmlns:a16="http://schemas.microsoft.com/office/drawing/2014/main" id="{F27CE61F-A01C-4C71-A30B-C8BA1CF27FA2}"/>
+                <a16:creationId xmlns:a16="http://schemas.microsoft.com/office/drawing/2014/main" id="{7CF88294-6487-4F8F-BD59-283B718BC264}"/>
               </a:ext>
             </a:extLst>
           </p:cNvPr>
-          <p:cNvSpPr>
-            <a:spLocks noGrp="1"/>
-          </p:cNvSpPr>
+          <p:cNvPicPr>
+            <a:picLocks noGrp="1" noChangeAspect="1"/>
+          </p:cNvPicPr>
           <p:nvPr>
             <p:ph idx="1"/>
           </p:nvPr>
-        </p:nvSpPr>
-        <p:spPr/>
-        <p:txBody>
-          <a:bodyPr/>
-          <a:lstStyle/>
-          <a:p>
-            <a:pPr marL="0" indent="0">
-              <a:buNone/>
-            </a:pPr>
-            <a:endParaRPr lang="en-GB" dirty="0"/>
-          </a:p>
-        </p:txBody>
-      </p:sp>
+        </p:nvPicPr>
+        <p:blipFill>
+          <a:blip r:embed="rId2"/>
+          <a:stretch>
+            <a:fillRect/>
+          </a:stretch>
+        </p:blipFill>
+        <p:spPr>
+          <a:xfrm>
+            <a:off x="905244" y="2160588"/>
+            <a:ext cx="8141550" cy="3881437"/>
+          </a:xfrm>
+          <a:prstGeom prst="rect">
+            <a:avLst/>
+          </a:prstGeom>
+        </p:spPr>
+      </p:pic>
     </p:spTree>
     <p:extLst>
       <p:ext uri="{BB962C8B-B14F-4D97-AF65-F5344CB8AC3E}">
-        <p14:creationId xmlns:p14="http://schemas.microsoft.com/office/powerpoint/2010/main" val="1121502650"/>
+        <p14:creationId xmlns:p14="http://schemas.microsoft.com/office/powerpoint/2010/main" val="3572310076"/>
       </p:ext>
     </p:extLst>
   </p:cSld>
@@ -6916,7 +6927,7 @@
           <p:cNvPr id="2" name="Titre 1">
             <a:extLst>
               <a:ext uri="{FF2B5EF4-FFF2-40B4-BE49-F238E27FC236}">
-                <a16:creationId xmlns:a16="http://schemas.microsoft.com/office/drawing/2014/main" id="{5978B74E-A0A2-4C0B-B747-45DD717F3329}"/>
+                <a16:creationId xmlns:a16="http://schemas.microsoft.com/office/drawing/2014/main" id="{95B16E25-C0EB-495D-BBD3-35E721FFDA88}"/>
               </a:ext>
             </a:extLst>
           </p:cNvPr>
@@ -6934,7 +6945,7 @@
           <a:p>
             <a:r>
               <a:rPr lang="fr-BE" dirty="0"/>
-              <a:t>Les pointeurs</a:t>
+              <a:t>Les méthode en Go</a:t>
             </a:r>
             <a:endParaRPr lang="en-GB" dirty="0"/>
           </a:p>
@@ -6945,7 +6956,7 @@
           <p:cNvPr id="3" name="Espace réservé du contenu 2">
             <a:extLst>
               <a:ext uri="{FF2B5EF4-FFF2-40B4-BE49-F238E27FC236}">
-                <a16:creationId xmlns:a16="http://schemas.microsoft.com/office/drawing/2014/main" id="{593BE356-8E6C-4999-A34A-A6E8ABE3E79E}"/>
+                <a16:creationId xmlns:a16="http://schemas.microsoft.com/office/drawing/2014/main" id="{F27CE61F-A01C-4C71-A30B-C8BA1CF27FA2}"/>
               </a:ext>
             </a:extLst>
           </p:cNvPr>
@@ -6961,6 +6972,9 @@
           <a:bodyPr/>
           <a:lstStyle/>
           <a:p>
+            <a:pPr marL="0" indent="0">
+              <a:buNone/>
+            </a:pPr>
             <a:endParaRPr lang="en-GB" dirty="0"/>
           </a:p>
         </p:txBody>
@@ -6968,7 +6982,7 @@
     </p:spTree>
     <p:extLst>
       <p:ext uri="{BB962C8B-B14F-4D97-AF65-F5344CB8AC3E}">
-        <p14:creationId xmlns:p14="http://schemas.microsoft.com/office/powerpoint/2010/main" val="3572310076"/>
+        <p14:creationId xmlns:p14="http://schemas.microsoft.com/office/powerpoint/2010/main" val="1121502650"/>
       </p:ext>
     </p:extLst>
   </p:cSld>

--- a/PPT/OOPAndGo.pptx
+++ b/PPT/OOPAndGo.pptx
@@ -4,6 +4,9 @@
   <p:sldMasterIdLst>
     <p:sldMasterId id="2147483660" r:id="rId1"/>
   </p:sldMasterIdLst>
+  <p:notesMasterIdLst>
+    <p:notesMasterId r:id="rId18"/>
+  </p:notesMasterIdLst>
   <p:sldIdLst>
     <p:sldId id="256" r:id="rId2"/>
     <p:sldId id="257" r:id="rId3"/>
@@ -12,12 +15,15 @@
     <p:sldId id="269" r:id="rId6"/>
     <p:sldId id="261" r:id="rId7"/>
     <p:sldId id="260" r:id="rId8"/>
-    <p:sldId id="262" r:id="rId9"/>
-    <p:sldId id="263" r:id="rId10"/>
-    <p:sldId id="264" r:id="rId11"/>
-    <p:sldId id="265" r:id="rId12"/>
-    <p:sldId id="266" r:id="rId13"/>
-    <p:sldId id="267" r:id="rId14"/>
+    <p:sldId id="270" r:id="rId9"/>
+    <p:sldId id="271" r:id="rId10"/>
+    <p:sldId id="272" r:id="rId11"/>
+    <p:sldId id="262" r:id="rId12"/>
+    <p:sldId id="263" r:id="rId13"/>
+    <p:sldId id="264" r:id="rId14"/>
+    <p:sldId id="265" r:id="rId15"/>
+    <p:sldId id="266" r:id="rId16"/>
+    <p:sldId id="267" r:id="rId17"/>
   </p:sldIdLst>
   <p:sldSz cx="12192000" cy="6858000"/>
   <p:notesSz cx="6858000" cy="9144000"/>
@@ -122,6 +128,458 @@
     </p:ext>
   </p:extLst>
 </p:presentation>
+</file>
+
+<file path=ppt/notesMasters/notesMaster1.xml><?xml version="1.0" encoding="utf-8"?>
+<p:notesMaster xmlns:a="http://schemas.openxmlformats.org/drawingml/2006/main" xmlns:r="http://schemas.openxmlformats.org/officeDocument/2006/relationships" xmlns:p="http://schemas.openxmlformats.org/presentationml/2006/main">
+  <p:cSld>
+    <p:bg>
+      <p:bgRef idx="1001">
+        <a:schemeClr val="bg1"/>
+      </p:bgRef>
+    </p:bg>
+    <p:spTree>
+      <p:nvGrpSpPr>
+        <p:cNvPr id="1" name=""/>
+        <p:cNvGrpSpPr/>
+        <p:nvPr/>
+      </p:nvGrpSpPr>
+      <p:grpSpPr>
+        <a:xfrm>
+          <a:off x="0" y="0"/>
+          <a:ext cx="0" cy="0"/>
+          <a:chOff x="0" y="0"/>
+          <a:chExt cx="0" cy="0"/>
+        </a:xfrm>
+      </p:grpSpPr>
+      <p:sp>
+        <p:nvSpPr>
+          <p:cNvPr id="2" name="Espace réservé de l'en-tête 1"/>
+          <p:cNvSpPr>
+            <a:spLocks noGrp="1"/>
+          </p:cNvSpPr>
+          <p:nvPr>
+            <p:ph type="hdr" sz="quarter"/>
+          </p:nvPr>
+        </p:nvSpPr>
+        <p:spPr>
+          <a:xfrm>
+            <a:off x="0" y="0"/>
+            <a:ext cx="2971800" cy="458788"/>
+          </a:xfrm>
+          <a:prstGeom prst="rect">
+            <a:avLst/>
+          </a:prstGeom>
+        </p:spPr>
+        <p:txBody>
+          <a:bodyPr vert="horz" lIns="91440" tIns="45720" rIns="91440" bIns="45720" rtlCol="0"/>
+          <a:lstStyle>
+            <a:lvl1pPr algn="l">
+              <a:defRPr sz="1200"/>
+            </a:lvl1pPr>
+          </a:lstStyle>
+          <a:p>
+            <a:endParaRPr lang="en-GB"/>
+          </a:p>
+        </p:txBody>
+      </p:sp>
+      <p:sp>
+        <p:nvSpPr>
+          <p:cNvPr id="3" name="Espace réservé de la date 2"/>
+          <p:cNvSpPr>
+            <a:spLocks noGrp="1"/>
+          </p:cNvSpPr>
+          <p:nvPr>
+            <p:ph type="dt" idx="1"/>
+          </p:nvPr>
+        </p:nvSpPr>
+        <p:spPr>
+          <a:xfrm>
+            <a:off x="3884613" y="0"/>
+            <a:ext cx="2971800" cy="458788"/>
+          </a:xfrm>
+          <a:prstGeom prst="rect">
+            <a:avLst/>
+          </a:prstGeom>
+        </p:spPr>
+        <p:txBody>
+          <a:bodyPr vert="horz" lIns="91440" tIns="45720" rIns="91440" bIns="45720" rtlCol="0"/>
+          <a:lstStyle>
+            <a:lvl1pPr algn="r">
+              <a:defRPr sz="1200"/>
+            </a:lvl1pPr>
+          </a:lstStyle>
+          <a:p>
+            <a:fld id="{5704045B-0300-40B8-906E-48019F9F7CEB}" type="datetimeFigureOut">
+              <a:rPr lang="en-GB" smtClean="0"/>
+              <a:t>07/11/2019</a:t>
+            </a:fld>
+            <a:endParaRPr lang="en-GB"/>
+          </a:p>
+        </p:txBody>
+      </p:sp>
+      <p:sp>
+        <p:nvSpPr>
+          <p:cNvPr id="4" name="Espace réservé de l'image des diapositives 3"/>
+          <p:cNvSpPr>
+            <a:spLocks noGrp="1" noRot="1" noChangeAspect="1"/>
+          </p:cNvSpPr>
+          <p:nvPr>
+            <p:ph type="sldImg" idx="2"/>
+          </p:nvPr>
+        </p:nvSpPr>
+        <p:spPr>
+          <a:xfrm>
+            <a:off x="685800" y="1143000"/>
+            <a:ext cx="5486400" cy="3086100"/>
+          </a:xfrm>
+          <a:prstGeom prst="rect">
+            <a:avLst/>
+          </a:prstGeom>
+          <a:noFill/>
+          <a:ln w="12700">
+            <a:solidFill>
+              <a:prstClr val="black"/>
+            </a:solidFill>
+          </a:ln>
+        </p:spPr>
+        <p:txBody>
+          <a:bodyPr vert="horz" lIns="91440" tIns="45720" rIns="91440" bIns="45720" rtlCol="0" anchor="ctr"/>
+          <a:lstStyle/>
+          <a:p>
+            <a:endParaRPr lang="en-GB"/>
+          </a:p>
+        </p:txBody>
+      </p:sp>
+      <p:sp>
+        <p:nvSpPr>
+          <p:cNvPr id="5" name="Espace réservé des notes 4"/>
+          <p:cNvSpPr>
+            <a:spLocks noGrp="1"/>
+          </p:cNvSpPr>
+          <p:nvPr>
+            <p:ph type="body" sz="quarter" idx="3"/>
+          </p:nvPr>
+        </p:nvSpPr>
+        <p:spPr>
+          <a:xfrm>
+            <a:off x="685800" y="4400550"/>
+            <a:ext cx="5486400" cy="3600450"/>
+          </a:xfrm>
+          <a:prstGeom prst="rect">
+            <a:avLst/>
+          </a:prstGeom>
+        </p:spPr>
+        <p:txBody>
+          <a:bodyPr vert="horz" lIns="91440" tIns="45720" rIns="91440" bIns="45720" rtlCol="0"/>
+          <a:lstStyle/>
+          <a:p>
+            <a:pPr lvl="0"/>
+            <a:r>
+              <a:rPr lang="fr-FR"/>
+              <a:t>Cliquez pour modifier les styles du texte du masque</a:t>
+            </a:r>
+          </a:p>
+          <a:p>
+            <a:pPr lvl="1"/>
+            <a:r>
+              <a:rPr lang="fr-FR"/>
+              <a:t>Deuxième niveau</a:t>
+            </a:r>
+          </a:p>
+          <a:p>
+            <a:pPr lvl="2"/>
+            <a:r>
+              <a:rPr lang="fr-FR"/>
+              <a:t>Troisième niveau</a:t>
+            </a:r>
+          </a:p>
+          <a:p>
+            <a:pPr lvl="3"/>
+            <a:r>
+              <a:rPr lang="fr-FR"/>
+              <a:t>Quatrième niveau</a:t>
+            </a:r>
+          </a:p>
+          <a:p>
+            <a:pPr lvl="4"/>
+            <a:r>
+              <a:rPr lang="fr-FR"/>
+              <a:t>Cinquième niveau</a:t>
+            </a:r>
+            <a:endParaRPr lang="en-GB"/>
+          </a:p>
+        </p:txBody>
+      </p:sp>
+      <p:sp>
+        <p:nvSpPr>
+          <p:cNvPr id="6" name="Espace réservé du pied de page 5"/>
+          <p:cNvSpPr>
+            <a:spLocks noGrp="1"/>
+          </p:cNvSpPr>
+          <p:nvPr>
+            <p:ph type="ftr" sz="quarter" idx="4"/>
+          </p:nvPr>
+        </p:nvSpPr>
+        <p:spPr>
+          <a:xfrm>
+            <a:off x="0" y="8685213"/>
+            <a:ext cx="2971800" cy="458787"/>
+          </a:xfrm>
+          <a:prstGeom prst="rect">
+            <a:avLst/>
+          </a:prstGeom>
+        </p:spPr>
+        <p:txBody>
+          <a:bodyPr vert="horz" lIns="91440" tIns="45720" rIns="91440" bIns="45720" rtlCol="0" anchor="b"/>
+          <a:lstStyle>
+            <a:lvl1pPr algn="l">
+              <a:defRPr sz="1200"/>
+            </a:lvl1pPr>
+          </a:lstStyle>
+          <a:p>
+            <a:endParaRPr lang="en-GB"/>
+          </a:p>
+        </p:txBody>
+      </p:sp>
+      <p:sp>
+        <p:nvSpPr>
+          <p:cNvPr id="7" name="Espace réservé du numéro de diapositive 6"/>
+          <p:cNvSpPr>
+            <a:spLocks noGrp="1"/>
+          </p:cNvSpPr>
+          <p:nvPr>
+            <p:ph type="sldNum" sz="quarter" idx="5"/>
+          </p:nvPr>
+        </p:nvSpPr>
+        <p:spPr>
+          <a:xfrm>
+            <a:off x="3884613" y="8685213"/>
+            <a:ext cx="2971800" cy="458787"/>
+          </a:xfrm>
+          <a:prstGeom prst="rect">
+            <a:avLst/>
+          </a:prstGeom>
+        </p:spPr>
+        <p:txBody>
+          <a:bodyPr vert="horz" lIns="91440" tIns="45720" rIns="91440" bIns="45720" rtlCol="0" anchor="b"/>
+          <a:lstStyle>
+            <a:lvl1pPr algn="r">
+              <a:defRPr sz="1200"/>
+            </a:lvl1pPr>
+          </a:lstStyle>
+          <a:p>
+            <a:fld id="{1B53981D-5C0D-4CFE-94CA-015F2E8A5858}" type="slidenum">
+              <a:rPr lang="en-GB" smtClean="0"/>
+              <a:t>‹N°›</a:t>
+            </a:fld>
+            <a:endParaRPr lang="en-GB"/>
+          </a:p>
+        </p:txBody>
+      </p:sp>
+    </p:spTree>
+    <p:extLst>
+      <p:ext uri="{BB962C8B-B14F-4D97-AF65-F5344CB8AC3E}">
+        <p14:creationId xmlns:p14="http://schemas.microsoft.com/office/powerpoint/2010/main" val="3168503490"/>
+      </p:ext>
+    </p:extLst>
+  </p:cSld>
+  <p:clrMap bg1="lt1" tx1="dk1" bg2="lt2" tx2="dk2" accent1="accent1" accent2="accent2" accent3="accent3" accent4="accent4" accent5="accent5" accent6="accent6" hlink="hlink" folHlink="folHlink"/>
+  <p:notesStyle>
+    <a:lvl1pPr marL="0" algn="l" defTabSz="914400" rtl="0" eaLnBrk="1" latinLnBrk="0" hangingPunct="1">
+      <a:defRPr sz="1200" kern="1200">
+        <a:solidFill>
+          <a:schemeClr val="tx1"/>
+        </a:solidFill>
+        <a:latin typeface="+mn-lt"/>
+        <a:ea typeface="+mn-ea"/>
+        <a:cs typeface="+mn-cs"/>
+      </a:defRPr>
+    </a:lvl1pPr>
+    <a:lvl2pPr marL="457200" algn="l" defTabSz="914400" rtl="0" eaLnBrk="1" latinLnBrk="0" hangingPunct="1">
+      <a:defRPr sz="1200" kern="1200">
+        <a:solidFill>
+          <a:schemeClr val="tx1"/>
+        </a:solidFill>
+        <a:latin typeface="+mn-lt"/>
+        <a:ea typeface="+mn-ea"/>
+        <a:cs typeface="+mn-cs"/>
+      </a:defRPr>
+    </a:lvl2pPr>
+    <a:lvl3pPr marL="914400" algn="l" defTabSz="914400" rtl="0" eaLnBrk="1" latinLnBrk="0" hangingPunct="1">
+      <a:defRPr sz="1200" kern="1200">
+        <a:solidFill>
+          <a:schemeClr val="tx1"/>
+        </a:solidFill>
+        <a:latin typeface="+mn-lt"/>
+        <a:ea typeface="+mn-ea"/>
+        <a:cs typeface="+mn-cs"/>
+      </a:defRPr>
+    </a:lvl3pPr>
+    <a:lvl4pPr marL="1371600" algn="l" defTabSz="914400" rtl="0" eaLnBrk="1" latinLnBrk="0" hangingPunct="1">
+      <a:defRPr sz="1200" kern="1200">
+        <a:solidFill>
+          <a:schemeClr val="tx1"/>
+        </a:solidFill>
+        <a:latin typeface="+mn-lt"/>
+        <a:ea typeface="+mn-ea"/>
+        <a:cs typeface="+mn-cs"/>
+      </a:defRPr>
+    </a:lvl4pPr>
+    <a:lvl5pPr marL="1828800" algn="l" defTabSz="914400" rtl="0" eaLnBrk="1" latinLnBrk="0" hangingPunct="1">
+      <a:defRPr sz="1200" kern="1200">
+        <a:solidFill>
+          <a:schemeClr val="tx1"/>
+        </a:solidFill>
+        <a:latin typeface="+mn-lt"/>
+        <a:ea typeface="+mn-ea"/>
+        <a:cs typeface="+mn-cs"/>
+      </a:defRPr>
+    </a:lvl5pPr>
+    <a:lvl6pPr marL="2286000" algn="l" defTabSz="914400" rtl="0" eaLnBrk="1" latinLnBrk="0" hangingPunct="1">
+      <a:defRPr sz="1200" kern="1200">
+        <a:solidFill>
+          <a:schemeClr val="tx1"/>
+        </a:solidFill>
+        <a:latin typeface="+mn-lt"/>
+        <a:ea typeface="+mn-ea"/>
+        <a:cs typeface="+mn-cs"/>
+      </a:defRPr>
+    </a:lvl6pPr>
+    <a:lvl7pPr marL="2743200" algn="l" defTabSz="914400" rtl="0" eaLnBrk="1" latinLnBrk="0" hangingPunct="1">
+      <a:defRPr sz="1200" kern="1200">
+        <a:solidFill>
+          <a:schemeClr val="tx1"/>
+        </a:solidFill>
+        <a:latin typeface="+mn-lt"/>
+        <a:ea typeface="+mn-ea"/>
+        <a:cs typeface="+mn-cs"/>
+      </a:defRPr>
+    </a:lvl7pPr>
+    <a:lvl8pPr marL="3200400" algn="l" defTabSz="914400" rtl="0" eaLnBrk="1" latinLnBrk="0" hangingPunct="1">
+      <a:defRPr sz="1200" kern="1200">
+        <a:solidFill>
+          <a:schemeClr val="tx1"/>
+        </a:solidFill>
+        <a:latin typeface="+mn-lt"/>
+        <a:ea typeface="+mn-ea"/>
+        <a:cs typeface="+mn-cs"/>
+      </a:defRPr>
+    </a:lvl8pPr>
+    <a:lvl9pPr marL="3657600" algn="l" defTabSz="914400" rtl="0" eaLnBrk="1" latinLnBrk="0" hangingPunct="1">
+      <a:defRPr sz="1200" kern="1200">
+        <a:solidFill>
+          <a:schemeClr val="tx1"/>
+        </a:solidFill>
+        <a:latin typeface="+mn-lt"/>
+        <a:ea typeface="+mn-ea"/>
+        <a:cs typeface="+mn-cs"/>
+      </a:defRPr>
+    </a:lvl9pPr>
+  </p:notesStyle>
+</p:notesMaster>
+</file>
+
+<file path=ppt/notesSlides/notesSlide1.xml><?xml version="1.0" encoding="utf-8"?>
+<p:notes xmlns:a="http://schemas.openxmlformats.org/drawingml/2006/main" xmlns:r="http://schemas.openxmlformats.org/officeDocument/2006/relationships" xmlns:p="http://schemas.openxmlformats.org/presentationml/2006/main">
+  <p:cSld>
+    <p:spTree>
+      <p:nvGrpSpPr>
+        <p:cNvPr id="1" name=""/>
+        <p:cNvGrpSpPr/>
+        <p:nvPr/>
+      </p:nvGrpSpPr>
+      <p:grpSpPr>
+        <a:xfrm>
+          <a:off x="0" y="0"/>
+          <a:ext cx="0" cy="0"/>
+          <a:chOff x="0" y="0"/>
+          <a:chExt cx="0" cy="0"/>
+        </a:xfrm>
+      </p:grpSpPr>
+      <p:sp>
+        <p:nvSpPr>
+          <p:cNvPr id="2" name="Espace réservé de l'image des diapositives 1"/>
+          <p:cNvSpPr>
+            <a:spLocks noGrp="1" noRot="1" noChangeAspect="1"/>
+          </p:cNvSpPr>
+          <p:nvPr>
+            <p:ph type="sldImg"/>
+          </p:nvPr>
+        </p:nvSpPr>
+        <p:spPr/>
+      </p:sp>
+      <p:sp>
+        <p:nvSpPr>
+          <p:cNvPr id="3" name="Espace réservé des notes 2"/>
+          <p:cNvSpPr>
+            <a:spLocks noGrp="1"/>
+          </p:cNvSpPr>
+          <p:nvPr>
+            <p:ph type="body" idx="1"/>
+          </p:nvPr>
+        </p:nvSpPr>
+        <p:spPr/>
+        <p:txBody>
+          <a:bodyPr/>
+          <a:lstStyle/>
+          <a:p>
+            <a:r>
+              <a:rPr lang="fr-BE" dirty="0"/>
+              <a:t>Dans un même package</a:t>
+            </a:r>
+            <a:br>
+              <a:rPr lang="fr-BE" dirty="0"/>
+            </a:br>
+            <a:r>
+              <a:rPr lang="fr-BE" dirty="0"/>
+              <a:t>Toujours une fonction</a:t>
+            </a:r>
+            <a:br>
+              <a:rPr lang="fr-BE" dirty="0"/>
+            </a:br>
+            <a:r>
+              <a:rPr lang="fr-BE" dirty="0"/>
+              <a:t>S’applique sur une structure</a:t>
+            </a:r>
+            <a:endParaRPr lang="en-GB" dirty="0"/>
+          </a:p>
+        </p:txBody>
+      </p:sp>
+      <p:sp>
+        <p:nvSpPr>
+          <p:cNvPr id="4" name="Espace réservé du numéro de diapositive 3"/>
+          <p:cNvSpPr>
+            <a:spLocks noGrp="1"/>
+          </p:cNvSpPr>
+          <p:nvPr>
+            <p:ph type="sldNum" sz="quarter" idx="5"/>
+          </p:nvPr>
+        </p:nvSpPr>
+        <p:spPr/>
+        <p:txBody>
+          <a:bodyPr/>
+          <a:lstStyle/>
+          <a:p>
+            <a:fld id="{1B53981D-5C0D-4CFE-94CA-015F2E8A5858}" type="slidenum">
+              <a:rPr lang="en-GB" smtClean="0"/>
+              <a:t>8</a:t>
+            </a:fld>
+            <a:endParaRPr lang="en-GB"/>
+          </a:p>
+        </p:txBody>
+      </p:sp>
+    </p:spTree>
+    <p:extLst>
+      <p:ext uri="{BB962C8B-B14F-4D97-AF65-F5344CB8AC3E}">
+        <p14:creationId xmlns:p14="http://schemas.microsoft.com/office/powerpoint/2010/main" val="2120080159"/>
+      </p:ext>
+    </p:extLst>
+  </p:cSld>
+  <p:clrMapOvr>
+    <a:masterClrMapping/>
+  </p:clrMapOvr>
+</p:notes>
 </file>
 
 <file path=ppt/slideLayouts/slideLayout1.xml><?xml version="1.0" encoding="utf-8"?>
@@ -846,7 +1304,7 @@
           <a:p>
             <a:fld id="{C0C4FB13-012F-4037-81DA-501F3326904A}" type="datetimeFigureOut">
               <a:rPr lang="en-GB" smtClean="0"/>
-              <a:t>06/11/2019</a:t>
+              <a:t>07/11/2019</a:t>
             </a:fld>
             <a:endParaRPr lang="en-GB"/>
           </a:p>
@@ -1097,7 +1555,7 @@
           <a:p>
             <a:fld id="{C0C4FB13-012F-4037-81DA-501F3326904A}" type="datetimeFigureOut">
               <a:rPr lang="en-GB" smtClean="0"/>
-              <a:t>06/11/2019</a:t>
+              <a:t>07/11/2019</a:t>
             </a:fld>
             <a:endParaRPr lang="en-GB"/>
           </a:p>
@@ -1411,7 +1869,7 @@
           <a:p>
             <a:fld id="{C0C4FB13-012F-4037-81DA-501F3326904A}" type="datetimeFigureOut">
               <a:rPr lang="en-GB" smtClean="0"/>
-              <a:t>06/11/2019</a:t>
+              <a:t>07/11/2019</a:t>
             </a:fld>
             <a:endParaRPr lang="en-GB"/>
           </a:p>
@@ -1752,7 +2210,7 @@
           <a:p>
             <a:fld id="{C0C4FB13-012F-4037-81DA-501F3326904A}" type="datetimeFigureOut">
               <a:rPr lang="en-GB" smtClean="0"/>
-              <a:t>06/11/2019</a:t>
+              <a:t>07/11/2019</a:t>
             </a:fld>
             <a:endParaRPr lang="en-GB"/>
           </a:p>
@@ -2066,7 +2524,7 @@
           <a:p>
             <a:fld id="{C0C4FB13-012F-4037-81DA-501F3326904A}" type="datetimeFigureOut">
               <a:rPr lang="en-GB" smtClean="0"/>
-              <a:t>06/11/2019</a:t>
+              <a:t>07/11/2019</a:t>
             </a:fld>
             <a:endParaRPr lang="en-GB"/>
           </a:p>
@@ -2459,7 +2917,7 @@
           <a:p>
             <a:fld id="{C0C4FB13-012F-4037-81DA-501F3326904A}" type="datetimeFigureOut">
               <a:rPr lang="en-GB" smtClean="0"/>
-              <a:t>06/11/2019</a:t>
+              <a:t>07/11/2019</a:t>
             </a:fld>
             <a:endParaRPr lang="en-GB"/>
           </a:p>
@@ -2629,7 +3087,7 @@
           <a:p>
             <a:fld id="{C0C4FB13-012F-4037-81DA-501F3326904A}" type="datetimeFigureOut">
               <a:rPr lang="en-GB" smtClean="0"/>
-              <a:t>06/11/2019</a:t>
+              <a:t>07/11/2019</a:t>
             </a:fld>
             <a:endParaRPr lang="en-GB"/>
           </a:p>
@@ -2809,7 +3267,7 @@
           <a:p>
             <a:fld id="{C0C4FB13-012F-4037-81DA-501F3326904A}" type="datetimeFigureOut">
               <a:rPr lang="en-GB" smtClean="0"/>
-              <a:t>06/11/2019</a:t>
+              <a:t>07/11/2019</a:t>
             </a:fld>
             <a:endParaRPr lang="en-GB"/>
           </a:p>
@@ -2985,7 +3443,7 @@
           <a:p>
             <a:fld id="{C0C4FB13-012F-4037-81DA-501F3326904A}" type="datetimeFigureOut">
               <a:rPr lang="en-GB" smtClean="0"/>
-              <a:t>06/11/2019</a:t>
+              <a:t>07/11/2019</a:t>
             </a:fld>
             <a:endParaRPr lang="en-GB"/>
           </a:p>
@@ -3232,7 +3690,7 @@
           <a:p>
             <a:fld id="{C0C4FB13-012F-4037-81DA-501F3326904A}" type="datetimeFigureOut">
               <a:rPr lang="en-GB" smtClean="0"/>
-              <a:t>06/11/2019</a:t>
+              <a:t>07/11/2019</a:t>
             </a:fld>
             <a:endParaRPr lang="en-GB"/>
           </a:p>
@@ -3464,7 +3922,7 @@
           <a:p>
             <a:fld id="{C0C4FB13-012F-4037-81DA-501F3326904A}" type="datetimeFigureOut">
               <a:rPr lang="en-GB" smtClean="0"/>
-              <a:t>06/11/2019</a:t>
+              <a:t>07/11/2019</a:t>
             </a:fld>
             <a:endParaRPr lang="en-GB"/>
           </a:p>
@@ -3838,7 +4296,7 @@
           <a:p>
             <a:fld id="{C0C4FB13-012F-4037-81DA-501F3326904A}" type="datetimeFigureOut">
               <a:rPr lang="en-GB" smtClean="0"/>
-              <a:t>06/11/2019</a:t>
+              <a:t>07/11/2019</a:t>
             </a:fld>
             <a:endParaRPr lang="en-GB"/>
           </a:p>
@@ -3961,7 +4419,7 @@
           <a:p>
             <a:fld id="{C0C4FB13-012F-4037-81DA-501F3326904A}" type="datetimeFigureOut">
               <a:rPr lang="en-GB" smtClean="0"/>
-              <a:t>06/11/2019</a:t>
+              <a:t>07/11/2019</a:t>
             </a:fld>
             <a:endParaRPr lang="en-GB"/>
           </a:p>
@@ -4056,7 +4514,7 @@
           <a:p>
             <a:fld id="{C0C4FB13-012F-4037-81DA-501F3326904A}" type="datetimeFigureOut">
               <a:rPr lang="en-GB" smtClean="0"/>
-              <a:t>06/11/2019</a:t>
+              <a:t>07/11/2019</a:t>
             </a:fld>
             <a:endParaRPr lang="en-GB"/>
           </a:p>
@@ -4311,7 +4769,7 @@
           <a:p>
             <a:fld id="{C0C4FB13-012F-4037-81DA-501F3326904A}" type="datetimeFigureOut">
               <a:rPr lang="en-GB" smtClean="0"/>
-              <a:t>06/11/2019</a:t>
+              <a:t>07/11/2019</a:t>
             </a:fld>
             <a:endParaRPr lang="en-GB"/>
           </a:p>
@@ -4574,7 +5032,7 @@
           <a:p>
             <a:fld id="{C0C4FB13-012F-4037-81DA-501F3326904A}" type="datetimeFigureOut">
               <a:rPr lang="en-GB" smtClean="0"/>
-              <a:t>06/11/2019</a:t>
+              <a:t>07/11/2019</a:t>
             </a:fld>
             <a:endParaRPr lang="en-GB"/>
           </a:p>
@@ -5317,7 +5775,7 @@
           <a:p>
             <a:fld id="{C0C4FB13-012F-4037-81DA-501F3326904A}" type="datetimeFigureOut">
               <a:rPr lang="en-GB" smtClean="0"/>
-              <a:t>06/11/2019</a:t>
+              <a:t>07/11/2019</a:t>
             </a:fld>
             <a:endParaRPr lang="en-GB"/>
           </a:p>
@@ -5934,7 +6392,7 @@
           <p:cNvPr id="2" name="Titre 1">
             <a:extLst>
               <a:ext uri="{FF2B5EF4-FFF2-40B4-BE49-F238E27FC236}">
-                <a16:creationId xmlns:a16="http://schemas.microsoft.com/office/drawing/2014/main" id="{66EBE6C8-9DB4-4E67-B346-558031BB06E7}"/>
+                <a16:creationId xmlns:a16="http://schemas.microsoft.com/office/drawing/2014/main" id="{C82C0521-665E-4580-A0F9-73357D4CC4CC}"/>
               </a:ext>
             </a:extLst>
           </p:cNvPr>
@@ -5951,8 +6409,16 @@
           <a:lstStyle/>
           <a:p>
             <a:r>
+              <a:rPr lang="fr-BE" dirty="0" err="1"/>
+              <a:t>Prove</a:t>
+            </a:r>
+            <a:r>
               <a:rPr lang="fr-BE" dirty="0"/>
-              <a:t>L’héritage technique</a:t>
+              <a:t> </a:t>
+            </a:r>
+            <a:r>
+              <a:rPr lang="fr-BE" dirty="0" err="1"/>
+              <a:t>it</a:t>
             </a:r>
             <a:endParaRPr lang="en-GB" dirty="0"/>
           </a:p>
@@ -5963,7 +6429,7 @@
           <p:cNvPr id="3" name="Espace réservé du contenu 2">
             <a:extLst>
               <a:ext uri="{FF2B5EF4-FFF2-40B4-BE49-F238E27FC236}">
-                <a16:creationId xmlns:a16="http://schemas.microsoft.com/office/drawing/2014/main" id="{BB2066F6-54E7-4135-BB5E-C4FD1F8FDFB9}"/>
+                <a16:creationId xmlns:a16="http://schemas.microsoft.com/office/drawing/2014/main" id="{144003CA-C192-4E96-8ABF-E58C94E6A9A2}"/>
               </a:ext>
             </a:extLst>
           </p:cNvPr>
@@ -5979,14 +6445,44 @@
           <a:bodyPr/>
           <a:lstStyle/>
           <a:p>
-            <a:endParaRPr lang="en-GB"/>
-          </a:p>
-        </p:txBody>
-      </p:sp>
+            <a:endParaRPr lang="en-GB" dirty="0"/>
+          </a:p>
+        </p:txBody>
+      </p:sp>
+      <p:pic>
+        <p:nvPicPr>
+          <p:cNvPr id="6" name="Image 5">
+            <a:extLst>
+              <a:ext uri="{FF2B5EF4-FFF2-40B4-BE49-F238E27FC236}">
+                <a16:creationId xmlns:a16="http://schemas.microsoft.com/office/drawing/2014/main" id="{E1AF9BFA-65A1-4181-BFB0-452F4CA24B4D}"/>
+              </a:ext>
+            </a:extLst>
+          </p:cNvPr>
+          <p:cNvPicPr>
+            <a:picLocks noChangeAspect="1"/>
+          </p:cNvPicPr>
+          <p:nvPr/>
+        </p:nvPicPr>
+        <p:blipFill>
+          <a:blip r:embed="rId2"/>
+          <a:stretch>
+            <a:fillRect/>
+          </a:stretch>
+        </p:blipFill>
+        <p:spPr>
+          <a:xfrm>
+            <a:off x="898402" y="1595153"/>
+            <a:ext cx="8534774" cy="3934790"/>
+          </a:xfrm>
+          <a:prstGeom prst="rect">
+            <a:avLst/>
+          </a:prstGeom>
+        </p:spPr>
+      </p:pic>
     </p:spTree>
     <p:extLst>
       <p:ext uri="{BB962C8B-B14F-4D97-AF65-F5344CB8AC3E}">
-        <p14:creationId xmlns:p14="http://schemas.microsoft.com/office/powerpoint/2010/main" val="2669434403"/>
+        <p14:creationId xmlns:p14="http://schemas.microsoft.com/office/powerpoint/2010/main" val="1424394042"/>
       </p:ext>
     </p:extLst>
   </p:cSld>
@@ -6018,7 +6514,7 @@
           <p:cNvPr id="2" name="Titre 1">
             <a:extLst>
               <a:ext uri="{FF2B5EF4-FFF2-40B4-BE49-F238E27FC236}">
-                <a16:creationId xmlns:a16="http://schemas.microsoft.com/office/drawing/2014/main" id="{4ABD6729-ABA2-4010-8B86-1533EC7DA94B}"/>
+                <a16:creationId xmlns:a16="http://schemas.microsoft.com/office/drawing/2014/main" id="{3314784D-93FF-4F82-BD30-D98E7B615DC2}"/>
               </a:ext>
             </a:extLst>
           </p:cNvPr>
@@ -6036,7 +6532,7 @@
           <a:p>
             <a:r>
               <a:rPr lang="fr-BE" dirty="0"/>
-              <a:t>L’héritage polymorphique</a:t>
+              <a:t>Interfaces</a:t>
             </a:r>
             <a:endParaRPr lang="en-GB" dirty="0"/>
           </a:p>
@@ -6047,7 +6543,7 @@
           <p:cNvPr id="3" name="Espace réservé du contenu 2">
             <a:extLst>
               <a:ext uri="{FF2B5EF4-FFF2-40B4-BE49-F238E27FC236}">
-                <a16:creationId xmlns:a16="http://schemas.microsoft.com/office/drawing/2014/main" id="{C9E3E511-720F-4FAC-9D46-A1F45F57DCF2}"/>
+                <a16:creationId xmlns:a16="http://schemas.microsoft.com/office/drawing/2014/main" id="{F22A988F-7192-44E1-A77C-168BCE84EB9E}"/>
               </a:ext>
             </a:extLst>
           </p:cNvPr>
@@ -6063,14 +6559,14 @@
           <a:bodyPr/>
           <a:lstStyle/>
           <a:p>
-            <a:endParaRPr lang="en-GB"/>
+            <a:endParaRPr lang="en-GB" dirty="0"/>
           </a:p>
         </p:txBody>
       </p:sp>
     </p:spTree>
     <p:extLst>
       <p:ext uri="{BB962C8B-B14F-4D97-AF65-F5344CB8AC3E}">
-        <p14:creationId xmlns:p14="http://schemas.microsoft.com/office/powerpoint/2010/main" val="1154800508"/>
+        <p14:creationId xmlns:p14="http://schemas.microsoft.com/office/powerpoint/2010/main" val="2760514093"/>
       </p:ext>
     </p:extLst>
   </p:cSld>
@@ -6102,6 +6598,258 @@
           <p:cNvPr id="2" name="Titre 1">
             <a:extLst>
               <a:ext uri="{FF2B5EF4-FFF2-40B4-BE49-F238E27FC236}">
+                <a16:creationId xmlns:a16="http://schemas.microsoft.com/office/drawing/2014/main" id="{9AF73BF0-0057-42CB-8970-ED1DD7B6ABCD}"/>
+              </a:ext>
+            </a:extLst>
+          </p:cNvPr>
+          <p:cNvSpPr>
+            <a:spLocks noGrp="1"/>
+          </p:cNvSpPr>
+          <p:nvPr>
+            <p:ph type="title"/>
+          </p:nvPr>
+        </p:nvSpPr>
+        <p:spPr/>
+        <p:txBody>
+          <a:bodyPr/>
+          <a:lstStyle/>
+          <a:p>
+            <a:r>
+              <a:rPr lang="fr-BE" dirty="0"/>
+              <a:t>Rappel principe fondamentaux de l’orienté objet</a:t>
+            </a:r>
+            <a:endParaRPr lang="en-GB" dirty="0"/>
+          </a:p>
+        </p:txBody>
+      </p:sp>
+      <p:sp>
+        <p:nvSpPr>
+          <p:cNvPr id="3" name="Espace réservé du contenu 2">
+            <a:extLst>
+              <a:ext uri="{FF2B5EF4-FFF2-40B4-BE49-F238E27FC236}">
+                <a16:creationId xmlns:a16="http://schemas.microsoft.com/office/drawing/2014/main" id="{232F5410-CC02-4A25-8206-87C63996CD31}"/>
+              </a:ext>
+            </a:extLst>
+          </p:cNvPr>
+          <p:cNvSpPr>
+            <a:spLocks noGrp="1"/>
+          </p:cNvSpPr>
+          <p:nvPr>
+            <p:ph idx="1"/>
+          </p:nvPr>
+        </p:nvSpPr>
+        <p:spPr/>
+        <p:txBody>
+          <a:bodyPr/>
+          <a:lstStyle/>
+          <a:p>
+            <a:endParaRPr lang="en-GB" dirty="0"/>
+          </a:p>
+        </p:txBody>
+      </p:sp>
+    </p:spTree>
+    <p:extLst>
+      <p:ext uri="{BB962C8B-B14F-4D97-AF65-F5344CB8AC3E}">
+        <p14:creationId xmlns:p14="http://schemas.microsoft.com/office/powerpoint/2010/main" val="2737349872"/>
+      </p:ext>
+    </p:extLst>
+  </p:cSld>
+  <p:clrMapOvr>
+    <a:masterClrMapping/>
+  </p:clrMapOvr>
+</p:sld>
+</file>
+
+<file path=ppt/slides/slide13.xml><?xml version="1.0" encoding="utf-8"?>
+<p:sld xmlns:a="http://schemas.openxmlformats.org/drawingml/2006/main" xmlns:r="http://schemas.openxmlformats.org/officeDocument/2006/relationships" xmlns:p="http://schemas.openxmlformats.org/presentationml/2006/main">
+  <p:cSld>
+    <p:spTree>
+      <p:nvGrpSpPr>
+        <p:cNvPr id="1" name=""/>
+        <p:cNvGrpSpPr/>
+        <p:nvPr/>
+      </p:nvGrpSpPr>
+      <p:grpSpPr>
+        <a:xfrm>
+          <a:off x="0" y="0"/>
+          <a:ext cx="0" cy="0"/>
+          <a:chOff x="0" y="0"/>
+          <a:chExt cx="0" cy="0"/>
+        </a:xfrm>
+      </p:grpSpPr>
+      <p:sp>
+        <p:nvSpPr>
+          <p:cNvPr id="2" name="Titre 1">
+            <a:extLst>
+              <a:ext uri="{FF2B5EF4-FFF2-40B4-BE49-F238E27FC236}">
+                <a16:creationId xmlns:a16="http://schemas.microsoft.com/office/drawing/2014/main" id="{66EBE6C8-9DB4-4E67-B346-558031BB06E7}"/>
+              </a:ext>
+            </a:extLst>
+          </p:cNvPr>
+          <p:cNvSpPr>
+            <a:spLocks noGrp="1"/>
+          </p:cNvSpPr>
+          <p:nvPr>
+            <p:ph type="title"/>
+          </p:nvPr>
+        </p:nvSpPr>
+        <p:spPr/>
+        <p:txBody>
+          <a:bodyPr/>
+          <a:lstStyle/>
+          <a:p>
+            <a:r>
+              <a:rPr lang="fr-BE" dirty="0"/>
+              <a:t>L’héritage technique</a:t>
+            </a:r>
+            <a:endParaRPr lang="en-GB" dirty="0"/>
+          </a:p>
+        </p:txBody>
+      </p:sp>
+      <p:sp>
+        <p:nvSpPr>
+          <p:cNvPr id="3" name="Espace réservé du contenu 2">
+            <a:extLst>
+              <a:ext uri="{FF2B5EF4-FFF2-40B4-BE49-F238E27FC236}">
+                <a16:creationId xmlns:a16="http://schemas.microsoft.com/office/drawing/2014/main" id="{BB2066F6-54E7-4135-BB5E-C4FD1F8FDFB9}"/>
+              </a:ext>
+            </a:extLst>
+          </p:cNvPr>
+          <p:cNvSpPr>
+            <a:spLocks noGrp="1"/>
+          </p:cNvSpPr>
+          <p:nvPr>
+            <p:ph idx="1"/>
+          </p:nvPr>
+        </p:nvSpPr>
+        <p:spPr/>
+        <p:txBody>
+          <a:bodyPr/>
+          <a:lstStyle/>
+          <a:p>
+            <a:endParaRPr lang="en-GB"/>
+          </a:p>
+        </p:txBody>
+      </p:sp>
+    </p:spTree>
+    <p:extLst>
+      <p:ext uri="{BB962C8B-B14F-4D97-AF65-F5344CB8AC3E}">
+        <p14:creationId xmlns:p14="http://schemas.microsoft.com/office/powerpoint/2010/main" val="2669434403"/>
+      </p:ext>
+    </p:extLst>
+  </p:cSld>
+  <p:clrMapOvr>
+    <a:masterClrMapping/>
+  </p:clrMapOvr>
+</p:sld>
+</file>
+
+<file path=ppt/slides/slide14.xml><?xml version="1.0" encoding="utf-8"?>
+<p:sld xmlns:a="http://schemas.openxmlformats.org/drawingml/2006/main" xmlns:r="http://schemas.openxmlformats.org/officeDocument/2006/relationships" xmlns:p="http://schemas.openxmlformats.org/presentationml/2006/main">
+  <p:cSld>
+    <p:spTree>
+      <p:nvGrpSpPr>
+        <p:cNvPr id="1" name=""/>
+        <p:cNvGrpSpPr/>
+        <p:nvPr/>
+      </p:nvGrpSpPr>
+      <p:grpSpPr>
+        <a:xfrm>
+          <a:off x="0" y="0"/>
+          <a:ext cx="0" cy="0"/>
+          <a:chOff x="0" y="0"/>
+          <a:chExt cx="0" cy="0"/>
+        </a:xfrm>
+      </p:grpSpPr>
+      <p:sp>
+        <p:nvSpPr>
+          <p:cNvPr id="2" name="Titre 1">
+            <a:extLst>
+              <a:ext uri="{FF2B5EF4-FFF2-40B4-BE49-F238E27FC236}">
+                <a16:creationId xmlns:a16="http://schemas.microsoft.com/office/drawing/2014/main" id="{4ABD6729-ABA2-4010-8B86-1533EC7DA94B}"/>
+              </a:ext>
+            </a:extLst>
+          </p:cNvPr>
+          <p:cNvSpPr>
+            <a:spLocks noGrp="1"/>
+          </p:cNvSpPr>
+          <p:nvPr>
+            <p:ph type="title"/>
+          </p:nvPr>
+        </p:nvSpPr>
+        <p:spPr/>
+        <p:txBody>
+          <a:bodyPr/>
+          <a:lstStyle/>
+          <a:p>
+            <a:r>
+              <a:rPr lang="fr-BE" dirty="0"/>
+              <a:t>L’héritage polymorphique</a:t>
+            </a:r>
+            <a:endParaRPr lang="en-GB" dirty="0"/>
+          </a:p>
+        </p:txBody>
+      </p:sp>
+      <p:sp>
+        <p:nvSpPr>
+          <p:cNvPr id="3" name="Espace réservé du contenu 2">
+            <a:extLst>
+              <a:ext uri="{FF2B5EF4-FFF2-40B4-BE49-F238E27FC236}">
+                <a16:creationId xmlns:a16="http://schemas.microsoft.com/office/drawing/2014/main" id="{C9E3E511-720F-4FAC-9D46-A1F45F57DCF2}"/>
+              </a:ext>
+            </a:extLst>
+          </p:cNvPr>
+          <p:cNvSpPr>
+            <a:spLocks noGrp="1"/>
+          </p:cNvSpPr>
+          <p:nvPr>
+            <p:ph idx="1"/>
+          </p:nvPr>
+        </p:nvSpPr>
+        <p:spPr/>
+        <p:txBody>
+          <a:bodyPr/>
+          <a:lstStyle/>
+          <a:p>
+            <a:endParaRPr lang="en-GB"/>
+          </a:p>
+        </p:txBody>
+      </p:sp>
+    </p:spTree>
+    <p:extLst>
+      <p:ext uri="{BB962C8B-B14F-4D97-AF65-F5344CB8AC3E}">
+        <p14:creationId xmlns:p14="http://schemas.microsoft.com/office/powerpoint/2010/main" val="1154800508"/>
+      </p:ext>
+    </p:extLst>
+  </p:cSld>
+  <p:clrMapOvr>
+    <a:masterClrMapping/>
+  </p:clrMapOvr>
+</p:sld>
+</file>
+
+<file path=ppt/slides/slide15.xml><?xml version="1.0" encoding="utf-8"?>
+<p:sld xmlns:a="http://schemas.openxmlformats.org/drawingml/2006/main" xmlns:r="http://schemas.openxmlformats.org/officeDocument/2006/relationships" xmlns:p="http://schemas.openxmlformats.org/presentationml/2006/main">
+  <p:cSld>
+    <p:spTree>
+      <p:nvGrpSpPr>
+        <p:cNvPr id="1" name=""/>
+        <p:cNvGrpSpPr/>
+        <p:nvPr/>
+      </p:nvGrpSpPr>
+      <p:grpSpPr>
+        <a:xfrm>
+          <a:off x="0" y="0"/>
+          <a:ext cx="0" cy="0"/>
+          <a:chOff x="0" y="0"/>
+          <a:chExt cx="0" cy="0"/>
+        </a:xfrm>
+      </p:grpSpPr>
+      <p:sp>
+        <p:nvSpPr>
+          <p:cNvPr id="2" name="Titre 1">
+            <a:extLst>
+              <a:ext uri="{FF2B5EF4-FFF2-40B4-BE49-F238E27FC236}">
                 <a16:creationId xmlns:a16="http://schemas.microsoft.com/office/drawing/2014/main" id="{80D7D2F9-5224-4FE9-A77B-1B3A763426CF}"/>
               </a:ext>
             </a:extLst>
@@ -6168,7 +6916,7 @@
 </p:sld>
 </file>
 
-<file path=ppt/slides/slide13.xml><?xml version="1.0" encoding="utf-8"?>
+<file path=ppt/slides/slide16.xml><?xml version="1.0" encoding="utf-8"?>
 <p:sld xmlns:a="http://schemas.openxmlformats.org/drawingml/2006/main" xmlns:r="http://schemas.openxmlformats.org/officeDocument/2006/relationships" xmlns:p="http://schemas.openxmlformats.org/presentationml/2006/main">
   <p:cSld>
     <p:spTree>
@@ -6581,7 +7329,7 @@
         </p:nvSpPr>
         <p:spPr>
           <a:xfrm>
-            <a:off x="4316346" y="3211443"/>
+            <a:off x="8384175" y="3577203"/>
             <a:ext cx="1779654" cy="2862322"/>
           </a:xfrm>
           <a:prstGeom prst="rect">
@@ -6616,6 +7364,54 @@
               <a:t> </a:t>
             </a:r>
             <a:endParaRPr lang="en-GB" dirty="0"/>
+          </a:p>
+        </p:txBody>
+      </p:sp>
+      <p:sp>
+        <p:nvSpPr>
+          <p:cNvPr id="3" name="ZoneTexte 2">
+            <a:extLst>
+              <a:ext uri="{FF2B5EF4-FFF2-40B4-BE49-F238E27FC236}">
+                <a16:creationId xmlns:a16="http://schemas.microsoft.com/office/drawing/2014/main" id="{0D94C875-E09D-40C8-9C02-EA936E40B1DA}"/>
+              </a:ext>
+            </a:extLst>
+          </p:cNvPr>
+          <p:cNvSpPr txBox="1"/>
+          <p:nvPr/>
+        </p:nvSpPr>
+        <p:spPr>
+          <a:xfrm>
+            <a:off x="798022" y="4127269"/>
+            <a:ext cx="5747086" cy="1015663"/>
+          </a:xfrm>
+          <a:prstGeom prst="rect">
+            <a:avLst/>
+          </a:prstGeom>
+          <a:noFill/>
+        </p:spPr>
+        <p:txBody>
+          <a:bodyPr wrap="none" rtlCol="0">
+            <a:spAutoFit/>
+          </a:bodyPr>
+          <a:lstStyle/>
+          <a:p>
+            <a:r>
+              <a:rPr lang="fr-BE" sz="6000" dirty="0">
+                <a:solidFill>
+                  <a:schemeClr val="accent1">
+                    <a:lumMod val="75000"/>
+                  </a:schemeClr>
+                </a:solidFill>
+              </a:rPr>
+              <a:t>variable:=type{}</a:t>
+            </a:r>
+            <a:endParaRPr lang="en-GB" sz="6000" dirty="0">
+              <a:solidFill>
+                <a:schemeClr val="accent1">
+                  <a:lumMod val="75000"/>
+                </a:schemeClr>
+              </a:solidFill>
+            </a:endParaRPr>
           </a:p>
         </p:txBody>
       </p:sp>
@@ -6938,7 +7734,12 @@
             <p:ph type="title"/>
           </p:nvPr>
         </p:nvSpPr>
-        <p:spPr/>
+        <p:spPr>
+          <a:xfrm>
+            <a:off x="677334" y="609600"/>
+            <a:ext cx="8596668" cy="1320800"/>
+          </a:xfrm>
+        </p:spPr>
         <p:txBody>
           <a:bodyPr/>
           <a:lstStyle/>
@@ -6947,38 +7748,75 @@
               <a:rPr lang="fr-BE" dirty="0"/>
               <a:t>Les méthode en Go</a:t>
             </a:r>
+            <a:br>
+              <a:rPr lang="fr-BE" dirty="0"/>
+            </a:br>
             <a:endParaRPr lang="en-GB" dirty="0"/>
           </a:p>
         </p:txBody>
       </p:sp>
-      <p:sp>
-        <p:nvSpPr>
-          <p:cNvPr id="3" name="Espace réservé du contenu 2">
+      <p:pic>
+        <p:nvPicPr>
+          <p:cNvPr id="4" name="Espace réservé du contenu 3">
             <a:extLst>
               <a:ext uri="{FF2B5EF4-FFF2-40B4-BE49-F238E27FC236}">
-                <a16:creationId xmlns:a16="http://schemas.microsoft.com/office/drawing/2014/main" id="{F27CE61F-A01C-4C71-A30B-C8BA1CF27FA2}"/>
+                <a16:creationId xmlns:a16="http://schemas.microsoft.com/office/drawing/2014/main" id="{83CDF6CA-9C99-4A80-AB32-F05170772B01}"/>
               </a:ext>
             </a:extLst>
           </p:cNvPr>
-          <p:cNvSpPr>
-            <a:spLocks noGrp="1"/>
-          </p:cNvSpPr>
+          <p:cNvPicPr>
+            <a:picLocks noGrp="1" noChangeAspect="1"/>
+          </p:cNvPicPr>
           <p:nvPr>
             <p:ph idx="1"/>
           </p:nvPr>
-        </p:nvSpPr>
-        <p:spPr/>
-        <p:txBody>
-          <a:bodyPr/>
-          <a:lstStyle/>
-          <a:p>
-            <a:pPr marL="0" indent="0">
-              <a:buNone/>
-            </a:pPr>
-            <a:endParaRPr lang="en-GB" dirty="0"/>
-          </a:p>
-        </p:txBody>
-      </p:sp>
+        </p:nvPicPr>
+        <p:blipFill>
+          <a:blip r:embed="rId2"/>
+          <a:stretch>
+            <a:fillRect/>
+          </a:stretch>
+        </p:blipFill>
+        <p:spPr>
+          <a:xfrm>
+            <a:off x="472286" y="1196156"/>
+            <a:ext cx="6438361" cy="3731445"/>
+          </a:xfrm>
+          <a:prstGeom prst="rect">
+            <a:avLst/>
+          </a:prstGeom>
+        </p:spPr>
+      </p:pic>
+      <p:pic>
+        <p:nvPicPr>
+          <p:cNvPr id="5" name="Image 4">
+            <a:extLst>
+              <a:ext uri="{FF2B5EF4-FFF2-40B4-BE49-F238E27FC236}">
+                <a16:creationId xmlns:a16="http://schemas.microsoft.com/office/drawing/2014/main" id="{19C79809-F084-4E6D-9B37-891A3CF2BE4D}"/>
+              </a:ext>
+            </a:extLst>
+          </p:cNvPr>
+          <p:cNvPicPr>
+            <a:picLocks noChangeAspect="1"/>
+          </p:cNvPicPr>
+          <p:nvPr/>
+        </p:nvPicPr>
+        <p:blipFill>
+          <a:blip r:embed="rId3"/>
+          <a:stretch>
+            <a:fillRect/>
+          </a:stretch>
+        </p:blipFill>
+        <p:spPr>
+          <a:xfrm>
+            <a:off x="2788739" y="5064803"/>
+            <a:ext cx="8243816" cy="1594909"/>
+          </a:xfrm>
+          <a:prstGeom prst="rect">
+            <a:avLst/>
+          </a:prstGeom>
+        </p:spPr>
+      </p:pic>
     </p:spTree>
     <p:extLst>
       <p:ext uri="{BB962C8B-B14F-4D97-AF65-F5344CB8AC3E}">
@@ -7014,7 +7852,7 @@
           <p:cNvPr id="2" name="Titre 1">
             <a:extLst>
               <a:ext uri="{FF2B5EF4-FFF2-40B4-BE49-F238E27FC236}">
-                <a16:creationId xmlns:a16="http://schemas.microsoft.com/office/drawing/2014/main" id="{3314784D-93FF-4F82-BD30-D98E7B615DC2}"/>
+                <a16:creationId xmlns:a16="http://schemas.microsoft.com/office/drawing/2014/main" id="{63342A71-14ED-4937-8400-6818ED0D033C}"/>
               </a:ext>
             </a:extLst>
           </p:cNvPr>
@@ -7032,41 +7870,84 @@
           <a:p>
             <a:r>
               <a:rPr lang="fr-BE" dirty="0"/>
-              <a:t>Interfaces</a:t>
+              <a:t>Découpage d’une méthode</a:t>
             </a:r>
             <a:endParaRPr lang="en-GB" dirty="0"/>
           </a:p>
         </p:txBody>
       </p:sp>
-      <p:sp>
-        <p:nvSpPr>
-          <p:cNvPr id="3" name="Espace réservé du contenu 2">
+      <p:pic>
+        <p:nvPicPr>
+          <p:cNvPr id="4" name="Espace réservé du contenu 3">
             <a:extLst>
               <a:ext uri="{FF2B5EF4-FFF2-40B4-BE49-F238E27FC236}">
-                <a16:creationId xmlns:a16="http://schemas.microsoft.com/office/drawing/2014/main" id="{F22A988F-7192-44E1-A77C-168BCE84EB9E}"/>
+                <a16:creationId xmlns:a16="http://schemas.microsoft.com/office/drawing/2014/main" id="{EEA05357-D5F2-4DDF-BBB8-044368256437}"/>
               </a:ext>
             </a:extLst>
           </p:cNvPr>
-          <p:cNvSpPr>
-            <a:spLocks noGrp="1"/>
-          </p:cNvSpPr>
+          <p:cNvPicPr>
+            <a:picLocks noGrp="1" noChangeAspect="1"/>
+          </p:cNvPicPr>
           <p:nvPr>
             <p:ph idx="1"/>
           </p:nvPr>
-        </p:nvSpPr>
-        <p:spPr/>
-        <p:txBody>
-          <a:bodyPr/>
-          <a:lstStyle/>
-          <a:p>
-            <a:endParaRPr lang="en-GB" dirty="0"/>
+        </p:nvPicPr>
+        <p:blipFill>
+          <a:blip r:embed="rId3"/>
+          <a:stretch>
+            <a:fillRect/>
+          </a:stretch>
+        </p:blipFill>
+        <p:spPr>
+          <a:xfrm>
+            <a:off x="677334" y="1587817"/>
+            <a:ext cx="7895168" cy="4660583"/>
+          </a:xfrm>
+          <a:prstGeom prst="rect">
+            <a:avLst/>
+          </a:prstGeom>
+        </p:spPr>
+      </p:pic>
+      <p:sp>
+        <p:nvSpPr>
+          <p:cNvPr id="5" name="ZoneTexte 4">
+            <a:extLst>
+              <a:ext uri="{FF2B5EF4-FFF2-40B4-BE49-F238E27FC236}">
+                <a16:creationId xmlns:a16="http://schemas.microsoft.com/office/drawing/2014/main" id="{C6273E89-7844-43FA-80AE-5DCBE1EE75E1}"/>
+              </a:ext>
+            </a:extLst>
+          </p:cNvPr>
+          <p:cNvSpPr txBox="1"/>
+          <p:nvPr/>
+        </p:nvSpPr>
+        <p:spPr>
+          <a:xfrm>
+            <a:off x="8678487" y="3704679"/>
+            <a:ext cx="3067396" cy="769441"/>
+          </a:xfrm>
+          <a:prstGeom prst="rect">
+            <a:avLst/>
+          </a:prstGeom>
+          <a:noFill/>
+        </p:spPr>
+        <p:txBody>
+          <a:bodyPr wrap="square" rtlCol="0">
+            <a:spAutoFit/>
+          </a:bodyPr>
+          <a:lstStyle/>
+          <a:p>
+            <a:r>
+              <a:rPr lang="fr-BE" sz="4400" dirty="0"/>
+              <a:t>This ?</a:t>
+            </a:r>
+            <a:endParaRPr lang="en-GB" sz="4400" dirty="0"/>
           </a:p>
         </p:txBody>
       </p:sp>
     </p:spTree>
     <p:extLst>
       <p:ext uri="{BB962C8B-B14F-4D97-AF65-F5344CB8AC3E}">
-        <p14:creationId xmlns:p14="http://schemas.microsoft.com/office/powerpoint/2010/main" val="2760514093"/>
+        <p14:creationId xmlns:p14="http://schemas.microsoft.com/office/powerpoint/2010/main" val="2304951179"/>
       </p:ext>
     </p:extLst>
   </p:cSld>
@@ -7098,7 +7979,7 @@
           <p:cNvPr id="2" name="Titre 1">
             <a:extLst>
               <a:ext uri="{FF2B5EF4-FFF2-40B4-BE49-F238E27FC236}">
-                <a16:creationId xmlns:a16="http://schemas.microsoft.com/office/drawing/2014/main" id="{9AF73BF0-0057-42CB-8970-ED1DD7B6ABCD}"/>
+                <a16:creationId xmlns:a16="http://schemas.microsoft.com/office/drawing/2014/main" id="{FDD70546-85BC-4A8E-A036-15C97D2371E2}"/>
               </a:ext>
             </a:extLst>
           </p:cNvPr>
@@ -7116,41 +7997,48 @@
           <a:p>
             <a:r>
               <a:rPr lang="fr-BE" dirty="0"/>
-              <a:t>Rappel principe fondamentaux de l’orienté objet</a:t>
+              <a:t>Les méthodes sur un pointer</a:t>
             </a:r>
             <a:endParaRPr lang="en-GB" dirty="0"/>
           </a:p>
         </p:txBody>
       </p:sp>
-      <p:sp>
-        <p:nvSpPr>
-          <p:cNvPr id="3" name="Espace réservé du contenu 2">
+      <p:pic>
+        <p:nvPicPr>
+          <p:cNvPr id="4" name="Espace réservé du contenu 3">
             <a:extLst>
               <a:ext uri="{FF2B5EF4-FFF2-40B4-BE49-F238E27FC236}">
-                <a16:creationId xmlns:a16="http://schemas.microsoft.com/office/drawing/2014/main" id="{232F5410-CC02-4A25-8206-87C63996CD31}"/>
+                <a16:creationId xmlns:a16="http://schemas.microsoft.com/office/drawing/2014/main" id="{DEF3361E-450E-439E-952C-694A6E2A4842}"/>
               </a:ext>
             </a:extLst>
           </p:cNvPr>
-          <p:cNvSpPr>
-            <a:spLocks noGrp="1"/>
-          </p:cNvSpPr>
+          <p:cNvPicPr>
+            <a:picLocks noGrp="1" noChangeAspect="1"/>
+          </p:cNvPicPr>
           <p:nvPr>
             <p:ph idx="1"/>
           </p:nvPr>
-        </p:nvSpPr>
-        <p:spPr/>
-        <p:txBody>
-          <a:bodyPr/>
-          <a:lstStyle/>
-          <a:p>
-            <a:endParaRPr lang="en-GB" dirty="0"/>
-          </a:p>
-        </p:txBody>
-      </p:sp>
+        </p:nvPicPr>
+        <p:blipFill>
+          <a:blip r:embed="rId2"/>
+          <a:stretch>
+            <a:fillRect/>
+          </a:stretch>
+        </p:blipFill>
+        <p:spPr>
+          <a:xfrm>
+            <a:off x="545792" y="1593365"/>
+            <a:ext cx="10511102" cy="3689835"/>
+          </a:xfrm>
+          <a:prstGeom prst="rect">
+            <a:avLst/>
+          </a:prstGeom>
+        </p:spPr>
+      </p:pic>
     </p:spTree>
     <p:extLst>
       <p:ext uri="{BB962C8B-B14F-4D97-AF65-F5344CB8AC3E}">
-        <p14:creationId xmlns:p14="http://schemas.microsoft.com/office/powerpoint/2010/main" val="2737349872"/>
+        <p14:creationId xmlns:p14="http://schemas.microsoft.com/office/powerpoint/2010/main" val="1121874429"/>
       </p:ext>
     </p:extLst>
   </p:cSld>
@@ -7415,4 +8303,299 @@
     </a:ext>
   </a:extLst>
 </a:theme>
+</file>
+
+<file path=ppt/theme/theme2.xml><?xml version="1.0" encoding="utf-8"?>
+<a:theme xmlns:a="http://schemas.openxmlformats.org/drawingml/2006/main" name="Thème Office">
+  <a:themeElements>
+    <a:clrScheme name="Office">
+      <a:dk1>
+        <a:sysClr val="windowText" lastClr="000000"/>
+      </a:dk1>
+      <a:lt1>
+        <a:sysClr val="window" lastClr="FFFFFF"/>
+      </a:lt1>
+      <a:dk2>
+        <a:srgbClr val="44546A"/>
+      </a:dk2>
+      <a:lt2>
+        <a:srgbClr val="E7E6E6"/>
+      </a:lt2>
+      <a:accent1>
+        <a:srgbClr val="4472C4"/>
+      </a:accent1>
+      <a:accent2>
+        <a:srgbClr val="ED7D31"/>
+      </a:accent2>
+      <a:accent3>
+        <a:srgbClr val="A5A5A5"/>
+      </a:accent3>
+      <a:accent4>
+        <a:srgbClr val="FFC000"/>
+      </a:accent4>
+      <a:accent5>
+        <a:srgbClr val="5B9BD5"/>
+      </a:accent5>
+      <a:accent6>
+        <a:srgbClr val="70AD47"/>
+      </a:accent6>
+      <a:hlink>
+        <a:srgbClr val="0563C1"/>
+      </a:hlink>
+      <a:folHlink>
+        <a:srgbClr val="954F72"/>
+      </a:folHlink>
+    </a:clrScheme>
+    <a:fontScheme name="Office">
+      <a:majorFont>
+        <a:latin typeface="Calibri Light" panose="020F0302020204030204"/>
+        <a:ea typeface=""/>
+        <a:cs typeface=""/>
+        <a:font script="Jpan" typeface="游ゴシック Light"/>
+        <a:font script="Hang" typeface="맑은 고딕"/>
+        <a:font script="Hans" typeface="等线 Light"/>
+        <a:font script="Hant" typeface="新細明體"/>
+        <a:font script="Arab" typeface="Times New Roman"/>
+        <a:font script="Hebr" typeface="Times New Roman"/>
+        <a:font script="Thai" typeface="Angsana New"/>
+        <a:font script="Ethi" typeface="Nyala"/>
+        <a:font script="Beng" typeface="Vrinda"/>
+        <a:font script="Gujr" typeface="Shruti"/>
+        <a:font script="Khmr" typeface="MoolBoran"/>
+        <a:font script="Knda" typeface="Tunga"/>
+        <a:font script="Guru" typeface="Raavi"/>
+        <a:font script="Cans" typeface="Euphemia"/>
+        <a:font script="Cher" typeface="Plantagenet Cherokee"/>
+        <a:font script="Yiii" typeface="Microsoft Yi Baiti"/>
+        <a:font script="Tibt" typeface="Microsoft Himalaya"/>
+        <a:font script="Thaa" typeface="MV Boli"/>
+        <a:font script="Deva" typeface="Mangal"/>
+        <a:font script="Telu" typeface="Gautami"/>
+        <a:font script="Taml" typeface="Latha"/>
+        <a:font script="Syrc" typeface="Estrangelo Edessa"/>
+        <a:font script="Orya" typeface="Kalinga"/>
+        <a:font script="Mlym" typeface="Kartika"/>
+        <a:font script="Laoo" typeface="DokChampa"/>
+        <a:font script="Sinh" typeface="Iskoola Pota"/>
+        <a:font script="Mong" typeface="Mongolian Baiti"/>
+        <a:font script="Viet" typeface="Times New Roman"/>
+        <a:font script="Uigh" typeface="Microsoft Uighur"/>
+        <a:font script="Geor" typeface="Sylfaen"/>
+        <a:font script="Armn" typeface="Arial"/>
+        <a:font script="Bugi" typeface="Leelawadee UI"/>
+        <a:font script="Bopo" typeface="Microsoft JhengHei"/>
+        <a:font script="Java" typeface="Javanese Text"/>
+        <a:font script="Lisu" typeface="Segoe UI"/>
+        <a:font script="Mymr" typeface="Myanmar Text"/>
+        <a:font script="Nkoo" typeface="Ebrima"/>
+        <a:font script="Olck" typeface="Nirmala UI"/>
+        <a:font script="Osma" typeface="Ebrima"/>
+        <a:font script="Phag" typeface="Phagspa"/>
+        <a:font script="Syrn" typeface="Estrangelo Edessa"/>
+        <a:font script="Syrj" typeface="Estrangelo Edessa"/>
+        <a:font script="Syre" typeface="Estrangelo Edessa"/>
+        <a:font script="Sora" typeface="Nirmala UI"/>
+        <a:font script="Tale" typeface="Microsoft Tai Le"/>
+        <a:font script="Talu" typeface="Microsoft New Tai Lue"/>
+        <a:font script="Tfng" typeface="Ebrima"/>
+      </a:majorFont>
+      <a:minorFont>
+        <a:latin typeface="Calibri" panose="020F0502020204030204"/>
+        <a:ea typeface=""/>
+        <a:cs typeface=""/>
+        <a:font script="Jpan" typeface="游ゴシック"/>
+        <a:font script="Hang" typeface="맑은 고딕"/>
+        <a:font script="Hans" typeface="等线"/>
+        <a:font script="Hant" typeface="新細明體"/>
+        <a:font script="Arab" typeface="Arial"/>
+        <a:font script="Hebr" typeface="Arial"/>
+        <a:font script="Thai" typeface="Cordia New"/>
+        <a:font script="Ethi" typeface="Nyala"/>
+        <a:font script="Beng" typeface="Vrinda"/>
+        <a:font script="Gujr" typeface="Shruti"/>
+        <a:font script="Khmr" typeface="DaunPenh"/>
+        <a:font script="Knda" typeface="Tunga"/>
+        <a:font script="Guru" typeface="Raavi"/>
+        <a:font script="Cans" typeface="Euphemia"/>
+        <a:font script="Cher" typeface="Plantagenet Cherokee"/>
+        <a:font script="Yiii" typeface="Microsoft Yi Baiti"/>
+        <a:font script="Tibt" typeface="Microsoft Himalaya"/>
+        <a:font script="Thaa" typeface="MV Boli"/>
+        <a:font script="Deva" typeface="Mangal"/>
+        <a:font script="Telu" typeface="Gautami"/>
+        <a:font script="Taml" typeface="Latha"/>
+        <a:font script="Syrc" typeface="Estrangelo Edessa"/>
+        <a:font script="Orya" typeface="Kalinga"/>
+        <a:font script="Mlym" typeface="Kartika"/>
+        <a:font script="Laoo" typeface="DokChampa"/>
+        <a:font script="Sinh" typeface="Iskoola Pota"/>
+        <a:font script="Mong" typeface="Mongolian Baiti"/>
+        <a:font script="Viet" typeface="Arial"/>
+        <a:font script="Uigh" typeface="Microsoft Uighur"/>
+        <a:font script="Geor" typeface="Sylfaen"/>
+        <a:font script="Armn" typeface="Arial"/>
+        <a:font script="Bugi" typeface="Leelawadee UI"/>
+        <a:font script="Bopo" typeface="Microsoft JhengHei"/>
+        <a:font script="Java" typeface="Javanese Text"/>
+        <a:font script="Lisu" typeface="Segoe UI"/>
+        <a:font script="Mymr" typeface="Myanmar Text"/>
+        <a:font script="Nkoo" typeface="Ebrima"/>
+        <a:font script="Olck" typeface="Nirmala UI"/>
+        <a:font script="Osma" typeface="Ebrima"/>
+        <a:font script="Phag" typeface="Phagspa"/>
+        <a:font script="Syrn" typeface="Estrangelo Edessa"/>
+        <a:font script="Syrj" typeface="Estrangelo Edessa"/>
+        <a:font script="Syre" typeface="Estrangelo Edessa"/>
+        <a:font script="Sora" typeface="Nirmala UI"/>
+        <a:font script="Tale" typeface="Microsoft Tai Le"/>
+        <a:font script="Talu" typeface="Microsoft New Tai Lue"/>
+        <a:font script="Tfng" typeface="Ebrima"/>
+      </a:minorFont>
+    </a:fontScheme>
+    <a:fmtScheme name="Office">
+      <a:fillStyleLst>
+        <a:solidFill>
+          <a:schemeClr val="phClr"/>
+        </a:solidFill>
+        <a:gradFill rotWithShape="1">
+          <a:gsLst>
+            <a:gs pos="0">
+              <a:schemeClr val="phClr">
+                <a:lumMod val="110000"/>
+                <a:satMod val="105000"/>
+                <a:tint val="67000"/>
+              </a:schemeClr>
+            </a:gs>
+            <a:gs pos="50000">
+              <a:schemeClr val="phClr">
+                <a:lumMod val="105000"/>
+                <a:satMod val="103000"/>
+                <a:tint val="73000"/>
+              </a:schemeClr>
+            </a:gs>
+            <a:gs pos="100000">
+              <a:schemeClr val="phClr">
+                <a:lumMod val="105000"/>
+                <a:satMod val="109000"/>
+                <a:tint val="81000"/>
+              </a:schemeClr>
+            </a:gs>
+          </a:gsLst>
+          <a:lin ang="5400000" scaled="0"/>
+        </a:gradFill>
+        <a:gradFill rotWithShape="1">
+          <a:gsLst>
+            <a:gs pos="0">
+              <a:schemeClr val="phClr">
+                <a:satMod val="103000"/>
+                <a:lumMod val="102000"/>
+                <a:tint val="94000"/>
+              </a:schemeClr>
+            </a:gs>
+            <a:gs pos="50000">
+              <a:schemeClr val="phClr">
+                <a:satMod val="110000"/>
+                <a:lumMod val="100000"/>
+                <a:shade val="100000"/>
+              </a:schemeClr>
+            </a:gs>
+            <a:gs pos="100000">
+              <a:schemeClr val="phClr">
+                <a:lumMod val="99000"/>
+                <a:satMod val="120000"/>
+                <a:shade val="78000"/>
+              </a:schemeClr>
+            </a:gs>
+          </a:gsLst>
+          <a:lin ang="5400000" scaled="0"/>
+        </a:gradFill>
+      </a:fillStyleLst>
+      <a:lnStyleLst>
+        <a:ln w="6350" cap="flat" cmpd="sng" algn="ctr">
+          <a:solidFill>
+            <a:schemeClr val="phClr"/>
+          </a:solidFill>
+          <a:prstDash val="solid"/>
+          <a:miter lim="800000"/>
+        </a:ln>
+        <a:ln w="12700" cap="flat" cmpd="sng" algn="ctr">
+          <a:solidFill>
+            <a:schemeClr val="phClr"/>
+          </a:solidFill>
+          <a:prstDash val="solid"/>
+          <a:miter lim="800000"/>
+        </a:ln>
+        <a:ln w="19050" cap="flat" cmpd="sng" algn="ctr">
+          <a:solidFill>
+            <a:schemeClr val="phClr"/>
+          </a:solidFill>
+          <a:prstDash val="solid"/>
+          <a:miter lim="800000"/>
+        </a:ln>
+      </a:lnStyleLst>
+      <a:effectStyleLst>
+        <a:effectStyle>
+          <a:effectLst/>
+        </a:effectStyle>
+        <a:effectStyle>
+          <a:effectLst/>
+        </a:effectStyle>
+        <a:effectStyle>
+          <a:effectLst>
+            <a:outerShdw blurRad="57150" dist="19050" dir="5400000" algn="ctr" rotWithShape="0">
+              <a:srgbClr val="000000">
+                <a:alpha val="63000"/>
+              </a:srgbClr>
+            </a:outerShdw>
+          </a:effectLst>
+        </a:effectStyle>
+      </a:effectStyleLst>
+      <a:bgFillStyleLst>
+        <a:solidFill>
+          <a:schemeClr val="phClr"/>
+        </a:solidFill>
+        <a:solidFill>
+          <a:schemeClr val="phClr">
+            <a:tint val="95000"/>
+            <a:satMod val="170000"/>
+          </a:schemeClr>
+        </a:solidFill>
+        <a:gradFill rotWithShape="1">
+          <a:gsLst>
+            <a:gs pos="0">
+              <a:schemeClr val="phClr">
+                <a:tint val="93000"/>
+                <a:satMod val="150000"/>
+                <a:shade val="98000"/>
+                <a:lumMod val="102000"/>
+              </a:schemeClr>
+            </a:gs>
+            <a:gs pos="50000">
+              <a:schemeClr val="phClr">
+                <a:tint val="98000"/>
+                <a:satMod val="130000"/>
+                <a:shade val="90000"/>
+                <a:lumMod val="103000"/>
+              </a:schemeClr>
+            </a:gs>
+            <a:gs pos="100000">
+              <a:schemeClr val="phClr">
+                <a:shade val="63000"/>
+                <a:satMod val="120000"/>
+              </a:schemeClr>
+            </a:gs>
+          </a:gsLst>
+          <a:lin ang="5400000" scaled="0"/>
+        </a:gradFill>
+      </a:bgFillStyleLst>
+    </a:fmtScheme>
+  </a:themeElements>
+  <a:objectDefaults/>
+  <a:extraClrSchemeLst/>
+  <a:extLst>
+    <a:ext uri="{05A4C25C-085E-4340-85A3-A5531E510DB2}">
+      <thm15:themeFamily xmlns:thm15="http://schemas.microsoft.com/office/thememl/2012/main" name="Office Theme" id="{62F939B6-93AF-4DB8-9C6B-D6C7DFDC589F}" vid="{4A3C46E8-61CC-4603-A589-7422A47A8E4A}"/>
+    </a:ext>
+  </a:extLst>
+</a:theme>
 </file>
--- a/PPT/OOPAndGo.pptx
+++ b/PPT/OOPAndGo.pptx
@@ -5,7 +5,7 @@
     <p:sldMasterId id="2147483660" r:id="rId1"/>
   </p:sldMasterIdLst>
   <p:notesMasterIdLst>
-    <p:notesMasterId r:id="rId18"/>
+    <p:notesMasterId r:id="rId19"/>
   </p:notesMasterIdLst>
   <p:sldIdLst>
     <p:sldId id="256" r:id="rId2"/>
@@ -19,11 +19,12 @@
     <p:sldId id="271" r:id="rId10"/>
     <p:sldId id="272" r:id="rId11"/>
     <p:sldId id="262" r:id="rId12"/>
-    <p:sldId id="263" r:id="rId13"/>
-    <p:sldId id="264" r:id="rId14"/>
+    <p:sldId id="273" r:id="rId13"/>
+    <p:sldId id="263" r:id="rId14"/>
     <p:sldId id="265" r:id="rId15"/>
-    <p:sldId id="266" r:id="rId16"/>
-    <p:sldId id="267" r:id="rId17"/>
+    <p:sldId id="264" r:id="rId16"/>
+    <p:sldId id="266" r:id="rId17"/>
+    <p:sldId id="267" r:id="rId18"/>
   </p:sldIdLst>
   <p:sldSz cx="12192000" cy="6858000"/>
   <p:notesSz cx="6858000" cy="9144000"/>
@@ -6532,37 +6533,44 @@
           <a:p>
             <a:r>
               <a:rPr lang="fr-BE" dirty="0"/>
-              <a:t>Interfaces</a:t>
+              <a:t>Interfaces implémentation</a:t>
             </a:r>
             <a:endParaRPr lang="en-GB" dirty="0"/>
           </a:p>
         </p:txBody>
       </p:sp>
-      <p:sp>
-        <p:nvSpPr>
-          <p:cNvPr id="3" name="Espace réservé du contenu 2">
+      <p:pic>
+        <p:nvPicPr>
+          <p:cNvPr id="4" name="Espace réservé du contenu 3">
             <a:extLst>
               <a:ext uri="{FF2B5EF4-FFF2-40B4-BE49-F238E27FC236}">
-                <a16:creationId xmlns:a16="http://schemas.microsoft.com/office/drawing/2014/main" id="{F22A988F-7192-44E1-A77C-168BCE84EB9E}"/>
+                <a16:creationId xmlns:a16="http://schemas.microsoft.com/office/drawing/2014/main" id="{C9D1725B-CAE8-4CF2-AE9E-321311739383}"/>
               </a:ext>
             </a:extLst>
           </p:cNvPr>
-          <p:cNvSpPr>
-            <a:spLocks noGrp="1"/>
-          </p:cNvSpPr>
+          <p:cNvPicPr>
+            <a:picLocks noGrp="1" noChangeAspect="1"/>
+          </p:cNvPicPr>
           <p:nvPr>
             <p:ph idx="1"/>
           </p:nvPr>
-        </p:nvSpPr>
-        <p:spPr/>
-        <p:txBody>
-          <a:bodyPr/>
-          <a:lstStyle/>
-          <a:p>
-            <a:endParaRPr lang="en-GB" dirty="0"/>
-          </a:p>
-        </p:txBody>
-      </p:sp>
+        </p:nvPicPr>
+        <p:blipFill>
+          <a:blip r:embed="rId2"/>
+          <a:stretch>
+            <a:fillRect/>
+          </a:stretch>
+        </p:blipFill>
+        <p:spPr>
+          <a:xfrm>
+            <a:off x="677334" y="1548127"/>
+            <a:ext cx="5632026" cy="3954806"/>
+          </a:xfrm>
+          <a:prstGeom prst="rect">
+            <a:avLst/>
+          </a:prstGeom>
+        </p:spPr>
+      </p:pic>
     </p:spTree>
     <p:extLst>
       <p:ext uri="{BB962C8B-B14F-4D97-AF65-F5344CB8AC3E}">
@@ -6598,7 +6606,7 @@
           <p:cNvPr id="2" name="Titre 1">
             <a:extLst>
               <a:ext uri="{FF2B5EF4-FFF2-40B4-BE49-F238E27FC236}">
-                <a16:creationId xmlns:a16="http://schemas.microsoft.com/office/drawing/2014/main" id="{9AF73BF0-0057-42CB-8970-ED1DD7B6ABCD}"/>
+                <a16:creationId xmlns:a16="http://schemas.microsoft.com/office/drawing/2014/main" id="{A94E5149-E236-4A8E-A738-0E4A1903664F}"/>
               </a:ext>
             </a:extLst>
           </p:cNvPr>
@@ -6616,41 +6624,48 @@
           <a:p>
             <a:r>
               <a:rPr lang="fr-BE" dirty="0"/>
-              <a:t>Rappel principe fondamentaux de l’orienté objet</a:t>
+              <a:t>Interfaces assignation</a:t>
             </a:r>
             <a:endParaRPr lang="en-GB" dirty="0"/>
           </a:p>
         </p:txBody>
       </p:sp>
-      <p:sp>
-        <p:nvSpPr>
-          <p:cNvPr id="3" name="Espace réservé du contenu 2">
+      <p:pic>
+        <p:nvPicPr>
+          <p:cNvPr id="4" name="Espace réservé du contenu 3">
             <a:extLst>
               <a:ext uri="{FF2B5EF4-FFF2-40B4-BE49-F238E27FC236}">
-                <a16:creationId xmlns:a16="http://schemas.microsoft.com/office/drawing/2014/main" id="{232F5410-CC02-4A25-8206-87C63996CD31}"/>
+                <a16:creationId xmlns:a16="http://schemas.microsoft.com/office/drawing/2014/main" id="{C6BB8AFB-0FDD-436F-82E3-A121F8A039F7}"/>
               </a:ext>
             </a:extLst>
           </p:cNvPr>
-          <p:cNvSpPr>
-            <a:spLocks noGrp="1"/>
-          </p:cNvSpPr>
+          <p:cNvPicPr>
+            <a:picLocks noGrp="1" noChangeAspect="1"/>
+          </p:cNvPicPr>
           <p:nvPr>
             <p:ph idx="1"/>
           </p:nvPr>
-        </p:nvSpPr>
-        <p:spPr/>
-        <p:txBody>
-          <a:bodyPr/>
-          <a:lstStyle/>
-          <a:p>
-            <a:endParaRPr lang="en-GB" dirty="0"/>
-          </a:p>
-        </p:txBody>
-      </p:sp>
+        </p:nvPicPr>
+        <p:blipFill>
+          <a:blip r:embed="rId2"/>
+          <a:stretch>
+            <a:fillRect/>
+          </a:stretch>
+        </p:blipFill>
+        <p:spPr>
+          <a:xfrm>
+            <a:off x="2094317" y="1563716"/>
+            <a:ext cx="8155277" cy="4626453"/>
+          </a:xfrm>
+          <a:prstGeom prst="rect">
+            <a:avLst/>
+          </a:prstGeom>
+        </p:spPr>
+      </p:pic>
     </p:spTree>
     <p:extLst>
       <p:ext uri="{BB962C8B-B14F-4D97-AF65-F5344CB8AC3E}">
-        <p14:creationId xmlns:p14="http://schemas.microsoft.com/office/powerpoint/2010/main" val="2737349872"/>
+        <p14:creationId xmlns:p14="http://schemas.microsoft.com/office/powerpoint/2010/main" val="2386995233"/>
       </p:ext>
     </p:extLst>
   </p:cSld>
@@ -6682,7 +6697,7 @@
           <p:cNvPr id="2" name="Titre 1">
             <a:extLst>
               <a:ext uri="{FF2B5EF4-FFF2-40B4-BE49-F238E27FC236}">
-                <a16:creationId xmlns:a16="http://schemas.microsoft.com/office/drawing/2014/main" id="{66EBE6C8-9DB4-4E67-B346-558031BB06E7}"/>
+                <a16:creationId xmlns:a16="http://schemas.microsoft.com/office/drawing/2014/main" id="{9AF73BF0-0057-42CB-8970-ED1DD7B6ABCD}"/>
               </a:ext>
             </a:extLst>
           </p:cNvPr>
@@ -6700,7 +6715,7 @@
           <a:p>
             <a:r>
               <a:rPr lang="fr-BE" dirty="0"/>
-              <a:t>L’héritage technique</a:t>
+              <a:t>Rappel principe (fondamentaux) de l’orienté objet</a:t>
             </a:r>
             <a:endParaRPr lang="en-GB" dirty="0"/>
           </a:p>
@@ -6711,7 +6726,7 @@
           <p:cNvPr id="3" name="Espace réservé du contenu 2">
             <a:extLst>
               <a:ext uri="{FF2B5EF4-FFF2-40B4-BE49-F238E27FC236}">
-                <a16:creationId xmlns:a16="http://schemas.microsoft.com/office/drawing/2014/main" id="{BB2066F6-54E7-4135-BB5E-C4FD1F8FDFB9}"/>
+                <a16:creationId xmlns:a16="http://schemas.microsoft.com/office/drawing/2014/main" id="{232F5410-CC02-4A25-8206-87C63996CD31}"/>
               </a:ext>
             </a:extLst>
           </p:cNvPr>
@@ -6727,14 +6742,44 @@
           <a:bodyPr/>
           <a:lstStyle/>
           <a:p>
-            <a:endParaRPr lang="en-GB"/>
+            <a:r>
+              <a:rPr lang="fr-BE" dirty="0"/>
+              <a:t>SOLID </a:t>
+            </a:r>
+            <a:r>
+              <a:rPr lang="fr-BE" dirty="0" err="1"/>
+              <a:t>principles</a:t>
+            </a:r>
+            <a:endParaRPr lang="fr-BE" dirty="0"/>
+          </a:p>
+          <a:p>
+            <a:endParaRPr lang="fr-BE" dirty="0"/>
+          </a:p>
+          <a:p>
+            <a:r>
+              <a:rPr lang="en-GB" dirty="0"/>
+              <a:t>Polymorphism</a:t>
+            </a:r>
+          </a:p>
+          <a:p>
+            <a:r>
+              <a:rPr lang="en-GB" dirty="0"/>
+              <a:t>Encapsulation/Abstraction</a:t>
+            </a:r>
+          </a:p>
+          <a:p>
+            <a:r>
+              <a:rPr lang="en-GB" dirty="0" err="1"/>
+              <a:t>Héritage</a:t>
+            </a:r>
+            <a:endParaRPr lang="en-GB" dirty="0"/>
           </a:p>
         </p:txBody>
       </p:sp>
     </p:spTree>
     <p:extLst>
       <p:ext uri="{BB962C8B-B14F-4D97-AF65-F5344CB8AC3E}">
-        <p14:creationId xmlns:p14="http://schemas.microsoft.com/office/powerpoint/2010/main" val="2669434403"/>
+        <p14:creationId xmlns:p14="http://schemas.microsoft.com/office/powerpoint/2010/main" val="2737349872"/>
       </p:ext>
     </p:extLst>
   </p:cSld>
@@ -6811,7 +6856,63 @@
           <a:bodyPr/>
           <a:lstStyle/>
           <a:p>
-            <a:endParaRPr lang="en-GB"/>
+            <a:r>
+              <a:rPr lang="fr-BE" dirty="0"/>
+              <a:t>Rentrer différents type d’objet dans une imbrication</a:t>
+            </a:r>
+          </a:p>
+          <a:p>
+            <a:endParaRPr lang="en-GB" dirty="0"/>
+          </a:p>
+        </p:txBody>
+      </p:sp>
+      <p:sp>
+        <p:nvSpPr>
+          <p:cNvPr id="4" name="ZoneTexte 3">
+            <a:extLst>
+              <a:ext uri="{FF2B5EF4-FFF2-40B4-BE49-F238E27FC236}">
+                <a16:creationId xmlns:a16="http://schemas.microsoft.com/office/drawing/2014/main" id="{1F88F3C8-7B21-4DBC-AE7C-E9998CD20810}"/>
+              </a:ext>
+            </a:extLst>
+          </p:cNvPr>
+          <p:cNvSpPr txBox="1"/>
+          <p:nvPr/>
+        </p:nvSpPr>
+        <p:spPr>
+          <a:xfrm>
+            <a:off x="3571617" y="3621184"/>
+            <a:ext cx="4552849" cy="1107996"/>
+          </a:xfrm>
+          <a:prstGeom prst="rect">
+            <a:avLst/>
+          </a:prstGeom>
+          <a:noFill/>
+        </p:spPr>
+        <p:txBody>
+          <a:bodyPr wrap="none" rtlCol="0">
+            <a:spAutoFit/>
+          </a:bodyPr>
+          <a:lstStyle/>
+          <a:p>
+            <a:r>
+              <a:rPr lang="fr-BE" sz="6600" dirty="0">
+                <a:solidFill>
+                  <a:schemeClr val="accent2">
+                    <a:lumMod val="60000"/>
+                    <a:lumOff val="40000"/>
+                  </a:schemeClr>
+                </a:solidFill>
+              </a:rPr>
+              <a:t>Interfaces !</a:t>
+            </a:r>
+            <a:endParaRPr lang="en-GB" sz="6600" dirty="0">
+              <a:solidFill>
+                <a:schemeClr val="accent2">
+                  <a:lumMod val="60000"/>
+                  <a:lumOff val="40000"/>
+                </a:schemeClr>
+              </a:solidFill>
+            </a:endParaRPr>
           </a:p>
         </p:txBody>
       </p:sp>
@@ -6825,6 +6926,130 @@
   <p:clrMapOvr>
     <a:masterClrMapping/>
   </p:clrMapOvr>
+  <p:timing>
+    <p:tnLst>
+      <p:par>
+        <p:cTn id="1" dur="indefinite" restart="never" nodeType="tmRoot">
+          <p:childTnLst>
+            <p:seq concurrent="1" nextAc="seek">
+              <p:cTn id="2" dur="indefinite" nodeType="mainSeq">
+                <p:childTnLst>
+                  <p:par>
+                    <p:cTn id="3" fill="hold">
+                      <p:stCondLst>
+                        <p:cond delay="indefinite"/>
+                      </p:stCondLst>
+                      <p:childTnLst>
+                        <p:par>
+                          <p:cTn id="4" fill="hold">
+                            <p:stCondLst>
+                              <p:cond delay="0"/>
+                            </p:stCondLst>
+                            <p:childTnLst>
+                              <p:par>
+                                <p:cTn id="5" presetID="2" presetClass="entr" presetSubtype="4" fill="hold" grpId="0" nodeType="clickEffect">
+                                  <p:stCondLst>
+                                    <p:cond delay="0"/>
+                                  </p:stCondLst>
+                                  <p:childTnLst>
+                                    <p:set>
+                                      <p:cBhvr>
+                                        <p:cTn id="6" dur="1" fill="hold">
+                                          <p:stCondLst>
+                                            <p:cond delay="0"/>
+                                          </p:stCondLst>
+                                        </p:cTn>
+                                        <p:tgtEl>
+                                          <p:spTgt spid="4"/>
+                                        </p:tgtEl>
+                                        <p:attrNameLst>
+                                          <p:attrName>style.visibility</p:attrName>
+                                        </p:attrNameLst>
+                                      </p:cBhvr>
+                                      <p:to>
+                                        <p:strVal val="visible"/>
+                                      </p:to>
+                                    </p:set>
+                                    <p:anim calcmode="lin" valueType="num">
+                                      <p:cBhvr additive="base">
+                                        <p:cTn id="7" dur="500" fill="hold"/>
+                                        <p:tgtEl>
+                                          <p:spTgt spid="4"/>
+                                        </p:tgtEl>
+                                        <p:attrNameLst>
+                                          <p:attrName>ppt_x</p:attrName>
+                                        </p:attrNameLst>
+                                      </p:cBhvr>
+                                      <p:tavLst>
+                                        <p:tav tm="0">
+                                          <p:val>
+                                            <p:strVal val="#ppt_x"/>
+                                          </p:val>
+                                        </p:tav>
+                                        <p:tav tm="100000">
+                                          <p:val>
+                                            <p:strVal val="#ppt_x"/>
+                                          </p:val>
+                                        </p:tav>
+                                      </p:tavLst>
+                                    </p:anim>
+                                    <p:anim calcmode="lin" valueType="num">
+                                      <p:cBhvr additive="base">
+                                        <p:cTn id="8" dur="500" fill="hold"/>
+                                        <p:tgtEl>
+                                          <p:spTgt spid="4"/>
+                                        </p:tgtEl>
+                                        <p:attrNameLst>
+                                          <p:attrName>ppt_y</p:attrName>
+                                        </p:attrNameLst>
+                                      </p:cBhvr>
+                                      <p:tavLst>
+                                        <p:tav tm="0">
+                                          <p:val>
+                                            <p:strVal val="1+#ppt_h/2"/>
+                                          </p:val>
+                                        </p:tav>
+                                        <p:tav tm="100000">
+                                          <p:val>
+                                            <p:strVal val="#ppt_y"/>
+                                          </p:val>
+                                        </p:tav>
+                                      </p:tavLst>
+                                    </p:anim>
+                                  </p:childTnLst>
+                                </p:cTn>
+                              </p:par>
+                            </p:childTnLst>
+                          </p:cTn>
+                        </p:par>
+                      </p:childTnLst>
+                    </p:cTn>
+                  </p:par>
+                </p:childTnLst>
+              </p:cTn>
+              <p:prevCondLst>
+                <p:cond evt="onPrev" delay="0">
+                  <p:tgtEl>
+                    <p:sldTgt/>
+                  </p:tgtEl>
+                </p:cond>
+              </p:prevCondLst>
+              <p:nextCondLst>
+                <p:cond evt="onNext" delay="0">
+                  <p:tgtEl>
+                    <p:sldTgt/>
+                  </p:tgtEl>
+                </p:cond>
+              </p:nextCondLst>
+            </p:seq>
+          </p:childTnLst>
+        </p:cTn>
+      </p:par>
+    </p:tnLst>
+    <p:bldLst>
+      <p:bldP spid="4" grpId="0"/>
+    </p:bldLst>
+  </p:timing>
 </p:sld>
 </file>
 
@@ -6850,6 +7075,268 @@
           <p:cNvPr id="2" name="Titre 1">
             <a:extLst>
               <a:ext uri="{FF2B5EF4-FFF2-40B4-BE49-F238E27FC236}">
+                <a16:creationId xmlns:a16="http://schemas.microsoft.com/office/drawing/2014/main" id="{66EBE6C8-9DB4-4E67-B346-558031BB06E7}"/>
+              </a:ext>
+            </a:extLst>
+          </p:cNvPr>
+          <p:cNvSpPr>
+            <a:spLocks noGrp="1"/>
+          </p:cNvSpPr>
+          <p:nvPr>
+            <p:ph type="title"/>
+          </p:nvPr>
+        </p:nvSpPr>
+        <p:spPr/>
+        <p:txBody>
+          <a:bodyPr/>
+          <a:lstStyle/>
+          <a:p>
+            <a:r>
+              <a:rPr lang="fr-BE" dirty="0"/>
+              <a:t>L’héritage technique</a:t>
+            </a:r>
+            <a:endParaRPr lang="en-GB" dirty="0"/>
+          </a:p>
+        </p:txBody>
+      </p:sp>
+      <p:sp>
+        <p:nvSpPr>
+          <p:cNvPr id="3" name="Espace réservé du contenu 2">
+            <a:extLst>
+              <a:ext uri="{FF2B5EF4-FFF2-40B4-BE49-F238E27FC236}">
+                <a16:creationId xmlns:a16="http://schemas.microsoft.com/office/drawing/2014/main" id="{BB2066F6-54E7-4135-BB5E-C4FD1F8FDFB9}"/>
+              </a:ext>
+            </a:extLst>
+          </p:cNvPr>
+          <p:cNvSpPr>
+            <a:spLocks noGrp="1"/>
+          </p:cNvSpPr>
+          <p:nvPr>
+            <p:ph idx="1"/>
+          </p:nvPr>
+        </p:nvSpPr>
+        <p:spPr/>
+        <p:txBody>
+          <a:bodyPr/>
+          <a:lstStyle/>
+          <a:p>
+            <a:r>
+              <a:rPr lang="fr-BE" dirty="0"/>
+              <a:t>Mise à disposition de fonctionnalités commune a plusieurs classes</a:t>
+            </a:r>
+            <a:endParaRPr lang="en-GB" dirty="0"/>
+          </a:p>
+        </p:txBody>
+      </p:sp>
+      <p:sp>
+        <p:nvSpPr>
+          <p:cNvPr id="5" name="ZoneTexte 4">
+            <a:extLst>
+              <a:ext uri="{FF2B5EF4-FFF2-40B4-BE49-F238E27FC236}">
+                <a16:creationId xmlns:a16="http://schemas.microsoft.com/office/drawing/2014/main" id="{7D467715-EE22-46FE-ABE2-B53966BC6A90}"/>
+              </a:ext>
+            </a:extLst>
+          </p:cNvPr>
+          <p:cNvSpPr txBox="1"/>
+          <p:nvPr/>
+        </p:nvSpPr>
+        <p:spPr>
+          <a:xfrm>
+            <a:off x="2296471" y="3333947"/>
+            <a:ext cx="5415265" cy="1107996"/>
+          </a:xfrm>
+          <a:prstGeom prst="rect">
+            <a:avLst/>
+          </a:prstGeom>
+          <a:noFill/>
+        </p:spPr>
+        <p:txBody>
+          <a:bodyPr wrap="none" rtlCol="0">
+            <a:spAutoFit/>
+          </a:bodyPr>
+          <a:lstStyle/>
+          <a:p>
+            <a:r>
+              <a:rPr lang="fr-BE" sz="6600" dirty="0">
+                <a:solidFill>
+                  <a:schemeClr val="accent2">
+                    <a:lumMod val="60000"/>
+                    <a:lumOff val="40000"/>
+                  </a:schemeClr>
+                </a:solidFill>
+              </a:rPr>
+              <a:t>Composition !</a:t>
+            </a:r>
+            <a:endParaRPr lang="en-GB" sz="6600" dirty="0">
+              <a:solidFill>
+                <a:schemeClr val="accent2">
+                  <a:lumMod val="60000"/>
+                  <a:lumOff val="40000"/>
+                </a:schemeClr>
+              </a:solidFill>
+            </a:endParaRPr>
+          </a:p>
+        </p:txBody>
+      </p:sp>
+    </p:spTree>
+    <p:extLst>
+      <p:ext uri="{BB962C8B-B14F-4D97-AF65-F5344CB8AC3E}">
+        <p14:creationId xmlns:p14="http://schemas.microsoft.com/office/powerpoint/2010/main" val="2669434403"/>
+      </p:ext>
+    </p:extLst>
+  </p:cSld>
+  <p:clrMapOvr>
+    <a:masterClrMapping/>
+  </p:clrMapOvr>
+  <p:timing>
+    <p:tnLst>
+      <p:par>
+        <p:cTn id="1" dur="indefinite" restart="never" nodeType="tmRoot">
+          <p:childTnLst>
+            <p:seq concurrent="1" nextAc="seek">
+              <p:cTn id="2" dur="indefinite" nodeType="mainSeq">
+                <p:childTnLst>
+                  <p:par>
+                    <p:cTn id="3" fill="hold">
+                      <p:stCondLst>
+                        <p:cond delay="indefinite"/>
+                      </p:stCondLst>
+                      <p:childTnLst>
+                        <p:par>
+                          <p:cTn id="4" fill="hold">
+                            <p:stCondLst>
+                              <p:cond delay="0"/>
+                            </p:stCondLst>
+                            <p:childTnLst>
+                              <p:par>
+                                <p:cTn id="5" presetID="2" presetClass="entr" presetSubtype="4" fill="hold" grpId="0" nodeType="clickEffect">
+                                  <p:stCondLst>
+                                    <p:cond delay="0"/>
+                                  </p:stCondLst>
+                                  <p:childTnLst>
+                                    <p:set>
+                                      <p:cBhvr>
+                                        <p:cTn id="6" dur="1" fill="hold">
+                                          <p:stCondLst>
+                                            <p:cond delay="0"/>
+                                          </p:stCondLst>
+                                        </p:cTn>
+                                        <p:tgtEl>
+                                          <p:spTgt spid="5"/>
+                                        </p:tgtEl>
+                                        <p:attrNameLst>
+                                          <p:attrName>style.visibility</p:attrName>
+                                        </p:attrNameLst>
+                                      </p:cBhvr>
+                                      <p:to>
+                                        <p:strVal val="visible"/>
+                                      </p:to>
+                                    </p:set>
+                                    <p:anim calcmode="lin" valueType="num">
+                                      <p:cBhvr additive="base">
+                                        <p:cTn id="7" dur="500" fill="hold"/>
+                                        <p:tgtEl>
+                                          <p:spTgt spid="5"/>
+                                        </p:tgtEl>
+                                        <p:attrNameLst>
+                                          <p:attrName>ppt_x</p:attrName>
+                                        </p:attrNameLst>
+                                      </p:cBhvr>
+                                      <p:tavLst>
+                                        <p:tav tm="0">
+                                          <p:val>
+                                            <p:strVal val="#ppt_x"/>
+                                          </p:val>
+                                        </p:tav>
+                                        <p:tav tm="100000">
+                                          <p:val>
+                                            <p:strVal val="#ppt_x"/>
+                                          </p:val>
+                                        </p:tav>
+                                      </p:tavLst>
+                                    </p:anim>
+                                    <p:anim calcmode="lin" valueType="num">
+                                      <p:cBhvr additive="base">
+                                        <p:cTn id="8" dur="500" fill="hold"/>
+                                        <p:tgtEl>
+                                          <p:spTgt spid="5"/>
+                                        </p:tgtEl>
+                                        <p:attrNameLst>
+                                          <p:attrName>ppt_y</p:attrName>
+                                        </p:attrNameLst>
+                                      </p:cBhvr>
+                                      <p:tavLst>
+                                        <p:tav tm="0">
+                                          <p:val>
+                                            <p:strVal val="1+#ppt_h/2"/>
+                                          </p:val>
+                                        </p:tav>
+                                        <p:tav tm="100000">
+                                          <p:val>
+                                            <p:strVal val="#ppt_y"/>
+                                          </p:val>
+                                        </p:tav>
+                                      </p:tavLst>
+                                    </p:anim>
+                                  </p:childTnLst>
+                                </p:cTn>
+                              </p:par>
+                            </p:childTnLst>
+                          </p:cTn>
+                        </p:par>
+                      </p:childTnLst>
+                    </p:cTn>
+                  </p:par>
+                </p:childTnLst>
+              </p:cTn>
+              <p:prevCondLst>
+                <p:cond evt="onPrev" delay="0">
+                  <p:tgtEl>
+                    <p:sldTgt/>
+                  </p:tgtEl>
+                </p:cond>
+              </p:prevCondLst>
+              <p:nextCondLst>
+                <p:cond evt="onNext" delay="0">
+                  <p:tgtEl>
+                    <p:sldTgt/>
+                  </p:tgtEl>
+                </p:cond>
+              </p:nextCondLst>
+            </p:seq>
+          </p:childTnLst>
+        </p:cTn>
+      </p:par>
+    </p:tnLst>
+    <p:bldLst>
+      <p:bldP spid="5" grpId="0"/>
+    </p:bldLst>
+  </p:timing>
+</p:sld>
+</file>
+
+<file path=ppt/slides/slide16.xml><?xml version="1.0" encoding="utf-8"?>
+<p:sld xmlns:a="http://schemas.openxmlformats.org/drawingml/2006/main" xmlns:r="http://schemas.openxmlformats.org/officeDocument/2006/relationships" xmlns:p="http://schemas.openxmlformats.org/presentationml/2006/main">
+  <p:cSld>
+    <p:spTree>
+      <p:nvGrpSpPr>
+        <p:cNvPr id="1" name=""/>
+        <p:cNvGrpSpPr/>
+        <p:nvPr/>
+      </p:nvGrpSpPr>
+      <p:grpSpPr>
+        <a:xfrm>
+          <a:off x="0" y="0"/>
+          <a:ext cx="0" cy="0"/>
+          <a:chOff x="0" y="0"/>
+          <a:chExt cx="0" cy="0"/>
+        </a:xfrm>
+      </p:grpSpPr>
+      <p:sp>
+        <p:nvSpPr>
+          <p:cNvPr id="2" name="Titre 1">
+            <a:extLst>
+              <a:ext uri="{FF2B5EF4-FFF2-40B4-BE49-F238E27FC236}">
                 <a16:creationId xmlns:a16="http://schemas.microsoft.com/office/drawing/2014/main" id="{80D7D2F9-5224-4FE9-A77B-1B3A763426CF}"/>
               </a:ext>
             </a:extLst>
@@ -6899,7 +7386,7 @@
           <a:bodyPr/>
           <a:lstStyle/>
           <a:p>
-            <a:endParaRPr lang="en-GB"/>
+            <a:endParaRPr lang="en-GB" dirty="0"/>
           </a:p>
         </p:txBody>
       </p:sp>
@@ -6916,7 +7403,7 @@
 </p:sld>
 </file>
 
-<file path=ppt/slides/slide16.xml><?xml version="1.0" encoding="utf-8"?>
+<file path=ppt/slides/slide17.xml><?xml version="1.0" encoding="utf-8"?>
 <p:sld xmlns:a="http://schemas.openxmlformats.org/drawingml/2006/main" xmlns:r="http://schemas.openxmlformats.org/officeDocument/2006/relationships" xmlns:p="http://schemas.openxmlformats.org/presentationml/2006/main">
   <p:cSld>
     <p:spTree>

--- a/PPT/OOPAndGo.pptx
+++ b/PPT/OOPAndGo.pptx
@@ -5,7 +5,7 @@
     <p:sldMasterId id="2147483660" r:id="rId1"/>
   </p:sldMasterIdLst>
   <p:notesMasterIdLst>
-    <p:notesMasterId r:id="rId19"/>
+    <p:notesMasterId r:id="rId20"/>
   </p:notesMasterIdLst>
   <p:sldIdLst>
     <p:sldId id="256" r:id="rId2"/>
@@ -24,7 +24,8 @@
     <p:sldId id="265" r:id="rId15"/>
     <p:sldId id="264" r:id="rId16"/>
     <p:sldId id="266" r:id="rId17"/>
-    <p:sldId id="267" r:id="rId18"/>
+    <p:sldId id="274" r:id="rId18"/>
+    <p:sldId id="267" r:id="rId19"/>
   </p:sldIdLst>
   <p:sldSz cx="12192000" cy="6858000"/>
   <p:notesSz cx="6858000" cy="9144000"/>
@@ -213,7 +214,7 @@
           <a:p>
             <a:fld id="{5704045B-0300-40B8-906E-48019F9F7CEB}" type="datetimeFigureOut">
               <a:rPr lang="en-GB" smtClean="0"/>
-              <a:t>07/11/2019</a:t>
+              <a:t>10/11/2019</a:t>
             </a:fld>
             <a:endParaRPr lang="en-GB"/>
           </a:p>
@@ -1305,7 +1306,7 @@
           <a:p>
             <a:fld id="{C0C4FB13-012F-4037-81DA-501F3326904A}" type="datetimeFigureOut">
               <a:rPr lang="en-GB" smtClean="0"/>
-              <a:t>07/11/2019</a:t>
+              <a:t>10/11/2019</a:t>
             </a:fld>
             <a:endParaRPr lang="en-GB"/>
           </a:p>
@@ -1556,7 +1557,7 @@
           <a:p>
             <a:fld id="{C0C4FB13-012F-4037-81DA-501F3326904A}" type="datetimeFigureOut">
               <a:rPr lang="en-GB" smtClean="0"/>
-              <a:t>07/11/2019</a:t>
+              <a:t>10/11/2019</a:t>
             </a:fld>
             <a:endParaRPr lang="en-GB"/>
           </a:p>
@@ -1870,7 +1871,7 @@
           <a:p>
             <a:fld id="{C0C4FB13-012F-4037-81DA-501F3326904A}" type="datetimeFigureOut">
               <a:rPr lang="en-GB" smtClean="0"/>
-              <a:t>07/11/2019</a:t>
+              <a:t>10/11/2019</a:t>
             </a:fld>
             <a:endParaRPr lang="en-GB"/>
           </a:p>
@@ -2211,7 +2212,7 @@
           <a:p>
             <a:fld id="{C0C4FB13-012F-4037-81DA-501F3326904A}" type="datetimeFigureOut">
               <a:rPr lang="en-GB" smtClean="0"/>
-              <a:t>07/11/2019</a:t>
+              <a:t>10/11/2019</a:t>
             </a:fld>
             <a:endParaRPr lang="en-GB"/>
           </a:p>
@@ -2525,7 +2526,7 @@
           <a:p>
             <a:fld id="{C0C4FB13-012F-4037-81DA-501F3326904A}" type="datetimeFigureOut">
               <a:rPr lang="en-GB" smtClean="0"/>
-              <a:t>07/11/2019</a:t>
+              <a:t>10/11/2019</a:t>
             </a:fld>
             <a:endParaRPr lang="en-GB"/>
           </a:p>
@@ -2918,7 +2919,7 @@
           <a:p>
             <a:fld id="{C0C4FB13-012F-4037-81DA-501F3326904A}" type="datetimeFigureOut">
               <a:rPr lang="en-GB" smtClean="0"/>
-              <a:t>07/11/2019</a:t>
+              <a:t>10/11/2019</a:t>
             </a:fld>
             <a:endParaRPr lang="en-GB"/>
           </a:p>
@@ -3088,7 +3089,7 @@
           <a:p>
             <a:fld id="{C0C4FB13-012F-4037-81DA-501F3326904A}" type="datetimeFigureOut">
               <a:rPr lang="en-GB" smtClean="0"/>
-              <a:t>07/11/2019</a:t>
+              <a:t>10/11/2019</a:t>
             </a:fld>
             <a:endParaRPr lang="en-GB"/>
           </a:p>
@@ -3268,7 +3269,7 @@
           <a:p>
             <a:fld id="{C0C4FB13-012F-4037-81DA-501F3326904A}" type="datetimeFigureOut">
               <a:rPr lang="en-GB" smtClean="0"/>
-              <a:t>07/11/2019</a:t>
+              <a:t>10/11/2019</a:t>
             </a:fld>
             <a:endParaRPr lang="en-GB"/>
           </a:p>
@@ -3444,7 +3445,7 @@
           <a:p>
             <a:fld id="{C0C4FB13-012F-4037-81DA-501F3326904A}" type="datetimeFigureOut">
               <a:rPr lang="en-GB" smtClean="0"/>
-              <a:t>07/11/2019</a:t>
+              <a:t>10/11/2019</a:t>
             </a:fld>
             <a:endParaRPr lang="en-GB"/>
           </a:p>
@@ -3691,7 +3692,7 @@
           <a:p>
             <a:fld id="{C0C4FB13-012F-4037-81DA-501F3326904A}" type="datetimeFigureOut">
               <a:rPr lang="en-GB" smtClean="0"/>
-              <a:t>07/11/2019</a:t>
+              <a:t>10/11/2019</a:t>
             </a:fld>
             <a:endParaRPr lang="en-GB"/>
           </a:p>
@@ -3923,7 +3924,7 @@
           <a:p>
             <a:fld id="{C0C4FB13-012F-4037-81DA-501F3326904A}" type="datetimeFigureOut">
               <a:rPr lang="en-GB" smtClean="0"/>
-              <a:t>07/11/2019</a:t>
+              <a:t>10/11/2019</a:t>
             </a:fld>
             <a:endParaRPr lang="en-GB"/>
           </a:p>
@@ -4297,7 +4298,7 @@
           <a:p>
             <a:fld id="{C0C4FB13-012F-4037-81DA-501F3326904A}" type="datetimeFigureOut">
               <a:rPr lang="en-GB" smtClean="0"/>
-              <a:t>07/11/2019</a:t>
+              <a:t>10/11/2019</a:t>
             </a:fld>
             <a:endParaRPr lang="en-GB"/>
           </a:p>
@@ -4420,7 +4421,7 @@
           <a:p>
             <a:fld id="{C0C4FB13-012F-4037-81DA-501F3326904A}" type="datetimeFigureOut">
               <a:rPr lang="en-GB" smtClean="0"/>
-              <a:t>07/11/2019</a:t>
+              <a:t>10/11/2019</a:t>
             </a:fld>
             <a:endParaRPr lang="en-GB"/>
           </a:p>
@@ -4515,7 +4516,7 @@
           <a:p>
             <a:fld id="{C0C4FB13-012F-4037-81DA-501F3326904A}" type="datetimeFigureOut">
               <a:rPr lang="en-GB" smtClean="0"/>
-              <a:t>07/11/2019</a:t>
+              <a:t>10/11/2019</a:t>
             </a:fld>
             <a:endParaRPr lang="en-GB"/>
           </a:p>
@@ -4770,7 +4771,7 @@
           <a:p>
             <a:fld id="{C0C4FB13-012F-4037-81DA-501F3326904A}" type="datetimeFigureOut">
               <a:rPr lang="en-GB" smtClean="0"/>
-              <a:t>07/11/2019</a:t>
+              <a:t>10/11/2019</a:t>
             </a:fld>
             <a:endParaRPr lang="en-GB"/>
           </a:p>
@@ -5033,7 +5034,7 @@
           <a:p>
             <a:fld id="{C0C4FB13-012F-4037-81DA-501F3326904A}" type="datetimeFigureOut">
               <a:rPr lang="en-GB" smtClean="0"/>
-              <a:t>07/11/2019</a:t>
+              <a:t>10/11/2019</a:t>
             </a:fld>
             <a:endParaRPr lang="en-GB"/>
           </a:p>
@@ -5776,7 +5777,7 @@
           <a:p>
             <a:fld id="{C0C4FB13-012F-4037-81DA-501F3326904A}" type="datetimeFigureOut">
               <a:rPr lang="en-GB" smtClean="0"/>
-              <a:t>07/11/2019</a:t>
+              <a:t>10/11/2019</a:t>
             </a:fld>
             <a:endParaRPr lang="en-GB"/>
           </a:p>
@@ -7386,7 +7387,254 @@
           <a:bodyPr/>
           <a:lstStyle/>
           <a:p>
+            <a:r>
+              <a:rPr lang="fr-BE" dirty="0"/>
+              <a:t>{ </a:t>
+            </a:r>
+            <a:r>
+              <a:rPr lang="fr-BE" dirty="0" err="1"/>
+              <a:t>PlusOperation</a:t>
+            </a:r>
+            <a:r>
+              <a:rPr lang="fr-BE" dirty="0"/>
+              <a:t> (</a:t>
+            </a:r>
+            <a:r>
+              <a:rPr lang="fr-BE" dirty="0" err="1"/>
+              <a:t>int</a:t>
+            </a:r>
+            <a:r>
+              <a:rPr lang="fr-BE" dirty="0"/>
+              <a:t>, </a:t>
+            </a:r>
+            <a:r>
+              <a:rPr lang="fr-BE" dirty="0" err="1"/>
+              <a:t>int</a:t>
+            </a:r>
+            <a:r>
+              <a:rPr lang="fr-BE" dirty="0"/>
+              <a:t>) =&gt; </a:t>
+            </a:r>
+            <a:r>
+              <a:rPr lang="fr-BE" dirty="0" err="1"/>
+              <a:t>int</a:t>
+            </a:r>
+            <a:r>
+              <a:rPr lang="fr-BE" dirty="0"/>
+              <a:t> } </a:t>
+            </a:r>
+          </a:p>
+          <a:p>
+            <a:pPr lvl="1"/>
+            <a:r>
+              <a:rPr lang="fr-BE" dirty="0"/>
+              <a:t>Avec héritage {</a:t>
+            </a:r>
+            <a:r>
+              <a:rPr lang="fr-BE" dirty="0" err="1"/>
+              <a:t>PlusOperation</a:t>
+            </a:r>
+            <a:r>
+              <a:rPr lang="fr-BE" dirty="0"/>
+              <a:t> (</a:t>
+            </a:r>
+            <a:r>
+              <a:rPr lang="fr-BE" dirty="0" err="1"/>
+              <a:t>int</a:t>
+            </a:r>
+            <a:r>
+              <a:rPr lang="fr-BE" dirty="0"/>
+              <a:t>, </a:t>
+            </a:r>
+            <a:r>
+              <a:rPr lang="fr-BE" dirty="0" err="1"/>
+              <a:t>int</a:t>
+            </a:r>
+            <a:r>
+              <a:rPr lang="fr-BE" dirty="0"/>
+              <a:t>) =&gt; </a:t>
+            </a:r>
+            <a:r>
+              <a:rPr lang="fr-BE" dirty="0" err="1"/>
+              <a:t>int</a:t>
+            </a:r>
+            <a:r>
+              <a:rPr lang="fr-BE" dirty="0"/>
+              <a:t>, </a:t>
+            </a:r>
+            <a:r>
+              <a:rPr lang="fr-BE" dirty="0" err="1"/>
+              <a:t>MultiplyOperation</a:t>
+            </a:r>
+            <a:r>
+              <a:rPr lang="fr-BE" dirty="0"/>
+              <a:t>(</a:t>
+            </a:r>
+            <a:r>
+              <a:rPr lang="fr-BE" dirty="0" err="1"/>
+              <a:t>int</a:t>
+            </a:r>
+            <a:r>
+              <a:rPr lang="fr-BE" dirty="0"/>
+              <a:t>, </a:t>
+            </a:r>
+            <a:r>
+              <a:rPr lang="fr-BE" dirty="0" err="1"/>
+              <a:t>int</a:t>
+            </a:r>
+            <a:r>
+              <a:rPr lang="fr-BE" dirty="0"/>
+              <a:t>) =&gt; </a:t>
+            </a:r>
+            <a:r>
+              <a:rPr lang="fr-BE" dirty="0" err="1"/>
+              <a:t>int</a:t>
+            </a:r>
+            <a:r>
+              <a:rPr lang="fr-BE" dirty="0"/>
+              <a:t> }</a:t>
+            </a:r>
+          </a:p>
+          <a:p>
+            <a:r>
+              <a:rPr lang="fr-BE" dirty="0"/>
+              <a:t>{ </a:t>
+            </a:r>
+            <a:r>
+              <a:rPr lang="fr-BE" dirty="0" err="1"/>
+              <a:t>MinusOperation</a:t>
+            </a:r>
+            <a:r>
+              <a:rPr lang="fr-BE" dirty="0"/>
+              <a:t> (</a:t>
+            </a:r>
+            <a:r>
+              <a:rPr lang="fr-BE" dirty="0" err="1"/>
+              <a:t>int</a:t>
+            </a:r>
+            <a:r>
+              <a:rPr lang="fr-BE" dirty="0"/>
+              <a:t>, </a:t>
+            </a:r>
+            <a:r>
+              <a:rPr lang="fr-BE" dirty="0" err="1"/>
+              <a:t>int</a:t>
+            </a:r>
+            <a:r>
+              <a:rPr lang="fr-BE" dirty="0"/>
+              <a:t>) =&gt; </a:t>
+            </a:r>
+            <a:r>
+              <a:rPr lang="fr-BE" dirty="0" err="1"/>
+              <a:t>int</a:t>
+            </a:r>
+            <a:r>
+              <a:rPr lang="fr-BE" dirty="0"/>
+              <a:t> } </a:t>
+            </a:r>
+          </a:p>
+          <a:p>
+            <a:pPr lvl="1"/>
+            <a:r>
+              <a:rPr lang="en-GB" dirty="0"/>
+              <a:t>Avec heritage {</a:t>
+            </a:r>
+            <a:r>
+              <a:rPr lang="en-GB" dirty="0" err="1"/>
+              <a:t>MinusOperation</a:t>
+            </a:r>
+            <a:r>
+              <a:rPr lang="en-GB" dirty="0"/>
+              <a:t> (int, int) =&gt; int, </a:t>
+            </a:r>
+            <a:r>
+              <a:rPr lang="en-GB" dirty="0" err="1"/>
+              <a:t>DividesOperation</a:t>
+            </a:r>
+            <a:r>
+              <a:rPr lang="en-GB" dirty="0"/>
+              <a:t>(int, int) =&gt; int)}</a:t>
+            </a:r>
+          </a:p>
+          <a:p>
+            <a:pPr lvl="1"/>
             <a:endParaRPr lang="en-GB" dirty="0"/>
+          </a:p>
+          <a:p>
+            <a:pPr lvl="1"/>
+            <a:endParaRPr lang="en-GB" dirty="0"/>
+          </a:p>
+          <a:p>
+            <a:r>
+              <a:rPr lang="en-GB" dirty="0"/>
+              <a:t>Comment </a:t>
+            </a:r>
+            <a:r>
+              <a:rPr lang="en-GB" dirty="0" err="1"/>
+              <a:t>construire</a:t>
+            </a:r>
+            <a:r>
+              <a:rPr lang="en-GB" dirty="0"/>
+              <a:t> un </a:t>
+            </a:r>
+            <a:r>
+              <a:rPr lang="en-GB" dirty="0" err="1"/>
+              <a:t>objet</a:t>
+            </a:r>
+            <a:r>
+              <a:rPr lang="en-GB" dirty="0"/>
+              <a:t> avec les 4 </a:t>
+            </a:r>
+            <a:r>
+              <a:rPr lang="en-GB" dirty="0" err="1"/>
+              <a:t>méthodes</a:t>
+            </a:r>
+            <a:r>
+              <a:rPr lang="en-GB" dirty="0"/>
+              <a:t> ?</a:t>
+            </a:r>
+          </a:p>
+          <a:p>
+            <a:endParaRPr lang="en-GB" i="1" dirty="0"/>
+          </a:p>
+        </p:txBody>
+      </p:sp>
+      <p:sp>
+        <p:nvSpPr>
+          <p:cNvPr id="4" name="ZoneTexte 3">
+            <a:extLst>
+              <a:ext uri="{FF2B5EF4-FFF2-40B4-BE49-F238E27FC236}">
+                <a16:creationId xmlns:a16="http://schemas.microsoft.com/office/drawing/2014/main" id="{9C85467F-101D-4616-8A4F-8B37773FFF10}"/>
+              </a:ext>
+            </a:extLst>
+          </p:cNvPr>
+          <p:cNvSpPr txBox="1"/>
+          <p:nvPr/>
+        </p:nvSpPr>
+        <p:spPr>
+          <a:xfrm>
+            <a:off x="963261" y="5186253"/>
+            <a:ext cx="1142492" cy="369332"/>
+          </a:xfrm>
+          <a:prstGeom prst="rect">
+            <a:avLst/>
+          </a:prstGeom>
+          <a:noFill/>
+        </p:spPr>
+        <p:txBody>
+          <a:bodyPr wrap="none" rtlCol="0">
+            <a:spAutoFit/>
+          </a:bodyPr>
+          <a:lstStyle/>
+          <a:p>
+            <a:r>
+              <a:rPr lang="en-GB" i="1" dirty="0" err="1"/>
+              <a:t>Voir</a:t>
+            </a:r>
+            <a:r>
+              <a:rPr lang="en-GB" i="1" dirty="0"/>
+              <a:t> code</a:t>
+            </a:r>
           </a:p>
         </p:txBody>
       </p:sp>
@@ -7400,10 +7648,225 @@
   <p:clrMapOvr>
     <a:masterClrMapping/>
   </p:clrMapOvr>
+  <p:timing>
+    <p:tnLst>
+      <p:par>
+        <p:cTn id="1" dur="indefinite" restart="never" nodeType="tmRoot">
+          <p:childTnLst>
+            <p:seq concurrent="1" nextAc="seek">
+              <p:cTn id="2" dur="indefinite" nodeType="mainSeq">
+                <p:childTnLst>
+                  <p:par>
+                    <p:cTn id="3" fill="hold">
+                      <p:stCondLst>
+                        <p:cond delay="indefinite"/>
+                      </p:stCondLst>
+                      <p:childTnLst>
+                        <p:par>
+                          <p:cTn id="4" fill="hold">
+                            <p:stCondLst>
+                              <p:cond delay="0"/>
+                            </p:stCondLst>
+                            <p:childTnLst>
+                              <p:par>
+                                <p:cTn id="5" presetID="2" presetClass="entr" presetSubtype="4" fill="hold" grpId="0" nodeType="clickEffect">
+                                  <p:stCondLst>
+                                    <p:cond delay="0"/>
+                                  </p:stCondLst>
+                                  <p:childTnLst>
+                                    <p:set>
+                                      <p:cBhvr>
+                                        <p:cTn id="6" dur="1" fill="hold">
+                                          <p:stCondLst>
+                                            <p:cond delay="0"/>
+                                          </p:stCondLst>
+                                        </p:cTn>
+                                        <p:tgtEl>
+                                          <p:spTgt spid="4"/>
+                                        </p:tgtEl>
+                                        <p:attrNameLst>
+                                          <p:attrName>style.visibility</p:attrName>
+                                        </p:attrNameLst>
+                                      </p:cBhvr>
+                                      <p:to>
+                                        <p:strVal val="visible"/>
+                                      </p:to>
+                                    </p:set>
+                                    <p:anim calcmode="lin" valueType="num">
+                                      <p:cBhvr additive="base">
+                                        <p:cTn id="7" dur="500" fill="hold"/>
+                                        <p:tgtEl>
+                                          <p:spTgt spid="4"/>
+                                        </p:tgtEl>
+                                        <p:attrNameLst>
+                                          <p:attrName>ppt_x</p:attrName>
+                                        </p:attrNameLst>
+                                      </p:cBhvr>
+                                      <p:tavLst>
+                                        <p:tav tm="0">
+                                          <p:val>
+                                            <p:strVal val="#ppt_x"/>
+                                          </p:val>
+                                        </p:tav>
+                                        <p:tav tm="100000">
+                                          <p:val>
+                                            <p:strVal val="#ppt_x"/>
+                                          </p:val>
+                                        </p:tav>
+                                      </p:tavLst>
+                                    </p:anim>
+                                    <p:anim calcmode="lin" valueType="num">
+                                      <p:cBhvr additive="base">
+                                        <p:cTn id="8" dur="500" fill="hold"/>
+                                        <p:tgtEl>
+                                          <p:spTgt spid="4"/>
+                                        </p:tgtEl>
+                                        <p:attrNameLst>
+                                          <p:attrName>ppt_y</p:attrName>
+                                        </p:attrNameLst>
+                                      </p:cBhvr>
+                                      <p:tavLst>
+                                        <p:tav tm="0">
+                                          <p:val>
+                                            <p:strVal val="1+#ppt_h/2"/>
+                                          </p:val>
+                                        </p:tav>
+                                        <p:tav tm="100000">
+                                          <p:val>
+                                            <p:strVal val="#ppt_y"/>
+                                          </p:val>
+                                        </p:tav>
+                                      </p:tavLst>
+                                    </p:anim>
+                                  </p:childTnLst>
+                                </p:cTn>
+                              </p:par>
+                            </p:childTnLst>
+                          </p:cTn>
+                        </p:par>
+                      </p:childTnLst>
+                    </p:cTn>
+                  </p:par>
+                </p:childTnLst>
+              </p:cTn>
+              <p:prevCondLst>
+                <p:cond evt="onPrev" delay="0">
+                  <p:tgtEl>
+                    <p:sldTgt/>
+                  </p:tgtEl>
+                </p:cond>
+              </p:prevCondLst>
+              <p:nextCondLst>
+                <p:cond evt="onNext" delay="0">
+                  <p:tgtEl>
+                    <p:sldTgt/>
+                  </p:tgtEl>
+                </p:cond>
+              </p:nextCondLst>
+            </p:seq>
+          </p:childTnLst>
+        </p:cTn>
+      </p:par>
+    </p:tnLst>
+    <p:bldLst>
+      <p:bldP spid="4" grpId="0"/>
+    </p:bldLst>
+  </p:timing>
 </p:sld>
 </file>
 
 <file path=ppt/slides/slide17.xml><?xml version="1.0" encoding="utf-8"?>
+<p:sld xmlns:a="http://schemas.openxmlformats.org/drawingml/2006/main" xmlns:r="http://schemas.openxmlformats.org/officeDocument/2006/relationships" xmlns:p="http://schemas.openxmlformats.org/presentationml/2006/main">
+  <p:cSld>
+    <p:spTree>
+      <p:nvGrpSpPr>
+        <p:cNvPr id="1" name=""/>
+        <p:cNvGrpSpPr/>
+        <p:nvPr/>
+      </p:nvGrpSpPr>
+      <p:grpSpPr>
+        <a:xfrm>
+          <a:off x="0" y="0"/>
+          <a:ext cx="0" cy="0"/>
+          <a:chOff x="0" y="0"/>
+          <a:chExt cx="0" cy="0"/>
+        </a:xfrm>
+      </p:grpSpPr>
+      <p:sp>
+        <p:nvSpPr>
+          <p:cNvPr id="2" name="Titre 1">
+            <a:extLst>
+              <a:ext uri="{FF2B5EF4-FFF2-40B4-BE49-F238E27FC236}">
+                <a16:creationId xmlns:a16="http://schemas.microsoft.com/office/drawing/2014/main" id="{7266D528-BFB2-4E97-B8BC-5A8B6834F554}"/>
+              </a:ext>
+            </a:extLst>
+          </p:cNvPr>
+          <p:cNvSpPr>
+            <a:spLocks noGrp="1"/>
+          </p:cNvSpPr>
+          <p:nvPr>
+            <p:ph type="title"/>
+          </p:nvPr>
+        </p:nvSpPr>
+        <p:spPr/>
+        <p:txBody>
+          <a:bodyPr/>
+          <a:lstStyle/>
+          <a:p>
+            <a:r>
+              <a:rPr lang="fr-BE" dirty="0"/>
+              <a:t>Composition – Inversion of control</a:t>
+            </a:r>
+            <a:endParaRPr lang="en-GB" dirty="0"/>
+          </a:p>
+        </p:txBody>
+      </p:sp>
+      <p:pic>
+        <p:nvPicPr>
+          <p:cNvPr id="4" name="Espace réservé du contenu 3">
+            <a:extLst>
+              <a:ext uri="{FF2B5EF4-FFF2-40B4-BE49-F238E27FC236}">
+                <a16:creationId xmlns:a16="http://schemas.microsoft.com/office/drawing/2014/main" id="{CBC4C470-10C7-4D91-8911-8DFB36C5A75A}"/>
+              </a:ext>
+            </a:extLst>
+          </p:cNvPr>
+          <p:cNvPicPr>
+            <a:picLocks noGrp="1" noChangeAspect="1"/>
+          </p:cNvPicPr>
+          <p:nvPr>
+            <p:ph idx="1"/>
+          </p:nvPr>
+        </p:nvPicPr>
+        <p:blipFill>
+          <a:blip r:embed="rId2"/>
+          <a:stretch>
+            <a:fillRect/>
+          </a:stretch>
+        </p:blipFill>
+        <p:spPr>
+          <a:xfrm>
+            <a:off x="677334" y="1368899"/>
+            <a:ext cx="10503284" cy="5110444"/>
+          </a:xfrm>
+          <a:prstGeom prst="rect">
+            <a:avLst/>
+          </a:prstGeom>
+        </p:spPr>
+      </p:pic>
+    </p:spTree>
+    <p:extLst>
+      <p:ext uri="{BB962C8B-B14F-4D97-AF65-F5344CB8AC3E}">
+        <p14:creationId xmlns:p14="http://schemas.microsoft.com/office/powerpoint/2010/main" val="429084035"/>
+      </p:ext>
+    </p:extLst>
+  </p:cSld>
+  <p:clrMapOvr>
+    <a:masterClrMapping/>
+  </p:clrMapOvr>
+</p:sld>
+</file>
+
+<file path=ppt/slides/slide18.xml><?xml version="1.0" encoding="utf-8"?>
 <p:sld xmlns:a="http://schemas.openxmlformats.org/drawingml/2006/main" xmlns:r="http://schemas.openxmlformats.org/officeDocument/2006/relationships" xmlns:p="http://schemas.openxmlformats.org/presentationml/2006/main">
   <p:cSld>
     <p:spTree>

--- a/PPT/OOPAndGo.pptx
+++ b/PPT/OOPAndGo.pptx
@@ -214,7 +214,7 @@
           <a:p>
             <a:fld id="{5704045B-0300-40B8-906E-48019F9F7CEB}" type="datetimeFigureOut">
               <a:rPr lang="en-GB" smtClean="0"/>
-              <a:t>10/11/2019</a:t>
+              <a:t>11/11/2019</a:t>
             </a:fld>
             <a:endParaRPr lang="en-GB"/>
           </a:p>
@@ -1306,7 +1306,7 @@
           <a:p>
             <a:fld id="{C0C4FB13-012F-4037-81DA-501F3326904A}" type="datetimeFigureOut">
               <a:rPr lang="en-GB" smtClean="0"/>
-              <a:t>10/11/2019</a:t>
+              <a:t>11/11/2019</a:t>
             </a:fld>
             <a:endParaRPr lang="en-GB"/>
           </a:p>
@@ -1557,7 +1557,7 @@
           <a:p>
             <a:fld id="{C0C4FB13-012F-4037-81DA-501F3326904A}" type="datetimeFigureOut">
               <a:rPr lang="en-GB" smtClean="0"/>
-              <a:t>10/11/2019</a:t>
+              <a:t>11/11/2019</a:t>
             </a:fld>
             <a:endParaRPr lang="en-GB"/>
           </a:p>
@@ -1871,7 +1871,7 @@
           <a:p>
             <a:fld id="{C0C4FB13-012F-4037-81DA-501F3326904A}" type="datetimeFigureOut">
               <a:rPr lang="en-GB" smtClean="0"/>
-              <a:t>10/11/2019</a:t>
+              <a:t>11/11/2019</a:t>
             </a:fld>
             <a:endParaRPr lang="en-GB"/>
           </a:p>
@@ -2212,7 +2212,7 @@
           <a:p>
             <a:fld id="{C0C4FB13-012F-4037-81DA-501F3326904A}" type="datetimeFigureOut">
               <a:rPr lang="en-GB" smtClean="0"/>
-              <a:t>10/11/2019</a:t>
+              <a:t>11/11/2019</a:t>
             </a:fld>
             <a:endParaRPr lang="en-GB"/>
           </a:p>
@@ -2526,7 +2526,7 @@
           <a:p>
             <a:fld id="{C0C4FB13-012F-4037-81DA-501F3326904A}" type="datetimeFigureOut">
               <a:rPr lang="en-GB" smtClean="0"/>
-              <a:t>10/11/2019</a:t>
+              <a:t>11/11/2019</a:t>
             </a:fld>
             <a:endParaRPr lang="en-GB"/>
           </a:p>
@@ -2919,7 +2919,7 @@
           <a:p>
             <a:fld id="{C0C4FB13-012F-4037-81DA-501F3326904A}" type="datetimeFigureOut">
               <a:rPr lang="en-GB" smtClean="0"/>
-              <a:t>10/11/2019</a:t>
+              <a:t>11/11/2019</a:t>
             </a:fld>
             <a:endParaRPr lang="en-GB"/>
           </a:p>
@@ -3089,7 +3089,7 @@
           <a:p>
             <a:fld id="{C0C4FB13-012F-4037-81DA-501F3326904A}" type="datetimeFigureOut">
               <a:rPr lang="en-GB" smtClean="0"/>
-              <a:t>10/11/2019</a:t>
+              <a:t>11/11/2019</a:t>
             </a:fld>
             <a:endParaRPr lang="en-GB"/>
           </a:p>
@@ -3269,7 +3269,7 @@
           <a:p>
             <a:fld id="{C0C4FB13-012F-4037-81DA-501F3326904A}" type="datetimeFigureOut">
               <a:rPr lang="en-GB" smtClean="0"/>
-              <a:t>10/11/2019</a:t>
+              <a:t>11/11/2019</a:t>
             </a:fld>
             <a:endParaRPr lang="en-GB"/>
           </a:p>
@@ -3445,7 +3445,7 @@
           <a:p>
             <a:fld id="{C0C4FB13-012F-4037-81DA-501F3326904A}" type="datetimeFigureOut">
               <a:rPr lang="en-GB" smtClean="0"/>
-              <a:t>10/11/2019</a:t>
+              <a:t>11/11/2019</a:t>
             </a:fld>
             <a:endParaRPr lang="en-GB"/>
           </a:p>
@@ -3692,7 +3692,7 @@
           <a:p>
             <a:fld id="{C0C4FB13-012F-4037-81DA-501F3326904A}" type="datetimeFigureOut">
               <a:rPr lang="en-GB" smtClean="0"/>
-              <a:t>10/11/2019</a:t>
+              <a:t>11/11/2019</a:t>
             </a:fld>
             <a:endParaRPr lang="en-GB"/>
           </a:p>
@@ -3924,7 +3924,7 @@
           <a:p>
             <a:fld id="{C0C4FB13-012F-4037-81DA-501F3326904A}" type="datetimeFigureOut">
               <a:rPr lang="en-GB" smtClean="0"/>
-              <a:t>10/11/2019</a:t>
+              <a:t>11/11/2019</a:t>
             </a:fld>
             <a:endParaRPr lang="en-GB"/>
           </a:p>
@@ -4298,7 +4298,7 @@
           <a:p>
             <a:fld id="{C0C4FB13-012F-4037-81DA-501F3326904A}" type="datetimeFigureOut">
               <a:rPr lang="en-GB" smtClean="0"/>
-              <a:t>10/11/2019</a:t>
+              <a:t>11/11/2019</a:t>
             </a:fld>
             <a:endParaRPr lang="en-GB"/>
           </a:p>
@@ -4421,7 +4421,7 @@
           <a:p>
             <a:fld id="{C0C4FB13-012F-4037-81DA-501F3326904A}" type="datetimeFigureOut">
               <a:rPr lang="en-GB" smtClean="0"/>
-              <a:t>10/11/2019</a:t>
+              <a:t>11/11/2019</a:t>
             </a:fld>
             <a:endParaRPr lang="en-GB"/>
           </a:p>
@@ -4516,7 +4516,7 @@
           <a:p>
             <a:fld id="{C0C4FB13-012F-4037-81DA-501F3326904A}" type="datetimeFigureOut">
               <a:rPr lang="en-GB" smtClean="0"/>
-              <a:t>10/11/2019</a:t>
+              <a:t>11/11/2019</a:t>
             </a:fld>
             <a:endParaRPr lang="en-GB"/>
           </a:p>
@@ -4771,7 +4771,7 @@
           <a:p>
             <a:fld id="{C0C4FB13-012F-4037-81DA-501F3326904A}" type="datetimeFigureOut">
               <a:rPr lang="en-GB" smtClean="0"/>
-              <a:t>10/11/2019</a:t>
+              <a:t>11/11/2019</a:t>
             </a:fld>
             <a:endParaRPr lang="en-GB"/>
           </a:p>
@@ -5034,7 +5034,7 @@
           <a:p>
             <a:fld id="{C0C4FB13-012F-4037-81DA-501F3326904A}" type="datetimeFigureOut">
               <a:rPr lang="en-GB" smtClean="0"/>
-              <a:t>10/11/2019</a:t>
+              <a:t>11/11/2019</a:t>
             </a:fld>
             <a:endParaRPr lang="en-GB"/>
           </a:p>
@@ -5777,7 +5777,7 @@
           <a:p>
             <a:fld id="{C0C4FB13-012F-4037-81DA-501F3326904A}" type="datetimeFigureOut">
               <a:rPr lang="en-GB" smtClean="0"/>
-              <a:t>10/11/2019</a:t>
+              <a:t>11/11/2019</a:t>
             </a:fld>
             <a:endParaRPr lang="en-GB"/>
           </a:p>
@@ -6411,16 +6411,8 @@
           <a:lstStyle/>
           <a:p>
             <a:r>
-              <a:rPr lang="fr-BE" dirty="0" err="1"/>
-              <a:t>Prove</a:t>
-            </a:r>
-            <a:r>
               <a:rPr lang="fr-BE" dirty="0"/>
-              <a:t> </a:t>
-            </a:r>
-            <a:r>
-              <a:rPr lang="fr-BE" dirty="0" err="1"/>
-              <a:t>it</a:t>
+              <a:t>Prouve le !</a:t>
             </a:r>
             <a:endParaRPr lang="en-GB" dirty="0"/>
           </a:p>
@@ -6534,7 +6526,7 @@
           <a:p>
             <a:r>
               <a:rPr lang="fr-BE" dirty="0"/>
-              <a:t>Interfaces implémentation</a:t>
+              <a:t>Implémentation des interfaces</a:t>
             </a:r>
             <a:endParaRPr lang="en-GB" dirty="0"/>
           </a:p>
@@ -6564,8 +6556,8 @@
         </p:blipFill>
         <p:spPr>
           <a:xfrm>
-            <a:off x="677334" y="1548127"/>
-            <a:ext cx="5632026" cy="3954806"/>
+            <a:off x="1452975" y="1516595"/>
+            <a:ext cx="7045385" cy="4947266"/>
           </a:xfrm>
           <a:prstGeom prst="rect">
             <a:avLst/>
@@ -6625,7 +6617,7 @@
           <a:p>
             <a:r>
               <a:rPr lang="fr-BE" dirty="0"/>
-              <a:t>Interfaces assignation</a:t>
+              <a:t>Assignation des interfaces</a:t>
             </a:r>
             <a:endParaRPr lang="en-GB" dirty="0"/>
           </a:p>
@@ -6716,7 +6708,7 @@
           <a:p>
             <a:r>
               <a:rPr lang="fr-BE" dirty="0"/>
-              <a:t>Rappel principe (fondamentaux) de l’orienté objet</a:t>
+              <a:t>Rappel des principes (fondamentaux) de l’orienté objet</a:t>
             </a:r>
             <a:endParaRPr lang="en-GB" dirty="0"/>
           </a:p>
@@ -6745,22 +6737,18 @@
           <a:p>
             <a:r>
               <a:rPr lang="fr-BE" dirty="0"/>
-              <a:t>SOLID </a:t>
-            </a:r>
-            <a:r>
-              <a:rPr lang="fr-BE" dirty="0" err="1"/>
-              <a:t>principles</a:t>
-            </a:r>
+              <a:t>Principes SOLID</a:t>
+            </a:r>
+          </a:p>
+          <a:p>
             <a:endParaRPr lang="fr-BE" dirty="0"/>
           </a:p>
           <a:p>
-            <a:endParaRPr lang="fr-BE" dirty="0"/>
-          </a:p>
-          <a:p>
-            <a:r>
-              <a:rPr lang="en-GB" dirty="0"/>
-              <a:t>Polymorphism</a:t>
-            </a:r>
+            <a:r>
+              <a:rPr lang="en-GB" dirty="0" err="1"/>
+              <a:t>Polymorphisme</a:t>
+            </a:r>
+            <a:endParaRPr lang="en-GB" dirty="0"/>
           </a:p>
           <a:p>
             <a:r>
@@ -6859,7 +6847,7 @@
           <a:p>
             <a:r>
               <a:rPr lang="fr-BE" dirty="0"/>
-              <a:t>Rentrer différents type d’objet dans une imbrication</a:t>
+              <a:t>Imbriquer différents type d’objet dans une structure ou un flow</a:t>
             </a:r>
           </a:p>
           <a:p>
@@ -6881,7 +6869,7 @@
         </p:nvSpPr>
         <p:spPr>
           <a:xfrm>
-            <a:off x="3571617" y="3621184"/>
+            <a:off x="3361410" y="3429000"/>
             <a:ext cx="4552849" cy="1107996"/>
           </a:xfrm>
           <a:prstGeom prst="rect">
@@ -7143,7 +7131,7 @@
         </p:nvSpPr>
         <p:spPr>
           <a:xfrm>
-            <a:off x="2296471" y="3333947"/>
+            <a:off x="2917998" y="3429000"/>
             <a:ext cx="5415265" cy="1107996"/>
           </a:xfrm>
           <a:prstGeom prst="rect">
@@ -7537,7 +7525,15 @@
             <a:pPr lvl="1"/>
             <a:r>
               <a:rPr lang="en-GB" dirty="0"/>
-              <a:t>Avec heritage {</a:t>
+              <a:t>Avec </a:t>
+            </a:r>
+            <a:r>
+              <a:rPr lang="en-GB" dirty="0" err="1"/>
+              <a:t>héritage</a:t>
+            </a:r>
+            <a:r>
+              <a:rPr lang="en-GB" dirty="0"/>
+              <a:t> {</a:t>
             </a:r>
             <a:r>
               <a:rPr lang="en-GB" dirty="0" err="1"/>
@@ -7904,6 +7900,22 @@
           <a:bodyPr/>
           <a:lstStyle/>
           <a:p>
+            <a:r>
+              <a:rPr lang="fr-BE" dirty="0"/>
+              <a:t>Pas de </a:t>
+            </a:r>
+            <a:r>
+              <a:rPr lang="fr-BE" dirty="0" err="1"/>
+              <a:t>silver</a:t>
+            </a:r>
+            <a:r>
+              <a:rPr lang="fr-BE" dirty="0"/>
+              <a:t> </a:t>
+            </a:r>
+            <a:r>
+              <a:rPr lang="fr-BE" dirty="0" err="1"/>
+              <a:t>bullet</a:t>
+            </a:r>
             <a:endParaRPr lang="en-GB" dirty="0"/>
           </a:p>
         </p:txBody>
@@ -7929,7 +7941,51 @@
           <a:bodyPr/>
           <a:lstStyle/>
           <a:p>
-            <a:endParaRPr lang="en-GB"/>
+            <a:r>
+              <a:rPr lang="fr-BE" dirty="0" err="1"/>
+              <a:t>Golang</a:t>
+            </a:r>
+            <a:r>
+              <a:rPr lang="fr-BE" dirty="0"/>
+              <a:t> =ok=&gt; OOP</a:t>
+            </a:r>
+          </a:p>
+          <a:p>
+            <a:endParaRPr lang="fr-BE" dirty="0"/>
+          </a:p>
+          <a:p>
+            <a:r>
+              <a:rPr lang="fr-BE" dirty="0"/>
+              <a:t>Performances – Low </a:t>
+            </a:r>
+            <a:r>
+              <a:rPr lang="fr-BE" dirty="0" err="1"/>
+              <a:t>Level</a:t>
+            </a:r>
+            <a:endParaRPr lang="fr-BE" dirty="0"/>
+          </a:p>
+          <a:p>
+            <a:r>
+              <a:rPr lang="en-GB" dirty="0" err="1"/>
+              <a:t>Moderne</a:t>
+            </a:r>
+            <a:r>
+              <a:rPr lang="en-GB" dirty="0"/>
+              <a:t>, facile </a:t>
+            </a:r>
+            <a:r>
+              <a:rPr lang="en-GB" dirty="0" err="1"/>
+              <a:t>d’utilisation</a:t>
+            </a:r>
+            <a:r>
+              <a:rPr lang="en-GB" dirty="0"/>
+              <a:t> – Feature </a:t>
+            </a:r>
+            <a:r>
+              <a:rPr lang="en-GB" dirty="0" err="1"/>
+              <a:t>limité</a:t>
+            </a:r>
+            <a:endParaRPr lang="en-GB" dirty="0"/>
           </a:p>
         </p:txBody>
       </p:sp>
@@ -8188,47 +8244,12 @@
           <a:p>
             <a:r>
               <a:rPr lang="fr-BE" dirty="0"/>
-              <a:t>A quoi ressemble le Go</a:t>
+              <a:t>A quoi ressemble le Go ?</a:t>
             </a:r>
             <a:endParaRPr lang="en-GB" dirty="0"/>
           </a:p>
         </p:txBody>
       </p:sp>
-      <p:pic>
-        <p:nvPicPr>
-          <p:cNvPr id="5" name="Espace réservé du contenu 4" descr="Une image contenant dessin&#10;&#10;Description générée automatiquement">
-            <a:extLst>
-              <a:ext uri="{FF2B5EF4-FFF2-40B4-BE49-F238E27FC236}">
-                <a16:creationId xmlns:a16="http://schemas.microsoft.com/office/drawing/2014/main" id="{EA0EF37E-75D9-4EC2-B318-29710F5CB525}"/>
-              </a:ext>
-            </a:extLst>
-          </p:cNvPr>
-          <p:cNvPicPr>
-            <a:picLocks noGrp="1" noChangeAspect="1"/>
-          </p:cNvPicPr>
-          <p:nvPr>
-            <p:ph idx="1"/>
-          </p:nvPr>
-        </p:nvPicPr>
-        <p:blipFill>
-          <a:blip r:embed="rId2">
-            <a:extLst>
-              <a:ext uri="{28A0092B-C50C-407E-A947-70E740481C1C}">
-                <a14:useLocalDpi xmlns:a14="http://schemas.microsoft.com/office/drawing/2010/main" val="0"/>
-              </a:ext>
-            </a:extLst>
-          </a:blip>
-          <a:stretch>
-            <a:fillRect/>
-          </a:stretch>
-        </p:blipFill>
-        <p:spPr>
-          <a:xfrm>
-            <a:off x="1123211" y="1930400"/>
-            <a:ext cx="3028406" cy="1087120"/>
-          </a:xfrm>
-        </p:spPr>
-      </p:pic>
       <p:pic>
         <p:nvPicPr>
           <p:cNvPr id="7" name="Image 6" descr="Une image contenant dessin, assiette&#10;&#10;Description générée automatiquement">
@@ -8244,7 +8265,7 @@
           <p:nvPr/>
         </p:nvPicPr>
         <p:blipFill>
-          <a:blip r:embed="rId3">
+          <a:blip r:embed="rId2">
             <a:extLst>
               <a:ext uri="{28A0092B-C50C-407E-A947-70E740481C1C}">
                 <a14:useLocalDpi xmlns:a14="http://schemas.microsoft.com/office/drawing/2010/main" val="0"/>
@@ -8360,6 +8381,50 @@
                 <a:schemeClr val="accent1">
                   <a:lumMod val="75000"/>
                 </a:schemeClr>
+              </a:solidFill>
+            </a:endParaRPr>
+          </a:p>
+        </p:txBody>
+      </p:sp>
+      <p:sp>
+        <p:nvSpPr>
+          <p:cNvPr id="4" name="ZoneTexte 3">
+            <a:extLst>
+              <a:ext uri="{FF2B5EF4-FFF2-40B4-BE49-F238E27FC236}">
+                <a16:creationId xmlns:a16="http://schemas.microsoft.com/office/drawing/2014/main" id="{3CC38B00-E4B6-43C9-80FF-5E63B43C8CC9}"/>
+              </a:ext>
+            </a:extLst>
+          </p:cNvPr>
+          <p:cNvSpPr txBox="1"/>
+          <p:nvPr/>
+        </p:nvSpPr>
+        <p:spPr>
+          <a:xfrm>
+            <a:off x="1331151" y="1719284"/>
+            <a:ext cx="3173694" cy="1015663"/>
+          </a:xfrm>
+          <a:prstGeom prst="rect">
+            <a:avLst/>
+          </a:prstGeom>
+          <a:noFill/>
+        </p:spPr>
+        <p:txBody>
+          <a:bodyPr wrap="square" rtlCol="0">
+            <a:spAutoFit/>
+          </a:bodyPr>
+          <a:lstStyle/>
+          <a:p>
+            <a:r>
+              <a:rPr lang="fr-BE" sz="6000" strike="sngStrike" dirty="0">
+                <a:solidFill>
+                  <a:srgbClr val="FF0000"/>
+                </a:solidFill>
+              </a:rPr>
+              <a:t>Classe</a:t>
+            </a:r>
+            <a:endParaRPr lang="en-GB" sz="6000" strike="sngStrike" dirty="0">
+              <a:solidFill>
+                <a:srgbClr val="FF0000"/>
               </a:solidFill>
             </a:endParaRPr>
           </a:p>
@@ -8418,27 +8483,50 @@
           <a:p>
             <a:r>
               <a:rPr lang="fr-BE" dirty="0"/>
-              <a:t>A quoi ressemble le Go</a:t>
+              <a:t>A quoi ressemble le Go ?</a:t>
             </a:r>
             <a:endParaRPr lang="en-GB" dirty="0"/>
+          </a:p>
+        </p:txBody>
+      </p:sp>
+      <p:sp>
+        <p:nvSpPr>
+          <p:cNvPr id="5" name="Espace réservé du contenu 4">
+            <a:extLst>
+              <a:ext uri="{FF2B5EF4-FFF2-40B4-BE49-F238E27FC236}">
+                <a16:creationId xmlns:a16="http://schemas.microsoft.com/office/drawing/2014/main" id="{3901F9AA-807D-48AA-B5B5-1A55928C1E0C}"/>
+              </a:ext>
+            </a:extLst>
+          </p:cNvPr>
+          <p:cNvSpPr>
+            <a:spLocks noGrp="1"/>
+          </p:cNvSpPr>
+          <p:nvPr>
+            <p:ph idx="1"/>
+          </p:nvPr>
+        </p:nvSpPr>
+        <p:spPr/>
+        <p:txBody>
+          <a:bodyPr/>
+          <a:lstStyle/>
+          <a:p>
+            <a:endParaRPr lang="en-GB"/>
           </a:p>
         </p:txBody>
       </p:sp>
       <p:pic>
         <p:nvPicPr>
-          <p:cNvPr id="4" name="Espace réservé du contenu 3">
+          <p:cNvPr id="6" name="Image 5">
             <a:extLst>
               <a:ext uri="{FF2B5EF4-FFF2-40B4-BE49-F238E27FC236}">
-                <a16:creationId xmlns:a16="http://schemas.microsoft.com/office/drawing/2014/main" id="{C3578F35-8D4E-4404-B511-027C6871B66B}"/>
+                <a16:creationId xmlns:a16="http://schemas.microsoft.com/office/drawing/2014/main" id="{41507AEF-FE13-418D-91A1-15BF181D2ADE}"/>
               </a:ext>
             </a:extLst>
           </p:cNvPr>
           <p:cNvPicPr>
-            <a:picLocks noGrp="1" noChangeAspect="1"/>
+            <a:picLocks noChangeAspect="1"/>
           </p:cNvPicPr>
-          <p:nvPr>
-            <p:ph idx="1"/>
-          </p:nvPr>
+          <p:nvPr/>
         </p:nvPicPr>
         <p:blipFill>
           <a:blip r:embed="rId2"/>
@@ -8448,8 +8536,8 @@
         </p:blipFill>
         <p:spPr>
           <a:xfrm>
-            <a:off x="2041967" y="1930399"/>
-            <a:ext cx="6902527" cy="3652961"/>
+            <a:off x="1060563" y="1740900"/>
+            <a:ext cx="10291759" cy="4654644"/>
           </a:xfrm>
           <a:prstGeom prst="rect">
             <a:avLst/>
@@ -8696,7 +8784,7 @@
           <a:p>
             <a:r>
               <a:rPr lang="fr-BE" dirty="0"/>
-              <a:t>Les méthode en Go</a:t>
+              <a:t>Les méthodes en Go</a:t>
             </a:r>
             <a:br>
               <a:rPr lang="fr-BE" dirty="0"/>

--- a/PPT/OOPAndGo.pptx
+++ b/PPT/OOPAndGo.pptx
@@ -2,7 +2,7 @@
 <file path=ppt/presentation.xml><?xml version="1.0" encoding="utf-8"?>
 <p:presentation xmlns:a="http://schemas.openxmlformats.org/drawingml/2006/main" xmlns:r="http://schemas.openxmlformats.org/officeDocument/2006/relationships" xmlns:p="http://schemas.openxmlformats.org/presentationml/2006/main" saveSubsetFonts="1">
   <p:sldMasterIdLst>
-    <p:sldMasterId id="2147483660" r:id="rId1"/>
+    <p:sldMasterId id="2147483677" r:id="rId1"/>
   </p:sldMasterIdLst>
   <p:notesMasterIdLst>
     <p:notesMasterId r:id="rId20"/>
@@ -214,7 +214,7 @@
           <a:p>
             <a:fld id="{5704045B-0300-40B8-906E-48019F9F7CEB}" type="datetimeFigureOut">
               <a:rPr lang="en-GB" smtClean="0"/>
-              <a:t>11/11/2019</a:t>
+              <a:t>12/11/2019</a:t>
             </a:fld>
             <a:endParaRPr lang="en-GB"/>
           </a:p>
@@ -603,7 +603,7 @@
       </p:grpSpPr>
       <p:grpSp>
         <p:nvGrpSpPr>
-          <p:cNvPr id="7" name="Group 6"/>
+          <p:cNvPr id="8" name="Group 7"/>
           <p:cNvGrpSpPr/>
           <p:nvPr/>
         </p:nvGrpSpPr>
@@ -632,7 +632,8 @@
             <a:ln w="9525">
               <a:solidFill>
                 <a:schemeClr val="bg1">
-                  <a:lumMod val="75000"/>
+                  <a:lumMod val="85000"/>
+                  <a:lumOff val="15000"/>
                 </a:schemeClr>
               </a:solidFill>
             </a:ln>
@@ -670,6 +671,7 @@
               <a:solidFill>
                 <a:schemeClr val="bg1">
                   <a:lumMod val="85000"/>
+                  <a:lumOff val="15000"/>
                 </a:schemeClr>
               </a:solidFill>
             </a:ln>
@@ -1306,7 +1308,7 @@
           <a:p>
             <a:fld id="{C0C4FB13-012F-4037-81DA-501F3326904A}" type="datetimeFigureOut">
               <a:rPr lang="en-GB" smtClean="0"/>
-              <a:t>11/11/2019</a:t>
+              <a:t>12/11/2019</a:t>
             </a:fld>
             <a:endParaRPr lang="en-GB"/>
           </a:p>
@@ -1357,7 +1359,7 @@
     </p:spTree>
     <p:extLst>
       <p:ext uri="{BB962C8B-B14F-4D97-AF65-F5344CB8AC3E}">
-        <p14:creationId xmlns:p14="http://schemas.microsoft.com/office/powerpoint/2010/main" val="907728216"/>
+        <p14:creationId xmlns:p14="http://schemas.microsoft.com/office/powerpoint/2010/main" val="3154456477"/>
       </p:ext>
     </p:extLst>
   </p:cSld>
@@ -1557,7 +1559,7 @@
           <a:p>
             <a:fld id="{C0C4FB13-012F-4037-81DA-501F3326904A}" type="datetimeFigureOut">
               <a:rPr lang="en-GB" smtClean="0"/>
-              <a:t>11/11/2019</a:t>
+              <a:t>12/11/2019</a:t>
             </a:fld>
             <a:endParaRPr lang="en-GB"/>
           </a:p>
@@ -1608,7 +1610,7 @@
     </p:spTree>
     <p:extLst>
       <p:ext uri="{BB962C8B-B14F-4D97-AF65-F5344CB8AC3E}">
-        <p14:creationId xmlns:p14="http://schemas.microsoft.com/office/powerpoint/2010/main" val="1162882880"/>
+        <p14:creationId xmlns:p14="http://schemas.microsoft.com/office/powerpoint/2010/main" val="3919270891"/>
       </p:ext>
     </p:extLst>
   </p:cSld>
@@ -1871,7 +1873,7 @@
           <a:p>
             <a:fld id="{C0C4FB13-012F-4037-81DA-501F3326904A}" type="datetimeFigureOut">
               <a:rPr lang="en-GB" smtClean="0"/>
-              <a:t>11/11/2019</a:t>
+              <a:t>12/11/2019</a:t>
             </a:fld>
             <a:endParaRPr lang="en-GB"/>
           </a:p>
@@ -1947,10 +1949,7 @@
                   <a:noFill/>
                 </a:ln>
                 <a:solidFill>
-                  <a:schemeClr val="accent1">
-                    <a:lumMod val="60000"/>
-                    <a:lumOff val="40000"/>
-                  </a:schemeClr>
+                  <a:schemeClr val="accent1"/>
                 </a:solidFill>
                 <a:effectLst/>
                 <a:latin typeface="Arial"/>
@@ -1988,31 +1987,20 @@
                   <a:noFill/>
                 </a:ln>
                 <a:solidFill>
-                  <a:schemeClr val="accent1">
-                    <a:lumMod val="60000"/>
-                    <a:lumOff val="40000"/>
-                  </a:schemeClr>
+                  <a:schemeClr val="accent1"/>
                 </a:solidFill>
+                <a:effectLst/>
                 <a:latin typeface="Arial"/>
               </a:rPr>
               <a:t>”</a:t>
             </a:r>
-            <a:endParaRPr lang="en-US" dirty="0">
-              <a:solidFill>
-                <a:schemeClr val="accent1">
-                  <a:lumMod val="60000"/>
-                  <a:lumOff val="40000"/>
-                </a:schemeClr>
-              </a:solidFill>
-              <a:latin typeface="Arial"/>
-            </a:endParaRPr>
           </a:p>
         </p:txBody>
       </p:sp>
     </p:spTree>
     <p:extLst>
       <p:ext uri="{BB962C8B-B14F-4D97-AF65-F5344CB8AC3E}">
-        <p14:creationId xmlns:p14="http://schemas.microsoft.com/office/powerpoint/2010/main" val="2607030676"/>
+        <p14:creationId xmlns:p14="http://schemas.microsoft.com/office/powerpoint/2010/main" val="4192500260"/>
       </p:ext>
     </p:extLst>
   </p:cSld>
@@ -2212,7 +2200,7 @@
           <a:p>
             <a:fld id="{C0C4FB13-012F-4037-81DA-501F3326904A}" type="datetimeFigureOut">
               <a:rPr lang="en-GB" smtClean="0"/>
-              <a:t>11/11/2019</a:t>
+              <a:t>12/11/2019</a:t>
             </a:fld>
             <a:endParaRPr lang="en-GB"/>
           </a:p>
@@ -2263,7 +2251,7 @@
     </p:spTree>
     <p:extLst>
       <p:ext uri="{BB962C8B-B14F-4D97-AF65-F5344CB8AC3E}">
-        <p14:creationId xmlns:p14="http://schemas.microsoft.com/office/powerpoint/2010/main" val="3589006452"/>
+        <p14:creationId xmlns:p14="http://schemas.microsoft.com/office/powerpoint/2010/main" val="1868875139"/>
       </p:ext>
     </p:extLst>
   </p:cSld>
@@ -2526,7 +2514,7 @@
           <a:p>
             <a:fld id="{C0C4FB13-012F-4037-81DA-501F3326904A}" type="datetimeFigureOut">
               <a:rPr lang="en-GB" smtClean="0"/>
-              <a:t>11/11/2019</a:t>
+              <a:t>12/11/2019</a:t>
             </a:fld>
             <a:endParaRPr lang="en-GB"/>
           </a:p>
@@ -2602,10 +2590,7 @@
                   <a:noFill/>
                 </a:ln>
                 <a:solidFill>
-                  <a:schemeClr val="accent1">
-                    <a:lumMod val="60000"/>
-                    <a:lumOff val="40000"/>
-                  </a:schemeClr>
+                  <a:schemeClr val="accent1"/>
                 </a:solidFill>
                 <a:effectLst/>
                 <a:latin typeface="Arial"/>
@@ -2643,10 +2628,7 @@
                   <a:noFill/>
                 </a:ln>
                 <a:solidFill>
-                  <a:schemeClr val="accent1">
-                    <a:lumMod val="60000"/>
-                    <a:lumOff val="40000"/>
-                  </a:schemeClr>
+                  <a:schemeClr val="accent1"/>
                 </a:solidFill>
                 <a:effectLst/>
                 <a:latin typeface="Arial"/>
@@ -2659,7 +2641,7 @@
     </p:spTree>
     <p:extLst>
       <p:ext uri="{BB962C8B-B14F-4D97-AF65-F5344CB8AC3E}">
-        <p14:creationId xmlns:p14="http://schemas.microsoft.com/office/powerpoint/2010/main" val="2207909343"/>
+        <p14:creationId xmlns:p14="http://schemas.microsoft.com/office/powerpoint/2010/main" val="3453475045"/>
       </p:ext>
     </p:extLst>
   </p:cSld>
@@ -2919,7 +2901,7 @@
           <a:p>
             <a:fld id="{C0C4FB13-012F-4037-81DA-501F3326904A}" type="datetimeFigureOut">
               <a:rPr lang="en-GB" smtClean="0"/>
-              <a:t>11/11/2019</a:t>
+              <a:t>12/11/2019</a:t>
             </a:fld>
             <a:endParaRPr lang="en-GB"/>
           </a:p>
@@ -2970,7 +2952,7 @@
     </p:spTree>
     <p:extLst>
       <p:ext uri="{BB962C8B-B14F-4D97-AF65-F5344CB8AC3E}">
-        <p14:creationId xmlns:p14="http://schemas.microsoft.com/office/powerpoint/2010/main" val="936076110"/>
+        <p14:creationId xmlns:p14="http://schemas.microsoft.com/office/powerpoint/2010/main" val="1540555064"/>
       </p:ext>
     </p:extLst>
   </p:cSld>
@@ -3089,7 +3071,7 @@
           <a:p>
             <a:fld id="{C0C4FB13-012F-4037-81DA-501F3326904A}" type="datetimeFigureOut">
               <a:rPr lang="en-GB" smtClean="0"/>
-              <a:t>11/11/2019</a:t>
+              <a:t>12/11/2019</a:t>
             </a:fld>
             <a:endParaRPr lang="en-GB"/>
           </a:p>
@@ -3140,7 +3122,7 @@
     </p:spTree>
     <p:extLst>
       <p:ext uri="{BB962C8B-B14F-4D97-AF65-F5344CB8AC3E}">
-        <p14:creationId xmlns:p14="http://schemas.microsoft.com/office/powerpoint/2010/main" val="2149379239"/>
+        <p14:creationId xmlns:p14="http://schemas.microsoft.com/office/powerpoint/2010/main" val="3446439915"/>
       </p:ext>
     </p:extLst>
   </p:cSld>
@@ -3269,7 +3251,7 @@
           <a:p>
             <a:fld id="{C0C4FB13-012F-4037-81DA-501F3326904A}" type="datetimeFigureOut">
               <a:rPr lang="en-GB" smtClean="0"/>
-              <a:t>11/11/2019</a:t>
+              <a:t>12/11/2019</a:t>
             </a:fld>
             <a:endParaRPr lang="en-GB"/>
           </a:p>
@@ -3320,7 +3302,7 @@
     </p:spTree>
     <p:extLst>
       <p:ext uri="{BB962C8B-B14F-4D97-AF65-F5344CB8AC3E}">
-        <p14:creationId xmlns:p14="http://schemas.microsoft.com/office/powerpoint/2010/main" val="694704147"/>
+        <p14:creationId xmlns:p14="http://schemas.microsoft.com/office/powerpoint/2010/main" val="1796806107"/>
       </p:ext>
     </p:extLst>
   </p:cSld>
@@ -3445,7 +3427,7 @@
           <a:p>
             <a:fld id="{C0C4FB13-012F-4037-81DA-501F3326904A}" type="datetimeFigureOut">
               <a:rPr lang="en-GB" smtClean="0"/>
-              <a:t>11/11/2019</a:t>
+              <a:t>12/11/2019</a:t>
             </a:fld>
             <a:endParaRPr lang="en-GB"/>
           </a:p>
@@ -3496,7 +3478,7 @@
     </p:spTree>
     <p:extLst>
       <p:ext uri="{BB962C8B-B14F-4D97-AF65-F5344CB8AC3E}">
-        <p14:creationId xmlns:p14="http://schemas.microsoft.com/office/powerpoint/2010/main" val="891869584"/>
+        <p14:creationId xmlns:p14="http://schemas.microsoft.com/office/powerpoint/2010/main" val="1690127161"/>
       </p:ext>
     </p:extLst>
   </p:cSld>
@@ -3692,7 +3674,7 @@
           <a:p>
             <a:fld id="{C0C4FB13-012F-4037-81DA-501F3326904A}" type="datetimeFigureOut">
               <a:rPr lang="en-GB" smtClean="0"/>
-              <a:t>11/11/2019</a:t>
+              <a:t>12/11/2019</a:t>
             </a:fld>
             <a:endParaRPr lang="en-GB"/>
           </a:p>
@@ -3743,7 +3725,7 @@
     </p:spTree>
     <p:extLst>
       <p:ext uri="{BB962C8B-B14F-4D97-AF65-F5344CB8AC3E}">
-        <p14:creationId xmlns:p14="http://schemas.microsoft.com/office/powerpoint/2010/main" val="1627195533"/>
+        <p14:creationId xmlns:p14="http://schemas.microsoft.com/office/powerpoint/2010/main" val="362353991"/>
       </p:ext>
     </p:extLst>
   </p:cSld>
@@ -3924,7 +3906,7 @@
           <a:p>
             <a:fld id="{C0C4FB13-012F-4037-81DA-501F3326904A}" type="datetimeFigureOut">
               <a:rPr lang="en-GB" smtClean="0"/>
-              <a:t>11/11/2019</a:t>
+              <a:t>12/11/2019</a:t>
             </a:fld>
             <a:endParaRPr lang="en-GB"/>
           </a:p>
@@ -3975,7 +3957,7 @@
     </p:spTree>
     <p:extLst>
       <p:ext uri="{BB962C8B-B14F-4D97-AF65-F5344CB8AC3E}">
-        <p14:creationId xmlns:p14="http://schemas.microsoft.com/office/powerpoint/2010/main" val="2809027059"/>
+        <p14:creationId xmlns:p14="http://schemas.microsoft.com/office/powerpoint/2010/main" val="1384156703"/>
       </p:ext>
     </p:extLst>
   </p:cSld>
@@ -4298,7 +4280,7 @@
           <a:p>
             <a:fld id="{C0C4FB13-012F-4037-81DA-501F3326904A}" type="datetimeFigureOut">
               <a:rPr lang="en-GB" smtClean="0"/>
-              <a:t>11/11/2019</a:t>
+              <a:t>12/11/2019</a:t>
             </a:fld>
             <a:endParaRPr lang="en-GB"/>
           </a:p>
@@ -4349,7 +4331,7 @@
     </p:spTree>
     <p:extLst>
       <p:ext uri="{BB962C8B-B14F-4D97-AF65-F5344CB8AC3E}">
-        <p14:creationId xmlns:p14="http://schemas.microsoft.com/office/powerpoint/2010/main" val="2910635178"/>
+        <p14:creationId xmlns:p14="http://schemas.microsoft.com/office/powerpoint/2010/main" val="2072402796"/>
       </p:ext>
     </p:extLst>
   </p:cSld>
@@ -4421,7 +4403,7 @@
           <a:p>
             <a:fld id="{C0C4FB13-012F-4037-81DA-501F3326904A}" type="datetimeFigureOut">
               <a:rPr lang="en-GB" smtClean="0"/>
-              <a:t>11/11/2019</a:t>
+              <a:t>12/11/2019</a:t>
             </a:fld>
             <a:endParaRPr lang="en-GB"/>
           </a:p>
@@ -4472,7 +4454,7 @@
     </p:spTree>
     <p:extLst>
       <p:ext uri="{BB962C8B-B14F-4D97-AF65-F5344CB8AC3E}">
-        <p14:creationId xmlns:p14="http://schemas.microsoft.com/office/powerpoint/2010/main" val="1931643127"/>
+        <p14:creationId xmlns:p14="http://schemas.microsoft.com/office/powerpoint/2010/main" val="2950638824"/>
       </p:ext>
     </p:extLst>
   </p:cSld>
@@ -4516,7 +4498,7 @@
           <a:p>
             <a:fld id="{C0C4FB13-012F-4037-81DA-501F3326904A}" type="datetimeFigureOut">
               <a:rPr lang="en-GB" smtClean="0"/>
-              <a:t>11/11/2019</a:t>
+              <a:t>12/11/2019</a:t>
             </a:fld>
             <a:endParaRPr lang="en-GB"/>
           </a:p>
@@ -4567,7 +4549,7 @@
     </p:spTree>
     <p:extLst>
       <p:ext uri="{BB962C8B-B14F-4D97-AF65-F5344CB8AC3E}">
-        <p14:creationId xmlns:p14="http://schemas.microsoft.com/office/powerpoint/2010/main" val="2008634094"/>
+        <p14:creationId xmlns:p14="http://schemas.microsoft.com/office/powerpoint/2010/main" val="3717129581"/>
       </p:ext>
     </p:extLst>
   </p:cSld>
@@ -4771,7 +4753,7 @@
           <a:p>
             <a:fld id="{C0C4FB13-012F-4037-81DA-501F3326904A}" type="datetimeFigureOut">
               <a:rPr lang="en-GB" smtClean="0"/>
-              <a:t>11/11/2019</a:t>
+              <a:t>12/11/2019</a:t>
             </a:fld>
             <a:endParaRPr lang="en-GB"/>
           </a:p>
@@ -4822,7 +4804,7 @@
     </p:spTree>
     <p:extLst>
       <p:ext uri="{BB962C8B-B14F-4D97-AF65-F5344CB8AC3E}">
-        <p14:creationId xmlns:p14="http://schemas.microsoft.com/office/powerpoint/2010/main" val="3122603510"/>
+        <p14:creationId xmlns:p14="http://schemas.microsoft.com/office/powerpoint/2010/main" val="2257749793"/>
       </p:ext>
     </p:extLst>
   </p:cSld>
@@ -5034,7 +5016,7 @@
           <a:p>
             <a:fld id="{C0C4FB13-012F-4037-81DA-501F3326904A}" type="datetimeFigureOut">
               <a:rPr lang="en-GB" smtClean="0"/>
-              <a:t>11/11/2019</a:t>
+              <a:t>12/11/2019</a:t>
             </a:fld>
             <a:endParaRPr lang="en-GB"/>
           </a:p>
@@ -5085,7 +5067,7 @@
     </p:spTree>
     <p:extLst>
       <p:ext uri="{BB962C8B-B14F-4D97-AF65-F5344CB8AC3E}">
-        <p14:creationId xmlns:p14="http://schemas.microsoft.com/office/powerpoint/2010/main" val="72297211"/>
+        <p14:creationId xmlns:p14="http://schemas.microsoft.com/office/powerpoint/2010/main" val="4208075686"/>
       </p:ext>
     </p:extLst>
   </p:cSld>
@@ -5100,7 +5082,7 @@
   <p:cSld>
     <p:bg>
       <p:bgRef idx="1001">
-        <a:schemeClr val="bg1"/>
+        <a:schemeClr val="bg2"/>
       </p:bgRef>
     </p:bg>
     <p:spTree>
@@ -5119,7 +5101,7 @@
       </p:grpSpPr>
       <p:grpSp>
         <p:nvGrpSpPr>
-          <p:cNvPr id="7" name="Group 6"/>
+          <p:cNvPr id="8" name="Group 7"/>
           <p:cNvGrpSpPr/>
           <p:nvPr/>
         </p:nvGrpSpPr>
@@ -5148,7 +5130,8 @@
             <a:ln w="9525">
               <a:solidFill>
                 <a:schemeClr val="bg1">
-                  <a:lumMod val="75000"/>
+                  <a:lumMod val="85000"/>
+                  <a:lumOff val="15000"/>
                 </a:schemeClr>
               </a:solidFill>
             </a:ln>
@@ -5186,6 +5169,7 @@
               <a:solidFill>
                 <a:schemeClr val="bg1">
                   <a:lumMod val="85000"/>
+                  <a:lumOff val="15000"/>
                 </a:schemeClr>
               </a:solidFill>
             </a:ln>
@@ -5777,7 +5761,7 @@
           <a:p>
             <a:fld id="{C0C4FB13-012F-4037-81DA-501F3326904A}" type="datetimeFigureOut">
               <a:rPr lang="en-GB" smtClean="0"/>
-              <a:t>11/11/2019</a:t>
+              <a:t>12/11/2019</a:t>
             </a:fld>
             <a:endParaRPr lang="en-GB"/>
           </a:p>
@@ -5862,28 +5846,28 @@
     </p:spTree>
     <p:extLst>
       <p:ext uri="{BB962C8B-B14F-4D97-AF65-F5344CB8AC3E}">
-        <p14:creationId xmlns:p14="http://schemas.microsoft.com/office/powerpoint/2010/main" val="2685494323"/>
+        <p14:creationId xmlns:p14="http://schemas.microsoft.com/office/powerpoint/2010/main" val="1270679886"/>
       </p:ext>
     </p:extLst>
   </p:cSld>
-  <p:clrMap bg1="lt1" tx1="dk1" bg2="lt2" tx2="dk2" accent1="accent1" accent2="accent2" accent3="accent3" accent4="accent4" accent5="accent5" accent6="accent6" hlink="hlink" folHlink="folHlink"/>
+  <p:clrMap bg1="dk1" tx1="lt1" bg2="dk2" tx2="lt2" accent1="accent1" accent2="accent2" accent3="accent3" accent4="accent4" accent5="accent5" accent6="accent6" hlink="hlink" folHlink="folHlink"/>
   <p:sldLayoutIdLst>
-    <p:sldLayoutId id="2147483661" r:id="rId1"/>
-    <p:sldLayoutId id="2147483662" r:id="rId2"/>
-    <p:sldLayoutId id="2147483663" r:id="rId3"/>
-    <p:sldLayoutId id="2147483664" r:id="rId4"/>
-    <p:sldLayoutId id="2147483665" r:id="rId5"/>
-    <p:sldLayoutId id="2147483666" r:id="rId6"/>
-    <p:sldLayoutId id="2147483667" r:id="rId7"/>
-    <p:sldLayoutId id="2147483668" r:id="rId8"/>
-    <p:sldLayoutId id="2147483669" r:id="rId9"/>
-    <p:sldLayoutId id="2147483670" r:id="rId10"/>
-    <p:sldLayoutId id="2147483671" r:id="rId11"/>
-    <p:sldLayoutId id="2147483672" r:id="rId12"/>
-    <p:sldLayoutId id="2147483673" r:id="rId13"/>
-    <p:sldLayoutId id="2147483674" r:id="rId14"/>
-    <p:sldLayoutId id="2147483675" r:id="rId15"/>
-    <p:sldLayoutId id="2147483676" r:id="rId16"/>
+    <p:sldLayoutId id="2147483678" r:id="rId1"/>
+    <p:sldLayoutId id="2147483679" r:id="rId2"/>
+    <p:sldLayoutId id="2147483680" r:id="rId3"/>
+    <p:sldLayoutId id="2147483681" r:id="rId4"/>
+    <p:sldLayoutId id="2147483682" r:id="rId5"/>
+    <p:sldLayoutId id="2147483683" r:id="rId6"/>
+    <p:sldLayoutId id="2147483684" r:id="rId7"/>
+    <p:sldLayoutId id="2147483685" r:id="rId8"/>
+    <p:sldLayoutId id="2147483686" r:id="rId9"/>
+    <p:sldLayoutId id="2147483687" r:id="rId10"/>
+    <p:sldLayoutId id="2147483688" r:id="rId11"/>
+    <p:sldLayoutId id="2147483689" r:id="rId12"/>
+    <p:sldLayoutId id="2147483690" r:id="rId13"/>
+    <p:sldLayoutId id="2147483691" r:id="rId14"/>
+    <p:sldLayoutId id="2147483692" r:id="rId15"/>
+    <p:sldLayoutId id="2147483693" r:id="rId16"/>
   </p:sldLayoutIdLst>
   <p:txStyles>
     <p:titleStyle>
@@ -8772,12 +8756,7 @@
             <p:ph type="title"/>
           </p:nvPr>
         </p:nvSpPr>
-        <p:spPr>
-          <a:xfrm>
-            <a:off x="677334" y="609600"/>
-            <a:ext cx="8596668" cy="1320800"/>
-          </a:xfrm>
-        </p:spPr>
+        <p:spPr/>
         <p:txBody>
           <a:bodyPr/>
           <a:lstStyle/>
@@ -9337,7 +9316,7 @@
   <a:extraClrSchemeLst/>
   <a:extLst>
     <a:ext uri="{05A4C25C-085E-4340-85A3-A5531E510DB2}">
-      <thm15:themeFamily xmlns:thm15="http://schemas.microsoft.com/office/thememl/2012/main" name="Facet" id="{C0C680CD-088A-49FC-A102-D699147F32B2}" vid="{CFBC31BA-B70F-4F30-BCAA-4F3011E16C4D}"/>
+      <thm15:themeFamily xmlns:thm15="http://schemas.microsoft.com/office/thememl/2012/main" name="Facet" id="{C0C680CD-088A-49FC-A102-D699147F32B2}" vid="{8C59B386-999D-4CB6-B907-9F3997C027CC}"/>
     </a:ext>
   </a:extLst>
 </a:theme>
